--- a/ppt/Deep Learning Methods for Solving PDEs - MX CA Project.pptx
+++ b/ppt/Deep Learning Methods for Solving PDEs - MX CA Project.pptx
@@ -2,18 +2,24 @@
 <file path=ppt/presentation.xml><?xml version="1.0" encoding="utf-8"?>
 <p:presentation xmlns:a="http://schemas.openxmlformats.org/drawingml/2006/main" xmlns:r="http://schemas.openxmlformats.org/officeDocument/2006/relationships" xmlns:p="http://schemas.openxmlformats.org/presentationml/2006/main" saveSubsetFonts="1">
   <p:sldMasterIdLst>
-    <p:sldMasterId id="2147483648" r:id="rId1"/>
+    <p:sldMasterId id="2147483702" r:id="rId1"/>
   </p:sldMasterIdLst>
+  <p:notesMasterIdLst>
+    <p:notesMasterId r:id="rId14"/>
+  </p:notesMasterIdLst>
   <p:sldIdLst>
     <p:sldId id="256" r:id="rId2"/>
     <p:sldId id="257" r:id="rId3"/>
     <p:sldId id="259" r:id="rId4"/>
     <p:sldId id="258" r:id="rId5"/>
     <p:sldId id="260" r:id="rId6"/>
-    <p:sldId id="261" r:id="rId7"/>
-    <p:sldId id="262" r:id="rId8"/>
-    <p:sldId id="263" r:id="rId9"/>
-    <p:sldId id="264" r:id="rId10"/>
+    <p:sldId id="262" r:id="rId7"/>
+    <p:sldId id="267" r:id="rId8"/>
+    <p:sldId id="268" r:id="rId9"/>
+    <p:sldId id="269" r:id="rId10"/>
+    <p:sldId id="270" r:id="rId11"/>
+    <p:sldId id="265" r:id="rId12"/>
+    <p:sldId id="266" r:id="rId13"/>
   </p:sldIdLst>
   <p:sldSz cx="12192000" cy="6858000"/>
   <p:notesSz cx="6858000" cy="9144000"/>
@@ -112,7 +118,362 @@
       </a:defRPr>
     </a:lvl9pPr>
   </p:defaultTextStyle>
+  <p:extLst>
+    <p:ext uri="{EFAFB233-063F-42B5-8137-9DF3F51BA10A}">
+      <p15:sldGuideLst xmlns:p15="http://schemas.microsoft.com/office/powerpoint/2012/main"/>
+    </p:ext>
+  </p:extLst>
 </p:presentation>
+</file>
+
+<file path=ppt/notesMasters/notesMaster1.xml><?xml version="1.0" encoding="utf-8"?>
+<p:notesMaster xmlns:a="http://schemas.openxmlformats.org/drawingml/2006/main" xmlns:r="http://schemas.openxmlformats.org/officeDocument/2006/relationships" xmlns:p="http://schemas.openxmlformats.org/presentationml/2006/main">
+  <p:cSld>
+    <p:bg>
+      <p:bgRef idx="1001">
+        <a:schemeClr val="bg1"/>
+      </p:bgRef>
+    </p:bg>
+    <p:spTree>
+      <p:nvGrpSpPr>
+        <p:cNvPr id="1" name=""/>
+        <p:cNvGrpSpPr/>
+        <p:nvPr/>
+      </p:nvGrpSpPr>
+      <p:grpSpPr>
+        <a:xfrm>
+          <a:off x="0" y="0"/>
+          <a:ext cx="0" cy="0"/>
+          <a:chOff x="0" y="0"/>
+          <a:chExt cx="0" cy="0"/>
+        </a:xfrm>
+      </p:grpSpPr>
+      <p:sp>
+        <p:nvSpPr>
+          <p:cNvPr id="2" name="Header Placeholder 1"/>
+          <p:cNvSpPr>
+            <a:spLocks noGrp="1"/>
+          </p:cNvSpPr>
+          <p:nvPr>
+            <p:ph type="hdr" sz="quarter"/>
+          </p:nvPr>
+        </p:nvSpPr>
+        <p:spPr>
+          <a:xfrm>
+            <a:off x="0" y="0"/>
+            <a:ext cx="2971800" cy="458788"/>
+          </a:xfrm>
+          <a:prstGeom prst="rect">
+            <a:avLst/>
+          </a:prstGeom>
+        </p:spPr>
+        <p:txBody>
+          <a:bodyPr vert="horz" lIns="91440" tIns="45720" rIns="91440" bIns="45720" rtlCol="0"/>
+          <a:lstStyle>
+            <a:lvl1pPr algn="l">
+              <a:defRPr sz="1200"/>
+            </a:lvl1pPr>
+          </a:lstStyle>
+          <a:p>
+            <a:endParaRPr lang="en-US"/>
+          </a:p>
+        </p:txBody>
+      </p:sp>
+      <p:sp>
+        <p:nvSpPr>
+          <p:cNvPr id="3" name="Date Placeholder 2"/>
+          <p:cNvSpPr>
+            <a:spLocks noGrp="1"/>
+          </p:cNvSpPr>
+          <p:nvPr>
+            <p:ph type="dt" idx="1"/>
+          </p:nvPr>
+        </p:nvSpPr>
+        <p:spPr>
+          <a:xfrm>
+            <a:off x="3884613" y="0"/>
+            <a:ext cx="2971800" cy="458788"/>
+          </a:xfrm>
+          <a:prstGeom prst="rect">
+            <a:avLst/>
+          </a:prstGeom>
+        </p:spPr>
+        <p:txBody>
+          <a:bodyPr vert="horz" lIns="91440" tIns="45720" rIns="91440" bIns="45720" rtlCol="0"/>
+          <a:lstStyle>
+            <a:lvl1pPr algn="r">
+              <a:defRPr sz="1200"/>
+            </a:lvl1pPr>
+          </a:lstStyle>
+          <a:p>
+            <a:fld id="{0F25DED6-A33D-C04F-B1A7-8B9B1A4AD976}" type="datetimeFigureOut">
+              <a:rPr lang="en-US" smtClean="0"/>
+              <a:t>5/22/24</a:t>
+            </a:fld>
+            <a:endParaRPr lang="en-US"/>
+          </a:p>
+        </p:txBody>
+      </p:sp>
+      <p:sp>
+        <p:nvSpPr>
+          <p:cNvPr id="4" name="Slide Image Placeholder 3"/>
+          <p:cNvSpPr>
+            <a:spLocks noGrp="1" noRot="1" noChangeAspect="1"/>
+          </p:cNvSpPr>
+          <p:nvPr>
+            <p:ph type="sldImg" idx="2"/>
+          </p:nvPr>
+        </p:nvSpPr>
+        <p:spPr>
+          <a:xfrm>
+            <a:off x="685800" y="1143000"/>
+            <a:ext cx="5486400" cy="3086100"/>
+          </a:xfrm>
+          <a:prstGeom prst="rect">
+            <a:avLst/>
+          </a:prstGeom>
+          <a:noFill/>
+          <a:ln w="12700">
+            <a:solidFill>
+              <a:prstClr val="black"/>
+            </a:solidFill>
+          </a:ln>
+        </p:spPr>
+        <p:txBody>
+          <a:bodyPr vert="horz" lIns="91440" tIns="45720" rIns="91440" bIns="45720" rtlCol="0" anchor="ctr"/>
+          <a:lstStyle/>
+          <a:p>
+            <a:endParaRPr lang="en-US"/>
+          </a:p>
+        </p:txBody>
+      </p:sp>
+      <p:sp>
+        <p:nvSpPr>
+          <p:cNvPr id="5" name="Notes Placeholder 4"/>
+          <p:cNvSpPr>
+            <a:spLocks noGrp="1"/>
+          </p:cNvSpPr>
+          <p:nvPr>
+            <p:ph type="body" sz="quarter" idx="3"/>
+          </p:nvPr>
+        </p:nvSpPr>
+        <p:spPr>
+          <a:xfrm>
+            <a:off x="685800" y="4400550"/>
+            <a:ext cx="5486400" cy="3600450"/>
+          </a:xfrm>
+          <a:prstGeom prst="rect">
+            <a:avLst/>
+          </a:prstGeom>
+        </p:spPr>
+        <p:txBody>
+          <a:bodyPr vert="horz" lIns="91440" tIns="45720" rIns="91440" bIns="45720" rtlCol="0"/>
+          <a:lstStyle/>
+          <a:p>
+            <a:pPr lvl="0"/>
+            <a:r>
+              <a:rPr lang="en-US" smtClean="0"/>
+              <a:t>Click to edit Master text styles</a:t>
+            </a:r>
+          </a:p>
+          <a:p>
+            <a:pPr lvl="1"/>
+            <a:r>
+              <a:rPr lang="en-US" smtClean="0"/>
+              <a:t>Second level</a:t>
+            </a:r>
+          </a:p>
+          <a:p>
+            <a:pPr lvl="2"/>
+            <a:r>
+              <a:rPr lang="en-US" smtClean="0"/>
+              <a:t>Third level</a:t>
+            </a:r>
+          </a:p>
+          <a:p>
+            <a:pPr lvl="3"/>
+            <a:r>
+              <a:rPr lang="en-US" smtClean="0"/>
+              <a:t>Fourth level</a:t>
+            </a:r>
+          </a:p>
+          <a:p>
+            <a:pPr lvl="4"/>
+            <a:r>
+              <a:rPr lang="en-US" smtClean="0"/>
+              <a:t>Fifth level</a:t>
+            </a:r>
+            <a:endParaRPr lang="en-US"/>
+          </a:p>
+        </p:txBody>
+      </p:sp>
+      <p:sp>
+        <p:nvSpPr>
+          <p:cNvPr id="6" name="Footer Placeholder 5"/>
+          <p:cNvSpPr>
+            <a:spLocks noGrp="1"/>
+          </p:cNvSpPr>
+          <p:nvPr>
+            <p:ph type="ftr" sz="quarter" idx="4"/>
+          </p:nvPr>
+        </p:nvSpPr>
+        <p:spPr>
+          <a:xfrm>
+            <a:off x="0" y="8685213"/>
+            <a:ext cx="2971800" cy="458787"/>
+          </a:xfrm>
+          <a:prstGeom prst="rect">
+            <a:avLst/>
+          </a:prstGeom>
+        </p:spPr>
+        <p:txBody>
+          <a:bodyPr vert="horz" lIns="91440" tIns="45720" rIns="91440" bIns="45720" rtlCol="0" anchor="b"/>
+          <a:lstStyle>
+            <a:lvl1pPr algn="l">
+              <a:defRPr sz="1200"/>
+            </a:lvl1pPr>
+          </a:lstStyle>
+          <a:p>
+            <a:endParaRPr lang="en-US"/>
+          </a:p>
+        </p:txBody>
+      </p:sp>
+      <p:sp>
+        <p:nvSpPr>
+          <p:cNvPr id="7" name="Slide Number Placeholder 6"/>
+          <p:cNvSpPr>
+            <a:spLocks noGrp="1"/>
+          </p:cNvSpPr>
+          <p:nvPr>
+            <p:ph type="sldNum" sz="quarter" idx="5"/>
+          </p:nvPr>
+        </p:nvSpPr>
+        <p:spPr>
+          <a:xfrm>
+            <a:off x="3884613" y="8685213"/>
+            <a:ext cx="2971800" cy="458787"/>
+          </a:xfrm>
+          <a:prstGeom prst="rect">
+            <a:avLst/>
+          </a:prstGeom>
+        </p:spPr>
+        <p:txBody>
+          <a:bodyPr vert="horz" lIns="91440" tIns="45720" rIns="91440" bIns="45720" rtlCol="0" anchor="b"/>
+          <a:lstStyle>
+            <a:lvl1pPr algn="r">
+              <a:defRPr sz="1200"/>
+            </a:lvl1pPr>
+          </a:lstStyle>
+          <a:p>
+            <a:fld id="{0E51D77A-AD61-8C41-8D74-A8F543B4CD7C}" type="slidenum">
+              <a:rPr lang="en-US" smtClean="0"/>
+              <a:t>‹#›</a:t>
+            </a:fld>
+            <a:endParaRPr lang="en-US"/>
+          </a:p>
+        </p:txBody>
+      </p:sp>
+    </p:spTree>
+    <p:extLst>
+      <p:ext uri="{BB962C8B-B14F-4D97-AF65-F5344CB8AC3E}">
+        <p14:creationId xmlns:p14="http://schemas.microsoft.com/office/powerpoint/2010/main" val="1907980188"/>
+      </p:ext>
+    </p:extLst>
+  </p:cSld>
+  <p:clrMap bg1="lt1" tx1="dk1" bg2="lt2" tx2="dk2" accent1="accent1" accent2="accent2" accent3="accent3" accent4="accent4" accent5="accent5" accent6="accent6" hlink="hlink" folHlink="folHlink"/>
+  <p:notesStyle>
+    <a:lvl1pPr marL="0" algn="l" defTabSz="914400" rtl="0" eaLnBrk="1" latinLnBrk="0" hangingPunct="1">
+      <a:defRPr sz="1200" kern="1200">
+        <a:solidFill>
+          <a:schemeClr val="tx1"/>
+        </a:solidFill>
+        <a:latin typeface="+mn-lt"/>
+        <a:ea typeface="+mn-ea"/>
+        <a:cs typeface="+mn-cs"/>
+      </a:defRPr>
+    </a:lvl1pPr>
+    <a:lvl2pPr marL="457200" algn="l" defTabSz="914400" rtl="0" eaLnBrk="1" latinLnBrk="0" hangingPunct="1">
+      <a:defRPr sz="1200" kern="1200">
+        <a:solidFill>
+          <a:schemeClr val="tx1"/>
+        </a:solidFill>
+        <a:latin typeface="+mn-lt"/>
+        <a:ea typeface="+mn-ea"/>
+        <a:cs typeface="+mn-cs"/>
+      </a:defRPr>
+    </a:lvl2pPr>
+    <a:lvl3pPr marL="914400" algn="l" defTabSz="914400" rtl="0" eaLnBrk="1" latinLnBrk="0" hangingPunct="1">
+      <a:defRPr sz="1200" kern="1200">
+        <a:solidFill>
+          <a:schemeClr val="tx1"/>
+        </a:solidFill>
+        <a:latin typeface="+mn-lt"/>
+        <a:ea typeface="+mn-ea"/>
+        <a:cs typeface="+mn-cs"/>
+      </a:defRPr>
+    </a:lvl3pPr>
+    <a:lvl4pPr marL="1371600" algn="l" defTabSz="914400" rtl="0" eaLnBrk="1" latinLnBrk="0" hangingPunct="1">
+      <a:defRPr sz="1200" kern="1200">
+        <a:solidFill>
+          <a:schemeClr val="tx1"/>
+        </a:solidFill>
+        <a:latin typeface="+mn-lt"/>
+        <a:ea typeface="+mn-ea"/>
+        <a:cs typeface="+mn-cs"/>
+      </a:defRPr>
+    </a:lvl4pPr>
+    <a:lvl5pPr marL="1828800" algn="l" defTabSz="914400" rtl="0" eaLnBrk="1" latinLnBrk="0" hangingPunct="1">
+      <a:defRPr sz="1200" kern="1200">
+        <a:solidFill>
+          <a:schemeClr val="tx1"/>
+        </a:solidFill>
+        <a:latin typeface="+mn-lt"/>
+        <a:ea typeface="+mn-ea"/>
+        <a:cs typeface="+mn-cs"/>
+      </a:defRPr>
+    </a:lvl5pPr>
+    <a:lvl6pPr marL="2286000" algn="l" defTabSz="914400" rtl="0" eaLnBrk="1" latinLnBrk="0" hangingPunct="1">
+      <a:defRPr sz="1200" kern="1200">
+        <a:solidFill>
+          <a:schemeClr val="tx1"/>
+        </a:solidFill>
+        <a:latin typeface="+mn-lt"/>
+        <a:ea typeface="+mn-ea"/>
+        <a:cs typeface="+mn-cs"/>
+      </a:defRPr>
+    </a:lvl6pPr>
+    <a:lvl7pPr marL="2743200" algn="l" defTabSz="914400" rtl="0" eaLnBrk="1" latinLnBrk="0" hangingPunct="1">
+      <a:defRPr sz="1200" kern="1200">
+        <a:solidFill>
+          <a:schemeClr val="tx1"/>
+        </a:solidFill>
+        <a:latin typeface="+mn-lt"/>
+        <a:ea typeface="+mn-ea"/>
+        <a:cs typeface="+mn-cs"/>
+      </a:defRPr>
+    </a:lvl7pPr>
+    <a:lvl8pPr marL="3200400" algn="l" defTabSz="914400" rtl="0" eaLnBrk="1" latinLnBrk="0" hangingPunct="1">
+      <a:defRPr sz="1200" kern="1200">
+        <a:solidFill>
+          <a:schemeClr val="tx1"/>
+        </a:solidFill>
+        <a:latin typeface="+mn-lt"/>
+        <a:ea typeface="+mn-ea"/>
+        <a:cs typeface="+mn-cs"/>
+      </a:defRPr>
+    </a:lvl8pPr>
+    <a:lvl9pPr marL="3657600" algn="l" defTabSz="914400" rtl="0" eaLnBrk="1" latinLnBrk="0" hangingPunct="1">
+      <a:defRPr sz="1200" kern="1200">
+        <a:solidFill>
+          <a:schemeClr val="tx1"/>
+        </a:solidFill>
+        <a:latin typeface="+mn-lt"/>
+        <a:ea typeface="+mn-ea"/>
+        <a:cs typeface="+mn-cs"/>
+      </a:defRPr>
+    </a:lvl9pPr>
+  </p:notesStyle>
+</p:notesMaster>
 </file>
 
 <file path=ppt/slideLayouts/slideLayout1.xml><?xml version="1.0" encoding="utf-8"?>
@@ -134,13 +495,7 @@
       </p:grpSpPr>
       <p:sp>
         <p:nvSpPr>
-          <p:cNvPr id="2" name="Title 1">
-            <a:extLst>
-              <a:ext uri="{FF2B5EF4-FFF2-40B4-BE49-F238E27FC236}">
-                <a16:creationId xmlns:a16="http://schemas.microsoft.com/office/drawing/2014/main" id="{FD838528-4670-DD5D-3BE1-C782D52EAAF5}"/>
-              </a:ext>
-            </a:extLst>
-          </p:cNvPr>
+          <p:cNvPr id="2" name="Title 1"/>
           <p:cNvSpPr>
             <a:spLocks noGrp="1"/>
           </p:cNvSpPr>
@@ -163,21 +518,16 @@
           </a:lstStyle>
           <a:p>
             <a:r>
-              <a:rPr lang="en-US"/>
+              <a:rPr lang="en-US" smtClean="0"/>
               <a:t>Click to edit Master title style</a:t>
             </a:r>
+            <a:endParaRPr lang="en-US"/>
           </a:p>
         </p:txBody>
       </p:sp>
       <p:sp>
         <p:nvSpPr>
-          <p:cNvPr id="3" name="Subtitle 2">
-            <a:extLst>
-              <a:ext uri="{FF2B5EF4-FFF2-40B4-BE49-F238E27FC236}">
-                <a16:creationId xmlns:a16="http://schemas.microsoft.com/office/drawing/2014/main" id="{3658F5D3-18C3-A78E-4BD9-66878D29B684}"/>
-              </a:ext>
-            </a:extLst>
-          </p:cNvPr>
+          <p:cNvPr id="3" name="Subtitle 2"/>
           <p:cNvSpPr>
             <a:spLocks noGrp="1"/>
           </p:cNvSpPr>
@@ -233,21 +583,16 @@
           </a:lstStyle>
           <a:p>
             <a:r>
-              <a:rPr lang="en-US"/>
+              <a:rPr lang="en-US" smtClean="0"/>
               <a:t>Click to edit Master subtitle style</a:t>
             </a:r>
+            <a:endParaRPr lang="en-US"/>
           </a:p>
         </p:txBody>
       </p:sp>
       <p:sp>
         <p:nvSpPr>
-          <p:cNvPr id="4" name="Date Placeholder 3">
-            <a:extLst>
-              <a:ext uri="{FF2B5EF4-FFF2-40B4-BE49-F238E27FC236}">
-                <a16:creationId xmlns:a16="http://schemas.microsoft.com/office/drawing/2014/main" id="{119BF40B-AAE2-AFC8-C3BA-71FE7774DDC2}"/>
-              </a:ext>
-            </a:extLst>
-          </p:cNvPr>
+          <p:cNvPr id="4" name="Date Placeholder 3"/>
           <p:cNvSpPr>
             <a:spLocks noGrp="1"/>
           </p:cNvSpPr>
@@ -262,7 +607,7 @@
           <a:p>
             <a:fld id="{709B6EE7-31C9-4491-B28A-8F0414B2BF5D}" type="datetimeFigureOut">
               <a:rPr lang="en-US" smtClean="0"/>
-              <a:t>2024-05-21</a:t>
+              <a:t>5/22/24</a:t>
             </a:fld>
             <a:endParaRPr lang="en-US"/>
           </a:p>
@@ -270,13 +615,7 @@
       </p:sp>
       <p:sp>
         <p:nvSpPr>
-          <p:cNvPr id="5" name="Footer Placeholder 4">
-            <a:extLst>
-              <a:ext uri="{FF2B5EF4-FFF2-40B4-BE49-F238E27FC236}">
-                <a16:creationId xmlns:a16="http://schemas.microsoft.com/office/drawing/2014/main" id="{99D75827-EFEE-85E1-BC36-BD54EEBBE824}"/>
-              </a:ext>
-            </a:extLst>
-          </p:cNvPr>
+          <p:cNvPr id="5" name="Footer Placeholder 4"/>
           <p:cNvSpPr>
             <a:spLocks noGrp="1"/>
           </p:cNvSpPr>
@@ -295,13 +634,7 @@
       </p:sp>
       <p:sp>
         <p:nvSpPr>
-          <p:cNvPr id="6" name="Slide Number Placeholder 5">
-            <a:extLst>
-              <a:ext uri="{FF2B5EF4-FFF2-40B4-BE49-F238E27FC236}">
-                <a16:creationId xmlns:a16="http://schemas.microsoft.com/office/drawing/2014/main" id="{FABBA7D0-D2A0-AA58-0475-28C117A2543B}"/>
-              </a:ext>
-            </a:extLst>
-          </p:cNvPr>
+          <p:cNvPr id="6" name="Slide Number Placeholder 5"/>
           <p:cNvSpPr>
             <a:spLocks noGrp="1"/>
           </p:cNvSpPr>
@@ -323,11 +656,6 @@
         </p:txBody>
       </p:sp>
     </p:spTree>
-    <p:extLst>
-      <p:ext uri="{BB962C8B-B14F-4D97-AF65-F5344CB8AC3E}">
-        <p14:creationId xmlns:p14="http://schemas.microsoft.com/office/powerpoint/2010/main" val="3316966983"/>
-      </p:ext>
-    </p:extLst>
   </p:cSld>
   <p:clrMapOvr>
     <a:masterClrMapping/>
@@ -354,13 +682,7 @@
       </p:grpSpPr>
       <p:sp>
         <p:nvSpPr>
-          <p:cNvPr id="2" name="Title 1">
-            <a:extLst>
-              <a:ext uri="{FF2B5EF4-FFF2-40B4-BE49-F238E27FC236}">
-                <a16:creationId xmlns:a16="http://schemas.microsoft.com/office/drawing/2014/main" id="{ADFE839D-8774-0626-9C8E-5D537B8B5A18}"/>
-              </a:ext>
-            </a:extLst>
-          </p:cNvPr>
+          <p:cNvPr id="2" name="Title 1"/>
           <p:cNvSpPr>
             <a:spLocks noGrp="1"/>
           </p:cNvSpPr>
@@ -374,21 +696,16 @@
           <a:lstStyle/>
           <a:p>
             <a:r>
-              <a:rPr lang="en-US"/>
+              <a:rPr lang="en-US" smtClean="0"/>
               <a:t>Click to edit Master title style</a:t>
             </a:r>
+            <a:endParaRPr lang="en-US"/>
           </a:p>
         </p:txBody>
       </p:sp>
       <p:sp>
         <p:nvSpPr>
-          <p:cNvPr id="3" name="Vertical Text Placeholder 2">
-            <a:extLst>
-              <a:ext uri="{FF2B5EF4-FFF2-40B4-BE49-F238E27FC236}">
-                <a16:creationId xmlns:a16="http://schemas.microsoft.com/office/drawing/2014/main" id="{914983D6-BBC7-1087-C7A8-59542B61036F}"/>
-              </a:ext>
-            </a:extLst>
-          </p:cNvPr>
+          <p:cNvPr id="3" name="Vertical Text Placeholder 2"/>
           <p:cNvSpPr>
             <a:spLocks noGrp="1"/>
           </p:cNvSpPr>
@@ -403,49 +720,44 @@
           <a:p>
             <a:pPr lvl="0"/>
             <a:r>
-              <a:rPr lang="en-US"/>
+              <a:rPr lang="en-US" smtClean="0"/>
               <a:t>Click to edit Master text styles</a:t>
             </a:r>
           </a:p>
           <a:p>
             <a:pPr lvl="1"/>
             <a:r>
-              <a:rPr lang="en-US"/>
+              <a:rPr lang="en-US" smtClean="0"/>
               <a:t>Second level</a:t>
             </a:r>
           </a:p>
           <a:p>
             <a:pPr lvl="2"/>
             <a:r>
-              <a:rPr lang="en-US"/>
+              <a:rPr lang="en-US" smtClean="0"/>
               <a:t>Third level</a:t>
             </a:r>
           </a:p>
           <a:p>
             <a:pPr lvl="3"/>
             <a:r>
-              <a:rPr lang="en-US"/>
+              <a:rPr lang="en-US" smtClean="0"/>
               <a:t>Fourth level</a:t>
             </a:r>
           </a:p>
           <a:p>
             <a:pPr lvl="4"/>
             <a:r>
-              <a:rPr lang="en-US"/>
+              <a:rPr lang="en-US" smtClean="0"/>
               <a:t>Fifth level</a:t>
             </a:r>
+            <a:endParaRPr lang="en-US"/>
           </a:p>
         </p:txBody>
       </p:sp>
       <p:sp>
         <p:nvSpPr>
-          <p:cNvPr id="4" name="Date Placeholder 3">
-            <a:extLst>
-              <a:ext uri="{FF2B5EF4-FFF2-40B4-BE49-F238E27FC236}">
-                <a16:creationId xmlns:a16="http://schemas.microsoft.com/office/drawing/2014/main" id="{BD26E503-8481-E06B-73C6-9A8AEEA8D33D}"/>
-              </a:ext>
-            </a:extLst>
-          </p:cNvPr>
+          <p:cNvPr id="4" name="Date Placeholder 3"/>
           <p:cNvSpPr>
             <a:spLocks noGrp="1"/>
           </p:cNvSpPr>
@@ -460,7 +772,7 @@
           <a:p>
             <a:fld id="{709B6EE7-31C9-4491-B28A-8F0414B2BF5D}" type="datetimeFigureOut">
               <a:rPr lang="en-US" smtClean="0"/>
-              <a:t>2024-05-21</a:t>
+              <a:t>5/22/24</a:t>
             </a:fld>
             <a:endParaRPr lang="en-US"/>
           </a:p>
@@ -468,13 +780,7 @@
       </p:sp>
       <p:sp>
         <p:nvSpPr>
-          <p:cNvPr id="5" name="Footer Placeholder 4">
-            <a:extLst>
-              <a:ext uri="{FF2B5EF4-FFF2-40B4-BE49-F238E27FC236}">
-                <a16:creationId xmlns:a16="http://schemas.microsoft.com/office/drawing/2014/main" id="{1AB01426-8801-F869-8998-901A1F98FC20}"/>
-              </a:ext>
-            </a:extLst>
-          </p:cNvPr>
+          <p:cNvPr id="5" name="Footer Placeholder 4"/>
           <p:cNvSpPr>
             <a:spLocks noGrp="1"/>
           </p:cNvSpPr>
@@ -493,13 +799,7 @@
       </p:sp>
       <p:sp>
         <p:nvSpPr>
-          <p:cNvPr id="6" name="Slide Number Placeholder 5">
-            <a:extLst>
-              <a:ext uri="{FF2B5EF4-FFF2-40B4-BE49-F238E27FC236}">
-                <a16:creationId xmlns:a16="http://schemas.microsoft.com/office/drawing/2014/main" id="{3F4D3862-F341-4953-09BB-F8591E18CA26}"/>
-              </a:ext>
-            </a:extLst>
-          </p:cNvPr>
+          <p:cNvPr id="6" name="Slide Number Placeholder 5"/>
           <p:cNvSpPr>
             <a:spLocks noGrp="1"/>
           </p:cNvSpPr>
@@ -521,11 +821,6 @@
         </p:txBody>
       </p:sp>
     </p:spTree>
-    <p:extLst>
-      <p:ext uri="{BB962C8B-B14F-4D97-AF65-F5344CB8AC3E}">
-        <p14:creationId xmlns:p14="http://schemas.microsoft.com/office/powerpoint/2010/main" val="1240947123"/>
-      </p:ext>
-    </p:extLst>
   </p:cSld>
   <p:clrMapOvr>
     <a:masterClrMapping/>
@@ -552,13 +847,7 @@
       </p:grpSpPr>
       <p:sp>
         <p:nvSpPr>
-          <p:cNvPr id="2" name="Vertical Title 1">
-            <a:extLst>
-              <a:ext uri="{FF2B5EF4-FFF2-40B4-BE49-F238E27FC236}">
-                <a16:creationId xmlns:a16="http://schemas.microsoft.com/office/drawing/2014/main" id="{35319A16-3006-6014-772C-DC288D51A612}"/>
-              </a:ext>
-            </a:extLst>
-          </p:cNvPr>
+          <p:cNvPr id="2" name="Vertical Title 1"/>
           <p:cNvSpPr>
             <a:spLocks noGrp="1"/>
           </p:cNvSpPr>
@@ -577,21 +866,16 @@
           <a:lstStyle/>
           <a:p>
             <a:r>
-              <a:rPr lang="en-US"/>
+              <a:rPr lang="en-US" smtClean="0"/>
               <a:t>Click to edit Master title style</a:t>
             </a:r>
+            <a:endParaRPr lang="en-US"/>
           </a:p>
         </p:txBody>
       </p:sp>
       <p:sp>
         <p:nvSpPr>
-          <p:cNvPr id="3" name="Vertical Text Placeholder 2">
-            <a:extLst>
-              <a:ext uri="{FF2B5EF4-FFF2-40B4-BE49-F238E27FC236}">
-                <a16:creationId xmlns:a16="http://schemas.microsoft.com/office/drawing/2014/main" id="{2C5EB44D-F1CA-D3A8-3323-5B72951CBBB1}"/>
-              </a:ext>
-            </a:extLst>
-          </p:cNvPr>
+          <p:cNvPr id="3" name="Vertical Text Placeholder 2"/>
           <p:cNvSpPr>
             <a:spLocks noGrp="1"/>
           </p:cNvSpPr>
@@ -611,49 +895,44 @@
           <a:p>
             <a:pPr lvl="0"/>
             <a:r>
-              <a:rPr lang="en-US"/>
+              <a:rPr lang="en-US" smtClean="0"/>
               <a:t>Click to edit Master text styles</a:t>
             </a:r>
           </a:p>
           <a:p>
             <a:pPr lvl="1"/>
             <a:r>
-              <a:rPr lang="en-US"/>
+              <a:rPr lang="en-US" smtClean="0"/>
               <a:t>Second level</a:t>
             </a:r>
           </a:p>
           <a:p>
             <a:pPr lvl="2"/>
             <a:r>
-              <a:rPr lang="en-US"/>
+              <a:rPr lang="en-US" smtClean="0"/>
               <a:t>Third level</a:t>
             </a:r>
           </a:p>
           <a:p>
             <a:pPr lvl="3"/>
             <a:r>
-              <a:rPr lang="en-US"/>
+              <a:rPr lang="en-US" smtClean="0"/>
               <a:t>Fourth level</a:t>
             </a:r>
           </a:p>
           <a:p>
             <a:pPr lvl="4"/>
             <a:r>
-              <a:rPr lang="en-US"/>
+              <a:rPr lang="en-US" smtClean="0"/>
               <a:t>Fifth level</a:t>
             </a:r>
+            <a:endParaRPr lang="en-US"/>
           </a:p>
         </p:txBody>
       </p:sp>
       <p:sp>
         <p:nvSpPr>
-          <p:cNvPr id="4" name="Date Placeholder 3">
-            <a:extLst>
-              <a:ext uri="{FF2B5EF4-FFF2-40B4-BE49-F238E27FC236}">
-                <a16:creationId xmlns:a16="http://schemas.microsoft.com/office/drawing/2014/main" id="{632E1BF2-5EC0-2E91-7DC9-A6DF7FC47FE2}"/>
-              </a:ext>
-            </a:extLst>
-          </p:cNvPr>
+          <p:cNvPr id="4" name="Date Placeholder 3"/>
           <p:cNvSpPr>
             <a:spLocks noGrp="1"/>
           </p:cNvSpPr>
@@ -668,7 +947,7 @@
           <a:p>
             <a:fld id="{709B6EE7-31C9-4491-B28A-8F0414B2BF5D}" type="datetimeFigureOut">
               <a:rPr lang="en-US" smtClean="0"/>
-              <a:t>2024-05-21</a:t>
+              <a:t>5/22/24</a:t>
             </a:fld>
             <a:endParaRPr lang="en-US"/>
           </a:p>
@@ -676,13 +955,7 @@
       </p:sp>
       <p:sp>
         <p:nvSpPr>
-          <p:cNvPr id="5" name="Footer Placeholder 4">
-            <a:extLst>
-              <a:ext uri="{FF2B5EF4-FFF2-40B4-BE49-F238E27FC236}">
-                <a16:creationId xmlns:a16="http://schemas.microsoft.com/office/drawing/2014/main" id="{52533A13-6CD2-5874-BBB9-020EA9879096}"/>
-              </a:ext>
-            </a:extLst>
-          </p:cNvPr>
+          <p:cNvPr id="5" name="Footer Placeholder 4"/>
           <p:cNvSpPr>
             <a:spLocks noGrp="1"/>
           </p:cNvSpPr>
@@ -701,13 +974,7 @@
       </p:sp>
       <p:sp>
         <p:nvSpPr>
-          <p:cNvPr id="6" name="Slide Number Placeholder 5">
-            <a:extLst>
-              <a:ext uri="{FF2B5EF4-FFF2-40B4-BE49-F238E27FC236}">
-                <a16:creationId xmlns:a16="http://schemas.microsoft.com/office/drawing/2014/main" id="{0D91B96D-9272-7A74-CF72-572DD53371AF}"/>
-              </a:ext>
-            </a:extLst>
-          </p:cNvPr>
+          <p:cNvPr id="6" name="Slide Number Placeholder 5"/>
           <p:cNvSpPr>
             <a:spLocks noGrp="1"/>
           </p:cNvSpPr>
@@ -729,11 +996,6 @@
         </p:txBody>
       </p:sp>
     </p:spTree>
-    <p:extLst>
-      <p:ext uri="{BB962C8B-B14F-4D97-AF65-F5344CB8AC3E}">
-        <p14:creationId xmlns:p14="http://schemas.microsoft.com/office/powerpoint/2010/main" val="1890699720"/>
-      </p:ext>
-    </p:extLst>
   </p:cSld>
   <p:clrMapOvr>
     <a:masterClrMapping/>
@@ -760,13 +1022,7 @@
       </p:grpSpPr>
       <p:sp>
         <p:nvSpPr>
-          <p:cNvPr id="2" name="Title 1">
-            <a:extLst>
-              <a:ext uri="{FF2B5EF4-FFF2-40B4-BE49-F238E27FC236}">
-                <a16:creationId xmlns:a16="http://schemas.microsoft.com/office/drawing/2014/main" id="{802952DC-02BA-2DFC-9489-BE931C8CBE0F}"/>
-              </a:ext>
-            </a:extLst>
-          </p:cNvPr>
+          <p:cNvPr id="2" name="Title 1"/>
           <p:cNvSpPr>
             <a:spLocks noGrp="1"/>
           </p:cNvSpPr>
@@ -780,21 +1036,16 @@
           <a:lstStyle/>
           <a:p>
             <a:r>
-              <a:rPr lang="en-US"/>
+              <a:rPr lang="en-US" smtClean="0"/>
               <a:t>Click to edit Master title style</a:t>
             </a:r>
+            <a:endParaRPr lang="en-US"/>
           </a:p>
         </p:txBody>
       </p:sp>
       <p:sp>
         <p:nvSpPr>
-          <p:cNvPr id="3" name="Content Placeholder 2">
-            <a:extLst>
-              <a:ext uri="{FF2B5EF4-FFF2-40B4-BE49-F238E27FC236}">
-                <a16:creationId xmlns:a16="http://schemas.microsoft.com/office/drawing/2014/main" id="{B578B7EE-9698-F3E2-6A2B-3082397AB267}"/>
-              </a:ext>
-            </a:extLst>
-          </p:cNvPr>
+          <p:cNvPr id="3" name="Content Placeholder 2"/>
           <p:cNvSpPr>
             <a:spLocks noGrp="1"/>
           </p:cNvSpPr>
@@ -809,49 +1060,44 @@
           <a:p>
             <a:pPr lvl="0"/>
             <a:r>
-              <a:rPr lang="en-US"/>
+              <a:rPr lang="en-US" smtClean="0"/>
               <a:t>Click to edit Master text styles</a:t>
             </a:r>
           </a:p>
           <a:p>
             <a:pPr lvl="1"/>
             <a:r>
-              <a:rPr lang="en-US"/>
+              <a:rPr lang="en-US" smtClean="0"/>
               <a:t>Second level</a:t>
             </a:r>
           </a:p>
           <a:p>
             <a:pPr lvl="2"/>
             <a:r>
-              <a:rPr lang="en-US"/>
+              <a:rPr lang="en-US" smtClean="0"/>
               <a:t>Third level</a:t>
             </a:r>
           </a:p>
           <a:p>
             <a:pPr lvl="3"/>
             <a:r>
-              <a:rPr lang="en-US"/>
+              <a:rPr lang="en-US" smtClean="0"/>
               <a:t>Fourth level</a:t>
             </a:r>
           </a:p>
           <a:p>
             <a:pPr lvl="4"/>
             <a:r>
-              <a:rPr lang="en-US"/>
+              <a:rPr lang="en-US" smtClean="0"/>
               <a:t>Fifth level</a:t>
             </a:r>
+            <a:endParaRPr lang="en-US"/>
           </a:p>
         </p:txBody>
       </p:sp>
       <p:sp>
         <p:nvSpPr>
-          <p:cNvPr id="4" name="Date Placeholder 3">
-            <a:extLst>
-              <a:ext uri="{FF2B5EF4-FFF2-40B4-BE49-F238E27FC236}">
-                <a16:creationId xmlns:a16="http://schemas.microsoft.com/office/drawing/2014/main" id="{E9774355-86B5-4CBB-D4F2-3E0DDD12B00F}"/>
-              </a:ext>
-            </a:extLst>
-          </p:cNvPr>
+          <p:cNvPr id="4" name="Date Placeholder 3"/>
           <p:cNvSpPr>
             <a:spLocks noGrp="1"/>
           </p:cNvSpPr>
@@ -866,7 +1112,7 @@
           <a:p>
             <a:fld id="{709B6EE7-31C9-4491-B28A-8F0414B2BF5D}" type="datetimeFigureOut">
               <a:rPr lang="en-US" smtClean="0"/>
-              <a:t>2024-05-21</a:t>
+              <a:t>5/22/24</a:t>
             </a:fld>
             <a:endParaRPr lang="en-US"/>
           </a:p>
@@ -874,13 +1120,7 @@
       </p:sp>
       <p:sp>
         <p:nvSpPr>
-          <p:cNvPr id="5" name="Footer Placeholder 4">
-            <a:extLst>
-              <a:ext uri="{FF2B5EF4-FFF2-40B4-BE49-F238E27FC236}">
-                <a16:creationId xmlns:a16="http://schemas.microsoft.com/office/drawing/2014/main" id="{D82A14DF-1AA6-29C6-2D5B-069BFF20A412}"/>
-              </a:ext>
-            </a:extLst>
-          </p:cNvPr>
+          <p:cNvPr id="5" name="Footer Placeholder 4"/>
           <p:cNvSpPr>
             <a:spLocks noGrp="1"/>
           </p:cNvSpPr>
@@ -899,13 +1139,7 @@
       </p:sp>
       <p:sp>
         <p:nvSpPr>
-          <p:cNvPr id="6" name="Slide Number Placeholder 5">
-            <a:extLst>
-              <a:ext uri="{FF2B5EF4-FFF2-40B4-BE49-F238E27FC236}">
-                <a16:creationId xmlns:a16="http://schemas.microsoft.com/office/drawing/2014/main" id="{D8587B63-218D-6937-91A4-0EE29EB89D31}"/>
-              </a:ext>
-            </a:extLst>
-          </p:cNvPr>
+          <p:cNvPr id="6" name="Slide Number Placeholder 5"/>
           <p:cNvSpPr>
             <a:spLocks noGrp="1"/>
           </p:cNvSpPr>
@@ -927,11 +1161,6 @@
         </p:txBody>
       </p:sp>
     </p:spTree>
-    <p:extLst>
-      <p:ext uri="{BB962C8B-B14F-4D97-AF65-F5344CB8AC3E}">
-        <p14:creationId xmlns:p14="http://schemas.microsoft.com/office/powerpoint/2010/main" val="2601065924"/>
-      </p:ext>
-    </p:extLst>
   </p:cSld>
   <p:clrMapOvr>
     <a:masterClrMapping/>
@@ -958,13 +1187,7 @@
       </p:grpSpPr>
       <p:sp>
         <p:nvSpPr>
-          <p:cNvPr id="2" name="Title 1">
-            <a:extLst>
-              <a:ext uri="{FF2B5EF4-FFF2-40B4-BE49-F238E27FC236}">
-                <a16:creationId xmlns:a16="http://schemas.microsoft.com/office/drawing/2014/main" id="{F199352F-44A0-4885-96F5-E1AF40128C4B}"/>
-              </a:ext>
-            </a:extLst>
-          </p:cNvPr>
+          <p:cNvPr id="2" name="Title 1"/>
           <p:cNvSpPr>
             <a:spLocks noGrp="1"/>
           </p:cNvSpPr>
@@ -987,21 +1210,16 @@
           </a:lstStyle>
           <a:p>
             <a:r>
-              <a:rPr lang="en-US"/>
+              <a:rPr lang="en-US" smtClean="0"/>
               <a:t>Click to edit Master title style</a:t>
             </a:r>
+            <a:endParaRPr lang="en-US"/>
           </a:p>
         </p:txBody>
       </p:sp>
       <p:sp>
         <p:nvSpPr>
-          <p:cNvPr id="3" name="Text Placeholder 2">
-            <a:extLst>
-              <a:ext uri="{FF2B5EF4-FFF2-40B4-BE49-F238E27FC236}">
-                <a16:creationId xmlns:a16="http://schemas.microsoft.com/office/drawing/2014/main" id="{983B760D-79CF-1AB6-5CED-A803DF863986}"/>
-              </a:ext>
-            </a:extLst>
-          </p:cNvPr>
+          <p:cNvPr id="3" name="Text Placeholder 2"/>
           <p:cNvSpPr>
             <a:spLocks noGrp="1"/>
           </p:cNvSpPr>
@@ -1023,7 +1241,7 @@
               <a:defRPr sz="2400">
                 <a:solidFill>
                   <a:schemeClr val="tx1">
-                    <a:tint val="82000"/>
+                    <a:tint val="75000"/>
                   </a:schemeClr>
                 </a:solidFill>
               </a:defRPr>
@@ -1033,7 +1251,7 @@
               <a:defRPr sz="2000">
                 <a:solidFill>
                   <a:schemeClr val="tx1">
-                    <a:tint val="82000"/>
+                    <a:tint val="75000"/>
                   </a:schemeClr>
                 </a:solidFill>
               </a:defRPr>
@@ -1043,7 +1261,7 @@
               <a:defRPr sz="1800">
                 <a:solidFill>
                   <a:schemeClr val="tx1">
-                    <a:tint val="82000"/>
+                    <a:tint val="75000"/>
                   </a:schemeClr>
                 </a:solidFill>
               </a:defRPr>
@@ -1053,7 +1271,7 @@
               <a:defRPr sz="1600">
                 <a:solidFill>
                   <a:schemeClr val="tx1">
-                    <a:tint val="82000"/>
+                    <a:tint val="75000"/>
                   </a:schemeClr>
                 </a:solidFill>
               </a:defRPr>
@@ -1063,7 +1281,7 @@
               <a:defRPr sz="1600">
                 <a:solidFill>
                   <a:schemeClr val="tx1">
-                    <a:tint val="82000"/>
+                    <a:tint val="75000"/>
                   </a:schemeClr>
                 </a:solidFill>
               </a:defRPr>
@@ -1073,7 +1291,7 @@
               <a:defRPr sz="1600">
                 <a:solidFill>
                   <a:schemeClr val="tx1">
-                    <a:tint val="82000"/>
+                    <a:tint val="75000"/>
                   </a:schemeClr>
                 </a:solidFill>
               </a:defRPr>
@@ -1083,7 +1301,7 @@
               <a:defRPr sz="1600">
                 <a:solidFill>
                   <a:schemeClr val="tx1">
-                    <a:tint val="82000"/>
+                    <a:tint val="75000"/>
                   </a:schemeClr>
                 </a:solidFill>
               </a:defRPr>
@@ -1093,7 +1311,7 @@
               <a:defRPr sz="1600">
                 <a:solidFill>
                   <a:schemeClr val="tx1">
-                    <a:tint val="82000"/>
+                    <a:tint val="75000"/>
                   </a:schemeClr>
                 </a:solidFill>
               </a:defRPr>
@@ -1103,7 +1321,7 @@
               <a:defRPr sz="1600">
                 <a:solidFill>
                   <a:schemeClr val="tx1">
-                    <a:tint val="82000"/>
+                    <a:tint val="75000"/>
                   </a:schemeClr>
                 </a:solidFill>
               </a:defRPr>
@@ -1112,7 +1330,7 @@
           <a:p>
             <a:pPr lvl="0"/>
             <a:r>
-              <a:rPr lang="en-US"/>
+              <a:rPr lang="en-US" smtClean="0"/>
               <a:t>Click to edit Master text styles</a:t>
             </a:r>
           </a:p>
@@ -1120,13 +1338,7 @@
       </p:sp>
       <p:sp>
         <p:nvSpPr>
-          <p:cNvPr id="4" name="Date Placeholder 3">
-            <a:extLst>
-              <a:ext uri="{FF2B5EF4-FFF2-40B4-BE49-F238E27FC236}">
-                <a16:creationId xmlns:a16="http://schemas.microsoft.com/office/drawing/2014/main" id="{31FA46C0-06BB-58B9-DAB4-010999A1BC60}"/>
-              </a:ext>
-            </a:extLst>
-          </p:cNvPr>
+          <p:cNvPr id="4" name="Date Placeholder 3"/>
           <p:cNvSpPr>
             <a:spLocks noGrp="1"/>
           </p:cNvSpPr>
@@ -1141,7 +1353,7 @@
           <a:p>
             <a:fld id="{709B6EE7-31C9-4491-B28A-8F0414B2BF5D}" type="datetimeFigureOut">
               <a:rPr lang="en-US" smtClean="0"/>
-              <a:t>2024-05-21</a:t>
+              <a:t>5/22/24</a:t>
             </a:fld>
             <a:endParaRPr lang="en-US"/>
           </a:p>
@@ -1149,13 +1361,7 @@
       </p:sp>
       <p:sp>
         <p:nvSpPr>
-          <p:cNvPr id="5" name="Footer Placeholder 4">
-            <a:extLst>
-              <a:ext uri="{FF2B5EF4-FFF2-40B4-BE49-F238E27FC236}">
-                <a16:creationId xmlns:a16="http://schemas.microsoft.com/office/drawing/2014/main" id="{5D4E2AFF-4181-34CF-8B5C-3128D41EF1FE}"/>
-              </a:ext>
-            </a:extLst>
-          </p:cNvPr>
+          <p:cNvPr id="5" name="Footer Placeholder 4"/>
           <p:cNvSpPr>
             <a:spLocks noGrp="1"/>
           </p:cNvSpPr>
@@ -1174,13 +1380,7 @@
       </p:sp>
       <p:sp>
         <p:nvSpPr>
-          <p:cNvPr id="6" name="Slide Number Placeholder 5">
-            <a:extLst>
-              <a:ext uri="{FF2B5EF4-FFF2-40B4-BE49-F238E27FC236}">
-                <a16:creationId xmlns:a16="http://schemas.microsoft.com/office/drawing/2014/main" id="{F7070494-8F32-CE41-9E03-145CA623B9E5}"/>
-              </a:ext>
-            </a:extLst>
-          </p:cNvPr>
+          <p:cNvPr id="6" name="Slide Number Placeholder 5"/>
           <p:cNvSpPr>
             <a:spLocks noGrp="1"/>
           </p:cNvSpPr>
@@ -1202,11 +1402,6 @@
         </p:txBody>
       </p:sp>
     </p:spTree>
-    <p:extLst>
-      <p:ext uri="{BB962C8B-B14F-4D97-AF65-F5344CB8AC3E}">
-        <p14:creationId xmlns:p14="http://schemas.microsoft.com/office/powerpoint/2010/main" val="3884607527"/>
-      </p:ext>
-    </p:extLst>
   </p:cSld>
   <p:clrMapOvr>
     <a:masterClrMapping/>
@@ -1233,13 +1428,7 @@
       </p:grpSpPr>
       <p:sp>
         <p:nvSpPr>
-          <p:cNvPr id="2" name="Title 1">
-            <a:extLst>
-              <a:ext uri="{FF2B5EF4-FFF2-40B4-BE49-F238E27FC236}">
-                <a16:creationId xmlns:a16="http://schemas.microsoft.com/office/drawing/2014/main" id="{EFA087B9-F2A3-4C18-BD1B-7ADDA4A01B9E}"/>
-              </a:ext>
-            </a:extLst>
-          </p:cNvPr>
+          <p:cNvPr id="2" name="Title 1"/>
           <p:cNvSpPr>
             <a:spLocks noGrp="1"/>
           </p:cNvSpPr>
@@ -1253,21 +1442,16 @@
           <a:lstStyle/>
           <a:p>
             <a:r>
-              <a:rPr lang="en-US"/>
+              <a:rPr lang="en-US" smtClean="0"/>
               <a:t>Click to edit Master title style</a:t>
             </a:r>
+            <a:endParaRPr lang="en-US"/>
           </a:p>
         </p:txBody>
       </p:sp>
       <p:sp>
         <p:nvSpPr>
-          <p:cNvPr id="3" name="Content Placeholder 2">
-            <a:extLst>
-              <a:ext uri="{FF2B5EF4-FFF2-40B4-BE49-F238E27FC236}">
-                <a16:creationId xmlns:a16="http://schemas.microsoft.com/office/drawing/2014/main" id="{5B160A13-2D9E-EFD0-B253-55E9788B2167}"/>
-              </a:ext>
-            </a:extLst>
-          </p:cNvPr>
+          <p:cNvPr id="3" name="Content Placeholder 2"/>
           <p:cNvSpPr>
             <a:spLocks noGrp="1"/>
           </p:cNvSpPr>
@@ -1287,49 +1471,44 @@
           <a:p>
             <a:pPr lvl="0"/>
             <a:r>
-              <a:rPr lang="en-US"/>
+              <a:rPr lang="en-US" smtClean="0"/>
               <a:t>Click to edit Master text styles</a:t>
             </a:r>
           </a:p>
           <a:p>
             <a:pPr lvl="1"/>
             <a:r>
-              <a:rPr lang="en-US"/>
+              <a:rPr lang="en-US" smtClean="0"/>
               <a:t>Second level</a:t>
             </a:r>
           </a:p>
           <a:p>
             <a:pPr lvl="2"/>
             <a:r>
-              <a:rPr lang="en-US"/>
+              <a:rPr lang="en-US" smtClean="0"/>
               <a:t>Third level</a:t>
             </a:r>
           </a:p>
           <a:p>
             <a:pPr lvl="3"/>
             <a:r>
-              <a:rPr lang="en-US"/>
+              <a:rPr lang="en-US" smtClean="0"/>
               <a:t>Fourth level</a:t>
             </a:r>
           </a:p>
           <a:p>
             <a:pPr lvl="4"/>
             <a:r>
-              <a:rPr lang="en-US"/>
+              <a:rPr lang="en-US" smtClean="0"/>
               <a:t>Fifth level</a:t>
             </a:r>
+            <a:endParaRPr lang="en-US"/>
           </a:p>
         </p:txBody>
       </p:sp>
       <p:sp>
         <p:nvSpPr>
-          <p:cNvPr id="4" name="Content Placeholder 3">
-            <a:extLst>
-              <a:ext uri="{FF2B5EF4-FFF2-40B4-BE49-F238E27FC236}">
-                <a16:creationId xmlns:a16="http://schemas.microsoft.com/office/drawing/2014/main" id="{B4A4F4DA-4E39-40ED-920A-AC69FCBB66DA}"/>
-              </a:ext>
-            </a:extLst>
-          </p:cNvPr>
+          <p:cNvPr id="4" name="Content Placeholder 3"/>
           <p:cNvSpPr>
             <a:spLocks noGrp="1"/>
           </p:cNvSpPr>
@@ -1349,49 +1528,44 @@
           <a:p>
             <a:pPr lvl="0"/>
             <a:r>
-              <a:rPr lang="en-US"/>
+              <a:rPr lang="en-US" smtClean="0"/>
               <a:t>Click to edit Master text styles</a:t>
             </a:r>
           </a:p>
           <a:p>
             <a:pPr lvl="1"/>
             <a:r>
-              <a:rPr lang="en-US"/>
+              <a:rPr lang="en-US" smtClean="0"/>
               <a:t>Second level</a:t>
             </a:r>
           </a:p>
           <a:p>
             <a:pPr lvl="2"/>
             <a:r>
-              <a:rPr lang="en-US"/>
+              <a:rPr lang="en-US" smtClean="0"/>
               <a:t>Third level</a:t>
             </a:r>
           </a:p>
           <a:p>
             <a:pPr lvl="3"/>
             <a:r>
-              <a:rPr lang="en-US"/>
+              <a:rPr lang="en-US" smtClean="0"/>
               <a:t>Fourth level</a:t>
             </a:r>
           </a:p>
           <a:p>
             <a:pPr lvl="4"/>
             <a:r>
-              <a:rPr lang="en-US"/>
+              <a:rPr lang="en-US" smtClean="0"/>
               <a:t>Fifth level</a:t>
             </a:r>
+            <a:endParaRPr lang="en-US"/>
           </a:p>
         </p:txBody>
       </p:sp>
       <p:sp>
         <p:nvSpPr>
-          <p:cNvPr id="5" name="Date Placeholder 4">
-            <a:extLst>
-              <a:ext uri="{FF2B5EF4-FFF2-40B4-BE49-F238E27FC236}">
-                <a16:creationId xmlns:a16="http://schemas.microsoft.com/office/drawing/2014/main" id="{C38132D4-1A7E-1C0A-AD39-55F8ADA1C89B}"/>
-              </a:ext>
-            </a:extLst>
-          </p:cNvPr>
+          <p:cNvPr id="5" name="Date Placeholder 4"/>
           <p:cNvSpPr>
             <a:spLocks noGrp="1"/>
           </p:cNvSpPr>
@@ -1406,7 +1580,7 @@
           <a:p>
             <a:fld id="{709B6EE7-31C9-4491-B28A-8F0414B2BF5D}" type="datetimeFigureOut">
               <a:rPr lang="en-US" smtClean="0"/>
-              <a:t>2024-05-21</a:t>
+              <a:t>5/22/24</a:t>
             </a:fld>
             <a:endParaRPr lang="en-US"/>
           </a:p>
@@ -1414,13 +1588,7 @@
       </p:sp>
       <p:sp>
         <p:nvSpPr>
-          <p:cNvPr id="6" name="Footer Placeholder 5">
-            <a:extLst>
-              <a:ext uri="{FF2B5EF4-FFF2-40B4-BE49-F238E27FC236}">
-                <a16:creationId xmlns:a16="http://schemas.microsoft.com/office/drawing/2014/main" id="{52FAFC67-E898-C472-F4E3-FC6547FDB3B4}"/>
-              </a:ext>
-            </a:extLst>
-          </p:cNvPr>
+          <p:cNvPr id="6" name="Footer Placeholder 5"/>
           <p:cNvSpPr>
             <a:spLocks noGrp="1"/>
           </p:cNvSpPr>
@@ -1439,13 +1607,7 @@
       </p:sp>
       <p:sp>
         <p:nvSpPr>
-          <p:cNvPr id="7" name="Slide Number Placeholder 6">
-            <a:extLst>
-              <a:ext uri="{FF2B5EF4-FFF2-40B4-BE49-F238E27FC236}">
-                <a16:creationId xmlns:a16="http://schemas.microsoft.com/office/drawing/2014/main" id="{5B637D65-8BEC-D94C-401F-9A3494D9D60D}"/>
-              </a:ext>
-            </a:extLst>
-          </p:cNvPr>
+          <p:cNvPr id="7" name="Slide Number Placeholder 6"/>
           <p:cNvSpPr>
             <a:spLocks noGrp="1"/>
           </p:cNvSpPr>
@@ -1467,11 +1629,6 @@
         </p:txBody>
       </p:sp>
     </p:spTree>
-    <p:extLst>
-      <p:ext uri="{BB962C8B-B14F-4D97-AF65-F5344CB8AC3E}">
-        <p14:creationId xmlns:p14="http://schemas.microsoft.com/office/powerpoint/2010/main" val="1149201466"/>
-      </p:ext>
-    </p:extLst>
   </p:cSld>
   <p:clrMapOvr>
     <a:masterClrMapping/>
@@ -1498,13 +1655,7 @@
       </p:grpSpPr>
       <p:sp>
         <p:nvSpPr>
-          <p:cNvPr id="2" name="Title 1">
-            <a:extLst>
-              <a:ext uri="{FF2B5EF4-FFF2-40B4-BE49-F238E27FC236}">
-                <a16:creationId xmlns:a16="http://schemas.microsoft.com/office/drawing/2014/main" id="{1E1A825A-E01A-9A52-98CF-33FAA408A102}"/>
-              </a:ext>
-            </a:extLst>
-          </p:cNvPr>
+          <p:cNvPr id="2" name="Title 1"/>
           <p:cNvSpPr>
             <a:spLocks noGrp="1"/>
           </p:cNvSpPr>
@@ -1523,21 +1674,16 @@
           <a:lstStyle/>
           <a:p>
             <a:r>
-              <a:rPr lang="en-US"/>
+              <a:rPr lang="en-US" smtClean="0"/>
               <a:t>Click to edit Master title style</a:t>
             </a:r>
+            <a:endParaRPr lang="en-US"/>
           </a:p>
         </p:txBody>
       </p:sp>
       <p:sp>
         <p:nvSpPr>
-          <p:cNvPr id="3" name="Text Placeholder 2">
-            <a:extLst>
-              <a:ext uri="{FF2B5EF4-FFF2-40B4-BE49-F238E27FC236}">
-                <a16:creationId xmlns:a16="http://schemas.microsoft.com/office/drawing/2014/main" id="{B22F94AC-3B8F-B914-27B3-2D58B3275B57}"/>
-              </a:ext>
-            </a:extLst>
-          </p:cNvPr>
+          <p:cNvPr id="3" name="Text Placeholder 2"/>
           <p:cNvSpPr>
             <a:spLocks noGrp="1"/>
           </p:cNvSpPr>
@@ -1594,7 +1740,7 @@
           <a:p>
             <a:pPr lvl="0"/>
             <a:r>
-              <a:rPr lang="en-US"/>
+              <a:rPr lang="en-US" smtClean="0"/>
               <a:t>Click to edit Master text styles</a:t>
             </a:r>
           </a:p>
@@ -1602,13 +1748,7 @@
       </p:sp>
       <p:sp>
         <p:nvSpPr>
-          <p:cNvPr id="4" name="Content Placeholder 3">
-            <a:extLst>
-              <a:ext uri="{FF2B5EF4-FFF2-40B4-BE49-F238E27FC236}">
-                <a16:creationId xmlns:a16="http://schemas.microsoft.com/office/drawing/2014/main" id="{B91D50CC-F701-888B-7DFA-3FC43565D987}"/>
-              </a:ext>
-            </a:extLst>
-          </p:cNvPr>
+          <p:cNvPr id="4" name="Content Placeholder 3"/>
           <p:cNvSpPr>
             <a:spLocks noGrp="1"/>
           </p:cNvSpPr>
@@ -1628,49 +1768,44 @@
           <a:p>
             <a:pPr lvl="0"/>
             <a:r>
-              <a:rPr lang="en-US"/>
+              <a:rPr lang="en-US" smtClean="0"/>
               <a:t>Click to edit Master text styles</a:t>
             </a:r>
           </a:p>
           <a:p>
             <a:pPr lvl="1"/>
             <a:r>
-              <a:rPr lang="en-US"/>
+              <a:rPr lang="en-US" smtClean="0"/>
               <a:t>Second level</a:t>
             </a:r>
           </a:p>
           <a:p>
             <a:pPr lvl="2"/>
             <a:r>
-              <a:rPr lang="en-US"/>
+              <a:rPr lang="en-US" smtClean="0"/>
               <a:t>Third level</a:t>
             </a:r>
           </a:p>
           <a:p>
             <a:pPr lvl="3"/>
             <a:r>
-              <a:rPr lang="en-US"/>
+              <a:rPr lang="en-US" smtClean="0"/>
               <a:t>Fourth level</a:t>
             </a:r>
           </a:p>
           <a:p>
             <a:pPr lvl="4"/>
             <a:r>
-              <a:rPr lang="en-US"/>
+              <a:rPr lang="en-US" smtClean="0"/>
               <a:t>Fifth level</a:t>
             </a:r>
+            <a:endParaRPr lang="en-US"/>
           </a:p>
         </p:txBody>
       </p:sp>
       <p:sp>
         <p:nvSpPr>
-          <p:cNvPr id="5" name="Text Placeholder 4">
-            <a:extLst>
-              <a:ext uri="{FF2B5EF4-FFF2-40B4-BE49-F238E27FC236}">
-                <a16:creationId xmlns:a16="http://schemas.microsoft.com/office/drawing/2014/main" id="{E4FECC02-7CDE-5779-13CF-E398697AED98}"/>
-              </a:ext>
-            </a:extLst>
-          </p:cNvPr>
+          <p:cNvPr id="5" name="Text Placeholder 4"/>
           <p:cNvSpPr>
             <a:spLocks noGrp="1"/>
           </p:cNvSpPr>
@@ -1727,7 +1862,7 @@
           <a:p>
             <a:pPr lvl="0"/>
             <a:r>
-              <a:rPr lang="en-US"/>
+              <a:rPr lang="en-US" smtClean="0"/>
               <a:t>Click to edit Master text styles</a:t>
             </a:r>
           </a:p>
@@ -1735,13 +1870,7 @@
       </p:sp>
       <p:sp>
         <p:nvSpPr>
-          <p:cNvPr id="6" name="Content Placeholder 5">
-            <a:extLst>
-              <a:ext uri="{FF2B5EF4-FFF2-40B4-BE49-F238E27FC236}">
-                <a16:creationId xmlns:a16="http://schemas.microsoft.com/office/drawing/2014/main" id="{457B4C6B-D72F-C87D-B95E-CA976147653E}"/>
-              </a:ext>
-            </a:extLst>
-          </p:cNvPr>
+          <p:cNvPr id="6" name="Content Placeholder 5"/>
           <p:cNvSpPr>
             <a:spLocks noGrp="1"/>
           </p:cNvSpPr>
@@ -1761,49 +1890,44 @@
           <a:p>
             <a:pPr lvl="0"/>
             <a:r>
-              <a:rPr lang="en-US"/>
+              <a:rPr lang="en-US" smtClean="0"/>
               <a:t>Click to edit Master text styles</a:t>
             </a:r>
           </a:p>
           <a:p>
             <a:pPr lvl="1"/>
             <a:r>
-              <a:rPr lang="en-US"/>
+              <a:rPr lang="en-US" smtClean="0"/>
               <a:t>Second level</a:t>
             </a:r>
           </a:p>
           <a:p>
             <a:pPr lvl="2"/>
             <a:r>
-              <a:rPr lang="en-US"/>
+              <a:rPr lang="en-US" smtClean="0"/>
               <a:t>Third level</a:t>
             </a:r>
           </a:p>
           <a:p>
             <a:pPr lvl="3"/>
             <a:r>
-              <a:rPr lang="en-US"/>
+              <a:rPr lang="en-US" smtClean="0"/>
               <a:t>Fourth level</a:t>
             </a:r>
           </a:p>
           <a:p>
             <a:pPr lvl="4"/>
             <a:r>
-              <a:rPr lang="en-US"/>
+              <a:rPr lang="en-US" smtClean="0"/>
               <a:t>Fifth level</a:t>
             </a:r>
+            <a:endParaRPr lang="en-US"/>
           </a:p>
         </p:txBody>
       </p:sp>
       <p:sp>
         <p:nvSpPr>
-          <p:cNvPr id="7" name="Date Placeholder 6">
-            <a:extLst>
-              <a:ext uri="{FF2B5EF4-FFF2-40B4-BE49-F238E27FC236}">
-                <a16:creationId xmlns:a16="http://schemas.microsoft.com/office/drawing/2014/main" id="{C81B3FA9-A4F5-75AA-49BC-067D4C3262C8}"/>
-              </a:ext>
-            </a:extLst>
-          </p:cNvPr>
+          <p:cNvPr id="7" name="Date Placeholder 6"/>
           <p:cNvSpPr>
             <a:spLocks noGrp="1"/>
           </p:cNvSpPr>
@@ -1818,7 +1942,7 @@
           <a:p>
             <a:fld id="{709B6EE7-31C9-4491-B28A-8F0414B2BF5D}" type="datetimeFigureOut">
               <a:rPr lang="en-US" smtClean="0"/>
-              <a:t>2024-05-21</a:t>
+              <a:t>5/22/24</a:t>
             </a:fld>
             <a:endParaRPr lang="en-US"/>
           </a:p>
@@ -1826,13 +1950,7 @@
       </p:sp>
       <p:sp>
         <p:nvSpPr>
-          <p:cNvPr id="8" name="Footer Placeholder 7">
-            <a:extLst>
-              <a:ext uri="{FF2B5EF4-FFF2-40B4-BE49-F238E27FC236}">
-                <a16:creationId xmlns:a16="http://schemas.microsoft.com/office/drawing/2014/main" id="{EA45ADFC-19FB-99F9-5328-1B3CBE446F9D}"/>
-              </a:ext>
-            </a:extLst>
-          </p:cNvPr>
+          <p:cNvPr id="8" name="Footer Placeholder 7"/>
           <p:cNvSpPr>
             <a:spLocks noGrp="1"/>
           </p:cNvSpPr>
@@ -1851,13 +1969,7 @@
       </p:sp>
       <p:sp>
         <p:nvSpPr>
-          <p:cNvPr id="9" name="Slide Number Placeholder 8">
-            <a:extLst>
-              <a:ext uri="{FF2B5EF4-FFF2-40B4-BE49-F238E27FC236}">
-                <a16:creationId xmlns:a16="http://schemas.microsoft.com/office/drawing/2014/main" id="{84EF18D5-7887-6890-3A09-855D33E6E204}"/>
-              </a:ext>
-            </a:extLst>
-          </p:cNvPr>
+          <p:cNvPr id="9" name="Slide Number Placeholder 8"/>
           <p:cNvSpPr>
             <a:spLocks noGrp="1"/>
           </p:cNvSpPr>
@@ -1879,11 +1991,6 @@
         </p:txBody>
       </p:sp>
     </p:spTree>
-    <p:extLst>
-      <p:ext uri="{BB962C8B-B14F-4D97-AF65-F5344CB8AC3E}">
-        <p14:creationId xmlns:p14="http://schemas.microsoft.com/office/powerpoint/2010/main" val="1551648261"/>
-      </p:ext>
-    </p:extLst>
   </p:cSld>
   <p:clrMapOvr>
     <a:masterClrMapping/>
@@ -1910,13 +2017,7 @@
       </p:grpSpPr>
       <p:sp>
         <p:nvSpPr>
-          <p:cNvPr id="2" name="Title 1">
-            <a:extLst>
-              <a:ext uri="{FF2B5EF4-FFF2-40B4-BE49-F238E27FC236}">
-                <a16:creationId xmlns:a16="http://schemas.microsoft.com/office/drawing/2014/main" id="{36E5A183-9A54-56E9-10E2-B8FAA033DA86}"/>
-              </a:ext>
-            </a:extLst>
-          </p:cNvPr>
+          <p:cNvPr id="2" name="Title 1"/>
           <p:cNvSpPr>
             <a:spLocks noGrp="1"/>
           </p:cNvSpPr>
@@ -1930,21 +2031,16 @@
           <a:lstStyle/>
           <a:p>
             <a:r>
-              <a:rPr lang="en-US"/>
+              <a:rPr lang="en-US" smtClean="0"/>
               <a:t>Click to edit Master title style</a:t>
             </a:r>
+            <a:endParaRPr lang="en-US"/>
           </a:p>
         </p:txBody>
       </p:sp>
       <p:sp>
         <p:nvSpPr>
-          <p:cNvPr id="3" name="Date Placeholder 2">
-            <a:extLst>
-              <a:ext uri="{FF2B5EF4-FFF2-40B4-BE49-F238E27FC236}">
-                <a16:creationId xmlns:a16="http://schemas.microsoft.com/office/drawing/2014/main" id="{4F5EB780-9C3C-86BC-128B-6798AE9194CA}"/>
-              </a:ext>
-            </a:extLst>
-          </p:cNvPr>
+          <p:cNvPr id="3" name="Date Placeholder 2"/>
           <p:cNvSpPr>
             <a:spLocks noGrp="1"/>
           </p:cNvSpPr>
@@ -1959,7 +2055,7 @@
           <a:p>
             <a:fld id="{709B6EE7-31C9-4491-B28A-8F0414B2BF5D}" type="datetimeFigureOut">
               <a:rPr lang="en-US" smtClean="0"/>
-              <a:t>2024-05-21</a:t>
+              <a:t>5/22/24</a:t>
             </a:fld>
             <a:endParaRPr lang="en-US"/>
           </a:p>
@@ -1967,13 +2063,7 @@
       </p:sp>
       <p:sp>
         <p:nvSpPr>
-          <p:cNvPr id="4" name="Footer Placeholder 3">
-            <a:extLst>
-              <a:ext uri="{FF2B5EF4-FFF2-40B4-BE49-F238E27FC236}">
-                <a16:creationId xmlns:a16="http://schemas.microsoft.com/office/drawing/2014/main" id="{F5856AB8-E433-FDD7-A3BE-43DE09D87043}"/>
-              </a:ext>
-            </a:extLst>
-          </p:cNvPr>
+          <p:cNvPr id="4" name="Footer Placeholder 3"/>
           <p:cNvSpPr>
             <a:spLocks noGrp="1"/>
           </p:cNvSpPr>
@@ -1992,13 +2082,7 @@
       </p:sp>
       <p:sp>
         <p:nvSpPr>
-          <p:cNvPr id="5" name="Slide Number Placeholder 4">
-            <a:extLst>
-              <a:ext uri="{FF2B5EF4-FFF2-40B4-BE49-F238E27FC236}">
-                <a16:creationId xmlns:a16="http://schemas.microsoft.com/office/drawing/2014/main" id="{15977949-95D5-0693-1453-F8AD28C6F208}"/>
-              </a:ext>
-            </a:extLst>
-          </p:cNvPr>
+          <p:cNvPr id="5" name="Slide Number Placeholder 4"/>
           <p:cNvSpPr>
             <a:spLocks noGrp="1"/>
           </p:cNvSpPr>
@@ -2020,11 +2104,6 @@
         </p:txBody>
       </p:sp>
     </p:spTree>
-    <p:extLst>
-      <p:ext uri="{BB962C8B-B14F-4D97-AF65-F5344CB8AC3E}">
-        <p14:creationId xmlns:p14="http://schemas.microsoft.com/office/powerpoint/2010/main" val="3712114176"/>
-      </p:ext>
-    </p:extLst>
   </p:cSld>
   <p:clrMapOvr>
     <a:masterClrMapping/>
@@ -2051,13 +2130,7 @@
       </p:grpSpPr>
       <p:sp>
         <p:nvSpPr>
-          <p:cNvPr id="2" name="Date Placeholder 1">
-            <a:extLst>
-              <a:ext uri="{FF2B5EF4-FFF2-40B4-BE49-F238E27FC236}">
-                <a16:creationId xmlns:a16="http://schemas.microsoft.com/office/drawing/2014/main" id="{FA980E8D-E571-8910-CE25-7B7E08B4F934}"/>
-              </a:ext>
-            </a:extLst>
-          </p:cNvPr>
+          <p:cNvPr id="2" name="Date Placeholder 1"/>
           <p:cNvSpPr>
             <a:spLocks noGrp="1"/>
           </p:cNvSpPr>
@@ -2072,7 +2145,7 @@
           <a:p>
             <a:fld id="{709B6EE7-31C9-4491-B28A-8F0414B2BF5D}" type="datetimeFigureOut">
               <a:rPr lang="en-US" smtClean="0"/>
-              <a:t>2024-05-21</a:t>
+              <a:t>5/22/24</a:t>
             </a:fld>
             <a:endParaRPr lang="en-US"/>
           </a:p>
@@ -2080,13 +2153,7 @@
       </p:sp>
       <p:sp>
         <p:nvSpPr>
-          <p:cNvPr id="3" name="Footer Placeholder 2">
-            <a:extLst>
-              <a:ext uri="{FF2B5EF4-FFF2-40B4-BE49-F238E27FC236}">
-                <a16:creationId xmlns:a16="http://schemas.microsoft.com/office/drawing/2014/main" id="{F6FEF302-4040-A933-7AE1-D585589548A7}"/>
-              </a:ext>
-            </a:extLst>
-          </p:cNvPr>
+          <p:cNvPr id="3" name="Footer Placeholder 2"/>
           <p:cNvSpPr>
             <a:spLocks noGrp="1"/>
           </p:cNvSpPr>
@@ -2105,13 +2172,7 @@
       </p:sp>
       <p:sp>
         <p:nvSpPr>
-          <p:cNvPr id="4" name="Slide Number Placeholder 3">
-            <a:extLst>
-              <a:ext uri="{FF2B5EF4-FFF2-40B4-BE49-F238E27FC236}">
-                <a16:creationId xmlns:a16="http://schemas.microsoft.com/office/drawing/2014/main" id="{84907FE4-651B-ABD3-0E6D-B9E220371EFD}"/>
-              </a:ext>
-            </a:extLst>
-          </p:cNvPr>
+          <p:cNvPr id="4" name="Slide Number Placeholder 3"/>
           <p:cNvSpPr>
             <a:spLocks noGrp="1"/>
           </p:cNvSpPr>
@@ -2133,11 +2194,6 @@
         </p:txBody>
       </p:sp>
     </p:spTree>
-    <p:extLst>
-      <p:ext uri="{BB962C8B-B14F-4D97-AF65-F5344CB8AC3E}">
-        <p14:creationId xmlns:p14="http://schemas.microsoft.com/office/powerpoint/2010/main" val="833743836"/>
-      </p:ext>
-    </p:extLst>
   </p:cSld>
   <p:clrMapOvr>
     <a:masterClrMapping/>
@@ -2164,13 +2220,7 @@
       </p:grpSpPr>
       <p:sp>
         <p:nvSpPr>
-          <p:cNvPr id="2" name="Title 1">
-            <a:extLst>
-              <a:ext uri="{FF2B5EF4-FFF2-40B4-BE49-F238E27FC236}">
-                <a16:creationId xmlns:a16="http://schemas.microsoft.com/office/drawing/2014/main" id="{3049087C-138B-E781-C621-0813C9F133D2}"/>
-              </a:ext>
-            </a:extLst>
-          </p:cNvPr>
+          <p:cNvPr id="2" name="Title 1"/>
           <p:cNvSpPr>
             <a:spLocks noGrp="1"/>
           </p:cNvSpPr>
@@ -2193,21 +2243,16 @@
           </a:lstStyle>
           <a:p>
             <a:r>
-              <a:rPr lang="en-US"/>
+              <a:rPr lang="en-US" smtClean="0"/>
               <a:t>Click to edit Master title style</a:t>
             </a:r>
+            <a:endParaRPr lang="en-US"/>
           </a:p>
         </p:txBody>
       </p:sp>
       <p:sp>
         <p:nvSpPr>
-          <p:cNvPr id="3" name="Content Placeholder 2">
-            <a:extLst>
-              <a:ext uri="{FF2B5EF4-FFF2-40B4-BE49-F238E27FC236}">
-                <a16:creationId xmlns:a16="http://schemas.microsoft.com/office/drawing/2014/main" id="{91A69EB1-7CD5-EA45-DAAA-4EE2CD5966A8}"/>
-              </a:ext>
-            </a:extLst>
-          </p:cNvPr>
+          <p:cNvPr id="3" name="Content Placeholder 2"/>
           <p:cNvSpPr>
             <a:spLocks noGrp="1"/>
           </p:cNvSpPr>
@@ -2255,49 +2300,44 @@
           <a:p>
             <a:pPr lvl="0"/>
             <a:r>
-              <a:rPr lang="en-US"/>
+              <a:rPr lang="en-US" smtClean="0"/>
               <a:t>Click to edit Master text styles</a:t>
             </a:r>
           </a:p>
           <a:p>
             <a:pPr lvl="1"/>
             <a:r>
-              <a:rPr lang="en-US"/>
+              <a:rPr lang="en-US" smtClean="0"/>
               <a:t>Second level</a:t>
             </a:r>
           </a:p>
           <a:p>
             <a:pPr lvl="2"/>
             <a:r>
-              <a:rPr lang="en-US"/>
+              <a:rPr lang="en-US" smtClean="0"/>
               <a:t>Third level</a:t>
             </a:r>
           </a:p>
           <a:p>
             <a:pPr lvl="3"/>
             <a:r>
-              <a:rPr lang="en-US"/>
+              <a:rPr lang="en-US" smtClean="0"/>
               <a:t>Fourth level</a:t>
             </a:r>
           </a:p>
           <a:p>
             <a:pPr lvl="4"/>
             <a:r>
-              <a:rPr lang="en-US"/>
+              <a:rPr lang="en-US" smtClean="0"/>
               <a:t>Fifth level</a:t>
             </a:r>
+            <a:endParaRPr lang="en-US"/>
           </a:p>
         </p:txBody>
       </p:sp>
       <p:sp>
         <p:nvSpPr>
-          <p:cNvPr id="4" name="Text Placeholder 3">
-            <a:extLst>
-              <a:ext uri="{FF2B5EF4-FFF2-40B4-BE49-F238E27FC236}">
-                <a16:creationId xmlns:a16="http://schemas.microsoft.com/office/drawing/2014/main" id="{E300991A-92E4-CD46-4D86-F6955C1F2321}"/>
-              </a:ext>
-            </a:extLst>
-          </p:cNvPr>
+          <p:cNvPr id="4" name="Text Placeholder 3"/>
           <p:cNvSpPr>
             <a:spLocks noGrp="1"/>
           </p:cNvSpPr>
@@ -2354,7 +2394,7 @@
           <a:p>
             <a:pPr lvl="0"/>
             <a:r>
-              <a:rPr lang="en-US"/>
+              <a:rPr lang="en-US" smtClean="0"/>
               <a:t>Click to edit Master text styles</a:t>
             </a:r>
           </a:p>
@@ -2362,13 +2402,7 @@
       </p:sp>
       <p:sp>
         <p:nvSpPr>
-          <p:cNvPr id="5" name="Date Placeholder 4">
-            <a:extLst>
-              <a:ext uri="{FF2B5EF4-FFF2-40B4-BE49-F238E27FC236}">
-                <a16:creationId xmlns:a16="http://schemas.microsoft.com/office/drawing/2014/main" id="{9BB7421C-B56F-9E83-B45E-DC50BD54BEB4}"/>
-              </a:ext>
-            </a:extLst>
-          </p:cNvPr>
+          <p:cNvPr id="5" name="Date Placeholder 4"/>
           <p:cNvSpPr>
             <a:spLocks noGrp="1"/>
           </p:cNvSpPr>
@@ -2383,7 +2417,7 @@
           <a:p>
             <a:fld id="{709B6EE7-31C9-4491-B28A-8F0414B2BF5D}" type="datetimeFigureOut">
               <a:rPr lang="en-US" smtClean="0"/>
-              <a:t>2024-05-21</a:t>
+              <a:t>5/22/24</a:t>
             </a:fld>
             <a:endParaRPr lang="en-US"/>
           </a:p>
@@ -2391,13 +2425,7 @@
       </p:sp>
       <p:sp>
         <p:nvSpPr>
-          <p:cNvPr id="6" name="Footer Placeholder 5">
-            <a:extLst>
-              <a:ext uri="{FF2B5EF4-FFF2-40B4-BE49-F238E27FC236}">
-                <a16:creationId xmlns:a16="http://schemas.microsoft.com/office/drawing/2014/main" id="{1391DD00-2157-01BF-DDF8-61FC5702AA39}"/>
-              </a:ext>
-            </a:extLst>
-          </p:cNvPr>
+          <p:cNvPr id="6" name="Footer Placeholder 5"/>
           <p:cNvSpPr>
             <a:spLocks noGrp="1"/>
           </p:cNvSpPr>
@@ -2416,13 +2444,7 @@
       </p:sp>
       <p:sp>
         <p:nvSpPr>
-          <p:cNvPr id="7" name="Slide Number Placeholder 6">
-            <a:extLst>
-              <a:ext uri="{FF2B5EF4-FFF2-40B4-BE49-F238E27FC236}">
-                <a16:creationId xmlns:a16="http://schemas.microsoft.com/office/drawing/2014/main" id="{39F96776-386C-8CA0-8583-E44196578DCD}"/>
-              </a:ext>
-            </a:extLst>
-          </p:cNvPr>
+          <p:cNvPr id="7" name="Slide Number Placeholder 6"/>
           <p:cNvSpPr>
             <a:spLocks noGrp="1"/>
           </p:cNvSpPr>
@@ -2444,11 +2466,6 @@
         </p:txBody>
       </p:sp>
     </p:spTree>
-    <p:extLst>
-      <p:ext uri="{BB962C8B-B14F-4D97-AF65-F5344CB8AC3E}">
-        <p14:creationId xmlns:p14="http://schemas.microsoft.com/office/powerpoint/2010/main" val="1293198839"/>
-      </p:ext>
-    </p:extLst>
   </p:cSld>
   <p:clrMapOvr>
     <a:masterClrMapping/>
@@ -2475,13 +2492,7 @@
       </p:grpSpPr>
       <p:sp>
         <p:nvSpPr>
-          <p:cNvPr id="2" name="Title 1">
-            <a:extLst>
-              <a:ext uri="{FF2B5EF4-FFF2-40B4-BE49-F238E27FC236}">
-                <a16:creationId xmlns:a16="http://schemas.microsoft.com/office/drawing/2014/main" id="{7D037983-D581-1339-790E-06FB743A594B}"/>
-              </a:ext>
-            </a:extLst>
-          </p:cNvPr>
+          <p:cNvPr id="2" name="Title 1"/>
           <p:cNvSpPr>
             <a:spLocks noGrp="1"/>
           </p:cNvSpPr>
@@ -2504,21 +2515,16 @@
           </a:lstStyle>
           <a:p>
             <a:r>
-              <a:rPr lang="en-US"/>
+              <a:rPr lang="en-US" smtClean="0"/>
               <a:t>Click to edit Master title style</a:t>
             </a:r>
+            <a:endParaRPr lang="en-US"/>
           </a:p>
         </p:txBody>
       </p:sp>
       <p:sp>
         <p:nvSpPr>
-          <p:cNvPr id="3" name="Picture Placeholder 2">
-            <a:extLst>
-              <a:ext uri="{FF2B5EF4-FFF2-40B4-BE49-F238E27FC236}">
-                <a16:creationId xmlns:a16="http://schemas.microsoft.com/office/drawing/2014/main" id="{97611EA3-3A16-943A-8915-08C0A05B1D36}"/>
-              </a:ext>
-            </a:extLst>
-          </p:cNvPr>
+          <p:cNvPr id="3" name="Picture Placeholder 2"/>
           <p:cNvSpPr>
             <a:spLocks noGrp="1"/>
           </p:cNvSpPr>
@@ -2579,13 +2585,7 @@
       </p:sp>
       <p:sp>
         <p:nvSpPr>
-          <p:cNvPr id="4" name="Text Placeholder 3">
-            <a:extLst>
-              <a:ext uri="{FF2B5EF4-FFF2-40B4-BE49-F238E27FC236}">
-                <a16:creationId xmlns:a16="http://schemas.microsoft.com/office/drawing/2014/main" id="{929DF51A-C18A-5D55-A963-84134A6B0A46}"/>
-              </a:ext>
-            </a:extLst>
-          </p:cNvPr>
+          <p:cNvPr id="4" name="Text Placeholder 3"/>
           <p:cNvSpPr>
             <a:spLocks noGrp="1"/>
           </p:cNvSpPr>
@@ -2642,7 +2642,7 @@
           <a:p>
             <a:pPr lvl="0"/>
             <a:r>
-              <a:rPr lang="en-US"/>
+              <a:rPr lang="en-US" smtClean="0"/>
               <a:t>Click to edit Master text styles</a:t>
             </a:r>
           </a:p>
@@ -2650,13 +2650,7 @@
       </p:sp>
       <p:sp>
         <p:nvSpPr>
-          <p:cNvPr id="5" name="Date Placeholder 4">
-            <a:extLst>
-              <a:ext uri="{FF2B5EF4-FFF2-40B4-BE49-F238E27FC236}">
-                <a16:creationId xmlns:a16="http://schemas.microsoft.com/office/drawing/2014/main" id="{A791DD79-0370-3950-153C-BBBAD155A16A}"/>
-              </a:ext>
-            </a:extLst>
-          </p:cNvPr>
+          <p:cNvPr id="5" name="Date Placeholder 4"/>
           <p:cNvSpPr>
             <a:spLocks noGrp="1"/>
           </p:cNvSpPr>
@@ -2671,7 +2665,7 @@
           <a:p>
             <a:fld id="{709B6EE7-31C9-4491-B28A-8F0414B2BF5D}" type="datetimeFigureOut">
               <a:rPr lang="en-US" smtClean="0"/>
-              <a:t>2024-05-21</a:t>
+              <a:t>5/22/24</a:t>
             </a:fld>
             <a:endParaRPr lang="en-US"/>
           </a:p>
@@ -2679,13 +2673,7 @@
       </p:sp>
       <p:sp>
         <p:nvSpPr>
-          <p:cNvPr id="6" name="Footer Placeholder 5">
-            <a:extLst>
-              <a:ext uri="{FF2B5EF4-FFF2-40B4-BE49-F238E27FC236}">
-                <a16:creationId xmlns:a16="http://schemas.microsoft.com/office/drawing/2014/main" id="{2E8E3637-8B67-964B-A84B-2AF592C63F20}"/>
-              </a:ext>
-            </a:extLst>
-          </p:cNvPr>
+          <p:cNvPr id="6" name="Footer Placeholder 5"/>
           <p:cNvSpPr>
             <a:spLocks noGrp="1"/>
           </p:cNvSpPr>
@@ -2704,13 +2692,7 @@
       </p:sp>
       <p:sp>
         <p:nvSpPr>
-          <p:cNvPr id="7" name="Slide Number Placeholder 6">
-            <a:extLst>
-              <a:ext uri="{FF2B5EF4-FFF2-40B4-BE49-F238E27FC236}">
-                <a16:creationId xmlns:a16="http://schemas.microsoft.com/office/drawing/2014/main" id="{230AEBD9-14CC-061C-E708-F9F98244F52A}"/>
-              </a:ext>
-            </a:extLst>
-          </p:cNvPr>
+          <p:cNvPr id="7" name="Slide Number Placeholder 6"/>
           <p:cNvSpPr>
             <a:spLocks noGrp="1"/>
           </p:cNvSpPr>
@@ -2732,11 +2714,6 @@
         </p:txBody>
       </p:sp>
     </p:spTree>
-    <p:extLst>
-      <p:ext uri="{BB962C8B-B14F-4D97-AF65-F5344CB8AC3E}">
-        <p14:creationId xmlns:p14="http://schemas.microsoft.com/office/powerpoint/2010/main" val="924233767"/>
-      </p:ext>
-    </p:extLst>
   </p:cSld>
   <p:clrMapOvr>
     <a:masterClrMapping/>
@@ -2768,13 +2745,7 @@
       </p:grpSpPr>
       <p:sp>
         <p:nvSpPr>
-          <p:cNvPr id="2" name="Title Placeholder 1">
-            <a:extLst>
-              <a:ext uri="{FF2B5EF4-FFF2-40B4-BE49-F238E27FC236}">
-                <a16:creationId xmlns:a16="http://schemas.microsoft.com/office/drawing/2014/main" id="{A56B18F0-7185-D59D-ADEE-E5E90C44E71C}"/>
-              </a:ext>
-            </a:extLst>
-          </p:cNvPr>
+          <p:cNvPr id="2" name="Title Placeholder 1"/>
           <p:cNvSpPr>
             <a:spLocks noGrp="1"/>
           </p:cNvSpPr>
@@ -2798,21 +2769,16 @@
           <a:lstStyle/>
           <a:p>
             <a:r>
-              <a:rPr lang="en-US"/>
+              <a:rPr lang="en-US" smtClean="0"/>
               <a:t>Click to edit Master title style</a:t>
             </a:r>
+            <a:endParaRPr lang="en-US"/>
           </a:p>
         </p:txBody>
       </p:sp>
       <p:sp>
         <p:nvSpPr>
-          <p:cNvPr id="3" name="Text Placeholder 2">
-            <a:extLst>
-              <a:ext uri="{FF2B5EF4-FFF2-40B4-BE49-F238E27FC236}">
-                <a16:creationId xmlns:a16="http://schemas.microsoft.com/office/drawing/2014/main" id="{BC84A579-FB77-A998-0B92-2B4FC979D3F7}"/>
-              </a:ext>
-            </a:extLst>
-          </p:cNvPr>
+          <p:cNvPr id="3" name="Text Placeholder 2"/>
           <p:cNvSpPr>
             <a:spLocks noGrp="1"/>
           </p:cNvSpPr>
@@ -2837,49 +2803,44 @@
           <a:p>
             <a:pPr lvl="0"/>
             <a:r>
-              <a:rPr lang="en-US"/>
+              <a:rPr lang="en-US" smtClean="0"/>
               <a:t>Click to edit Master text styles</a:t>
             </a:r>
           </a:p>
           <a:p>
             <a:pPr lvl="1"/>
             <a:r>
-              <a:rPr lang="en-US"/>
+              <a:rPr lang="en-US" smtClean="0"/>
               <a:t>Second level</a:t>
             </a:r>
           </a:p>
           <a:p>
             <a:pPr lvl="2"/>
             <a:r>
-              <a:rPr lang="en-US"/>
+              <a:rPr lang="en-US" smtClean="0"/>
               <a:t>Third level</a:t>
             </a:r>
           </a:p>
           <a:p>
             <a:pPr lvl="3"/>
             <a:r>
-              <a:rPr lang="en-US"/>
+              <a:rPr lang="en-US" smtClean="0"/>
               <a:t>Fourth level</a:t>
             </a:r>
           </a:p>
           <a:p>
             <a:pPr lvl="4"/>
             <a:r>
-              <a:rPr lang="en-US"/>
+              <a:rPr lang="en-US" smtClean="0"/>
               <a:t>Fifth level</a:t>
             </a:r>
+            <a:endParaRPr lang="en-US"/>
           </a:p>
         </p:txBody>
       </p:sp>
       <p:sp>
         <p:nvSpPr>
-          <p:cNvPr id="4" name="Date Placeholder 3">
-            <a:extLst>
-              <a:ext uri="{FF2B5EF4-FFF2-40B4-BE49-F238E27FC236}">
-                <a16:creationId xmlns:a16="http://schemas.microsoft.com/office/drawing/2014/main" id="{556B33E7-2E52-2ADE-F08C-0623E8A8F670}"/>
-              </a:ext>
-            </a:extLst>
-          </p:cNvPr>
+          <p:cNvPr id="4" name="Date Placeholder 3"/>
           <p:cNvSpPr>
             <a:spLocks noGrp="1"/>
           </p:cNvSpPr>
@@ -2903,7 +2864,7 @@
               <a:defRPr sz="1200">
                 <a:solidFill>
                   <a:schemeClr val="tx1">
-                    <a:tint val="82000"/>
+                    <a:tint val="75000"/>
                   </a:schemeClr>
                 </a:solidFill>
               </a:defRPr>
@@ -2912,7 +2873,7 @@
           <a:p>
             <a:fld id="{709B6EE7-31C9-4491-B28A-8F0414B2BF5D}" type="datetimeFigureOut">
               <a:rPr lang="en-US" smtClean="0"/>
-              <a:t>2024-05-21</a:t>
+              <a:t>5/22/24</a:t>
             </a:fld>
             <a:endParaRPr lang="en-US"/>
           </a:p>
@@ -2920,13 +2881,7 @@
       </p:sp>
       <p:sp>
         <p:nvSpPr>
-          <p:cNvPr id="5" name="Footer Placeholder 4">
-            <a:extLst>
-              <a:ext uri="{FF2B5EF4-FFF2-40B4-BE49-F238E27FC236}">
-                <a16:creationId xmlns:a16="http://schemas.microsoft.com/office/drawing/2014/main" id="{5EC5D99A-2784-6233-CCF3-6161F758C903}"/>
-              </a:ext>
-            </a:extLst>
-          </p:cNvPr>
+          <p:cNvPr id="5" name="Footer Placeholder 4"/>
           <p:cNvSpPr>
             <a:spLocks noGrp="1"/>
           </p:cNvSpPr>
@@ -2950,7 +2905,7 @@
               <a:defRPr sz="1200">
                 <a:solidFill>
                   <a:schemeClr val="tx1">
-                    <a:tint val="82000"/>
+                    <a:tint val="75000"/>
                   </a:schemeClr>
                 </a:solidFill>
               </a:defRPr>
@@ -2963,13 +2918,7 @@
       </p:sp>
       <p:sp>
         <p:nvSpPr>
-          <p:cNvPr id="6" name="Slide Number Placeholder 5">
-            <a:extLst>
-              <a:ext uri="{FF2B5EF4-FFF2-40B4-BE49-F238E27FC236}">
-                <a16:creationId xmlns:a16="http://schemas.microsoft.com/office/drawing/2014/main" id="{CC4C1F3B-4698-BA87-F550-1B0225662235}"/>
-              </a:ext>
-            </a:extLst>
-          </p:cNvPr>
+          <p:cNvPr id="6" name="Slide Number Placeholder 5"/>
           <p:cNvSpPr>
             <a:spLocks noGrp="1"/>
           </p:cNvSpPr>
@@ -2993,7 +2942,7 @@
               <a:defRPr sz="1200">
                 <a:solidFill>
                   <a:schemeClr val="tx1">
-                    <a:tint val="82000"/>
+                    <a:tint val="75000"/>
                   </a:schemeClr>
                 </a:solidFill>
               </a:defRPr>
@@ -3011,23 +2960,23 @@
     </p:spTree>
     <p:extLst>
       <p:ext uri="{BB962C8B-B14F-4D97-AF65-F5344CB8AC3E}">
-        <p14:creationId xmlns:p14="http://schemas.microsoft.com/office/powerpoint/2010/main" val="59232045"/>
+        <p14:creationId xmlns:p14="http://schemas.microsoft.com/office/powerpoint/2010/main" val="1242143707"/>
       </p:ext>
     </p:extLst>
   </p:cSld>
   <p:clrMap bg1="lt1" tx1="dk1" bg2="lt2" tx2="dk2" accent1="accent1" accent2="accent2" accent3="accent3" accent4="accent4" accent5="accent5" accent6="accent6" hlink="hlink" folHlink="folHlink"/>
   <p:sldLayoutIdLst>
-    <p:sldLayoutId id="2147483649" r:id="rId1"/>
-    <p:sldLayoutId id="2147483650" r:id="rId2"/>
-    <p:sldLayoutId id="2147483651" r:id="rId3"/>
-    <p:sldLayoutId id="2147483652" r:id="rId4"/>
-    <p:sldLayoutId id="2147483653" r:id="rId5"/>
-    <p:sldLayoutId id="2147483654" r:id="rId6"/>
-    <p:sldLayoutId id="2147483655" r:id="rId7"/>
-    <p:sldLayoutId id="2147483656" r:id="rId8"/>
-    <p:sldLayoutId id="2147483657" r:id="rId9"/>
-    <p:sldLayoutId id="2147483658" r:id="rId10"/>
-    <p:sldLayoutId id="2147483659" r:id="rId11"/>
+    <p:sldLayoutId id="2147483703" r:id="rId1"/>
+    <p:sldLayoutId id="2147483704" r:id="rId2"/>
+    <p:sldLayoutId id="2147483705" r:id="rId3"/>
+    <p:sldLayoutId id="2147483706" r:id="rId4"/>
+    <p:sldLayoutId id="2147483707" r:id="rId5"/>
+    <p:sldLayoutId id="2147483708" r:id="rId6"/>
+    <p:sldLayoutId id="2147483709" r:id="rId7"/>
+    <p:sldLayoutId id="2147483710" r:id="rId8"/>
+    <p:sldLayoutId id="2147483711" r:id="rId9"/>
+    <p:sldLayoutId id="2147483712" r:id="rId10"/>
+    <p:sldLayoutId id="2147483713" r:id="rId11"/>
   </p:sldLayoutIdLst>
   <p:txStyles>
     <p:titleStyle>
@@ -3057,7 +3006,7 @@
         <a:spcBef>
           <a:spcPts val="1000"/>
         </a:spcBef>
-        <a:buFont typeface="Arial" panose="020B0604020202020204" pitchFamily="34" charset="0"/>
+        <a:buFont typeface="Arial"/>
         <a:buChar char="•"/>
         <a:defRPr sz="2800" kern="1200">
           <a:solidFill>
@@ -3075,7 +3024,7 @@
         <a:spcBef>
           <a:spcPts val="500"/>
         </a:spcBef>
-        <a:buFont typeface="Arial" panose="020B0604020202020204" pitchFamily="34" charset="0"/>
+        <a:buFont typeface="Arial"/>
         <a:buChar char="•"/>
         <a:defRPr sz="2400" kern="1200">
           <a:solidFill>
@@ -3093,7 +3042,7 @@
         <a:spcBef>
           <a:spcPts val="500"/>
         </a:spcBef>
-        <a:buFont typeface="Arial" panose="020B0604020202020204" pitchFamily="34" charset="0"/>
+        <a:buFont typeface="Arial"/>
         <a:buChar char="•"/>
         <a:defRPr sz="2000" kern="1200">
           <a:solidFill>
@@ -3111,7 +3060,7 @@
         <a:spcBef>
           <a:spcPts val="500"/>
         </a:spcBef>
-        <a:buFont typeface="Arial" panose="020B0604020202020204" pitchFamily="34" charset="0"/>
+        <a:buFont typeface="Arial"/>
         <a:buChar char="•"/>
         <a:defRPr sz="1800" kern="1200">
           <a:solidFill>
@@ -3129,7 +3078,7 @@
         <a:spcBef>
           <a:spcPts val="500"/>
         </a:spcBef>
-        <a:buFont typeface="Arial" panose="020B0604020202020204" pitchFamily="34" charset="0"/>
+        <a:buFont typeface="Arial"/>
         <a:buChar char="•"/>
         <a:defRPr sz="1800" kern="1200">
           <a:solidFill>
@@ -3147,7 +3096,7 @@
         <a:spcBef>
           <a:spcPts val="500"/>
         </a:spcBef>
-        <a:buFont typeface="Arial" panose="020B0604020202020204" pitchFamily="34" charset="0"/>
+        <a:buFont typeface="Arial"/>
         <a:buChar char="•"/>
         <a:defRPr sz="1800" kern="1200">
           <a:solidFill>
@@ -3165,7 +3114,7 @@
         <a:spcBef>
           <a:spcPts val="500"/>
         </a:spcBef>
-        <a:buFont typeface="Arial" panose="020B0604020202020204" pitchFamily="34" charset="0"/>
+        <a:buFont typeface="Arial"/>
         <a:buChar char="•"/>
         <a:defRPr sz="1800" kern="1200">
           <a:solidFill>
@@ -3183,7 +3132,7 @@
         <a:spcBef>
           <a:spcPts val="500"/>
         </a:spcBef>
-        <a:buFont typeface="Arial" panose="020B0604020202020204" pitchFamily="34" charset="0"/>
+        <a:buFont typeface="Arial"/>
         <a:buChar char="•"/>
         <a:defRPr sz="1800" kern="1200">
           <a:solidFill>
@@ -3201,7 +3150,7 @@
         <a:spcBef>
           <a:spcPts val="500"/>
         </a:spcBef>
-        <a:buFont typeface="Arial" panose="020B0604020202020204" pitchFamily="34" charset="0"/>
+        <a:buFont typeface="Arial"/>
         <a:buChar char="•"/>
         <a:defRPr sz="1800" kern="1200">
           <a:solidFill>
@@ -3337,72 +3286,12 @@
           <a:chExt cx="0" cy="0"/>
         </a:xfrm>
       </p:grpSpPr>
-      <p:sp useBgFill="1">
-        <p:nvSpPr>
-          <p:cNvPr id="10" name="Rectangle 9">
-            <a:extLst>
-              <a:ext uri="{FF2B5EF4-FFF2-40B4-BE49-F238E27FC236}">
-                <a16:creationId xmlns:a16="http://schemas.microsoft.com/office/drawing/2014/main" id="{4FFBEE45-F140-49D5-85EA-C78C24340B23}"/>
-              </a:ext>
-              <a:ext uri="{C183D7F6-B498-43B3-948B-1728B52AA6E4}">
-                <adec:decorative xmlns:adec="http://schemas.microsoft.com/office/drawing/2017/decorative" val="1"/>
-              </a:ext>
-            </a:extLst>
-          </p:cNvPr>
-          <p:cNvSpPr>
-            <a:spLocks noGrp="1" noRot="1" noChangeAspect="1" noMove="1" noResize="1" noEditPoints="1" noAdjustHandles="1" noChangeArrowheads="1" noChangeShapeType="1" noTextEdit="1"/>
-          </p:cNvSpPr>
-          <p:nvPr>
-            <p:extLst>
-              <p:ext uri="{386F3935-93C4-4BCD-93E2-E3B085C9AB24}">
-                <p16:designElem xmlns:p16="http://schemas.microsoft.com/office/powerpoint/2015/main" val="1"/>
-              </p:ext>
-            </p:extLst>
-          </p:nvPr>
-        </p:nvSpPr>
-        <p:spPr>
-          <a:xfrm>
-            <a:off x="0" y="-1"/>
-            <a:ext cx="12188952" cy="6858000"/>
-          </a:xfrm>
-          <a:prstGeom prst="rect">
-            <a:avLst/>
-          </a:prstGeom>
-          <a:ln>
-            <a:noFill/>
-          </a:ln>
-        </p:spPr>
-        <p:style>
-          <a:lnRef idx="2">
-            <a:schemeClr val="accent1">
-              <a:shade val="50000"/>
-            </a:schemeClr>
-          </a:lnRef>
-          <a:fillRef idx="1">
-            <a:schemeClr val="accent1"/>
-          </a:fillRef>
-          <a:effectRef idx="0">
-            <a:schemeClr val="accent1"/>
-          </a:effectRef>
-          <a:fontRef idx="minor">
-            <a:schemeClr val="lt1"/>
-          </a:fontRef>
-        </p:style>
-        <p:txBody>
-          <a:bodyPr rtlCol="0" anchor="ctr"/>
-          <a:lstStyle/>
-          <a:p>
-            <a:pPr algn="ctr"/>
-            <a:endParaRPr lang="en-US"/>
-          </a:p>
-        </p:txBody>
-      </p:sp>
       <p:sp>
         <p:nvSpPr>
           <p:cNvPr id="2" name="Title 1">
             <a:extLst>
               <a:ext uri="{FF2B5EF4-FFF2-40B4-BE49-F238E27FC236}">
-                <a16:creationId xmlns:a16="http://schemas.microsoft.com/office/drawing/2014/main" id="{1ACAB6CD-9F9C-D68B-2977-FB6F726812B9}"/>
+                <a16:creationId xmlns:a16="http://schemas.microsoft.com/office/drawing/2014/main" xmlns="" id="{1ACAB6CD-9F9C-D68B-2977-FB6F726812B9}"/>
               </a:ext>
             </a:extLst>
           </p:cNvPr>
@@ -3425,7 +3314,6 @@
           </a:bodyPr>
           <a:lstStyle/>
           <a:p>
-            <a:pPr algn="l"/>
             <a:r>
               <a:rPr lang="en-US" sz="5200" kern="1200" dirty="0">
                 <a:solidFill>
@@ -3445,7 +3333,7 @@
           <p:cNvPr id="3" name="Subtitle 2">
             <a:extLst>
               <a:ext uri="{FF2B5EF4-FFF2-40B4-BE49-F238E27FC236}">
-                <a16:creationId xmlns:a16="http://schemas.microsoft.com/office/drawing/2014/main" id="{951A8AC9-112F-0ADC-82A9-125949693A14}"/>
+                <a16:creationId xmlns:a16="http://schemas.microsoft.com/office/drawing/2014/main" xmlns="" id="{951A8AC9-112F-0ADC-82A9-125949693A14}"/>
               </a:ext>
             </a:extLst>
           </p:cNvPr>
@@ -3458,8 +3346,8 @@
         </p:nvSpPr>
         <p:spPr>
           <a:xfrm>
-            <a:off x="838200" y="2398626"/>
-            <a:ext cx="5158427" cy="3730460"/>
+            <a:off x="937573" y="2582322"/>
+            <a:ext cx="5158427" cy="3801545"/>
           </a:xfrm>
         </p:spPr>
         <p:txBody>
@@ -3468,268 +3356,96 @@
           </a:bodyPr>
           <a:lstStyle/>
           <a:p>
-            <a:pPr indent="-228600" algn="l">
-              <a:buFont typeface="Arial" panose="020B0604020202020204" pitchFamily="34" charset="0"/>
-              <a:buChar char="•"/>
-            </a:pPr>
-            <a:r>
-              <a:rPr lang="en-US" sz="2000" dirty="0"/>
-              <a:t>MX Computational Analytics Project</a:t>
-            </a:r>
-          </a:p>
-          <a:p>
-            <a:pPr indent="-228600" algn="l">
-              <a:buFont typeface="Arial" panose="020B0604020202020204" pitchFamily="34" charset="0"/>
-              <a:buChar char="•"/>
-            </a:pPr>
-            <a:r>
-              <a:rPr lang="en-US" sz="2000" dirty="0"/>
+            <a:pPr algn="l"/>
+            <a:r>
+              <a:rPr lang="en-US" b="1" dirty="0" smtClean="0"/>
               <a:t>Team Members:</a:t>
             </a:r>
           </a:p>
           <a:p>
-            <a:pPr marL="457200" indent="-228600" algn="l">
-              <a:buFont typeface="Arial" panose="020B0604020202020204" pitchFamily="34" charset="0"/>
-              <a:buChar char="•"/>
-            </a:pPr>
-            <a:r>
-              <a:rPr lang="en-US" sz="2000" dirty="0"/>
-              <a:t>Hashim </a:t>
-            </a:r>
-            <a:r>
-              <a:rPr lang="en-US" sz="2000" dirty="0" err="1"/>
+            <a:pPr algn="l"/>
+            <a:r>
+              <a:rPr lang="en-US" sz="2800" dirty="0" err="1" smtClean="0"/>
+              <a:t>Hashim</a:t>
+            </a:r>
+            <a:r>
+              <a:rPr lang="en-US" sz="2800" dirty="0" smtClean="0"/>
+              <a:t> </a:t>
+            </a:r>
+            <a:r>
+              <a:rPr lang="en-US" sz="2800" dirty="0" err="1" smtClean="0"/>
               <a:t>Alsadah</a:t>
             </a:r>
-            <a:endParaRPr lang="en-US" sz="2000" dirty="0"/>
-          </a:p>
-          <a:p>
-            <a:pPr marL="457200" indent="-228600" algn="l">
-              <a:buFont typeface="Arial" panose="020B0604020202020204" pitchFamily="34" charset="0"/>
-              <a:buChar char="•"/>
-            </a:pPr>
-            <a:r>
-              <a:rPr lang="en-US" sz="2000" dirty="0" err="1"/>
+            <a:r>
+              <a:rPr lang="en-US" sz="2800" dirty="0" smtClean="0"/>
+              <a:t>.</a:t>
+            </a:r>
+            <a:endParaRPr lang="en-US" sz="2800" dirty="0"/>
+          </a:p>
+          <a:p>
+            <a:pPr algn="l"/>
+            <a:r>
+              <a:rPr lang="en-US" sz="2800" dirty="0" err="1" smtClean="0"/>
               <a:t>Abdulwahab</a:t>
             </a:r>
             <a:r>
-              <a:rPr lang="en-US" sz="2000" dirty="0"/>
-              <a:t> Alghamdi</a:t>
-            </a:r>
-          </a:p>
-          <a:p>
-            <a:pPr marL="457200" indent="-228600" algn="l">
-              <a:buFont typeface="Arial" panose="020B0604020202020204" pitchFamily="34" charset="0"/>
-              <a:buChar char="•"/>
-            </a:pPr>
-            <a:r>
-              <a:rPr lang="en-US" sz="2000" dirty="0"/>
+              <a:rPr lang="en-US" sz="2800" dirty="0" smtClean="0"/>
+              <a:t> </a:t>
+            </a:r>
+            <a:r>
+              <a:rPr lang="en-US" sz="2800" dirty="0" err="1" smtClean="0"/>
+              <a:t>Alghamdi</a:t>
+            </a:r>
+            <a:r>
+              <a:rPr lang="en-US" sz="2800" dirty="0" smtClean="0"/>
+              <a:t>.</a:t>
+            </a:r>
+          </a:p>
+          <a:p>
+            <a:pPr algn="l"/>
+            <a:r>
+              <a:rPr lang="en-US" sz="2800" dirty="0" smtClean="0"/>
               <a:t>Hussain </a:t>
             </a:r>
             <a:r>
-              <a:rPr lang="en-US" sz="2000" dirty="0" err="1"/>
+              <a:rPr lang="en-US" sz="2800" dirty="0" err="1" smtClean="0"/>
               <a:t>Alsinan</a:t>
             </a:r>
-            <a:endParaRPr lang="en-US" sz="2000" dirty="0"/>
-          </a:p>
-        </p:txBody>
-      </p:sp>
-      <p:sp>
-        <p:nvSpPr>
-          <p:cNvPr id="5" name="Subtitle 2">
-            <a:extLst>
-              <a:ext uri="{FF2B5EF4-FFF2-40B4-BE49-F238E27FC236}">
-                <a16:creationId xmlns:a16="http://schemas.microsoft.com/office/drawing/2014/main" id="{1B4A9C36-EF69-4D04-1972-30EB43593DA6}"/>
-              </a:ext>
-            </a:extLst>
-          </p:cNvPr>
-          <p:cNvSpPr txBox="1">
-            <a:spLocks/>
-          </p:cNvSpPr>
-          <p:nvPr/>
-        </p:nvSpPr>
-        <p:spPr>
-          <a:xfrm>
-            <a:off x="6189154" y="2398626"/>
-            <a:ext cx="5164645" cy="3730460"/>
-          </a:xfrm>
-          <a:prstGeom prst="rect">
-            <a:avLst/>
-          </a:prstGeom>
-        </p:spPr>
-        <p:txBody>
-          <a:bodyPr vert="horz" lIns="91440" tIns="45720" rIns="91440" bIns="45720" rtlCol="0">
-            <a:normAutofit/>
-          </a:bodyPr>
-          <a:lstStyle>
-            <a:lvl1pPr marL="0" indent="0" algn="ctr" defTabSz="914400" rtl="0" eaLnBrk="1" latinLnBrk="0" hangingPunct="1">
-              <a:lnSpc>
-                <a:spcPct val="90000"/>
-              </a:lnSpc>
-              <a:spcBef>
-                <a:spcPts val="1000"/>
-              </a:spcBef>
-              <a:buFont typeface="Arial" panose="020B0604020202020204" pitchFamily="34" charset="0"/>
-              <a:buNone/>
-              <a:defRPr sz="2400" kern="1200">
-                <a:solidFill>
-                  <a:schemeClr val="tx1"/>
-                </a:solidFill>
-                <a:latin typeface="+mn-lt"/>
-                <a:ea typeface="+mn-ea"/>
-                <a:cs typeface="+mn-cs"/>
-              </a:defRPr>
-            </a:lvl1pPr>
-            <a:lvl2pPr marL="457200" indent="0" algn="ctr" defTabSz="914400" rtl="0" eaLnBrk="1" latinLnBrk="0" hangingPunct="1">
-              <a:lnSpc>
-                <a:spcPct val="90000"/>
-              </a:lnSpc>
-              <a:spcBef>
-                <a:spcPts val="500"/>
-              </a:spcBef>
-              <a:buFont typeface="Arial" panose="020B0604020202020204" pitchFamily="34" charset="0"/>
-              <a:buNone/>
-              <a:defRPr sz="2000" kern="1200">
-                <a:solidFill>
-                  <a:schemeClr val="tx1"/>
-                </a:solidFill>
-                <a:latin typeface="+mn-lt"/>
-                <a:ea typeface="+mn-ea"/>
-                <a:cs typeface="+mn-cs"/>
-              </a:defRPr>
-            </a:lvl2pPr>
-            <a:lvl3pPr marL="914400" indent="0" algn="ctr" defTabSz="914400" rtl="0" eaLnBrk="1" latinLnBrk="0" hangingPunct="1">
-              <a:lnSpc>
-                <a:spcPct val="90000"/>
-              </a:lnSpc>
-              <a:spcBef>
-                <a:spcPts val="500"/>
-              </a:spcBef>
-              <a:buFont typeface="Arial" panose="020B0604020202020204" pitchFamily="34" charset="0"/>
-              <a:buNone/>
-              <a:defRPr sz="1800" kern="1200">
-                <a:solidFill>
-                  <a:schemeClr val="tx1"/>
-                </a:solidFill>
-                <a:latin typeface="+mn-lt"/>
-                <a:ea typeface="+mn-ea"/>
-                <a:cs typeface="+mn-cs"/>
-              </a:defRPr>
-            </a:lvl3pPr>
-            <a:lvl4pPr marL="1371600" indent="0" algn="ctr" defTabSz="914400" rtl="0" eaLnBrk="1" latinLnBrk="0" hangingPunct="1">
-              <a:lnSpc>
-                <a:spcPct val="90000"/>
-              </a:lnSpc>
-              <a:spcBef>
-                <a:spcPts val="500"/>
-              </a:spcBef>
-              <a:buFont typeface="Arial" panose="020B0604020202020204" pitchFamily="34" charset="0"/>
-              <a:buNone/>
-              <a:defRPr sz="1600" kern="1200">
-                <a:solidFill>
-                  <a:schemeClr val="tx1"/>
-                </a:solidFill>
-                <a:latin typeface="+mn-lt"/>
-                <a:ea typeface="+mn-ea"/>
-                <a:cs typeface="+mn-cs"/>
-              </a:defRPr>
-            </a:lvl4pPr>
-            <a:lvl5pPr marL="1828800" indent="0" algn="ctr" defTabSz="914400" rtl="0" eaLnBrk="1" latinLnBrk="0" hangingPunct="1">
-              <a:lnSpc>
-                <a:spcPct val="90000"/>
-              </a:lnSpc>
-              <a:spcBef>
-                <a:spcPts val="500"/>
-              </a:spcBef>
-              <a:buFont typeface="Arial" panose="020B0604020202020204" pitchFamily="34" charset="0"/>
-              <a:buNone/>
-              <a:defRPr sz="1600" kern="1200">
-                <a:solidFill>
-                  <a:schemeClr val="tx1"/>
-                </a:solidFill>
-                <a:latin typeface="+mn-lt"/>
-                <a:ea typeface="+mn-ea"/>
-                <a:cs typeface="+mn-cs"/>
-              </a:defRPr>
-            </a:lvl5pPr>
-            <a:lvl6pPr marL="2286000" indent="0" algn="ctr" defTabSz="914400" rtl="0" eaLnBrk="1" latinLnBrk="0" hangingPunct="1">
-              <a:lnSpc>
-                <a:spcPct val="90000"/>
-              </a:lnSpc>
-              <a:spcBef>
-                <a:spcPts val="500"/>
-              </a:spcBef>
-              <a:buFont typeface="Arial" panose="020B0604020202020204" pitchFamily="34" charset="0"/>
-              <a:buNone/>
-              <a:defRPr sz="1600" kern="1200">
-                <a:solidFill>
-                  <a:schemeClr val="tx1"/>
-                </a:solidFill>
-                <a:latin typeface="+mn-lt"/>
-                <a:ea typeface="+mn-ea"/>
-                <a:cs typeface="+mn-cs"/>
-              </a:defRPr>
-            </a:lvl6pPr>
-            <a:lvl7pPr marL="2743200" indent="0" algn="ctr" defTabSz="914400" rtl="0" eaLnBrk="1" latinLnBrk="0" hangingPunct="1">
-              <a:lnSpc>
-                <a:spcPct val="90000"/>
-              </a:lnSpc>
-              <a:spcBef>
-                <a:spcPts val="500"/>
-              </a:spcBef>
-              <a:buFont typeface="Arial" panose="020B0604020202020204" pitchFamily="34" charset="0"/>
-              <a:buNone/>
-              <a:defRPr sz="1600" kern="1200">
-                <a:solidFill>
-                  <a:schemeClr val="tx1"/>
-                </a:solidFill>
-                <a:latin typeface="+mn-lt"/>
-                <a:ea typeface="+mn-ea"/>
-                <a:cs typeface="+mn-cs"/>
-              </a:defRPr>
-            </a:lvl7pPr>
-            <a:lvl8pPr marL="3200400" indent="0" algn="ctr" defTabSz="914400" rtl="0" eaLnBrk="1" latinLnBrk="0" hangingPunct="1">
-              <a:lnSpc>
-                <a:spcPct val="90000"/>
-              </a:lnSpc>
-              <a:spcBef>
-                <a:spcPts val="500"/>
-              </a:spcBef>
-              <a:buFont typeface="Arial" panose="020B0604020202020204" pitchFamily="34" charset="0"/>
-              <a:buNone/>
-              <a:defRPr sz="1600" kern="1200">
-                <a:solidFill>
-                  <a:schemeClr val="tx1"/>
-                </a:solidFill>
-                <a:latin typeface="+mn-lt"/>
-                <a:ea typeface="+mn-ea"/>
-                <a:cs typeface="+mn-cs"/>
-              </a:defRPr>
-            </a:lvl8pPr>
-            <a:lvl9pPr marL="3657600" indent="0" algn="ctr" defTabSz="914400" rtl="0" eaLnBrk="1" latinLnBrk="0" hangingPunct="1">
-              <a:lnSpc>
-                <a:spcPct val="90000"/>
-              </a:lnSpc>
-              <a:spcBef>
-                <a:spcPts val="500"/>
-              </a:spcBef>
-              <a:buFont typeface="Arial" panose="020B0604020202020204" pitchFamily="34" charset="0"/>
-              <a:buNone/>
-              <a:defRPr sz="1600" kern="1200">
-                <a:solidFill>
-                  <a:schemeClr val="tx1"/>
-                </a:solidFill>
-                <a:latin typeface="+mn-lt"/>
-                <a:ea typeface="+mn-ea"/>
-                <a:cs typeface="+mn-cs"/>
-              </a:defRPr>
-            </a:lvl9pPr>
-          </a:lstStyle>
+            <a:r>
+              <a:rPr lang="en-US" sz="2800" dirty="0" smtClean="0"/>
+              <a:t>.</a:t>
+            </a:r>
+          </a:p>
           <a:p>
             <a:pPr algn="l"/>
-            <a:r>
-              <a:rPr lang="en-US" sz="1600" dirty="0"/>
-              <a:t>Abstract:  </a:t>
-            </a:r>
+            <a:endParaRPr lang="en-US" sz="2800" dirty="0" smtClean="0"/>
+          </a:p>
+          <a:p>
+            <a:pPr algn="l"/>
+            <a:r>
+              <a:rPr lang="en-US" sz="2800" b="1" dirty="0" smtClean="0"/>
+              <a:t>Adviser:</a:t>
+            </a:r>
+          </a:p>
+          <a:p>
+            <a:pPr algn="l"/>
+            <a:r>
+              <a:rPr lang="en-US" sz="2800" dirty="0" smtClean="0"/>
+              <a:t>Dr. Jamal Al-</a:t>
+            </a:r>
+            <a:r>
+              <a:rPr lang="en-US" sz="2800" dirty="0" err="1" smtClean="0"/>
+              <a:t>Smail</a:t>
+            </a:r>
+            <a:r>
+              <a:rPr lang="en-US" sz="2800" dirty="0" smtClean="0"/>
+              <a:t>.</a:t>
+            </a:r>
+            <a:endParaRPr lang="en-US" sz="2800" dirty="0"/>
+          </a:p>
+          <a:p>
+            <a:pPr algn="l"/>
+            <a:endParaRPr lang="en-US" sz="2800" dirty="0"/>
           </a:p>
         </p:txBody>
       </p:sp>
@@ -3738,7 +3454,7 @@
           <p:cNvPr id="4" name="Subtitle 2">
             <a:extLst>
               <a:ext uri="{FF2B5EF4-FFF2-40B4-BE49-F238E27FC236}">
-                <a16:creationId xmlns:a16="http://schemas.microsoft.com/office/drawing/2014/main" id="{F25A0C1E-DF70-4A14-38AA-F4FECDD75039}"/>
+                <a16:creationId xmlns:a16="http://schemas.microsoft.com/office/drawing/2014/main" xmlns="" id="{F25A0C1E-DF70-4A14-38AA-F4FECDD75039}"/>
               </a:ext>
             </a:extLst>
           </p:cNvPr>
@@ -3940,6 +3656,743 @@
   <p:clrMapOvr>
     <a:masterClrMapping/>
   </p:clrMapOvr>
+  <p:timing>
+    <p:tnLst>
+      <p:par>
+        <p:cTn id="1" dur="indefinite" restart="never" nodeType="tmRoot"/>
+      </p:par>
+    </p:tnLst>
+  </p:timing>
+</p:sld>
+</file>
+
+<file path=ppt/slides/slide10.xml><?xml version="1.0" encoding="utf-8"?>
+<p:sld xmlns:a="http://schemas.openxmlformats.org/drawingml/2006/main" xmlns:r="http://schemas.openxmlformats.org/officeDocument/2006/relationships" xmlns:p="http://schemas.openxmlformats.org/presentationml/2006/main">
+  <p:cSld>
+    <p:spTree>
+      <p:nvGrpSpPr>
+        <p:cNvPr id="1" name=""/>
+        <p:cNvGrpSpPr/>
+        <p:nvPr/>
+      </p:nvGrpSpPr>
+      <p:grpSpPr>
+        <a:xfrm>
+          <a:off x="0" y="0"/>
+          <a:ext cx="0" cy="0"/>
+          <a:chOff x="0" y="0"/>
+          <a:chExt cx="0" cy="0"/>
+        </a:xfrm>
+      </p:grpSpPr>
+      <p:sp>
+        <p:nvSpPr>
+          <p:cNvPr id="2" name="Title 1">
+            <a:extLst>
+              <a:ext uri="{FF2B5EF4-FFF2-40B4-BE49-F238E27FC236}">
+                <a16:creationId xmlns:a16="http://schemas.microsoft.com/office/drawing/2014/main" xmlns="" id="{80487D18-0C2D-139A-CE9A-5846B55FC3E7}"/>
+              </a:ext>
+            </a:extLst>
+          </p:cNvPr>
+          <p:cNvSpPr>
+            <a:spLocks noGrp="1"/>
+          </p:cNvSpPr>
+          <p:nvPr>
+            <p:ph type="title"/>
+          </p:nvPr>
+        </p:nvSpPr>
+        <p:spPr>
+          <a:xfrm>
+            <a:off x="250825" y="152400"/>
+            <a:ext cx="7315200" cy="1325563"/>
+          </a:xfrm>
+        </p:spPr>
+        <p:txBody>
+          <a:bodyPr>
+            <a:normAutofit/>
+          </a:bodyPr>
+          <a:lstStyle/>
+          <a:p>
+            <a:r>
+              <a:rPr lang="en-US" dirty="0" smtClean="0"/>
+              <a:t>Physics-informed </a:t>
+            </a:r>
+            <a:r>
+              <a:rPr lang="en-US" dirty="0" err="1" smtClean="0"/>
+              <a:t>DeepOnet</a:t>
+            </a:r>
+            <a:r>
+              <a:rPr lang="en-US" dirty="0" smtClean="0"/>
+              <a:t>  </a:t>
+            </a:r>
+            <a:endParaRPr lang="en-US" dirty="0"/>
+          </a:p>
+        </p:txBody>
+      </p:sp>
+      <p:pic>
+        <p:nvPicPr>
+          <p:cNvPr id="3" name="Picture 2"/>
+          <p:cNvPicPr>
+            <a:picLocks noChangeAspect="1"/>
+          </p:cNvPicPr>
+          <p:nvPr/>
+        </p:nvPicPr>
+        <p:blipFill>
+          <a:blip r:embed="rId2">
+            <a:extLst>
+              <a:ext uri="{28A0092B-C50C-407E-A947-70E740481C1C}">
+                <a14:useLocalDpi xmlns:a14="http://schemas.microsoft.com/office/drawing/2010/main" val="0"/>
+              </a:ext>
+            </a:extLst>
+          </a:blip>
+          <a:stretch>
+            <a:fillRect/>
+          </a:stretch>
+        </p:blipFill>
+        <p:spPr>
+          <a:xfrm>
+            <a:off x="6214532" y="1477963"/>
+            <a:ext cx="5774268" cy="4119034"/>
+          </a:xfrm>
+          <a:prstGeom prst="rect">
+            <a:avLst/>
+          </a:prstGeom>
+        </p:spPr>
+      </p:pic>
+      <p:sp>
+        <p:nvSpPr>
+          <p:cNvPr id="6" name="TextBox 5"/>
+          <p:cNvSpPr txBox="1"/>
+          <p:nvPr/>
+        </p:nvSpPr>
+        <p:spPr>
+          <a:xfrm>
+            <a:off x="643467" y="1642533"/>
+            <a:ext cx="5418666" cy="3600986"/>
+          </a:xfrm>
+          <a:prstGeom prst="rect">
+            <a:avLst/>
+          </a:prstGeom>
+          <a:noFill/>
+        </p:spPr>
+        <p:txBody>
+          <a:bodyPr wrap="square" rtlCol="0">
+            <a:spAutoFit/>
+          </a:bodyPr>
+          <a:lstStyle/>
+          <a:p>
+            <a:pPr marL="285750" indent="-285750">
+              <a:buFont typeface="Arial" charset="0"/>
+              <a:buChar char="•"/>
+            </a:pPr>
+            <a:r>
+              <a:rPr lang="en-US" sz="2400" dirty="0" smtClean="0"/>
+              <a:t>PI-</a:t>
+            </a:r>
+            <a:r>
+              <a:rPr lang="en-US" sz="2400" dirty="0" err="1" smtClean="0"/>
+              <a:t>DeepOnet</a:t>
+            </a:r>
+            <a:r>
+              <a:rPr lang="en-US" sz="2400" dirty="0" smtClean="0"/>
+              <a:t> utilizes two NNs: Branch </a:t>
+            </a:r>
+            <a:r>
+              <a:rPr lang="en-US" sz="2400" dirty="0"/>
+              <a:t>n</a:t>
+            </a:r>
+            <a:r>
+              <a:rPr lang="en-US" sz="2400" dirty="0" smtClean="0"/>
+              <a:t>et and Trunk net.</a:t>
+            </a:r>
+          </a:p>
+          <a:p>
+            <a:pPr marL="285750" indent="-285750">
+              <a:buFont typeface="Arial" charset="0"/>
+              <a:buChar char="•"/>
+            </a:pPr>
+            <a:endParaRPr lang="en-US" sz="2400" dirty="0"/>
+          </a:p>
+          <a:p>
+            <a:pPr marL="285750" indent="-285750">
+              <a:buFont typeface="Arial" charset="0"/>
+              <a:buChar char="•"/>
+            </a:pPr>
+            <a:r>
+              <a:rPr lang="en-US" sz="2400" dirty="0" smtClean="0"/>
+              <a:t>Branch net takes functions as an input and outputs a function.</a:t>
+            </a:r>
+          </a:p>
+          <a:p>
+            <a:pPr marL="285750" indent="-285750">
+              <a:buFont typeface="Arial" charset="0"/>
+              <a:buChar char="•"/>
+            </a:pPr>
+            <a:endParaRPr lang="en-US" sz="2400" dirty="0"/>
+          </a:p>
+          <a:p>
+            <a:pPr marL="285750" indent="-285750">
+              <a:buFont typeface="Arial" charset="0"/>
+              <a:buChar char="•"/>
+            </a:pPr>
+            <a:r>
+              <a:rPr lang="en-US" sz="2400" dirty="0" smtClean="0"/>
+              <a:t>Trunk net takes points from the domain as input </a:t>
+            </a:r>
+            <a:r>
+              <a:rPr lang="en-US" sz="2400" smtClean="0"/>
+              <a:t>and maps it to higher dim</a:t>
+            </a:r>
+            <a:endParaRPr lang="en-US" sz="2400" dirty="0" smtClean="0"/>
+          </a:p>
+          <a:p>
+            <a:endParaRPr lang="en-US" dirty="0"/>
+          </a:p>
+          <a:p>
+            <a:endParaRPr lang="en-US" dirty="0"/>
+          </a:p>
+        </p:txBody>
+      </p:sp>
+    </p:spTree>
+    <p:extLst>
+      <p:ext uri="{BB962C8B-B14F-4D97-AF65-F5344CB8AC3E}">
+        <p14:creationId xmlns:p14="http://schemas.microsoft.com/office/powerpoint/2010/main" val="534324685"/>
+      </p:ext>
+    </p:extLst>
+  </p:cSld>
+  <p:clrMapOvr>
+    <a:masterClrMapping/>
+  </p:clrMapOvr>
+  <p:timing>
+    <p:tnLst>
+      <p:par>
+        <p:cTn id="1" dur="indefinite" restart="never" nodeType="tmRoot"/>
+      </p:par>
+    </p:tnLst>
+  </p:timing>
+</p:sld>
+</file>
+
+<file path=ppt/slides/slide11.xml><?xml version="1.0" encoding="utf-8"?>
+<p:sld xmlns:a="http://schemas.openxmlformats.org/drawingml/2006/main" xmlns:r="http://schemas.openxmlformats.org/officeDocument/2006/relationships" xmlns:p="http://schemas.openxmlformats.org/presentationml/2006/main">
+  <p:cSld>
+    <p:spTree>
+      <p:nvGrpSpPr>
+        <p:cNvPr id="1" name=""/>
+        <p:cNvGrpSpPr/>
+        <p:nvPr/>
+      </p:nvGrpSpPr>
+      <p:grpSpPr>
+        <a:xfrm>
+          <a:off x="0" y="0"/>
+          <a:ext cx="0" cy="0"/>
+          <a:chOff x="0" y="0"/>
+          <a:chExt cx="0" cy="0"/>
+        </a:xfrm>
+      </p:grpSpPr>
+    </p:spTree>
+    <p:extLst>
+      <p:ext uri="{BB962C8B-B14F-4D97-AF65-F5344CB8AC3E}">
+        <p14:creationId xmlns:p14="http://schemas.microsoft.com/office/powerpoint/2010/main" val="2049528065"/>
+      </p:ext>
+    </p:extLst>
+  </p:cSld>
+  <p:clrMapOvr>
+    <a:masterClrMapping/>
+  </p:clrMapOvr>
+  <p:timing>
+    <p:tnLst>
+      <p:par>
+        <p:cTn id="1" dur="indefinite" restart="never" nodeType="tmRoot"/>
+      </p:par>
+    </p:tnLst>
+  </p:timing>
+</p:sld>
+</file>
+
+<file path=ppt/slides/slide12.xml><?xml version="1.0" encoding="utf-8"?>
+<p:sld xmlns:a="http://schemas.openxmlformats.org/drawingml/2006/main" xmlns:r="http://schemas.openxmlformats.org/officeDocument/2006/relationships" xmlns:p="http://schemas.openxmlformats.org/presentationml/2006/main">
+  <p:cSld>
+    <p:spTree>
+      <p:nvGrpSpPr>
+        <p:cNvPr id="1" name=""/>
+        <p:cNvGrpSpPr/>
+        <p:nvPr/>
+      </p:nvGrpSpPr>
+      <p:grpSpPr>
+        <a:xfrm>
+          <a:off x="0" y="0"/>
+          <a:ext cx="0" cy="0"/>
+          <a:chOff x="0" y="0"/>
+          <a:chExt cx="0" cy="0"/>
+        </a:xfrm>
+      </p:grpSpPr>
+      <p:sp>
+        <p:nvSpPr>
+          <p:cNvPr id="2" name="Title 1">
+            <a:extLst>
+              <a:ext uri="{FF2B5EF4-FFF2-40B4-BE49-F238E27FC236}">
+                <a16:creationId xmlns:a16="http://schemas.microsoft.com/office/drawing/2014/main" xmlns="" id="{F649BAA4-99C6-1186-E62F-4C8F5240904B}"/>
+              </a:ext>
+            </a:extLst>
+          </p:cNvPr>
+          <p:cNvSpPr>
+            <a:spLocks noGrp="1"/>
+          </p:cNvSpPr>
+          <p:nvPr>
+            <p:ph type="title"/>
+          </p:nvPr>
+        </p:nvSpPr>
+        <p:spPr/>
+        <p:txBody>
+          <a:bodyPr/>
+          <a:lstStyle/>
+          <a:p>
+            <a:r>
+              <a:rPr lang="en-US" dirty="0" smtClean="0"/>
+              <a:t>References </a:t>
+            </a:r>
+            <a:endParaRPr lang="en-US" dirty="0"/>
+          </a:p>
+        </p:txBody>
+      </p:sp>
+      <p:sp>
+        <p:nvSpPr>
+          <p:cNvPr id="3" name="Content Placeholder 2">
+            <a:extLst>
+              <a:ext uri="{FF2B5EF4-FFF2-40B4-BE49-F238E27FC236}">
+                <a16:creationId xmlns:a16="http://schemas.microsoft.com/office/drawing/2014/main" xmlns:a14="http://schemas.microsoft.com/office/drawing/2010/main" xmlns:mc="http://schemas.openxmlformats.org/markup-compatibility/2006" xmlns="" id="{3888BF3A-8B96-BFC7-F483-E9DB735E8580}"/>
+              </a:ext>
+            </a:extLst>
+          </p:cNvPr>
+          <p:cNvSpPr>
+            <a:spLocks noGrp="1"/>
+          </p:cNvSpPr>
+          <p:nvPr>
+            <p:ph sz="half" idx="1"/>
+          </p:nvPr>
+        </p:nvSpPr>
+        <p:spPr>
+          <a:xfrm>
+            <a:off x="838199" y="1825625"/>
+            <a:ext cx="10737915" cy="4351338"/>
+          </a:xfrm>
+        </p:spPr>
+        <p:txBody>
+          <a:bodyPr>
+            <a:normAutofit fontScale="85000" lnSpcReduction="20000"/>
+          </a:bodyPr>
+          <a:lstStyle/>
+          <a:p>
+            <a:pPr marL="0" indent="0">
+              <a:buNone/>
+            </a:pPr>
+            <a:r>
+              <a:rPr lang="en-US" sz="2000" dirty="0" smtClean="0"/>
+              <a:t>[1] </a:t>
+            </a:r>
+            <a:r>
+              <a:rPr lang="en-US" sz="2000" dirty="0" err="1" smtClean="0">
+                <a:effectLst/>
+              </a:rPr>
+              <a:t>Hornik</a:t>
+            </a:r>
+            <a:r>
+              <a:rPr lang="en-US" sz="2000" dirty="0" smtClean="0">
+                <a:effectLst/>
+              </a:rPr>
+              <a:t>, K., </a:t>
+            </a:r>
+            <a:r>
+              <a:rPr lang="en-US" sz="2000" dirty="0" err="1" smtClean="0">
+                <a:effectLst/>
+              </a:rPr>
+              <a:t>Stinchcombe</a:t>
+            </a:r>
+            <a:r>
+              <a:rPr lang="en-US" sz="2000" dirty="0" smtClean="0">
+                <a:effectLst/>
+              </a:rPr>
+              <a:t>, M., &amp; White, H. (1989). Multilayer feedforward networks are universal </a:t>
+            </a:r>
+            <a:r>
+              <a:rPr lang="en-US" sz="2000" dirty="0" err="1" smtClean="0">
+                <a:effectLst/>
+              </a:rPr>
+              <a:t>approximators</a:t>
+            </a:r>
+            <a:r>
+              <a:rPr lang="en-US" sz="2000" dirty="0" smtClean="0">
+                <a:effectLst/>
+              </a:rPr>
+              <a:t>. </a:t>
+            </a:r>
+            <a:r>
+              <a:rPr lang="en-US" sz="2000" i="1" dirty="0" smtClean="0">
+                <a:effectLst/>
+              </a:rPr>
+              <a:t>Neural Networks</a:t>
+            </a:r>
+            <a:r>
+              <a:rPr lang="en-US" sz="2000" dirty="0" smtClean="0">
+                <a:effectLst/>
+              </a:rPr>
+              <a:t>, </a:t>
+            </a:r>
+            <a:r>
+              <a:rPr lang="en-US" sz="2000" i="1" dirty="0" smtClean="0">
+                <a:effectLst/>
+              </a:rPr>
+              <a:t>2</a:t>
+            </a:r>
+            <a:r>
+              <a:rPr lang="en-US" sz="2000" dirty="0" smtClean="0">
+                <a:effectLst/>
+              </a:rPr>
+              <a:t>(5), 359–366. </a:t>
+            </a:r>
+            <a:r>
+              <a:rPr lang="en-US" sz="2000" dirty="0" smtClean="0">
+                <a:effectLst/>
+                <a:hlinkClick r:id="rId2"/>
+              </a:rPr>
+              <a:t>https://doi.org/10.1016/0893-6080(89)90020-8</a:t>
+            </a:r>
+            <a:r>
+              <a:rPr lang="en-US" sz="2000" dirty="0" smtClean="0">
+                <a:effectLst/>
+              </a:rPr>
+              <a:t>.</a:t>
+            </a:r>
+          </a:p>
+          <a:p>
+            <a:pPr marL="0" indent="0">
+              <a:buNone/>
+            </a:pPr>
+            <a:endParaRPr lang="en-US" sz="2000" dirty="0"/>
+          </a:p>
+          <a:p>
+            <a:pPr marL="0" indent="0">
+              <a:buNone/>
+            </a:pPr>
+            <a:r>
+              <a:rPr lang="en-US" sz="2000" dirty="0" smtClean="0"/>
+              <a:t>[2] </a:t>
+            </a:r>
+            <a:r>
+              <a:rPr lang="en-US" sz="2000" dirty="0" err="1" smtClean="0">
+                <a:effectLst/>
+              </a:rPr>
+              <a:t>Hornik</a:t>
+            </a:r>
+            <a:r>
+              <a:rPr lang="en-US" sz="2000" dirty="0" smtClean="0">
+                <a:effectLst/>
+              </a:rPr>
+              <a:t>, K., </a:t>
+            </a:r>
+            <a:r>
+              <a:rPr lang="en-US" sz="2000" dirty="0" err="1" smtClean="0">
+                <a:effectLst/>
+              </a:rPr>
+              <a:t>Stinchcombe</a:t>
+            </a:r>
+            <a:r>
+              <a:rPr lang="en-US" sz="2000" dirty="0" smtClean="0">
+                <a:effectLst/>
+              </a:rPr>
+              <a:t>, M., &amp; White, H. (1989). Multilayer feedforward networks are universal </a:t>
+            </a:r>
+            <a:r>
+              <a:rPr lang="en-US" sz="2000" dirty="0" err="1" smtClean="0">
+                <a:effectLst/>
+              </a:rPr>
+              <a:t>approximators</a:t>
+            </a:r>
+            <a:r>
+              <a:rPr lang="en-US" sz="2000" dirty="0" smtClean="0">
+                <a:effectLst/>
+              </a:rPr>
+              <a:t>. </a:t>
+            </a:r>
+            <a:r>
+              <a:rPr lang="en-US" sz="2000" i="1" dirty="0" smtClean="0">
+                <a:effectLst/>
+              </a:rPr>
+              <a:t>Neural Networks</a:t>
+            </a:r>
+            <a:r>
+              <a:rPr lang="en-US" sz="2000" dirty="0" smtClean="0">
+                <a:effectLst/>
+              </a:rPr>
+              <a:t>, </a:t>
+            </a:r>
+            <a:r>
+              <a:rPr lang="en-US" sz="2000" i="1" dirty="0" smtClean="0">
+                <a:effectLst/>
+              </a:rPr>
+              <a:t>2</a:t>
+            </a:r>
+            <a:r>
+              <a:rPr lang="en-US" sz="2000" dirty="0" smtClean="0">
+                <a:effectLst/>
+              </a:rPr>
+              <a:t>(5), 359–366. </a:t>
+            </a:r>
+            <a:r>
+              <a:rPr lang="en-US" sz="2000" dirty="0" smtClean="0">
+                <a:effectLst/>
+                <a:hlinkClick r:id="rId2"/>
+              </a:rPr>
+              <a:t>https://doi.org/10.1016/0893-6080(89)90020-8</a:t>
+            </a:r>
+            <a:r>
+              <a:rPr lang="en-US" sz="2000" dirty="0" smtClean="0">
+                <a:effectLst/>
+              </a:rPr>
+              <a:t>.</a:t>
+            </a:r>
+          </a:p>
+          <a:p>
+            <a:pPr marL="0" indent="0">
+              <a:buNone/>
+            </a:pPr>
+            <a:endParaRPr lang="en-US" sz="2000" dirty="0"/>
+          </a:p>
+          <a:p>
+            <a:pPr marL="0" indent="0">
+              <a:buNone/>
+            </a:pPr>
+            <a:r>
+              <a:rPr lang="en-US" sz="2000" dirty="0" smtClean="0">
+                <a:effectLst/>
+              </a:rPr>
+              <a:t>[3] Bartholomew-Biggs, M., Brown, S., Christianson, B., &amp; Dixon, L. (2000). Automatic differentiation of algorithms. </a:t>
+            </a:r>
+            <a:r>
+              <a:rPr lang="en-US" sz="2000" i="1" dirty="0" smtClean="0">
+                <a:effectLst/>
+              </a:rPr>
+              <a:t>Journal of Computational and Applied Mathematics</a:t>
+            </a:r>
+            <a:r>
+              <a:rPr lang="en-US" sz="2000" dirty="0" smtClean="0">
+                <a:effectLst/>
+              </a:rPr>
+              <a:t>, </a:t>
+            </a:r>
+            <a:r>
+              <a:rPr lang="en-US" sz="2000" i="1" dirty="0" smtClean="0">
+                <a:effectLst/>
+              </a:rPr>
+              <a:t>124</a:t>
+            </a:r>
+            <a:r>
+              <a:rPr lang="en-US" sz="2000" dirty="0" smtClean="0">
+                <a:effectLst/>
+              </a:rPr>
+              <a:t>(1–2), 171–190. https://</a:t>
+            </a:r>
+            <a:r>
+              <a:rPr lang="en-US" sz="2000" dirty="0" err="1" smtClean="0">
+                <a:effectLst/>
+              </a:rPr>
+              <a:t>doi.org</a:t>
+            </a:r>
+            <a:r>
+              <a:rPr lang="en-US" sz="2000" dirty="0" smtClean="0">
+                <a:effectLst/>
+              </a:rPr>
+              <a:t>/10.1016/s0377-0427(00)00422-2 </a:t>
+            </a:r>
+          </a:p>
+          <a:p>
+            <a:pPr marL="0" indent="0">
+              <a:buNone/>
+            </a:pPr>
+            <a:endParaRPr lang="en-US" sz="2000" dirty="0" smtClean="0">
+              <a:effectLst/>
+            </a:endParaRPr>
+          </a:p>
+          <a:p>
+            <a:pPr marL="0" indent="0">
+              <a:buNone/>
+            </a:pPr>
+            <a:r>
+              <a:rPr lang="en-US" sz="2000" dirty="0" smtClean="0"/>
+              <a:t>[4]</a:t>
+            </a:r>
+            <a:r>
+              <a:rPr lang="en-US" sz="2000" dirty="0" smtClean="0">
+                <a:effectLst/>
+              </a:rPr>
+              <a:t> Wang, S., Wang, H., &amp; </a:t>
+            </a:r>
+            <a:r>
+              <a:rPr lang="en-US" sz="2000" dirty="0" err="1" smtClean="0">
+                <a:effectLst/>
+              </a:rPr>
+              <a:t>Perdikaris</a:t>
+            </a:r>
+            <a:r>
+              <a:rPr lang="en-US" sz="2000" dirty="0" smtClean="0">
+                <a:effectLst/>
+              </a:rPr>
+              <a:t>, P. (2021). Learning the solution operator of parametric partial differential equations with physics-informed </a:t>
+            </a:r>
+            <a:r>
+              <a:rPr lang="en-US" sz="2000" dirty="0" err="1" smtClean="0">
+                <a:effectLst/>
+              </a:rPr>
+              <a:t>deeponets</a:t>
+            </a:r>
+            <a:r>
+              <a:rPr lang="en-US" sz="2000" dirty="0" smtClean="0">
+                <a:effectLst/>
+              </a:rPr>
+              <a:t>. </a:t>
+            </a:r>
+            <a:r>
+              <a:rPr lang="en-US" sz="2000" i="1" dirty="0" smtClean="0">
+                <a:effectLst/>
+              </a:rPr>
+              <a:t>Science Advances</a:t>
+            </a:r>
+            <a:r>
+              <a:rPr lang="en-US" sz="2000" dirty="0" smtClean="0">
+                <a:effectLst/>
+              </a:rPr>
+              <a:t>, </a:t>
+            </a:r>
+            <a:r>
+              <a:rPr lang="en-US" sz="2000" i="1" dirty="0" smtClean="0">
+                <a:effectLst/>
+              </a:rPr>
+              <a:t>7</a:t>
+            </a:r>
+            <a:r>
+              <a:rPr lang="en-US" sz="2000" dirty="0" smtClean="0">
+                <a:effectLst/>
+              </a:rPr>
+              <a:t>(40). https://</a:t>
+            </a:r>
+            <a:r>
+              <a:rPr lang="en-US" sz="2000" dirty="0" err="1" smtClean="0">
+                <a:effectLst/>
+              </a:rPr>
+              <a:t>doi.org</a:t>
+            </a:r>
+            <a:r>
+              <a:rPr lang="en-US" sz="2000" dirty="0" smtClean="0">
+                <a:effectLst/>
+              </a:rPr>
+              <a:t>/10.1126/sciadv.abi8605 </a:t>
+            </a:r>
+          </a:p>
+          <a:p>
+            <a:pPr marL="0" indent="0">
+              <a:buNone/>
+            </a:pPr>
+            <a:endParaRPr lang="en-US" sz="2000" dirty="0"/>
+          </a:p>
+          <a:p>
+            <a:pPr marL="0" indent="0">
+              <a:buNone/>
+            </a:pPr>
+            <a:r>
+              <a:rPr lang="en-US" sz="2000" dirty="0" smtClean="0">
+                <a:effectLst/>
+              </a:rPr>
+              <a:t>[5] </a:t>
+            </a:r>
+            <a:r>
+              <a:rPr lang="en-US" sz="2000" dirty="0" err="1" smtClean="0">
+                <a:effectLst/>
+              </a:rPr>
+              <a:t>Tianping</a:t>
+            </a:r>
+            <a:r>
+              <a:rPr lang="en-US" sz="2000" dirty="0" smtClean="0">
+                <a:effectLst/>
+              </a:rPr>
+              <a:t> Chen, &amp; Hong Chen. (1995). Universal approximation to nonlinear operators by neural networks with arbitrary activation functions and its application to dynamical systems. </a:t>
+            </a:r>
+            <a:r>
+              <a:rPr lang="en-US" sz="2000" i="1" dirty="0" smtClean="0">
+                <a:effectLst/>
+              </a:rPr>
+              <a:t>IEEE Transactions on Neural Networks</a:t>
+            </a:r>
+            <a:r>
+              <a:rPr lang="en-US" sz="2000" dirty="0" smtClean="0">
+                <a:effectLst/>
+              </a:rPr>
+              <a:t>, </a:t>
+            </a:r>
+            <a:r>
+              <a:rPr lang="en-US" sz="2000" i="1" dirty="0" smtClean="0">
+                <a:effectLst/>
+              </a:rPr>
+              <a:t>6</a:t>
+            </a:r>
+            <a:r>
+              <a:rPr lang="en-US" sz="2000" dirty="0" smtClean="0">
+                <a:effectLst/>
+              </a:rPr>
+              <a:t>(4), 911–917. https://</a:t>
+            </a:r>
+            <a:r>
+              <a:rPr lang="en-US" sz="2000" dirty="0" err="1" smtClean="0">
+                <a:effectLst/>
+              </a:rPr>
+              <a:t>doi.org</a:t>
+            </a:r>
+            <a:r>
+              <a:rPr lang="en-US" sz="2000" dirty="0" smtClean="0">
+                <a:effectLst/>
+              </a:rPr>
+              <a:t>/10.1109/72.392253 </a:t>
+            </a:r>
+          </a:p>
+          <a:p>
+            <a:pPr marL="0" indent="0">
+              <a:buNone/>
+            </a:pPr>
+            <a:endParaRPr lang="en-US" sz="2000" dirty="0" smtClean="0">
+              <a:effectLst/>
+            </a:endParaRPr>
+          </a:p>
+          <a:p>
+            <a:pPr marL="0" indent="0">
+              <a:buNone/>
+            </a:pPr>
+            <a:endParaRPr lang="en-US" sz="2000" dirty="0" smtClean="0">
+              <a:effectLst/>
+            </a:endParaRPr>
+          </a:p>
+          <a:p>
+            <a:pPr marL="0" indent="0">
+              <a:buNone/>
+            </a:pPr>
+            <a:endParaRPr lang="en-US" sz="2000" dirty="0" smtClean="0"/>
+          </a:p>
+        </p:txBody>
+      </p:sp>
+    </p:spTree>
+    <p:extLst>
+      <p:ext uri="{BB962C8B-B14F-4D97-AF65-F5344CB8AC3E}">
+        <p14:creationId xmlns:p14="http://schemas.microsoft.com/office/powerpoint/2010/main" val="2091122868"/>
+      </p:ext>
+    </p:extLst>
+  </p:cSld>
+  <p:clrMapOvr>
+    <a:masterClrMapping/>
+  </p:clrMapOvr>
+  <p:timing>
+    <p:tnLst>
+      <p:par>
+        <p:cTn id="1" dur="indefinite" restart="never" nodeType="tmRoot"/>
+      </p:par>
+    </p:tnLst>
+  </p:timing>
 </p:sld>
 </file>
 
@@ -3965,7 +4418,7 @@
           <p:cNvPr id="2" name="Title 1">
             <a:extLst>
               <a:ext uri="{FF2B5EF4-FFF2-40B4-BE49-F238E27FC236}">
-                <a16:creationId xmlns:a16="http://schemas.microsoft.com/office/drawing/2014/main" id="{48B8DD1B-D023-16E4-BA39-00FB5A3C6EC6}"/>
+                <a16:creationId xmlns:a16="http://schemas.microsoft.com/office/drawing/2014/main" xmlns="" id="{48B8DD1B-D023-16E4-BA39-00FB5A3C6EC6}"/>
               </a:ext>
             </a:extLst>
           </p:cNvPr>
@@ -3993,7 +4446,7 @@
           <p:cNvPr id="3" name="Content Placeholder 2">
             <a:extLst>
               <a:ext uri="{FF2B5EF4-FFF2-40B4-BE49-F238E27FC236}">
-                <a16:creationId xmlns:a16="http://schemas.microsoft.com/office/drawing/2014/main" id="{576C09F8-5958-9627-3AEE-7A9C88E5AD40}"/>
+                <a16:creationId xmlns:a16="http://schemas.microsoft.com/office/drawing/2014/main" xmlns="" id="{576C09F8-5958-9627-3AEE-7A9C88E5AD40}"/>
               </a:ext>
             </a:extLst>
           </p:cNvPr>
@@ -4004,12 +4457,64 @@
             <p:ph idx="1"/>
           </p:nvPr>
         </p:nvSpPr>
-        <p:spPr/>
+        <p:spPr>
+          <a:xfrm>
+            <a:off x="838200" y="1825625"/>
+            <a:ext cx="10168467" cy="4693708"/>
+          </a:xfrm>
+        </p:spPr>
         <p:txBody>
           <a:bodyPr>
-            <a:normAutofit/>
+            <a:noAutofit/>
           </a:bodyPr>
           <a:lstStyle/>
+          <a:p>
+            <a:pPr>
+              <a:lnSpc>
+                <a:spcPct val="150000"/>
+              </a:lnSpc>
+            </a:pPr>
+            <a:r>
+              <a:rPr lang="en-US" sz="2200" dirty="0"/>
+              <a:t>Partial differential equations (PDEs) are essential components for modelling different processes and systems in various scientific and engineering </a:t>
+            </a:r>
+            <a:r>
+              <a:rPr lang="en-US" sz="2200" dirty="0" smtClean="0"/>
+              <a:t>area such as modeling fluid flow (</a:t>
+            </a:r>
+            <a:r>
+              <a:rPr lang="en-US" sz="2200" dirty="0" err="1" smtClean="0"/>
+              <a:t>Navier</a:t>
+            </a:r>
+            <a:r>
+              <a:rPr lang="en-US" sz="2200" dirty="0" smtClean="0"/>
+              <a:t>–Stokes </a:t>
+            </a:r>
+            <a:r>
+              <a:rPr lang="en-US" sz="2200" dirty="0" err="1" smtClean="0"/>
+              <a:t>eqs</a:t>
+            </a:r>
+            <a:r>
+              <a:rPr lang="en-US" sz="2200" dirty="0" smtClean="0"/>
+              <a:t>), EMR in wireless communication(Maxwell’s </a:t>
+            </a:r>
+            <a:r>
+              <a:rPr lang="en-US" sz="2200" dirty="0" err="1" smtClean="0"/>
+              <a:t>eqs</a:t>
+            </a:r>
+            <a:r>
+              <a:rPr lang="en-US" sz="2200" dirty="0" smtClean="0"/>
+              <a:t>), and MD (Newton’s </a:t>
+            </a:r>
+            <a:r>
+              <a:rPr lang="en-US" sz="2200" dirty="0" err="1" smtClean="0"/>
+              <a:t>eqs</a:t>
+            </a:r>
+            <a:r>
+              <a:rPr lang="en-US" sz="2200" dirty="0" smtClean="0"/>
+              <a:t>).</a:t>
+            </a:r>
+          </a:p>
           <a:p>
             <a:pPr algn="just">
               <a:lnSpc>
@@ -4017,12 +4522,37 @@
               </a:lnSpc>
             </a:pPr>
             <a:r>
-              <a:rPr lang="en-US" sz="2000" dirty="0"/>
-              <a:t>Partial differential equations (PDEs) are essential components for modelling different processes and systems in various scientific and engineering areas. Different models have been developed to perform this task such as Physics-Informed Neural Networks (PINNs) and Neural Operator. The speed and the efficiency of these models can surpass other common solvers such as Finite Elements (FM), Finite Difference (FD), and spectral methods in certain cases.</a:t>
-            </a:r>
-          </a:p>
-          <a:p>
-            <a:endParaRPr lang="en-US" dirty="0"/>
+              <a:rPr lang="en-US" sz="2200" dirty="0" smtClean="0"/>
+              <a:t> Traditional methods for approximating the solution of PDEs include Finite Difference (FD), Finite Element (FE), Finite Volume (FV), Method of Lines (MOL), </a:t>
+            </a:r>
+            <a:r>
+              <a:rPr lang="en-US" sz="2200" dirty="0" err="1" smtClean="0"/>
+              <a:t>etc</a:t>
+            </a:r>
+            <a:r>
+              <a:rPr lang="en-US" sz="2200" dirty="0" smtClean="0"/>
+              <a:t>,</a:t>
+            </a:r>
+            <a:r>
+              <a:rPr lang="mr-IN" sz="2200" dirty="0" smtClean="0"/>
+              <a:t>…</a:t>
+            </a:r>
+            <a:r>
+              <a:rPr lang="en-US" sz="2200" dirty="0" smtClean="0"/>
+              <a:t>.</a:t>
+            </a:r>
+          </a:p>
+          <a:p>
+            <a:pPr algn="just">
+              <a:lnSpc>
+                <a:spcPct val="150000"/>
+              </a:lnSpc>
+            </a:pPr>
+            <a:r>
+              <a:rPr lang="en-US" sz="2200" dirty="0" smtClean="0"/>
+              <a:t>Mesh-based methods can be computationally expensive, especially for high dimensional problems and problems with large and irregular domain. </a:t>
+            </a:r>
+            <a:endParaRPr lang="en-US" sz="2200" dirty="0"/>
           </a:p>
         </p:txBody>
       </p:sp>
@@ -4036,6 +4566,13 @@
   <p:clrMapOvr>
     <a:masterClrMapping/>
   </p:clrMapOvr>
+  <p:timing>
+    <p:tnLst>
+      <p:par>
+        <p:cTn id="1" dur="indefinite" restart="never" nodeType="tmRoot"/>
+      </p:par>
+    </p:tnLst>
+  </p:timing>
 </p:sld>
 </file>
 
@@ -4061,7 +4598,7 @@
           <p:cNvPr id="2" name="Title 1">
             <a:extLst>
               <a:ext uri="{FF2B5EF4-FFF2-40B4-BE49-F238E27FC236}">
-                <a16:creationId xmlns:a16="http://schemas.microsoft.com/office/drawing/2014/main" id="{C3E837A1-FAEE-8822-884A-1ECF58AC974C}"/>
+                <a16:creationId xmlns:a16="http://schemas.microsoft.com/office/drawing/2014/main" xmlns="" id="{C3E837A1-FAEE-8822-884A-1ECF58AC974C}"/>
               </a:ext>
             </a:extLst>
           </p:cNvPr>
@@ -4079,7 +4616,9 @@
           </a:xfrm>
         </p:spPr>
         <p:txBody>
-          <a:bodyPr/>
+          <a:bodyPr>
+            <a:normAutofit/>
+          </a:bodyPr>
           <a:lstStyle/>
           <a:p>
             <a:r>
@@ -4094,7 +4633,7 @@
           <p:cNvPr id="3" name="Content Placeholder 2">
             <a:extLst>
               <a:ext uri="{FF2B5EF4-FFF2-40B4-BE49-F238E27FC236}">
-                <a16:creationId xmlns:a16="http://schemas.microsoft.com/office/drawing/2014/main" id="{5FBFBFE5-416A-2055-7CAD-7165E7F638BA}"/>
+                <a16:creationId xmlns:a16="http://schemas.microsoft.com/office/drawing/2014/main" xmlns="" id="{5FBFBFE5-416A-2055-7CAD-7165E7F638BA}"/>
               </a:ext>
             </a:extLst>
           </p:cNvPr>
@@ -4111,9 +4650,56 @@
           <a:lstStyle/>
           <a:p>
             <a:r>
-              <a:rPr lang="en-US" dirty="0"/>
-              <a:t>Based on Universal Approximation Theorem, Neural Networks can approximate PDEs solutions given sufficient number of layers and hidden parameters</a:t>
-            </a:r>
+              <a:rPr lang="en-US" dirty="0" smtClean="0"/>
+              <a:t>NNs are capable of approximating any measurable function with from one finite set to another with any desired degree of accuracy given sufficient number of hidden units (</a:t>
+            </a:r>
+            <a:r>
+              <a:rPr lang="en-US" dirty="0" err="1" smtClean="0"/>
+              <a:t>Hornik</a:t>
+            </a:r>
+            <a:r>
+              <a:rPr lang="en-US" dirty="0" smtClean="0"/>
+              <a:t> et el, 1989).[1]</a:t>
+            </a:r>
+          </a:p>
+          <a:p>
+            <a:endParaRPr lang="en-US" dirty="0"/>
+          </a:p>
+          <a:p>
+            <a:r>
+              <a:rPr lang="en-US" dirty="0" smtClean="0"/>
+              <a:t>NNs can be used as mesh-free method to approximate the solution of PDEs.</a:t>
+            </a:r>
+          </a:p>
+          <a:p>
+            <a:endParaRPr lang="en-US" dirty="0"/>
+          </a:p>
+          <a:p>
+            <a:r>
+              <a:rPr lang="en-US" dirty="0" smtClean="0"/>
+              <a:t>There are different models that use DNNs to approximate PDEs, including PINNs, FRNN, GNN, FNO, </a:t>
+            </a:r>
+            <a:r>
+              <a:rPr lang="en-US" dirty="0" err="1" smtClean="0"/>
+              <a:t>DeepOnet</a:t>
+            </a:r>
+            <a:r>
+              <a:rPr lang="en-US" dirty="0" smtClean="0"/>
+              <a:t>, </a:t>
+            </a:r>
+            <a:r>
+              <a:rPr lang="en-US" dirty="0" err="1" smtClean="0"/>
+              <a:t>etc</a:t>
+            </a:r>
+            <a:r>
+              <a:rPr lang="en-US" dirty="0" smtClean="0"/>
+              <a:t>,</a:t>
+            </a:r>
+            <a:r>
+              <a:rPr lang="mr-IN" dirty="0" smtClean="0"/>
+              <a:t>…</a:t>
+            </a:r>
+            <a:endParaRPr lang="en-US" dirty="0"/>
           </a:p>
         </p:txBody>
       </p:sp>
@@ -4127,6 +4713,13 @@
   <p:clrMapOvr>
     <a:masterClrMapping/>
   </p:clrMapOvr>
+  <p:timing>
+    <p:tnLst>
+      <p:par>
+        <p:cTn id="1" dur="indefinite" restart="never" nodeType="tmRoot"/>
+      </p:par>
+    </p:tnLst>
+  </p:timing>
 </p:sld>
 </file>
 
@@ -4152,7 +4745,7 @@
           <p:cNvPr id="2" name="Title 1">
             <a:extLst>
               <a:ext uri="{FF2B5EF4-FFF2-40B4-BE49-F238E27FC236}">
-                <a16:creationId xmlns:a16="http://schemas.microsoft.com/office/drawing/2014/main" id="{84FAB0CF-DCFB-DDE1-359E-8D03D1A7DA2F}"/>
+                <a16:creationId xmlns:a16="http://schemas.microsoft.com/office/drawing/2014/main" xmlns="" id="{84FAB0CF-DCFB-DDE1-359E-8D03D1A7DA2F}"/>
               </a:ext>
             </a:extLst>
           </p:cNvPr>
@@ -4180,7 +4773,7 @@
           <p:cNvPr id="3" name="Content Placeholder 2">
             <a:extLst>
               <a:ext uri="{FF2B5EF4-FFF2-40B4-BE49-F238E27FC236}">
-                <a16:creationId xmlns:a16="http://schemas.microsoft.com/office/drawing/2014/main" id="{9907C150-588A-6358-0863-4C6337A7888C}"/>
+                <a16:creationId xmlns:a16="http://schemas.microsoft.com/office/drawing/2014/main" xmlns="" id="{9907C150-588A-6358-0863-4C6337A7888C}"/>
               </a:ext>
             </a:extLst>
           </p:cNvPr>
@@ -4191,31 +4784,73 @@
             <p:ph idx="1"/>
           </p:nvPr>
         </p:nvSpPr>
-        <p:spPr/>
+        <p:spPr>
+          <a:xfrm>
+            <a:off x="838200" y="1825624"/>
+            <a:ext cx="10515600" cy="4744509"/>
+          </a:xfrm>
+        </p:spPr>
         <p:txBody>
           <a:bodyPr/>
           <a:lstStyle/>
           <a:p>
             <a:pPr algn="just">
               <a:lnSpc>
-                <a:spcPct val="150000"/>
+                <a:spcPct val="100000"/>
               </a:lnSpc>
             </a:pPr>
             <a:r>
-              <a:rPr lang="en-US" sz="2000" dirty="0"/>
-              <a:t>Physics-informed Neural Network (PINN) is the most basic and widely used model for approximating PDEs' solutions. PINN is unsupervised learning model used to approximate the solution of a PDE. PINN incorporate the physical prior knowledge of the problem in the neural network’s (NN) loss function in order to guide the neural network to the optimal approximation by reducing the number of admissible solutions to the problem. A general PDE can be described by the following general equations:</a:t>
+              <a:rPr lang="en-US" sz="2400" dirty="0"/>
+              <a:t>Physics-informed Neural Network (PINN</a:t>
+            </a:r>
+            <a:r>
+              <a:rPr lang="en-US" sz="2400" dirty="0" smtClean="0"/>
+              <a:t>) (</a:t>
+            </a:r>
+            <a:r>
+              <a:rPr lang="en-US" sz="2400" dirty="0" err="1" smtClean="0"/>
+              <a:t>Raissi</a:t>
+            </a:r>
+            <a:r>
+              <a:rPr lang="en-US" sz="2400" dirty="0" smtClean="0"/>
+              <a:t> et al., 2019). </a:t>
+            </a:r>
+            <a:r>
+              <a:rPr lang="en-US" sz="2400" dirty="0"/>
+              <a:t>is the most basic and widely used model for approximating PDEs' </a:t>
+            </a:r>
+            <a:r>
+              <a:rPr lang="en-US" sz="2400" dirty="0" smtClean="0"/>
+              <a:t>solutions.[2]</a:t>
             </a:r>
           </a:p>
           <a:p>
             <a:pPr algn="just">
               <a:lnSpc>
-                <a:spcPct val="150000"/>
+                <a:spcPct val="100000"/>
               </a:lnSpc>
             </a:pPr>
+            <a:endParaRPr lang="en-US" sz="2400" dirty="0" smtClean="0"/>
+          </a:p>
+          <a:p>
+            <a:pPr algn="just">
+              <a:lnSpc>
+                <a:spcPct val="100000"/>
+              </a:lnSpc>
+            </a:pPr>
+            <a:r>
+              <a:rPr lang="en-US" sz="2400" dirty="0" smtClean="0"/>
+              <a:t>PINN </a:t>
+            </a:r>
+            <a:r>
+              <a:rPr lang="en-US" sz="2400" dirty="0"/>
+              <a:t>is unsupervised learning model used to approximate the solution of a PDE. PINN incorporate the physical prior knowledge of the problem in the neural network’s (NN) loss </a:t>
+            </a:r>
+            <a:r>
+              <a:rPr lang="en-US" sz="2400" dirty="0" smtClean="0"/>
+              <a:t>function. </a:t>
+            </a:r>
             <a:endParaRPr lang="en-US" sz="2000" dirty="0"/>
-          </a:p>
-          <a:p>
-            <a:endParaRPr lang="en-US" dirty="0"/>
           </a:p>
         </p:txBody>
       </p:sp>
@@ -4226,7 +4861,7 @@
               <p:cNvPr id="4" name="TextBox 19">
                 <a:extLst>
                   <a:ext uri="{FF2B5EF4-FFF2-40B4-BE49-F238E27FC236}">
-                    <a16:creationId xmlns:a16="http://schemas.microsoft.com/office/drawing/2014/main" id="{65C5A038-8A3D-D7E9-3AA7-7F868A09AD48}"/>
+                    <a16:creationId xmlns:a16="http://schemas.microsoft.com/office/drawing/2014/main" xmlns="" id="{65C5A038-8A3D-D7E9-3AA7-7F868A09AD48}"/>
                   </a:ext>
                 </a:extLst>
               </p:cNvPr>
@@ -4237,7 +4872,7 @@
             </p:nvSpPr>
             <p:spPr bwMode="auto">
               <a:xfrm>
-                <a:off x="979602" y="4791192"/>
+                <a:off x="979601" y="4773573"/>
                 <a:ext cx="9587038" cy="1288029"/>
               </a:xfrm>
               <a:prstGeom prst="rect">
@@ -4405,7 +5040,7 @@
                         <m:dPr>
                           <m:ctrlPr>
                             <a:rPr lang="en-US" sz="2400" b="0" i="1" smtClean="0">
-                              <a:latin typeface="Cambria Math" panose="02040503050406030204" pitchFamily="18" charset="0"/>
+                              <a:latin typeface="Cambria Math" charset="0"/>
                               <a:ea typeface="Cambria Math" charset="0"/>
                               <a:cs typeface="Cambria Math" charset="0"/>
                             </a:rPr>
@@ -4442,7 +5077,7 @@
                         <m:dPr>
                           <m:ctrlPr>
                             <a:rPr lang="en-US" sz="2400" b="1" i="1" smtClean="0">
-                              <a:latin typeface="Cambria Math" panose="02040503050406030204" pitchFamily="18" charset="0"/>
+                              <a:latin typeface="Cambria Math" charset="0"/>
                               <a:ea typeface="Cambria Math" charset="0"/>
                               <a:cs typeface="Cambria Math" charset="0"/>
                             </a:rPr>
@@ -4495,7 +5130,7 @@
                         <m:dPr>
                           <m:ctrlPr>
                             <a:rPr lang="en-US" sz="2400" b="0" i="1" smtClean="0">
-                              <a:latin typeface="Cambria Math" panose="02040503050406030204" pitchFamily="18" charset="0"/>
+                              <a:latin typeface="Cambria Math" charset="0"/>
                               <a:ea typeface="Cambria Math" charset="0"/>
                               <a:cs typeface="Cambria Math" charset="0"/>
                             </a:rPr>
@@ -4536,13 +5171,21 @@
                         </a:rPr>
                         <m:t>         </m:t>
                       </m:r>
+                      <m:r>
+                        <a:rPr lang="en-US" sz="2400" b="0" i="1" smtClean="0">
+                          <a:latin typeface="Cambria Math" charset="0"/>
+                          <a:ea typeface="Cambria Math" charset="0"/>
+                          <a:cs typeface="Cambria Math" charset="0"/>
+                        </a:rPr>
+                        <m:t>  </m:t>
+                      </m:r>
                       <m:d>
                         <m:dPr>
                           <m:begChr m:val="["/>
                           <m:endChr m:val="]"/>
                           <m:ctrlPr>
                             <a:rPr lang="en-US" sz="2400" b="1" i="1" smtClean="0">
-                              <a:latin typeface="Cambria Math" panose="02040503050406030204" pitchFamily="18" charset="0"/>
+                              <a:latin typeface="Cambria Math" charset="0"/>
                               <a:ea typeface="Cambria Math" charset="0"/>
                               <a:cs typeface="Cambria Math" charset="0"/>
                             </a:rPr>
@@ -4593,14 +5236,6 @@
                           <a:cs typeface="Cambria Math" charset="0"/>
                         </a:rPr>
                         <m:t>Ω</m:t>
-                      </m:r>
-                      <m:r>
-                        <a:rPr lang="en-US" sz="2400" b="0" i="0" smtClean="0">
-                          <a:latin typeface="Cambria Math" charset="0"/>
-                          <a:ea typeface="Cambria Math" charset="0"/>
-                          <a:cs typeface="Cambria Math" charset="0"/>
-                        </a:rPr>
-                        <m:t>       (1)</m:t>
                       </m:r>
                     </m:oMath>
                   </m:oMathPara>
@@ -4634,7 +5269,7 @@
                         <m:dPr>
                           <m:ctrlPr>
                             <a:rPr lang="en-US" sz="2400" b="0" i="1" smtClean="0">
-                              <a:latin typeface="Cambria Math" panose="02040503050406030204" pitchFamily="18" charset="0"/>
+                              <a:latin typeface="Cambria Math" charset="0"/>
                               <a:ea typeface="Cambria Math" charset="0"/>
                               <a:cs typeface="Cambria Math" charset="0"/>
                             </a:rPr>
@@ -4671,7 +5306,7 @@
                         <m:dPr>
                           <m:ctrlPr>
                             <a:rPr lang="en-US" sz="2400" b="1" i="1" smtClean="0">
-                              <a:latin typeface="Cambria Math" panose="02040503050406030204" pitchFamily="18" charset="0"/>
+                              <a:latin typeface="Cambria Math" charset="0"/>
                               <a:ea typeface="Cambria Math" charset="0"/>
                               <a:cs typeface="Cambria Math" charset="0"/>
                             </a:rPr>
@@ -4724,7 +5359,7 @@
                         <m:dPr>
                           <m:ctrlPr>
                             <a:rPr lang="en-US" sz="2400" b="0" i="1" smtClean="0">
-                              <a:latin typeface="Cambria Math" panose="02040503050406030204" pitchFamily="18" charset="0"/>
+                              <a:latin typeface="Cambria Math" charset="0"/>
                               <a:ea typeface="Cambria Math" charset="0"/>
                               <a:cs typeface="Cambria Math" charset="0"/>
                             </a:rPr>
@@ -4790,7 +5425,7 @@
                           <a:ea typeface="Cambria Math" charset="0"/>
                           <a:cs typeface="Cambria Math" charset="0"/>
                         </a:rPr>
-                        <m:t>       (2)</m:t>
+                        <m:t>       </m:t>
                       </m:r>
                     </m:oMath>
                   </m:oMathPara>
@@ -4824,7 +5459,7 @@
                         <m:dPr>
                           <m:ctrlPr>
                             <a:rPr lang="en-US" sz="2400" b="0" i="1" smtClean="0">
-                              <a:latin typeface="Cambria Math" panose="02040503050406030204" pitchFamily="18" charset="0"/>
+                              <a:latin typeface="Cambria Math" charset="0"/>
                               <a:ea typeface="Cambria Math" charset="0"/>
                               <a:cs typeface="Cambria Math" charset="0"/>
                             </a:rPr>
@@ -4861,7 +5496,7 @@
                         <m:dPr>
                           <m:ctrlPr>
                             <a:rPr lang="en-US" sz="2400" b="0" i="1" smtClean="0">
-                              <a:latin typeface="Cambria Math" panose="02040503050406030204" pitchFamily="18" charset="0"/>
+                              <a:latin typeface="Cambria Math" charset="0"/>
                               <a:ea typeface="Cambria Math" charset="0"/>
                               <a:cs typeface="Cambria Math" charset="0"/>
                             </a:rPr>
@@ -4914,7 +5549,7 @@
                         <m:dPr>
                           <m:ctrlPr>
                             <a:rPr lang="en-US" sz="2400" b="0" i="1" smtClean="0">
-                              <a:latin typeface="Cambria Math" panose="02040503050406030204" pitchFamily="18" charset="0"/>
+                              <a:latin typeface="Cambria Math" charset="0"/>
                               <a:ea typeface="Cambria Math" charset="0"/>
                               <a:cs typeface="Cambria Math" charset="0"/>
                             </a:rPr>
@@ -4967,7 +5602,7 @@
                         <m:sSubPr>
                           <m:ctrlPr>
                             <a:rPr lang="en-US" sz="2400" b="0" i="1" smtClean="0">
-                              <a:latin typeface="Cambria Math" panose="02040503050406030204" pitchFamily="18" charset="0"/>
+                              <a:latin typeface="Cambria Math" charset="0"/>
                               <a:ea typeface="Cambria Math" charset="0"/>
                               <a:cs typeface="Cambria Math" charset="0"/>
                             </a:rPr>
@@ -5003,7 +5638,7 @@
                           <a:ea typeface="Cambria Math" charset="0"/>
                           <a:cs typeface="Cambria Math" charset="0"/>
                         </a:rPr>
-                        <m:t>       (3)</m:t>
+                        <m:t>       </m:t>
                       </m:r>
                     </m:oMath>
                   </m:oMathPara>
@@ -5022,7 +5657,7 @@
               <p:cNvPr id="4" name="TextBox 19">
                 <a:extLst>
                   <a:ext uri="{FF2B5EF4-FFF2-40B4-BE49-F238E27FC236}">
-                    <a16:creationId xmlns:a16="http://schemas.microsoft.com/office/drawing/2014/main" id="{65C5A038-8A3D-D7E9-3AA7-7F868A09AD48}"/>
+                    <a16:creationId xmlns:a16="http://schemas.microsoft.com/office/drawing/2014/main" xmlns:a14="http://schemas.microsoft.com/office/drawing/2010/main" xmlns="" id="{65C5A038-8A3D-D7E9-3AA7-7F868A09AD48}"/>
                   </a:ext>
                 </a:extLst>
               </p:cNvPr>
@@ -5033,13 +5668,13 @@
             </p:nvSpPr>
             <p:spPr bwMode="auto">
               <a:xfrm>
-                <a:off x="979602" y="4791192"/>
+                <a:off x="979601" y="4773573"/>
                 <a:ext cx="9587038" cy="1288029"/>
               </a:xfrm>
               <a:prstGeom prst="rect">
                 <a:avLst/>
               </a:prstGeom>
-              <a:blipFill>
+              <a:blipFill rotWithShape="0">
                 <a:blip r:embed="rId2"/>
                 <a:stretch>
                   <a:fillRect/>
@@ -5093,6 +5728,13 @@
   <p:clrMapOvr>
     <a:masterClrMapping/>
   </p:clrMapOvr>
+  <p:timing>
+    <p:tnLst>
+      <p:par>
+        <p:cTn id="1" dur="indefinite" restart="never" nodeType="tmRoot"/>
+      </p:par>
+    </p:tnLst>
+  </p:timing>
 </p:sld>
 </file>
 
@@ -5118,7 +5760,7 @@
           <p:cNvPr id="2" name="Title 1">
             <a:extLst>
               <a:ext uri="{FF2B5EF4-FFF2-40B4-BE49-F238E27FC236}">
-                <a16:creationId xmlns:a16="http://schemas.microsoft.com/office/drawing/2014/main" id="{84FAB0CF-DCFB-DDE1-359E-8D03D1A7DA2F}"/>
+                <a16:creationId xmlns:a16="http://schemas.microsoft.com/office/drawing/2014/main" xmlns="" id="{84FAB0CF-DCFB-DDE1-359E-8D03D1A7DA2F}"/>
               </a:ext>
             </a:extLst>
           </p:cNvPr>
@@ -5129,7 +5771,12 @@
             <p:ph type="title"/>
           </p:nvPr>
         </p:nvSpPr>
-        <p:spPr/>
+        <p:spPr>
+          <a:xfrm>
+            <a:off x="325748" y="178859"/>
+            <a:ext cx="10515600" cy="1325563"/>
+          </a:xfrm>
+        </p:spPr>
         <p:txBody>
           <a:bodyPr/>
           <a:lstStyle/>
@@ -5138,39 +5785,6 @@
               <a:rPr lang="en-US" dirty="0"/>
               <a:t>Physics Informed Neural Networks</a:t>
             </a:r>
-          </a:p>
-        </p:txBody>
-      </p:sp>
-      <p:sp>
-        <p:nvSpPr>
-          <p:cNvPr id="3" name="Content Placeholder 2">
-            <a:extLst>
-              <a:ext uri="{FF2B5EF4-FFF2-40B4-BE49-F238E27FC236}">
-                <a16:creationId xmlns:a16="http://schemas.microsoft.com/office/drawing/2014/main" id="{9907C150-588A-6358-0863-4C6337A7888C}"/>
-              </a:ext>
-            </a:extLst>
-          </p:cNvPr>
-          <p:cNvSpPr>
-            <a:spLocks noGrp="1"/>
-          </p:cNvSpPr>
-          <p:nvPr>
-            <p:ph idx="1"/>
-          </p:nvPr>
-        </p:nvSpPr>
-        <p:spPr/>
-        <p:txBody>
-          <a:bodyPr/>
-          <a:lstStyle/>
-          <a:p>
-            <a:pPr algn="just">
-              <a:lnSpc>
-                <a:spcPct val="150000"/>
-              </a:lnSpc>
-            </a:pPr>
-            <a:endParaRPr lang="en-US" sz="2000" dirty="0"/>
-          </a:p>
-          <a:p>
-            <a:endParaRPr lang="en-US" dirty="0"/>
           </a:p>
         </p:txBody>
       </p:sp>
@@ -5181,7 +5795,7 @@
               <p:cNvPr id="4" name="TextBox 19">
                 <a:extLst>
                   <a:ext uri="{FF2B5EF4-FFF2-40B4-BE49-F238E27FC236}">
-                    <a16:creationId xmlns:a16="http://schemas.microsoft.com/office/drawing/2014/main" id="{65C5A038-8A3D-D7E9-3AA7-7F868A09AD48}"/>
+                    <a16:creationId xmlns:a16="http://schemas.microsoft.com/office/drawing/2014/main" xmlns="" id="{65C5A038-8A3D-D7E9-3AA7-7F868A09AD48}"/>
                   </a:ext>
                 </a:extLst>
               </p:cNvPr>
@@ -5192,8 +5806,8 @@
             </p:nvSpPr>
             <p:spPr bwMode="auto">
               <a:xfrm>
-                <a:off x="960748" y="1825625"/>
-                <a:ext cx="9587038" cy="1288029"/>
+                <a:off x="300348" y="1825625"/>
+                <a:ext cx="5964985" cy="1288029"/>
               </a:xfrm>
               <a:prstGeom prst="rect">
                 <a:avLst/>
@@ -5360,7 +5974,7 @@
                         <m:dPr>
                           <m:ctrlPr>
                             <a:rPr lang="en-US" sz="2400" b="0" i="1" smtClean="0">
-                              <a:latin typeface="Cambria Math" panose="02040503050406030204" pitchFamily="18" charset="0"/>
+                              <a:latin typeface="Cambria Math" charset="0"/>
                               <a:ea typeface="Cambria Math" charset="0"/>
                               <a:cs typeface="Cambria Math" charset="0"/>
                             </a:rPr>
@@ -5397,7 +6011,7 @@
                         <m:dPr>
                           <m:ctrlPr>
                             <a:rPr lang="en-US" sz="2400" b="1" i="1" smtClean="0">
-                              <a:latin typeface="Cambria Math" panose="02040503050406030204" pitchFamily="18" charset="0"/>
+                              <a:latin typeface="Cambria Math" charset="0"/>
                               <a:ea typeface="Cambria Math" charset="0"/>
                               <a:cs typeface="Cambria Math" charset="0"/>
                             </a:rPr>
@@ -5450,7 +6064,7 @@
                         <m:dPr>
                           <m:ctrlPr>
                             <a:rPr lang="en-US" sz="2400" b="0" i="1" smtClean="0">
-                              <a:latin typeface="Cambria Math" panose="02040503050406030204" pitchFamily="18" charset="0"/>
+                              <a:latin typeface="Cambria Math" charset="0"/>
                               <a:ea typeface="Cambria Math" charset="0"/>
                               <a:cs typeface="Cambria Math" charset="0"/>
                             </a:rPr>
@@ -5497,7 +6111,7 @@
                           <m:endChr m:val="]"/>
                           <m:ctrlPr>
                             <a:rPr lang="en-US" sz="2400" b="1" i="1" smtClean="0">
-                              <a:latin typeface="Cambria Math" panose="02040503050406030204" pitchFamily="18" charset="0"/>
+                              <a:latin typeface="Cambria Math" charset="0"/>
                               <a:ea typeface="Cambria Math" charset="0"/>
                               <a:cs typeface="Cambria Math" charset="0"/>
                             </a:rPr>
@@ -5555,7 +6169,7 @@
                           <a:ea typeface="Cambria Math" charset="0"/>
                           <a:cs typeface="Cambria Math" charset="0"/>
                         </a:rPr>
-                        <m:t>       (1)</m:t>
+                        <m:t>       </m:t>
                       </m:r>
                     </m:oMath>
                   </m:oMathPara>
@@ -5589,7 +6203,7 @@
                         <m:dPr>
                           <m:ctrlPr>
                             <a:rPr lang="en-US" sz="2400" b="0" i="1" smtClean="0">
-                              <a:latin typeface="Cambria Math" panose="02040503050406030204" pitchFamily="18" charset="0"/>
+                              <a:latin typeface="Cambria Math" charset="0"/>
                               <a:ea typeface="Cambria Math" charset="0"/>
                               <a:cs typeface="Cambria Math" charset="0"/>
                             </a:rPr>
@@ -5626,7 +6240,7 @@
                         <m:dPr>
                           <m:ctrlPr>
                             <a:rPr lang="en-US" sz="2400" b="1" i="1" smtClean="0">
-                              <a:latin typeface="Cambria Math" panose="02040503050406030204" pitchFamily="18" charset="0"/>
+                              <a:latin typeface="Cambria Math" charset="0"/>
                               <a:ea typeface="Cambria Math" charset="0"/>
                               <a:cs typeface="Cambria Math" charset="0"/>
                             </a:rPr>
@@ -5679,7 +6293,7 @@
                         <m:dPr>
                           <m:ctrlPr>
                             <a:rPr lang="en-US" sz="2400" b="0" i="1" smtClean="0">
-                              <a:latin typeface="Cambria Math" panose="02040503050406030204" pitchFamily="18" charset="0"/>
+                              <a:latin typeface="Cambria Math" charset="0"/>
                               <a:ea typeface="Cambria Math" charset="0"/>
                               <a:cs typeface="Cambria Math" charset="0"/>
                             </a:rPr>
@@ -5745,7 +6359,7 @@
                           <a:ea typeface="Cambria Math" charset="0"/>
                           <a:cs typeface="Cambria Math" charset="0"/>
                         </a:rPr>
-                        <m:t>       (2)</m:t>
+                        <m:t>       </m:t>
                       </m:r>
                     </m:oMath>
                   </m:oMathPara>
@@ -5779,7 +6393,7 @@
                         <m:dPr>
                           <m:ctrlPr>
                             <a:rPr lang="en-US" sz="2400" b="0" i="1" smtClean="0">
-                              <a:latin typeface="Cambria Math" panose="02040503050406030204" pitchFamily="18" charset="0"/>
+                              <a:latin typeface="Cambria Math" charset="0"/>
                               <a:ea typeface="Cambria Math" charset="0"/>
                               <a:cs typeface="Cambria Math" charset="0"/>
                             </a:rPr>
@@ -5816,7 +6430,7 @@
                         <m:dPr>
                           <m:ctrlPr>
                             <a:rPr lang="en-US" sz="2400" b="0" i="1" smtClean="0">
-                              <a:latin typeface="Cambria Math" panose="02040503050406030204" pitchFamily="18" charset="0"/>
+                              <a:latin typeface="Cambria Math" charset="0"/>
                               <a:ea typeface="Cambria Math" charset="0"/>
                               <a:cs typeface="Cambria Math" charset="0"/>
                             </a:rPr>
@@ -5869,7 +6483,7 @@
                         <m:dPr>
                           <m:ctrlPr>
                             <a:rPr lang="en-US" sz="2400" b="0" i="1" smtClean="0">
-                              <a:latin typeface="Cambria Math" panose="02040503050406030204" pitchFamily="18" charset="0"/>
+                              <a:latin typeface="Cambria Math" charset="0"/>
                               <a:ea typeface="Cambria Math" charset="0"/>
                               <a:cs typeface="Cambria Math" charset="0"/>
                             </a:rPr>
@@ -5922,7 +6536,7 @@
                         <m:sSubPr>
                           <m:ctrlPr>
                             <a:rPr lang="en-US" sz="2400" b="0" i="1" smtClean="0">
-                              <a:latin typeface="Cambria Math" panose="02040503050406030204" pitchFamily="18" charset="0"/>
+                              <a:latin typeface="Cambria Math" charset="0"/>
                               <a:ea typeface="Cambria Math" charset="0"/>
                               <a:cs typeface="Cambria Math" charset="0"/>
                             </a:rPr>
@@ -5958,7 +6572,7 @@
                           <a:ea typeface="Cambria Math" charset="0"/>
                           <a:cs typeface="Cambria Math" charset="0"/>
                         </a:rPr>
-                        <m:t>       (3)</m:t>
+                        <m:t>       </m:t>
                       </m:r>
                     </m:oMath>
                   </m:oMathPara>
@@ -5977,7 +6591,7 @@
               <p:cNvPr id="4" name="TextBox 19">
                 <a:extLst>
                   <a:ext uri="{FF2B5EF4-FFF2-40B4-BE49-F238E27FC236}">
-                    <a16:creationId xmlns:a16="http://schemas.microsoft.com/office/drawing/2014/main" id="{65C5A038-8A3D-D7E9-3AA7-7F868A09AD48}"/>
+                    <a16:creationId xmlns:a16="http://schemas.microsoft.com/office/drawing/2014/main" xmlns:a14="http://schemas.microsoft.com/office/drawing/2010/main" xmlns="" id="{65C5A038-8A3D-D7E9-3AA7-7F868A09AD48}"/>
                   </a:ext>
                 </a:extLst>
               </p:cNvPr>
@@ -5988,13 +6602,13 @@
             </p:nvSpPr>
             <p:spPr bwMode="auto">
               <a:xfrm>
-                <a:off x="960748" y="1825625"/>
-                <a:ext cx="9587038" cy="1288029"/>
+                <a:off x="300348" y="1825625"/>
+                <a:ext cx="5964985" cy="1288029"/>
               </a:xfrm>
               <a:prstGeom prst="rect">
                 <a:avLst/>
               </a:prstGeom>
-              <a:blipFill>
+              <a:blipFill rotWithShape="0">
                 <a:blip r:embed="rId2"/>
                 <a:stretch>
                   <a:fillRect/>
@@ -6042,20 +6656,14 @@
         <mc:Choice xmlns:a14="http://schemas.microsoft.com/office/drawing/2010/main" Requires="a14">
           <p:sp>
             <p:nvSpPr>
-              <p:cNvPr id="5" name="TextBox 4">
-                <a:extLst>
-                  <a:ext uri="{FF2B5EF4-FFF2-40B4-BE49-F238E27FC236}">
-                    <a16:creationId xmlns:a16="http://schemas.microsoft.com/office/drawing/2014/main" id="{27CB0AB7-9505-C54E-9AD0-92C71693A663}"/>
-                  </a:ext>
-                </a:extLst>
-              </p:cNvPr>
+              <p:cNvPr id="6" name="TextBox 5"/>
               <p:cNvSpPr txBox="1"/>
               <p:nvPr/>
             </p:nvSpPr>
             <p:spPr>
               <a:xfrm>
-                <a:off x="960748" y="3582186"/>
-                <a:ext cx="10144027" cy="2910689"/>
+                <a:off x="380780" y="3204024"/>
+                <a:ext cx="5804119" cy="461665"/>
               </a:xfrm>
               <a:prstGeom prst="rect">
                 <a:avLst/>
@@ -6068,553 +6676,192 @@
               </a:bodyPr>
               <a:lstStyle/>
               <a:p>
-                <a:pPr algn="just">
-                  <a:lnSpc>
-                    <a:spcPct val="110000"/>
-                  </a:lnSpc>
-                </a:pPr>
-                <a:r>
-                  <a:rPr lang="en-US" sz="1800" dirty="0">
-                    <a:latin typeface="Titillium Web" panose="00000500000000000000" pitchFamily="2" charset="0"/>
-                    <a:cs typeface="Arial" pitchFamily="34" charset="0"/>
-                  </a:rPr>
-                  <a:t>Where </a:t>
-                </a:r>
                 <a14:m>
-                  <m:oMath xmlns:m="http://schemas.openxmlformats.org/officeDocument/2006/math">
-                    <m:r>
-                      <a:rPr lang="en-US" sz="1800" b="0" i="1" smtClean="0">
-                        <a:latin typeface="Cambria Math" charset="0"/>
-                        <a:cs typeface="Arial" pitchFamily="34" charset="0"/>
-                      </a:rPr>
-                      <m:t>𝑢</m:t>
-                    </m:r>
-                    <m:r>
-                      <a:rPr lang="en-US" sz="1800" b="0" i="1" smtClean="0">
-                        <a:latin typeface="Cambria Math" charset="0"/>
-                        <a:cs typeface="Arial" pitchFamily="34" charset="0"/>
-                      </a:rPr>
-                      <m:t>(</m:t>
-                    </m:r>
-                    <m:r>
-                      <a:rPr lang="en-US" sz="1800" b="1" i="1" smtClean="0">
-                        <a:latin typeface="Cambria Math" charset="0"/>
-                        <a:cs typeface="Arial" pitchFamily="34" charset="0"/>
-                      </a:rPr>
-                      <m:t>𝒙</m:t>
-                    </m:r>
-                    <m:r>
-                      <a:rPr lang="en-US" sz="1800" b="0" i="1" smtClean="0">
-                        <a:latin typeface="Cambria Math" charset="0"/>
-                        <a:cs typeface="Arial" pitchFamily="34" charset="0"/>
-                      </a:rPr>
-                      <m:t>, </m:t>
-                    </m:r>
-                    <m:r>
-                      <a:rPr lang="en-US" sz="1800" b="0" i="1" smtClean="0">
-                        <a:latin typeface="Cambria Math" charset="0"/>
-                        <a:cs typeface="Arial" pitchFamily="34" charset="0"/>
-                      </a:rPr>
-                      <m:t>𝑡</m:t>
-                    </m:r>
-                    <m:r>
-                      <a:rPr lang="en-US" sz="1800" b="0" i="1" smtClean="0">
-                        <a:latin typeface="Cambria Math" charset="0"/>
-                        <a:cs typeface="Arial" pitchFamily="34" charset="0"/>
-                      </a:rPr>
-                      <m:t>)</m:t>
-                    </m:r>
-                  </m:oMath>
+                  <m:oMathPara xmlns:m="http://schemas.openxmlformats.org/officeDocument/2006/math">
+                    <m:oMathParaPr>
+                      <m:jc m:val="centerGroup"/>
+                    </m:oMathParaPr>
+                    <m:oMath xmlns:m="http://schemas.openxmlformats.org/officeDocument/2006/math">
+                      <m:r>
+                        <a:rPr lang="en-US" sz="2400" b="0" i="1" smtClean="0">
+                          <a:latin typeface="Cambria Math" charset="0"/>
+                        </a:rPr>
+                        <m:t>ℒ</m:t>
+                      </m:r>
+                      <m:d>
+                        <m:dPr>
+                          <m:ctrlPr>
+                            <a:rPr lang="en-US" sz="2400" b="0" i="1" smtClean="0">
+                              <a:latin typeface="Cambria Math" charset="0"/>
+                            </a:rPr>
+                          </m:ctrlPr>
+                        </m:dPr>
+                        <m:e>
+                          <m:r>
+                            <a:rPr lang="en-US" sz="2400" b="0" i="1" smtClean="0">
+                              <a:latin typeface="Cambria Math" charset="0"/>
+                            </a:rPr>
+                            <m:t>𝜃</m:t>
+                          </m:r>
+                        </m:e>
+                      </m:d>
+                      <m:r>
+                        <a:rPr lang="en-US" sz="2400" b="0" i="1" smtClean="0">
+                          <a:latin typeface="Cambria Math" charset="0"/>
+                        </a:rPr>
+                        <m:t>=</m:t>
+                      </m:r>
+                      <m:sSub>
+                        <m:sSubPr>
+                          <m:ctrlPr>
+                            <a:rPr lang="en-US" sz="2400" b="0" i="1" smtClean="0">
+                              <a:latin typeface="Cambria Math" charset="0"/>
+                            </a:rPr>
+                          </m:ctrlPr>
+                        </m:sSubPr>
+                        <m:e>
+                          <m:r>
+                            <a:rPr lang="en-US" sz="2400" b="0" i="1" smtClean="0">
+                              <a:latin typeface="Cambria Math" charset="0"/>
+                            </a:rPr>
+                            <m:t>𝑤</m:t>
+                          </m:r>
+                        </m:e>
+                        <m:sub>
+                          <m:r>
+                            <a:rPr lang="en-US" sz="2400" b="0" i="1" smtClean="0">
+                              <a:latin typeface="Cambria Math" charset="0"/>
+                            </a:rPr>
+                            <m:t>ℱ</m:t>
+                          </m:r>
+                        </m:sub>
+                      </m:sSub>
+                      <m:r>
+                        <a:rPr lang="en-US" sz="2400" b="0" i="1" smtClean="0">
+                          <a:latin typeface="Cambria Math" charset="0"/>
+                        </a:rPr>
+                        <m:t>ℱ</m:t>
+                      </m:r>
+                      <m:r>
+                        <a:rPr lang="en-US" sz="2400" b="0" i="1" smtClean="0">
+                          <a:latin typeface="Cambria Math" charset="0"/>
+                        </a:rPr>
+                        <m:t>(</m:t>
+                      </m:r>
+                      <m:r>
+                        <a:rPr lang="en-US" sz="2400" b="0" i="1" smtClean="0">
+                          <a:latin typeface="Cambria Math" charset="0"/>
+                        </a:rPr>
+                        <m:t>𝜃</m:t>
+                      </m:r>
+                      <m:r>
+                        <a:rPr lang="en-US" sz="2400" b="0" i="1" smtClean="0">
+                          <a:latin typeface="Cambria Math" charset="0"/>
+                        </a:rPr>
+                        <m:t>)+</m:t>
+                      </m:r>
+                      <m:sSub>
+                        <m:sSubPr>
+                          <m:ctrlPr>
+                            <a:rPr lang="en-US" sz="2400" b="0" i="1" smtClean="0">
+                              <a:latin typeface="Cambria Math" charset="0"/>
+                            </a:rPr>
+                          </m:ctrlPr>
+                        </m:sSubPr>
+                        <m:e>
+                          <m:r>
+                            <a:rPr lang="en-US" sz="2400" b="0" i="1" smtClean="0">
+                              <a:latin typeface="Cambria Math" charset="0"/>
+                            </a:rPr>
+                            <m:t>𝑤</m:t>
+                          </m:r>
+                        </m:e>
+                        <m:sub>
+                          <m:r>
+                            <a:rPr lang="en-US" sz="2400" b="0" i="1" smtClean="0">
+                              <a:latin typeface="Cambria Math" charset="0"/>
+                            </a:rPr>
+                            <m:t>ℬ</m:t>
+                          </m:r>
+                        </m:sub>
+                      </m:sSub>
+                      <m:r>
+                        <a:rPr lang="en-US" sz="2400" b="0" i="1" smtClean="0">
+                          <a:latin typeface="Cambria Math" charset="0"/>
+                        </a:rPr>
+                        <m:t>ℬ</m:t>
+                      </m:r>
+                      <m:r>
+                        <a:rPr lang="en-US" sz="2400" b="0" i="1" smtClean="0">
+                          <a:latin typeface="Cambria Math" charset="0"/>
+                        </a:rPr>
+                        <m:t>(</m:t>
+                      </m:r>
+                      <m:r>
+                        <a:rPr lang="en-US" sz="2400" b="0" i="1" smtClean="0">
+                          <a:latin typeface="Cambria Math" charset="0"/>
+                        </a:rPr>
+                        <m:t>𝜃</m:t>
+                      </m:r>
+                      <m:r>
+                        <a:rPr lang="en-US" sz="2400" b="0" i="1" smtClean="0">
+                          <a:latin typeface="Cambria Math" charset="0"/>
+                        </a:rPr>
+                        <m:t>)+</m:t>
+                      </m:r>
+                      <m:sSub>
+                        <m:sSubPr>
+                          <m:ctrlPr>
+                            <a:rPr lang="en-US" sz="2400" b="0" i="1" smtClean="0">
+                              <a:latin typeface="Cambria Math" charset="0"/>
+                            </a:rPr>
+                          </m:ctrlPr>
+                        </m:sSubPr>
+                        <m:e>
+                          <m:r>
+                            <a:rPr lang="en-US" sz="2400" b="0" i="1" smtClean="0">
+                              <a:latin typeface="Cambria Math" charset="0"/>
+                            </a:rPr>
+                            <m:t>𝑤</m:t>
+                          </m:r>
+                        </m:e>
+                        <m:sub>
+                          <m:r>
+                            <a:rPr lang="en-US" sz="2400" b="0" i="1" smtClean="0">
+                              <a:latin typeface="Cambria Math" charset="0"/>
+                            </a:rPr>
+                            <m:t>ℐ</m:t>
+                          </m:r>
+                        </m:sub>
+                      </m:sSub>
+                      <m:r>
+                        <a:rPr lang="en-US" sz="2400" b="0" i="1" smtClean="0">
+                          <a:latin typeface="Cambria Math" charset="0"/>
+                        </a:rPr>
+                        <m:t>ℐ</m:t>
+                      </m:r>
+                      <m:r>
+                        <a:rPr lang="en-US" sz="2400" b="0" i="1" smtClean="0">
+                          <a:latin typeface="Cambria Math" charset="0"/>
+                        </a:rPr>
+                        <m:t>(</m:t>
+                      </m:r>
+                      <m:r>
+                        <a:rPr lang="en-US" sz="2400" b="0" i="1" smtClean="0">
+                          <a:latin typeface="Cambria Math" charset="0"/>
+                        </a:rPr>
+                        <m:t>𝜃</m:t>
+                      </m:r>
+                      <m:r>
+                        <a:rPr lang="en-US" sz="2400" b="0" i="1" smtClean="0">
+                          <a:latin typeface="Cambria Math" charset="0"/>
+                        </a:rPr>
+                        <m:t>)      </m:t>
+                      </m:r>
+                    </m:oMath>
+                  </m:oMathPara>
                 </a14:m>
-                <a:r>
-                  <a:rPr lang="en-US" sz="1800" dirty="0">
-                    <a:latin typeface="Titillium Web" panose="00000500000000000000" pitchFamily="2" charset="0"/>
-                    <a:cs typeface="Arial" pitchFamily="34" charset="0"/>
-                  </a:rPr>
-                  <a:t> is the unknown function, </a:t>
-                </a:r>
-                <a14:m>
-                  <m:oMath xmlns:m="http://schemas.openxmlformats.org/officeDocument/2006/math">
-                    <m:r>
-                      <a:rPr lang="en-US" sz="1800" b="1" i="1" smtClean="0">
-                        <a:latin typeface="Cambria Math" charset="0"/>
-                        <a:cs typeface="Arial" pitchFamily="34" charset="0"/>
-                      </a:rPr>
-                      <m:t>𝒙</m:t>
-                    </m:r>
-                  </m:oMath>
-                </a14:m>
-                <a:r>
-                  <a:rPr lang="en-US" sz="1800" b="1" dirty="0">
-                    <a:latin typeface="Titillium Web" panose="00000500000000000000" pitchFamily="2" charset="0"/>
-                    <a:cs typeface="Arial" pitchFamily="34" charset="0"/>
-                  </a:rPr>
-                  <a:t> </a:t>
-                </a:r>
-                <a:r>
-                  <a:rPr lang="en-US" sz="1800" dirty="0">
-                    <a:latin typeface="Titillium Web" panose="00000500000000000000" pitchFamily="2" charset="0"/>
-                    <a:cs typeface="Arial" pitchFamily="34" charset="0"/>
-                  </a:rPr>
-                  <a:t>is the vector of space, </a:t>
-                </a:r>
-                <a14:m>
-                  <m:oMath xmlns:m="http://schemas.openxmlformats.org/officeDocument/2006/math">
-                    <m:r>
-                      <a:rPr lang="en-US" sz="1800" b="0" i="1" smtClean="0">
-                        <a:latin typeface="Cambria Math" charset="0"/>
-                        <a:cs typeface="Arial" pitchFamily="34" charset="0"/>
-                      </a:rPr>
-                      <m:t>𝑡</m:t>
-                    </m:r>
-                  </m:oMath>
-                </a14:m>
-                <a:r>
-                  <a:rPr lang="en-US" sz="1800" dirty="0">
-                    <a:latin typeface="Titillium Web" panose="00000500000000000000" pitchFamily="2" charset="0"/>
-                    <a:cs typeface="Arial" pitchFamily="34" charset="0"/>
-                  </a:rPr>
-                  <a:t> is time, </a:t>
-                </a:r>
-                <a14:m>
-                  <m:oMath xmlns:m="http://schemas.openxmlformats.org/officeDocument/2006/math">
-                    <m:r>
-                      <m:rPr>
-                        <m:sty m:val="p"/>
-                      </m:rPr>
-                      <a:rPr lang="en-US" sz="1800" b="0" i="0" smtClean="0">
-                        <a:latin typeface="Cambria Math" charset="0"/>
-                        <a:cs typeface="Arial" pitchFamily="34" charset="0"/>
-                      </a:rPr>
-                      <m:t>Ω</m:t>
-                    </m:r>
-                  </m:oMath>
-                </a14:m>
-                <a:r>
-                  <a:rPr lang="en-US" sz="1800" dirty="0">
-                    <a:latin typeface="Titillium Web" panose="00000500000000000000" pitchFamily="2" charset="0"/>
-                    <a:cs typeface="Arial" pitchFamily="34" charset="0"/>
-                  </a:rPr>
-                  <a:t> is the domain of space and time with boundaries </a:t>
-                </a:r>
-                <a14:m>
-                  <m:oMath xmlns:m="http://schemas.openxmlformats.org/officeDocument/2006/math">
-                    <m:r>
-                      <a:rPr lang="en-US" sz="1800" b="0" i="1" smtClean="0">
-                        <a:latin typeface="Cambria Math" charset="0"/>
-                        <a:cs typeface="Arial" pitchFamily="34" charset="0"/>
-                      </a:rPr>
-                      <m:t>𝜕</m:t>
-                    </m:r>
-                    <m:r>
-                      <m:rPr>
-                        <m:sty m:val="p"/>
-                      </m:rPr>
-                      <a:rPr lang="en-US" sz="1800" b="0" i="0" smtClean="0">
-                        <a:latin typeface="Cambria Math" charset="0"/>
-                        <a:cs typeface="Arial" pitchFamily="34" charset="0"/>
-                      </a:rPr>
-                      <m:t>Ω</m:t>
-                    </m:r>
-                  </m:oMath>
-                </a14:m>
-                <a:r>
-                  <a:rPr lang="en-US" sz="1800" dirty="0">
-                    <a:latin typeface="Titillium Web" panose="00000500000000000000" pitchFamily="2" charset="0"/>
-                    <a:cs typeface="Arial" pitchFamily="34" charset="0"/>
-                  </a:rPr>
-                  <a:t> and </a:t>
-                </a:r>
-                <a14:m>
-                  <m:oMath xmlns:m="http://schemas.openxmlformats.org/officeDocument/2006/math">
-                    <m:r>
-                      <a:rPr lang="en-US" sz="1800" b="0" i="1" smtClean="0">
-                        <a:latin typeface="Cambria Math" charset="0"/>
-                        <a:cs typeface="Arial" pitchFamily="34" charset="0"/>
-                      </a:rPr>
-                      <m:t>𝜕</m:t>
-                    </m:r>
-                    <m:sSub>
-                      <m:sSubPr>
-                        <m:ctrlPr>
-                          <a:rPr lang="en-US" sz="1800" b="0" i="1" smtClean="0">
-                            <a:latin typeface="Cambria Math" panose="02040503050406030204" pitchFamily="18" charset="0"/>
-                            <a:cs typeface="Arial" pitchFamily="34" charset="0"/>
-                          </a:rPr>
-                        </m:ctrlPr>
-                      </m:sSubPr>
-                      <m:e>
-                        <m:r>
-                          <m:rPr>
-                            <m:sty m:val="p"/>
-                          </m:rPr>
-                          <a:rPr lang="en-US" sz="1800" b="0" i="0" smtClean="0">
-                            <a:latin typeface="Cambria Math" charset="0"/>
-                            <a:cs typeface="Arial" pitchFamily="34" charset="0"/>
-                          </a:rPr>
-                          <m:t>Ω</m:t>
-                        </m:r>
-                      </m:e>
-                      <m:sub>
-                        <m:r>
-                          <a:rPr lang="en-US" sz="1800" b="0" i="1" smtClean="0">
-                            <a:latin typeface="Cambria Math" charset="0"/>
-                            <a:cs typeface="Arial" pitchFamily="34" charset="0"/>
-                          </a:rPr>
-                          <m:t>0</m:t>
-                        </m:r>
-                      </m:sub>
-                    </m:sSub>
-                  </m:oMath>
-                </a14:m>
-                <a:r>
-                  <a:rPr lang="en-US" sz="1800" dirty="0">
-                    <a:latin typeface="Titillium Web" panose="00000500000000000000" pitchFamily="2" charset="0"/>
-                    <a:cs typeface="Arial" pitchFamily="34" charset="0"/>
-                  </a:rPr>
-                  <a:t>, </a:t>
-                </a:r>
-                <a14:m>
-                  <m:oMath xmlns:m="http://schemas.openxmlformats.org/officeDocument/2006/math">
-                    <m:r>
-                      <a:rPr lang="en-US" sz="1800" b="0" i="1" dirty="0" smtClean="0">
-                        <a:latin typeface="Cambria Math" charset="0"/>
-                        <a:cs typeface="Arial" pitchFamily="34" charset="0"/>
-                      </a:rPr>
-                      <m:t>𝜃</m:t>
-                    </m:r>
-                  </m:oMath>
-                </a14:m>
-                <a:r>
-                  <a:rPr lang="en-US" sz="1800" dirty="0">
-                    <a:latin typeface="Titillium Web" panose="00000500000000000000" pitchFamily="2" charset="0"/>
-                    <a:cs typeface="Arial" pitchFamily="34" charset="0"/>
-                  </a:rPr>
-                  <a:t> is the parameters of the neural network, </a:t>
-                </a:r>
-                <a14:m>
-                  <m:oMath xmlns:m="http://schemas.openxmlformats.org/officeDocument/2006/math">
-                    <m:r>
-                      <a:rPr lang="en-US" sz="1800" i="1">
-                        <a:latin typeface="Cambria Math" charset="0"/>
-                        <a:ea typeface="Cambria Math" charset="0"/>
-                        <a:cs typeface="Cambria Math" charset="0"/>
-                      </a:rPr>
-                      <m:t>ℱ</m:t>
-                    </m:r>
-                  </m:oMath>
-                </a14:m>
-                <a:r>
-                  <a:rPr lang="en-US" sz="1800" dirty="0">
-                    <a:latin typeface="Titillium Web" panose="00000500000000000000" pitchFamily="2" charset="0"/>
-                    <a:cs typeface="Arial" pitchFamily="34" charset="0"/>
-                  </a:rPr>
-                  <a:t> is a nonlinear differential operator, </a:t>
-                </a:r>
-                <a14:m>
-                  <m:oMath xmlns:m="http://schemas.openxmlformats.org/officeDocument/2006/math">
-                    <m:r>
-                      <a:rPr lang="en-US" sz="1800" i="1">
-                        <a:latin typeface="Cambria Math" charset="0"/>
-                        <a:ea typeface="Cambria Math" charset="0"/>
-                        <a:cs typeface="Cambria Math" charset="0"/>
-                      </a:rPr>
-                      <m:t>ℬ</m:t>
-                    </m:r>
-                  </m:oMath>
-                </a14:m>
-                <a:r>
-                  <a:rPr lang="en-US" sz="1800" dirty="0">
-                    <a:latin typeface="Titillium Web" panose="00000500000000000000" pitchFamily="2" charset="0"/>
-                    <a:cs typeface="Arial" pitchFamily="34" charset="0"/>
-                  </a:rPr>
-                  <a:t> is the boundary conditions, </a:t>
-                </a:r>
-                <a14:m>
-                  <m:oMath xmlns:m="http://schemas.openxmlformats.org/officeDocument/2006/math">
-                    <m:r>
-                      <a:rPr lang="en-US" sz="1800" i="1">
-                        <a:latin typeface="Cambria Math" charset="0"/>
-                        <a:ea typeface="Cambria Math" charset="0"/>
-                        <a:cs typeface="Cambria Math" charset="0"/>
-                      </a:rPr>
-                      <m:t>ℐ</m:t>
-                    </m:r>
-                  </m:oMath>
-                </a14:m>
-                <a:r>
-                  <a:rPr lang="en-US" sz="1800" dirty="0">
-                    <a:latin typeface="Titillium Web" panose="00000500000000000000" pitchFamily="2" charset="0"/>
-                    <a:cs typeface="Arial" pitchFamily="34" charset="0"/>
-                  </a:rPr>
-                  <a:t> is the initial conditions, </a:t>
-                </a:r>
-                <a14:m>
-                  <m:oMath xmlns:m="http://schemas.openxmlformats.org/officeDocument/2006/math">
-                    <m:r>
-                      <a:rPr lang="en-US" sz="1800" b="0" i="1" smtClean="0">
-                        <a:latin typeface="Cambria Math" charset="0"/>
-                        <a:cs typeface="Arial" pitchFamily="34" charset="0"/>
-                      </a:rPr>
-                      <m:t>𝑓</m:t>
-                    </m:r>
-                    <m:r>
-                      <a:rPr lang="en-US" sz="1800" b="0" i="1" smtClean="0">
-                        <a:latin typeface="Cambria Math" charset="0"/>
-                        <a:cs typeface="Arial" pitchFamily="34" charset="0"/>
-                      </a:rPr>
-                      <m:t>(</m:t>
-                    </m:r>
-                    <m:r>
-                      <a:rPr lang="en-US" sz="1800" b="1" i="1" smtClean="0">
-                        <a:latin typeface="Cambria Math" charset="0"/>
-                        <a:cs typeface="Arial" pitchFamily="34" charset="0"/>
-                      </a:rPr>
-                      <m:t>𝒙</m:t>
-                    </m:r>
-                    <m:r>
-                      <a:rPr lang="en-US" sz="1800" b="0" i="1" smtClean="0">
-                        <a:latin typeface="Cambria Math" charset="0"/>
-                        <a:cs typeface="Arial" pitchFamily="34" charset="0"/>
-                      </a:rPr>
-                      <m:t>, </m:t>
-                    </m:r>
-                    <m:r>
-                      <a:rPr lang="en-US" sz="1800" b="0" i="1" smtClean="0">
-                        <a:latin typeface="Cambria Math" charset="0"/>
-                        <a:cs typeface="Arial" pitchFamily="34" charset="0"/>
-                      </a:rPr>
-                      <m:t>𝑡</m:t>
-                    </m:r>
-                    <m:r>
-                      <a:rPr lang="en-US" sz="1800" b="0" i="1" smtClean="0">
-                        <a:latin typeface="Cambria Math" charset="0"/>
-                        <a:cs typeface="Arial" pitchFamily="34" charset="0"/>
-                      </a:rPr>
-                      <m:t>)</m:t>
-                    </m:r>
-                  </m:oMath>
-                </a14:m>
-                <a:r>
-                  <a:rPr lang="en-US" sz="1800" dirty="0">
-                    <a:latin typeface="Titillium Web" panose="00000500000000000000" pitchFamily="2" charset="0"/>
-                    <a:cs typeface="Arial" pitchFamily="34" charset="0"/>
-                  </a:rPr>
-                  <a:t>, </a:t>
-                </a:r>
-                <a14:m>
-                  <m:oMath xmlns:m="http://schemas.openxmlformats.org/officeDocument/2006/math">
-                    <m:r>
-                      <a:rPr lang="en-US" sz="1800" b="0" i="1" dirty="0" smtClean="0">
-                        <a:latin typeface="Cambria Math" charset="0"/>
-                        <a:cs typeface="Arial" pitchFamily="34" charset="0"/>
-                      </a:rPr>
-                      <m:t>𝑔</m:t>
-                    </m:r>
-                    <m:r>
-                      <a:rPr lang="en-US" sz="1800" b="0" i="1" dirty="0" smtClean="0">
-                        <a:latin typeface="Cambria Math" charset="0"/>
-                        <a:cs typeface="Arial" pitchFamily="34" charset="0"/>
-                      </a:rPr>
-                      <m:t>(</m:t>
-                    </m:r>
-                    <m:r>
-                      <a:rPr lang="en-US" sz="1800" b="0" i="1" dirty="0" smtClean="0">
-                        <a:latin typeface="Cambria Math" charset="0"/>
-                        <a:cs typeface="Arial" pitchFamily="34" charset="0"/>
-                      </a:rPr>
-                      <m:t>𝑡</m:t>
-                    </m:r>
-                    <m:r>
-                      <a:rPr lang="en-US" sz="1800" b="0" i="1" dirty="0" smtClean="0">
-                        <a:latin typeface="Cambria Math" charset="0"/>
-                        <a:cs typeface="Arial" pitchFamily="34" charset="0"/>
-                      </a:rPr>
-                      <m:t>)</m:t>
-                    </m:r>
-                  </m:oMath>
-                </a14:m>
-                <a:r>
-                  <a:rPr lang="en-US" sz="1800" dirty="0">
-                    <a:latin typeface="Titillium Web" panose="00000500000000000000" pitchFamily="2" charset="0"/>
-                    <a:cs typeface="Arial" pitchFamily="34" charset="0"/>
-                  </a:rPr>
-                  <a:t>, and </a:t>
-                </a:r>
-                <a14:m>
-                  <m:oMath xmlns:m="http://schemas.openxmlformats.org/officeDocument/2006/math">
-                    <m:r>
-                      <a:rPr lang="en-US" sz="1800" b="0" i="1" smtClean="0">
-                        <a:latin typeface="Cambria Math" charset="0"/>
-                        <a:cs typeface="Arial" pitchFamily="34" charset="0"/>
-                      </a:rPr>
-                      <m:t>h</m:t>
-                    </m:r>
-                    <m:r>
-                      <a:rPr lang="en-US" sz="1800" b="0" i="1" smtClean="0">
-                        <a:latin typeface="Cambria Math" charset="0"/>
-                        <a:cs typeface="Arial" pitchFamily="34" charset="0"/>
-                      </a:rPr>
-                      <m:t>(</m:t>
-                    </m:r>
-                    <m:r>
-                      <a:rPr lang="en-US" sz="1800" b="1" i="1" smtClean="0">
-                        <a:latin typeface="Cambria Math" charset="0"/>
-                        <a:cs typeface="Arial" pitchFamily="34" charset="0"/>
-                      </a:rPr>
-                      <m:t>𝒙</m:t>
-                    </m:r>
-                    <m:r>
-                      <a:rPr lang="en-US" sz="1800" b="0" i="1" smtClean="0">
-                        <a:latin typeface="Cambria Math" charset="0"/>
-                        <a:cs typeface="Arial" pitchFamily="34" charset="0"/>
-                      </a:rPr>
-                      <m:t>)</m:t>
-                    </m:r>
-                  </m:oMath>
-                </a14:m>
-                <a:r>
-                  <a:rPr lang="en-US" sz="1800" dirty="0">
-                    <a:latin typeface="Titillium Web" panose="00000500000000000000" pitchFamily="2" charset="0"/>
-                    <a:cs typeface="Arial" pitchFamily="34" charset="0"/>
-                  </a:rPr>
-                  <a:t> are specified functions for a certain problems.</a:t>
-                </a:r>
-              </a:p>
-              <a:p>
-                <a:pPr algn="just">
-                  <a:lnSpc>
-                    <a:spcPct val="110000"/>
-                  </a:lnSpc>
-                </a:pPr>
-                <a:r>
-                  <a:rPr lang="en-US" sz="1800" dirty="0">
-                    <a:latin typeface="Titillium Web" panose="00000500000000000000" pitchFamily="2" charset="0"/>
-                    <a:cs typeface="Arial" pitchFamily="34" charset="0"/>
-                  </a:rPr>
-                  <a:t>The neural network takes collocation points </a:t>
-                </a:r>
-                <a14:m>
-                  <m:oMath xmlns:m="http://schemas.openxmlformats.org/officeDocument/2006/math">
-                    <m:d>
-                      <m:dPr>
-                        <m:ctrlPr>
-                          <a:rPr lang="en-US" sz="1800" b="0" i="1" smtClean="0">
-                            <a:latin typeface="Cambria Math" panose="02040503050406030204" pitchFamily="18" charset="0"/>
-                            <a:cs typeface="Arial" pitchFamily="34" charset="0"/>
-                          </a:rPr>
-                        </m:ctrlPr>
-                      </m:dPr>
-                      <m:e>
-                        <m:r>
-                          <a:rPr lang="en-US" sz="1800" b="0" i="1" smtClean="0">
-                            <a:latin typeface="Cambria Math" charset="0"/>
-                            <a:cs typeface="Arial" pitchFamily="34" charset="0"/>
-                          </a:rPr>
-                          <m:t>𝑥</m:t>
-                        </m:r>
-                        <m:r>
-                          <a:rPr lang="en-US" sz="1800" b="0" i="1" smtClean="0">
-                            <a:latin typeface="Cambria Math" charset="0"/>
-                            <a:cs typeface="Arial" pitchFamily="34" charset="0"/>
-                          </a:rPr>
-                          <m:t>, </m:t>
-                        </m:r>
-                        <m:r>
-                          <a:rPr lang="en-US" sz="1800" b="0" i="1" smtClean="0">
-                            <a:latin typeface="Cambria Math" charset="0"/>
-                            <a:cs typeface="Arial" pitchFamily="34" charset="0"/>
-                          </a:rPr>
-                          <m:t>𝑡</m:t>
-                        </m:r>
-                      </m:e>
-                    </m:d>
-                  </m:oMath>
-                </a14:m>
-                <a:r>
-                  <a:rPr lang="en-US" sz="1800" dirty="0">
-                    <a:latin typeface="Titillium Web" panose="00000500000000000000" pitchFamily="2" charset="0"/>
-                    <a:cs typeface="Arial" pitchFamily="34" charset="0"/>
-                  </a:rPr>
-                  <a:t> from </a:t>
-                </a:r>
-                <a14:m>
-                  <m:oMath xmlns:m="http://schemas.openxmlformats.org/officeDocument/2006/math">
-                    <m:r>
-                      <m:rPr>
-                        <m:sty m:val="p"/>
-                      </m:rPr>
-                      <a:rPr lang="en-US" sz="1800" b="0" i="0" smtClean="0">
-                        <a:latin typeface="Cambria Math" charset="0"/>
-                        <a:cs typeface="Arial" pitchFamily="34" charset="0"/>
-                      </a:rPr>
-                      <m:t>Ω</m:t>
-                    </m:r>
-                  </m:oMath>
-                </a14:m>
-                <a:r>
-                  <a:rPr lang="en-US" sz="1800" dirty="0">
-                    <a:latin typeface="Titillium Web" panose="00000500000000000000" pitchFamily="2" charset="0"/>
-                    <a:cs typeface="Arial" pitchFamily="34" charset="0"/>
-                  </a:rPr>
-                  <a:t> at the input layer and maps them to higher dimensions through  a series of linear transformation followed by a nonlinear function at each hidden layer. At the end, the neural network outputs the value of the function </a:t>
-                </a:r>
-                <a14:m>
-                  <m:oMath xmlns:m="http://schemas.openxmlformats.org/officeDocument/2006/math">
-                    <m:r>
-                      <a:rPr lang="en-US" sz="1800" b="0" i="1" smtClean="0">
-                        <a:latin typeface="Cambria Math" charset="0"/>
-                        <a:cs typeface="Arial" pitchFamily="34" charset="0"/>
-                      </a:rPr>
-                      <m:t>𝑢</m:t>
-                    </m:r>
-                    <m:r>
-                      <a:rPr lang="en-US" sz="1800" b="0" i="1" smtClean="0">
-                        <a:latin typeface="Cambria Math" charset="0"/>
-                        <a:cs typeface="Arial" pitchFamily="34" charset="0"/>
-                      </a:rPr>
-                      <m:t>(</m:t>
-                    </m:r>
-                    <m:r>
-                      <a:rPr lang="en-US" sz="1800" b="0" i="1" smtClean="0">
-                        <a:latin typeface="Cambria Math" charset="0"/>
-                        <a:cs typeface="Arial" pitchFamily="34" charset="0"/>
-                      </a:rPr>
-                      <m:t>𝑥</m:t>
-                    </m:r>
-                    <m:r>
-                      <a:rPr lang="en-US" sz="1800" b="0" i="1" smtClean="0">
-                        <a:latin typeface="Cambria Math" charset="0"/>
-                        <a:cs typeface="Arial" pitchFamily="34" charset="0"/>
-                      </a:rPr>
-                      <m:t>,</m:t>
-                    </m:r>
-                    <m:r>
-                      <a:rPr lang="en-US" sz="1800" b="0" i="1" smtClean="0">
-                        <a:latin typeface="Cambria Math" charset="0"/>
-                        <a:cs typeface="Arial" pitchFamily="34" charset="0"/>
-                      </a:rPr>
-                      <m:t>𝑡</m:t>
-                    </m:r>
-                    <m:r>
-                      <a:rPr lang="en-US" sz="1800" b="0" i="1" smtClean="0">
-                        <a:latin typeface="Cambria Math" charset="0"/>
-                        <a:cs typeface="Arial" pitchFamily="34" charset="0"/>
-                      </a:rPr>
-                      <m:t>)</m:t>
-                    </m:r>
-                  </m:oMath>
-                </a14:m>
-                <a:r>
-                  <a:rPr lang="en-US" sz="1800" dirty="0">
-                    <a:latin typeface="Titillium Web" panose="00000500000000000000" pitchFamily="2" charset="0"/>
-                    <a:cs typeface="Arial" pitchFamily="34" charset="0"/>
-                  </a:rPr>
-                  <a:t>. Figure 1 shows a general architecture for  such a Neural network.</a:t>
-                </a:r>
-              </a:p>
-              <a:p>
-                <a:endParaRPr lang="en-US" dirty="0"/>
+                <a:endParaRPr lang="en-US" sz="2400" dirty="0"/>
               </a:p>
             </p:txBody>
           </p:sp>
@@ -6622,13 +6869,7 @@
         <mc:Fallback>
           <p:sp>
             <p:nvSpPr>
-              <p:cNvPr id="5" name="TextBox 4">
-                <a:extLst>
-                  <a:ext uri="{FF2B5EF4-FFF2-40B4-BE49-F238E27FC236}">
-                    <a16:creationId xmlns:a16="http://schemas.microsoft.com/office/drawing/2014/main" id="{27CB0AB7-9505-C54E-9AD0-92C71693A663}"/>
-                  </a:ext>
-                </a:extLst>
-              </p:cNvPr>
+              <p:cNvPr id="6" name="TextBox 5"/>
               <p:cNvSpPr txBox="1">
                 <a:spLocks noRot="1" noChangeAspect="1" noMove="1" noResize="1" noEditPoints="1" noAdjustHandles="1" noChangeArrowheads="1" noChangeShapeType="1" noTextEdit="1"/>
               </p:cNvSpPr>
@@ -6636,16 +6877,16 @@
             </p:nvSpPr>
             <p:spPr>
               <a:xfrm>
-                <a:off x="960748" y="3582186"/>
-                <a:ext cx="10144027" cy="2910689"/>
+                <a:off x="380780" y="3204024"/>
+                <a:ext cx="5804119" cy="461665"/>
               </a:xfrm>
               <a:prstGeom prst="rect">
                 <a:avLst/>
               </a:prstGeom>
-              <a:blipFill>
+              <a:blipFill rotWithShape="0">
                 <a:blip r:embed="rId3"/>
                 <a:stretch>
-                  <a:fillRect l="-541" t="-419" r="-481"/>
+                  <a:fillRect t="-105333" b="-133333"/>
                 </a:stretch>
               </a:blipFill>
             </p:spPr>
@@ -6664,6 +6905,74 @@
           </p:sp>
         </mc:Fallback>
       </mc:AlternateContent>
+      <p:pic>
+        <p:nvPicPr>
+          <p:cNvPr id="7" name="Picture 6"/>
+          <p:cNvPicPr>
+            <a:picLocks noChangeAspect="1"/>
+          </p:cNvPicPr>
+          <p:nvPr/>
+        </p:nvPicPr>
+        <p:blipFill>
+          <a:blip r:embed="rId4">
+            <a:extLst>
+              <a:ext uri="{28A0092B-C50C-407E-A947-70E740481C1C}">
+                <a14:useLocalDpi xmlns:a14="http://schemas.microsoft.com/office/drawing/2010/main" val="0"/>
+              </a:ext>
+            </a:extLst>
+          </a:blip>
+          <a:stretch>
+            <a:fillRect/>
+          </a:stretch>
+        </p:blipFill>
+        <p:spPr>
+          <a:xfrm>
+            <a:off x="5583548" y="2907109"/>
+            <a:ext cx="6535829" cy="3950891"/>
+          </a:xfrm>
+          <a:prstGeom prst="rect">
+            <a:avLst/>
+          </a:prstGeom>
+        </p:spPr>
+      </p:pic>
+      <p:sp>
+        <p:nvSpPr>
+          <p:cNvPr id="8" name="TextBox 7"/>
+          <p:cNvSpPr txBox="1"/>
+          <p:nvPr/>
+        </p:nvSpPr>
+        <p:spPr>
+          <a:xfrm>
+            <a:off x="558800" y="4131733"/>
+            <a:ext cx="4097867" cy="1938992"/>
+          </a:xfrm>
+          <a:prstGeom prst="rect">
+            <a:avLst/>
+          </a:prstGeom>
+          <a:noFill/>
+        </p:spPr>
+        <p:txBody>
+          <a:bodyPr wrap="square" rtlCol="0">
+            <a:spAutoFit/>
+          </a:bodyPr>
+          <a:lstStyle/>
+          <a:p>
+            <a:r>
+              <a:rPr lang="en-US" sz="2400" dirty="0" smtClean="0">
+                <a:solidFill>
+                  <a:srgbClr val="FF0000"/>
+                </a:solidFill>
+              </a:rPr>
+              <a:t>Note: PINNs use the algorithm of Automatic Differentiation (AD) to compute the derivative of the output with respect to the inputs.[3]</a:t>
+            </a:r>
+            <a:endParaRPr lang="en-US" sz="2400" dirty="0">
+              <a:solidFill>
+                <a:srgbClr val="FF0000"/>
+              </a:solidFill>
+            </a:endParaRPr>
+          </a:p>
+        </p:txBody>
+      </p:sp>
     </p:spTree>
     <p:extLst>
       <p:ext uri="{BB962C8B-B14F-4D97-AF65-F5344CB8AC3E}">
@@ -6674,6 +6983,13 @@
   <p:clrMapOvr>
     <a:masterClrMapping/>
   </p:clrMapOvr>
+  <p:timing>
+    <p:tnLst>
+      <p:par>
+        <p:cTn id="1" dur="indefinite" restart="never" nodeType="tmRoot"/>
+      </p:par>
+    </p:tnLst>
+  </p:timing>
 </p:sld>
 </file>
 
@@ -6699,7 +7015,7 @@
           <p:cNvPr id="2" name="Title 1">
             <a:extLst>
               <a:ext uri="{FF2B5EF4-FFF2-40B4-BE49-F238E27FC236}">
-                <a16:creationId xmlns:a16="http://schemas.microsoft.com/office/drawing/2014/main" id="{0BCDB8F6-270A-390F-0AFF-60462FE98C7D}"/>
+                <a16:creationId xmlns:a16="http://schemas.microsoft.com/office/drawing/2014/main" xmlns="" id="{80487D18-0C2D-139A-CE9A-5846B55FC3E7}"/>
               </a:ext>
             </a:extLst>
           </p:cNvPr>
@@ -6710,770 +7026,12 @@
             <p:ph type="title"/>
           </p:nvPr>
         </p:nvSpPr>
-        <p:spPr/>
-        <p:txBody>
-          <a:bodyPr/>
-          <a:lstStyle/>
-          <a:p>
-            <a:r>
-              <a:rPr lang="en-US" dirty="0"/>
-              <a:t>Architecture</a:t>
-            </a:r>
-          </a:p>
-        </p:txBody>
-      </p:sp>
-      <p:sp>
-        <p:nvSpPr>
-          <p:cNvPr id="3" name="Content Placeholder 2">
-            <a:extLst>
-              <a:ext uri="{FF2B5EF4-FFF2-40B4-BE49-F238E27FC236}">
-                <a16:creationId xmlns:a16="http://schemas.microsoft.com/office/drawing/2014/main" id="{E6B0AECF-A361-060B-DDC0-52A720D32B0D}"/>
-              </a:ext>
-            </a:extLst>
-          </p:cNvPr>
-          <p:cNvSpPr>
-            <a:spLocks noGrp="1"/>
-          </p:cNvSpPr>
-          <p:nvPr>
-            <p:ph sz="half" idx="1"/>
-          </p:nvPr>
-        </p:nvSpPr>
         <p:spPr>
           <a:xfrm>
-            <a:off x="838200" y="1825625"/>
-            <a:ext cx="5181600" cy="2143260"/>
+            <a:off x="685800" y="0"/>
+            <a:ext cx="10515600" cy="1325563"/>
           </a:xfrm>
         </p:spPr>
-        <p:txBody>
-          <a:bodyPr/>
-          <a:lstStyle/>
-          <a:p>
-            <a:pPr marL="0" indent="0">
-              <a:buNone/>
-            </a:pPr>
-            <a:r>
-              <a:rPr lang="en-US" dirty="0">
-                <a:latin typeface="Titillium Web" panose="00000500000000000000" pitchFamily="2" charset="0"/>
-              </a:rPr>
-              <a:t>The parameters of PINN are updated by minimizing a loss function that incorporates the differential equation and its boundary and initial conditions </a:t>
-            </a:r>
-          </a:p>
-          <a:p>
-            <a:endParaRPr lang="en-US" dirty="0">
-              <a:latin typeface="Titillium Web" panose="00000500000000000000" pitchFamily="2" charset="0"/>
-            </a:endParaRPr>
-          </a:p>
-        </p:txBody>
-      </p:sp>
-      <p:pic>
-        <p:nvPicPr>
-          <p:cNvPr id="11" name="Content Placeholder 10" descr="A computer screen shot of a network&#10;&#10;Description automatically generated">
-            <a:extLst>
-              <a:ext uri="{FF2B5EF4-FFF2-40B4-BE49-F238E27FC236}">
-                <a16:creationId xmlns:a16="http://schemas.microsoft.com/office/drawing/2014/main" id="{A6248F4D-1F8C-ED7F-7E4D-A87FD25B90CC}"/>
-              </a:ext>
-            </a:extLst>
-          </p:cNvPr>
-          <p:cNvPicPr>
-            <a:picLocks noGrp="1" noChangeAspect="1"/>
-          </p:cNvPicPr>
-          <p:nvPr>
-            <p:ph sz="half" idx="2"/>
-          </p:nvPr>
-        </p:nvPicPr>
-        <p:blipFill>
-          <a:blip r:embed="rId2"/>
-          <a:stretch>
-            <a:fillRect/>
-          </a:stretch>
-        </p:blipFill>
-        <p:spPr>
-          <a:xfrm>
-            <a:off x="6172199" y="2036190"/>
-            <a:ext cx="5649977" cy="3676453"/>
-          </a:xfrm>
-          <a:prstGeom prst="rect">
-            <a:avLst/>
-          </a:prstGeom>
-        </p:spPr>
-      </p:pic>
-      <p:pic>
-        <p:nvPicPr>
-          <p:cNvPr id="13" name="Picture 12">
-            <a:extLst>
-              <a:ext uri="{FF2B5EF4-FFF2-40B4-BE49-F238E27FC236}">
-                <a16:creationId xmlns:a16="http://schemas.microsoft.com/office/drawing/2014/main" id="{A0372D5A-04FF-381D-D5DA-4A305B65B84A}"/>
-              </a:ext>
-            </a:extLst>
-          </p:cNvPr>
-          <p:cNvPicPr>
-            <a:picLocks noChangeAspect="1"/>
-          </p:cNvPicPr>
-          <p:nvPr/>
-        </p:nvPicPr>
-        <p:blipFill>
-          <a:blip r:embed="rId3"/>
-          <a:stretch>
-            <a:fillRect/>
-          </a:stretch>
-        </p:blipFill>
-        <p:spPr>
-          <a:xfrm>
-            <a:off x="612843" y="4119974"/>
-            <a:ext cx="6196519" cy="365453"/>
-          </a:xfrm>
-          <a:prstGeom prst="rect">
-            <a:avLst/>
-          </a:prstGeom>
-        </p:spPr>
-      </p:pic>
-      <mc:AlternateContent xmlns:mc="http://schemas.openxmlformats.org/markup-compatibility/2006">
-        <mc:Choice xmlns:a14="http://schemas.microsoft.com/office/drawing/2010/main" Requires="a14">
-          <p:sp>
-            <p:nvSpPr>
-              <p:cNvPr id="14" name="Content Placeholder 2">
-                <a:extLst>
-                  <a:ext uri="{FF2B5EF4-FFF2-40B4-BE49-F238E27FC236}">
-                    <a16:creationId xmlns:a16="http://schemas.microsoft.com/office/drawing/2014/main" id="{CEFDAACC-4053-C36A-C2B8-09C833C620F9}"/>
-                  </a:ext>
-                </a:extLst>
-              </p:cNvPr>
-              <p:cNvSpPr txBox="1">
-                <a:spLocks/>
-              </p:cNvSpPr>
-              <p:nvPr/>
-            </p:nvSpPr>
-            <p:spPr>
-              <a:xfrm>
-                <a:off x="838200" y="4641690"/>
-                <a:ext cx="5181600" cy="2143260"/>
-              </a:xfrm>
-              <a:prstGeom prst="rect">
-                <a:avLst/>
-              </a:prstGeom>
-            </p:spPr>
-            <p:txBody>
-              <a:bodyPr vert="horz" lIns="91440" tIns="45720" rIns="91440" bIns="45720" rtlCol="0">
-                <a:normAutofit fontScale="85000" lnSpcReduction="20000"/>
-              </a:bodyPr>
-              <a:lstStyle>
-                <a:lvl1pPr marL="228600" indent="-228600" algn="l" defTabSz="914400" rtl="0" eaLnBrk="1" latinLnBrk="0" hangingPunct="1">
-                  <a:lnSpc>
-                    <a:spcPct val="90000"/>
-                  </a:lnSpc>
-                  <a:spcBef>
-                    <a:spcPts val="1000"/>
-                  </a:spcBef>
-                  <a:buFont typeface="Arial" panose="020B0604020202020204" pitchFamily="34" charset="0"/>
-                  <a:buChar char="•"/>
-                  <a:defRPr sz="2800" kern="1200">
-                    <a:solidFill>
-                      <a:schemeClr val="tx1"/>
-                    </a:solidFill>
-                    <a:latin typeface="+mn-lt"/>
-                    <a:ea typeface="+mn-ea"/>
-                    <a:cs typeface="+mn-cs"/>
-                  </a:defRPr>
-                </a:lvl1pPr>
-                <a:lvl2pPr marL="685800" indent="-228600" algn="l" defTabSz="914400" rtl="0" eaLnBrk="1" latinLnBrk="0" hangingPunct="1">
-                  <a:lnSpc>
-                    <a:spcPct val="90000"/>
-                  </a:lnSpc>
-                  <a:spcBef>
-                    <a:spcPts val="500"/>
-                  </a:spcBef>
-                  <a:buFont typeface="Arial" panose="020B0604020202020204" pitchFamily="34" charset="0"/>
-                  <a:buChar char="•"/>
-                  <a:defRPr sz="2400" kern="1200">
-                    <a:solidFill>
-                      <a:schemeClr val="tx1"/>
-                    </a:solidFill>
-                    <a:latin typeface="+mn-lt"/>
-                    <a:ea typeface="+mn-ea"/>
-                    <a:cs typeface="+mn-cs"/>
-                  </a:defRPr>
-                </a:lvl2pPr>
-                <a:lvl3pPr marL="1143000" indent="-228600" algn="l" defTabSz="914400" rtl="0" eaLnBrk="1" latinLnBrk="0" hangingPunct="1">
-                  <a:lnSpc>
-                    <a:spcPct val="90000"/>
-                  </a:lnSpc>
-                  <a:spcBef>
-                    <a:spcPts val="500"/>
-                  </a:spcBef>
-                  <a:buFont typeface="Arial" panose="020B0604020202020204" pitchFamily="34" charset="0"/>
-                  <a:buChar char="•"/>
-                  <a:defRPr sz="2000" kern="1200">
-                    <a:solidFill>
-                      <a:schemeClr val="tx1"/>
-                    </a:solidFill>
-                    <a:latin typeface="+mn-lt"/>
-                    <a:ea typeface="+mn-ea"/>
-                    <a:cs typeface="+mn-cs"/>
-                  </a:defRPr>
-                </a:lvl3pPr>
-                <a:lvl4pPr marL="1600200" indent="-228600" algn="l" defTabSz="914400" rtl="0" eaLnBrk="1" latinLnBrk="0" hangingPunct="1">
-                  <a:lnSpc>
-                    <a:spcPct val="90000"/>
-                  </a:lnSpc>
-                  <a:spcBef>
-                    <a:spcPts val="500"/>
-                  </a:spcBef>
-                  <a:buFont typeface="Arial" panose="020B0604020202020204" pitchFamily="34" charset="0"/>
-                  <a:buChar char="•"/>
-                  <a:defRPr sz="1800" kern="1200">
-                    <a:solidFill>
-                      <a:schemeClr val="tx1"/>
-                    </a:solidFill>
-                    <a:latin typeface="+mn-lt"/>
-                    <a:ea typeface="+mn-ea"/>
-                    <a:cs typeface="+mn-cs"/>
-                  </a:defRPr>
-                </a:lvl4pPr>
-                <a:lvl5pPr marL="2057400" indent="-228600" algn="l" defTabSz="914400" rtl="0" eaLnBrk="1" latinLnBrk="0" hangingPunct="1">
-                  <a:lnSpc>
-                    <a:spcPct val="90000"/>
-                  </a:lnSpc>
-                  <a:spcBef>
-                    <a:spcPts val="500"/>
-                  </a:spcBef>
-                  <a:buFont typeface="Arial" panose="020B0604020202020204" pitchFamily="34" charset="0"/>
-                  <a:buChar char="•"/>
-                  <a:defRPr sz="1800" kern="1200">
-                    <a:solidFill>
-                      <a:schemeClr val="tx1"/>
-                    </a:solidFill>
-                    <a:latin typeface="+mn-lt"/>
-                    <a:ea typeface="+mn-ea"/>
-                    <a:cs typeface="+mn-cs"/>
-                  </a:defRPr>
-                </a:lvl5pPr>
-                <a:lvl6pPr marL="2514600" indent="-228600" algn="l" defTabSz="914400" rtl="0" eaLnBrk="1" latinLnBrk="0" hangingPunct="1">
-                  <a:lnSpc>
-                    <a:spcPct val="90000"/>
-                  </a:lnSpc>
-                  <a:spcBef>
-                    <a:spcPts val="500"/>
-                  </a:spcBef>
-                  <a:buFont typeface="Arial" panose="020B0604020202020204" pitchFamily="34" charset="0"/>
-                  <a:buChar char="•"/>
-                  <a:defRPr sz="1800" kern="1200">
-                    <a:solidFill>
-                      <a:schemeClr val="tx1"/>
-                    </a:solidFill>
-                    <a:latin typeface="+mn-lt"/>
-                    <a:ea typeface="+mn-ea"/>
-                    <a:cs typeface="+mn-cs"/>
-                  </a:defRPr>
-                </a:lvl6pPr>
-                <a:lvl7pPr marL="2971800" indent="-228600" algn="l" defTabSz="914400" rtl="0" eaLnBrk="1" latinLnBrk="0" hangingPunct="1">
-                  <a:lnSpc>
-                    <a:spcPct val="90000"/>
-                  </a:lnSpc>
-                  <a:spcBef>
-                    <a:spcPts val="500"/>
-                  </a:spcBef>
-                  <a:buFont typeface="Arial" panose="020B0604020202020204" pitchFamily="34" charset="0"/>
-                  <a:buChar char="•"/>
-                  <a:defRPr sz="1800" kern="1200">
-                    <a:solidFill>
-                      <a:schemeClr val="tx1"/>
-                    </a:solidFill>
-                    <a:latin typeface="+mn-lt"/>
-                    <a:ea typeface="+mn-ea"/>
-                    <a:cs typeface="+mn-cs"/>
-                  </a:defRPr>
-                </a:lvl7pPr>
-                <a:lvl8pPr marL="3429000" indent="-228600" algn="l" defTabSz="914400" rtl="0" eaLnBrk="1" latinLnBrk="0" hangingPunct="1">
-                  <a:lnSpc>
-                    <a:spcPct val="90000"/>
-                  </a:lnSpc>
-                  <a:spcBef>
-                    <a:spcPts val="500"/>
-                  </a:spcBef>
-                  <a:buFont typeface="Arial" panose="020B0604020202020204" pitchFamily="34" charset="0"/>
-                  <a:buChar char="•"/>
-                  <a:defRPr sz="1800" kern="1200">
-                    <a:solidFill>
-                      <a:schemeClr val="tx1"/>
-                    </a:solidFill>
-                    <a:latin typeface="+mn-lt"/>
-                    <a:ea typeface="+mn-ea"/>
-                    <a:cs typeface="+mn-cs"/>
-                  </a:defRPr>
-                </a:lvl8pPr>
-                <a:lvl9pPr marL="3886200" indent="-228600" algn="l" defTabSz="914400" rtl="0" eaLnBrk="1" latinLnBrk="0" hangingPunct="1">
-                  <a:lnSpc>
-                    <a:spcPct val="90000"/>
-                  </a:lnSpc>
-                  <a:spcBef>
-                    <a:spcPts val="500"/>
-                  </a:spcBef>
-                  <a:buFont typeface="Arial" panose="020B0604020202020204" pitchFamily="34" charset="0"/>
-                  <a:buChar char="•"/>
-                  <a:defRPr sz="1800" kern="1200">
-                    <a:solidFill>
-                      <a:schemeClr val="tx1"/>
-                    </a:solidFill>
-                    <a:latin typeface="+mn-lt"/>
-                    <a:ea typeface="+mn-ea"/>
-                    <a:cs typeface="+mn-cs"/>
-                  </a:defRPr>
-                </a:lvl9pPr>
-              </a:lstStyle>
-              <a:p>
-                <a:pPr marL="0" indent="0" algn="just">
-                  <a:lnSpc>
-                    <a:spcPct val="110000"/>
-                  </a:lnSpc>
-                  <a:buNone/>
-                </a:pPr>
-                <a:r>
-                  <a:rPr lang="en-US" sz="2800" dirty="0">
-                    <a:latin typeface="Titillium Web" panose="00000500000000000000" pitchFamily="2" charset="0"/>
-                    <a:cs typeface="Arial" pitchFamily="34" charset="0"/>
-                  </a:rPr>
-                  <a:t>Where </a:t>
-                </a:r>
-                <a14:m>
-                  <m:oMath xmlns:m="http://schemas.openxmlformats.org/officeDocument/2006/math">
-                    <m:sSub>
-                      <m:sSubPr>
-                        <m:ctrlPr>
-                          <a:rPr lang="en-US" sz="2800" i="1">
-                            <a:latin typeface="Cambria Math" panose="02040503050406030204" pitchFamily="18" charset="0"/>
-                            <a:ea typeface="Cambria Math" charset="0"/>
-                            <a:cs typeface="Cambria Math" charset="0"/>
-                          </a:rPr>
-                        </m:ctrlPr>
-                      </m:sSubPr>
-                      <m:e>
-                        <m:r>
-                          <a:rPr lang="en-US" sz="2800" i="1">
-                            <a:latin typeface="Cambria Math" charset="0"/>
-                            <a:ea typeface="Cambria Math" charset="0"/>
-                            <a:cs typeface="Cambria Math" charset="0"/>
-                          </a:rPr>
-                          <m:t>ℒ</m:t>
-                        </m:r>
-                      </m:e>
-                      <m:sub>
-                        <m:r>
-                          <a:rPr lang="en-US" sz="2800" i="1">
-                            <a:latin typeface="Cambria Math" charset="0"/>
-                            <a:ea typeface="Cambria Math" charset="0"/>
-                            <a:cs typeface="Cambria Math" charset="0"/>
-                          </a:rPr>
-                          <m:t>ℱ</m:t>
-                        </m:r>
-                      </m:sub>
-                    </m:sSub>
-                  </m:oMath>
-                </a14:m>
-                <a:r>
-                  <a:rPr lang="en-US" sz="2800" dirty="0">
-                    <a:latin typeface="Titillium Web" panose="00000500000000000000" pitchFamily="2" charset="0"/>
-                    <a:cs typeface="Arial" pitchFamily="34" charset="0"/>
-                  </a:rPr>
-                  <a:t>, </a:t>
-                </a:r>
-                <a14:m>
-                  <m:oMath xmlns:m="http://schemas.openxmlformats.org/officeDocument/2006/math">
-                    <m:r>
-                      <a:rPr lang="en-US" sz="2800" b="0" i="0" smtClean="0">
-                        <a:latin typeface="Cambria Math" charset="0"/>
-                        <a:ea typeface="Cambria Math" charset="0"/>
-                        <a:cs typeface="Cambria Math" charset="0"/>
-                      </a:rPr>
-                      <m:t> </m:t>
-                    </m:r>
-                    <m:sSub>
-                      <m:sSubPr>
-                        <m:ctrlPr>
-                          <a:rPr lang="en-US" sz="2800" i="1">
-                            <a:latin typeface="Cambria Math" panose="02040503050406030204" pitchFamily="18" charset="0"/>
-                            <a:ea typeface="Cambria Math" charset="0"/>
-                            <a:cs typeface="Cambria Math" charset="0"/>
-                          </a:rPr>
-                        </m:ctrlPr>
-                      </m:sSubPr>
-                      <m:e>
-                        <m:r>
-                          <a:rPr lang="en-US" sz="2800" i="1">
-                            <a:latin typeface="Cambria Math" charset="0"/>
-                            <a:ea typeface="Cambria Math" charset="0"/>
-                            <a:cs typeface="Cambria Math" charset="0"/>
-                          </a:rPr>
-                          <m:t>ℒ</m:t>
-                        </m:r>
-                      </m:e>
-                      <m:sub>
-                        <m:r>
-                          <a:rPr lang="en-US" sz="2800" i="1">
-                            <a:latin typeface="Cambria Math" charset="0"/>
-                            <a:ea typeface="Cambria Math" charset="0"/>
-                            <a:cs typeface="Cambria Math" charset="0"/>
-                          </a:rPr>
-                          <m:t>ℬ</m:t>
-                        </m:r>
-                      </m:sub>
-                    </m:sSub>
-                    <m:r>
-                      <a:rPr lang="en-US" sz="2800" b="0" i="0" smtClean="0">
-                        <a:latin typeface="Cambria Math" charset="0"/>
-                        <a:ea typeface="Cambria Math" charset="0"/>
-                        <a:cs typeface="Cambria Math" charset="0"/>
-                      </a:rPr>
-                      <m:t>, </m:t>
-                    </m:r>
-                    <m:r>
-                      <a:rPr lang="en-US" sz="2800" b="0" i="1" smtClean="0">
-                        <a:latin typeface="Cambria Math" charset="0"/>
-                        <a:ea typeface="Cambria Math" charset="0"/>
-                        <a:cs typeface="Cambria Math" charset="0"/>
-                      </a:rPr>
-                      <m:t> </m:t>
-                    </m:r>
-                    <m:sSub>
-                      <m:sSubPr>
-                        <m:ctrlPr>
-                          <a:rPr lang="en-US" sz="2800" i="1">
-                            <a:latin typeface="Cambria Math" panose="02040503050406030204" pitchFamily="18" charset="0"/>
-                            <a:ea typeface="Cambria Math" charset="0"/>
-                            <a:cs typeface="Cambria Math" charset="0"/>
-                          </a:rPr>
-                        </m:ctrlPr>
-                      </m:sSubPr>
-                      <m:e>
-                        <m:r>
-                          <a:rPr lang="en-US" sz="2800" i="1">
-                            <a:latin typeface="Cambria Math" charset="0"/>
-                            <a:ea typeface="Cambria Math" charset="0"/>
-                            <a:cs typeface="Cambria Math" charset="0"/>
-                          </a:rPr>
-                          <m:t>ℒ</m:t>
-                        </m:r>
-                      </m:e>
-                      <m:sub>
-                        <m:r>
-                          <a:rPr lang="en-US" sz="2800" i="1">
-                            <a:latin typeface="Cambria Math" charset="0"/>
-                            <a:ea typeface="Cambria Math" charset="0"/>
-                            <a:cs typeface="Cambria Math" charset="0"/>
-                          </a:rPr>
-                          <m:t>ℐ</m:t>
-                        </m:r>
-                      </m:sub>
-                    </m:sSub>
-                  </m:oMath>
-                </a14:m>
-                <a:r>
-                  <a:rPr lang="en-US" sz="2800" dirty="0">
-                    <a:latin typeface="Titillium Web" panose="00000500000000000000" pitchFamily="2" charset="0"/>
-                    <a:cs typeface="Arial" pitchFamily="34" charset="0"/>
-                  </a:rPr>
-                  <a:t>, and  </a:t>
-                </a:r>
-                <a14:m>
-                  <m:oMath xmlns:m="http://schemas.openxmlformats.org/officeDocument/2006/math">
-                    <m:sSub>
-                      <m:sSubPr>
-                        <m:ctrlPr>
-                          <a:rPr lang="en-US" sz="2800" i="1">
-                            <a:latin typeface="Cambria Math" panose="02040503050406030204" pitchFamily="18" charset="0"/>
-                            <a:ea typeface="Cambria Math" charset="0"/>
-                            <a:cs typeface="Cambria Math" charset="0"/>
-                          </a:rPr>
-                        </m:ctrlPr>
-                      </m:sSubPr>
-                      <m:e>
-                        <m:r>
-                          <a:rPr lang="en-US" sz="2800" i="1">
-                            <a:latin typeface="Cambria Math" charset="0"/>
-                            <a:ea typeface="Cambria Math" charset="0"/>
-                            <a:cs typeface="Cambria Math" charset="0"/>
-                          </a:rPr>
-                          <m:t>ℒ</m:t>
-                        </m:r>
-                      </m:e>
-                      <m:sub>
-                        <m:r>
-                          <a:rPr lang="en-US" sz="2800" i="1">
-                            <a:latin typeface="Cambria Math" charset="0"/>
-                            <a:ea typeface="Cambria Math" charset="0"/>
-                            <a:cs typeface="Cambria Math" charset="0"/>
-                          </a:rPr>
-                          <m:t>𝒟</m:t>
-                        </m:r>
-                      </m:sub>
-                    </m:sSub>
-                  </m:oMath>
-                </a14:m>
-                <a:r>
-                  <a:rPr lang="en-US" sz="2800" dirty="0">
-                    <a:latin typeface="Titillium Web" panose="00000500000000000000" pitchFamily="2" charset="0"/>
-                    <a:cs typeface="Arial" pitchFamily="34" charset="0"/>
-                  </a:rPr>
-                  <a:t> are the differential equation loss, boundary conditions loss, initial conditions loss, and labeled data loss, respectively. </a:t>
-                </a:r>
-                <a14:m>
-                  <m:oMath xmlns:m="http://schemas.openxmlformats.org/officeDocument/2006/math">
-                    <m:sSub>
-                      <m:sSubPr>
-                        <m:ctrlPr>
-                          <a:rPr lang="en-US" sz="2800" b="0" i="1" smtClean="0">
-                            <a:latin typeface="Cambria Math" panose="02040503050406030204" pitchFamily="18" charset="0"/>
-                            <a:cs typeface="Arial" pitchFamily="34" charset="0"/>
-                          </a:rPr>
-                        </m:ctrlPr>
-                      </m:sSubPr>
-                      <m:e>
-                        <m:r>
-                          <a:rPr lang="en-US" sz="2800" b="0" i="1" smtClean="0">
-                            <a:latin typeface="Cambria Math" charset="0"/>
-                            <a:cs typeface="Arial" pitchFamily="34" charset="0"/>
-                          </a:rPr>
-                          <m:t>𝑤</m:t>
-                        </m:r>
-                      </m:e>
-                      <m:sub>
-                        <m:r>
-                          <a:rPr lang="en-US" sz="2800" b="0" i="1" smtClean="0">
-                            <a:latin typeface="Cambria Math" charset="0"/>
-                            <a:ea typeface="Cambria Math" charset="0"/>
-                            <a:cs typeface="Cambria Math" charset="0"/>
-                          </a:rPr>
-                          <m:t>ℱ</m:t>
-                        </m:r>
-                      </m:sub>
-                    </m:sSub>
-                  </m:oMath>
-                </a14:m>
-                <a:r>
-                  <a:rPr lang="en-US" sz="2800" dirty="0">
-                    <a:latin typeface="Titillium Web" panose="00000500000000000000" pitchFamily="2" charset="0"/>
-                    <a:cs typeface="Arial" pitchFamily="34" charset="0"/>
-                  </a:rPr>
-                  <a:t>, </a:t>
-                </a:r>
-                <a14:m>
-                  <m:oMath xmlns:m="http://schemas.openxmlformats.org/officeDocument/2006/math">
-                    <m:sSub>
-                      <m:sSubPr>
-                        <m:ctrlPr>
-                          <a:rPr lang="en-US" sz="2800" b="0" i="1" dirty="0" smtClean="0">
-                            <a:latin typeface="Cambria Math" panose="02040503050406030204" pitchFamily="18" charset="0"/>
-                            <a:cs typeface="Arial" pitchFamily="34" charset="0"/>
-                          </a:rPr>
-                        </m:ctrlPr>
-                      </m:sSubPr>
-                      <m:e>
-                        <m:r>
-                          <a:rPr lang="en-US" sz="2800" b="0" i="1" dirty="0" smtClean="0">
-                            <a:latin typeface="Cambria Math" charset="0"/>
-                            <a:cs typeface="Arial" pitchFamily="34" charset="0"/>
-                          </a:rPr>
-                          <m:t>𝑤</m:t>
-                        </m:r>
-                      </m:e>
-                      <m:sub>
-                        <m:r>
-                          <a:rPr lang="en-US" sz="2800" b="0" i="1" dirty="0" smtClean="0">
-                            <a:latin typeface="Cambria Math" charset="0"/>
-                            <a:cs typeface="Arial" pitchFamily="34" charset="0"/>
-                          </a:rPr>
-                          <m:t>ℬ</m:t>
-                        </m:r>
-                      </m:sub>
-                    </m:sSub>
-                  </m:oMath>
-                </a14:m>
-                <a:r>
-                  <a:rPr lang="en-US" sz="2800" dirty="0">
-                    <a:latin typeface="Titillium Web" panose="00000500000000000000" pitchFamily="2" charset="0"/>
-                    <a:cs typeface="Arial" pitchFamily="34" charset="0"/>
-                  </a:rPr>
-                  <a:t>, </a:t>
-                </a:r>
-                <a14:m>
-                  <m:oMath xmlns:m="http://schemas.openxmlformats.org/officeDocument/2006/math">
-                    <m:sSub>
-                      <m:sSubPr>
-                        <m:ctrlPr>
-                          <a:rPr lang="en-US" sz="2800" b="0" i="1" dirty="0" smtClean="0">
-                            <a:latin typeface="Cambria Math" panose="02040503050406030204" pitchFamily="18" charset="0"/>
-                            <a:cs typeface="Arial" pitchFamily="34" charset="0"/>
-                          </a:rPr>
-                        </m:ctrlPr>
-                      </m:sSubPr>
-                      <m:e>
-                        <m:r>
-                          <a:rPr lang="en-US" sz="2800" b="0" i="1" dirty="0" smtClean="0">
-                            <a:latin typeface="Cambria Math" charset="0"/>
-                            <a:cs typeface="Arial" pitchFamily="34" charset="0"/>
-                          </a:rPr>
-                          <m:t>𝑤</m:t>
-                        </m:r>
-                      </m:e>
-                      <m:sub>
-                        <m:r>
-                          <a:rPr lang="en-US" sz="2800" b="0" i="1" dirty="0" smtClean="0">
-                            <a:latin typeface="Cambria Math" charset="0"/>
-                            <a:cs typeface="Arial" pitchFamily="34" charset="0"/>
-                          </a:rPr>
-                          <m:t>ℐ</m:t>
-                        </m:r>
-                      </m:sub>
-                    </m:sSub>
-                  </m:oMath>
-                </a14:m>
-                <a:r>
-                  <a:rPr lang="en-US" sz="2800" dirty="0">
-                    <a:latin typeface="Titillium Web" panose="00000500000000000000" pitchFamily="2" charset="0"/>
-                    <a:cs typeface="Arial" pitchFamily="34" charset="0"/>
-                  </a:rPr>
-                  <a:t>, and </a:t>
-                </a:r>
-                <a14:m>
-                  <m:oMath xmlns:m="http://schemas.openxmlformats.org/officeDocument/2006/math">
-                    <m:sSub>
-                      <m:sSubPr>
-                        <m:ctrlPr>
-                          <a:rPr lang="en-US" sz="2800" b="0" i="1" smtClean="0">
-                            <a:latin typeface="Cambria Math" panose="02040503050406030204" pitchFamily="18" charset="0"/>
-                            <a:cs typeface="Arial" pitchFamily="34" charset="0"/>
-                          </a:rPr>
-                        </m:ctrlPr>
-                      </m:sSubPr>
-                      <m:e>
-                        <m:r>
-                          <a:rPr lang="en-US" sz="2800" b="0" i="1" smtClean="0">
-                            <a:latin typeface="Cambria Math" charset="0"/>
-                            <a:cs typeface="Arial" pitchFamily="34" charset="0"/>
-                          </a:rPr>
-                          <m:t>𝑤</m:t>
-                        </m:r>
-                      </m:e>
-                      <m:sub>
-                        <m:r>
-                          <a:rPr lang="en-US" sz="2800" b="0" i="1" smtClean="0">
-                            <a:latin typeface="Cambria Math" charset="0"/>
-                            <a:cs typeface="Arial" pitchFamily="34" charset="0"/>
-                          </a:rPr>
-                          <m:t>𝒟</m:t>
-                        </m:r>
-                      </m:sub>
-                    </m:sSub>
-                  </m:oMath>
-                </a14:m>
-                <a:r>
-                  <a:rPr lang="en-US" sz="2800" dirty="0">
-                    <a:latin typeface="Titillium Web" panose="00000500000000000000" pitchFamily="2" charset="0"/>
-                    <a:cs typeface="Arial" pitchFamily="34" charset="0"/>
-                  </a:rPr>
-                  <a:t> are their corresponding weights, respectively.</a:t>
-                </a:r>
-              </a:p>
-              <a:p>
-                <a:pPr marL="0" indent="0">
-                  <a:buNone/>
-                </a:pPr>
-                <a:endParaRPr lang="en-US" dirty="0"/>
-              </a:p>
-            </p:txBody>
-          </p:sp>
-        </mc:Choice>
-        <mc:Fallback>
-          <p:sp>
-            <p:nvSpPr>
-              <p:cNvPr id="14" name="Content Placeholder 2">
-                <a:extLst>
-                  <a:ext uri="{FF2B5EF4-FFF2-40B4-BE49-F238E27FC236}">
-                    <a16:creationId xmlns:a16="http://schemas.microsoft.com/office/drawing/2014/main" id="{CEFDAACC-4053-C36A-C2B8-09C833C620F9}"/>
-                  </a:ext>
-                </a:extLst>
-              </p:cNvPr>
-              <p:cNvSpPr txBox="1">
-                <a:spLocks noRot="1" noChangeAspect="1" noMove="1" noResize="1" noEditPoints="1" noAdjustHandles="1" noChangeArrowheads="1" noChangeShapeType="1" noTextEdit="1"/>
-              </p:cNvSpPr>
-              <p:nvPr/>
-            </p:nvSpPr>
-            <p:spPr>
-              <a:xfrm>
-                <a:off x="838200" y="4641690"/>
-                <a:ext cx="5181600" cy="2143260"/>
-              </a:xfrm>
-              <a:prstGeom prst="rect">
-                <a:avLst/>
-              </a:prstGeom>
-              <a:blipFill>
-                <a:blip r:embed="rId4"/>
-                <a:stretch>
-                  <a:fillRect l="-1882" t="-3409" r="-1765" b="-3125"/>
-                </a:stretch>
-              </a:blipFill>
-            </p:spPr>
-            <p:txBody>
-              <a:bodyPr/>
-              <a:lstStyle/>
-              <a:p>
-                <a:r>
-                  <a:rPr lang="en-US">
-                    <a:noFill/>
-                  </a:rPr>
-                  <a:t> </a:t>
-                </a:r>
-              </a:p>
-            </p:txBody>
-          </p:sp>
-        </mc:Fallback>
-      </mc:AlternateContent>
-    </p:spTree>
-    <p:extLst>
-      <p:ext uri="{BB962C8B-B14F-4D97-AF65-F5344CB8AC3E}">
-        <p14:creationId xmlns:p14="http://schemas.microsoft.com/office/powerpoint/2010/main" val="2144505151"/>
-      </p:ext>
-    </p:extLst>
-  </p:cSld>
-  <p:clrMapOvr>
-    <a:masterClrMapping/>
-  </p:clrMapOvr>
-</p:sld>
-</file>
-
-<file path=ppt/slides/slide7.xml><?xml version="1.0" encoding="utf-8"?>
-<p:sld xmlns:a="http://schemas.openxmlformats.org/drawingml/2006/main" xmlns:r="http://schemas.openxmlformats.org/officeDocument/2006/relationships" xmlns:p="http://schemas.openxmlformats.org/presentationml/2006/main">
-  <p:cSld>
-    <p:spTree>
-      <p:nvGrpSpPr>
-        <p:cNvPr id="1" name=""/>
-        <p:cNvGrpSpPr/>
-        <p:nvPr/>
-      </p:nvGrpSpPr>
-      <p:grpSpPr>
-        <a:xfrm>
-          <a:off x="0" y="0"/>
-          <a:ext cx="0" cy="0"/>
-          <a:chOff x="0" y="0"/>
-          <a:chExt cx="0" cy="0"/>
-        </a:xfrm>
-      </p:grpSpPr>
-      <p:sp>
-        <p:nvSpPr>
-          <p:cNvPr id="2" name="Title 1">
-            <a:extLst>
-              <a:ext uri="{FF2B5EF4-FFF2-40B4-BE49-F238E27FC236}">
-                <a16:creationId xmlns:a16="http://schemas.microsoft.com/office/drawing/2014/main" id="{80487D18-0C2D-139A-CE9A-5846B55FC3E7}"/>
-              </a:ext>
-            </a:extLst>
-          </p:cNvPr>
-          <p:cNvSpPr>
-            <a:spLocks noGrp="1"/>
-          </p:cNvSpPr>
-          <p:nvPr>
-            <p:ph type="title"/>
-          </p:nvPr>
-        </p:nvSpPr>
-        <p:spPr/>
         <p:txBody>
           <a:bodyPr/>
           <a:lstStyle/>
@@ -7492,7 +7050,7 @@
               <p:cNvPr id="3" name="Content Placeholder 2">
                 <a:extLst>
                   <a:ext uri="{FF2B5EF4-FFF2-40B4-BE49-F238E27FC236}">
-                    <a16:creationId xmlns:a16="http://schemas.microsoft.com/office/drawing/2014/main" id="{4620106C-EA50-E0FD-FB61-D3CF3E9F901A}"/>
+                    <a16:creationId xmlns:a16="http://schemas.microsoft.com/office/drawing/2014/main" xmlns="" id="{4620106C-EA50-E0FD-FB61-D3CF3E9F901A}"/>
                   </a:ext>
                 </a:extLst>
               </p:cNvPr>
@@ -7503,7 +7061,12 @@
                 <p:ph idx="1"/>
               </p:nvPr>
             </p:nvSpPr>
-            <p:spPr/>
+            <p:spPr>
+              <a:xfrm>
+                <a:off x="685800" y="1097491"/>
+                <a:ext cx="10515600" cy="6014509"/>
+              </a:xfrm>
+            </p:spPr>
             <p:txBody>
               <a:bodyPr>
                 <a:normAutofit/>
@@ -7517,11 +7080,11 @@
                   <a:buNone/>
                 </a:pPr>
                 <a:r>
-                  <a:rPr lang="en-US" sz="2000" dirty="0">
+                  <a:rPr lang="en-US" sz="2000" dirty="0" smtClean="0">
                     <a:latin typeface="Titillium Web" panose="00000500000000000000" pitchFamily="2" charset="0"/>
                     <a:cs typeface="Arial" pitchFamily="34" charset="0"/>
                   </a:rPr>
-                  <a:t>we consider Burgers’ equation, which is a PDE used in the modeling of fluid mechanics, traffic flow, and the study of reaction-diffusion systems in chemistry and biology. The equation is the following </a:t>
+                  <a:t>we consider Burgers’ equation, which is a PDE used in the modeling of fluid mechanics, traffic flow, and the study of reaction-diffusion systems in chemistry and biology. </a:t>
                 </a:r>
               </a:p>
               <a:p>
@@ -7534,7 +7097,7 @@
                       <m:sSubPr>
                         <m:ctrlPr>
                           <a:rPr lang="en-US" sz="2000" b="0" i="1" smtClean="0">
-                            <a:latin typeface="Cambria Math" panose="02040503050406030204" pitchFamily="18" charset="0"/>
+                            <a:latin typeface="Cambria Math" charset="0"/>
                             <a:cs typeface="Arial" pitchFamily="34" charset="0"/>
                           </a:rPr>
                         </m:ctrlPr>
@@ -7576,7 +7139,7 @@
                       <m:sSubPr>
                         <m:ctrlPr>
                           <a:rPr lang="en-US" sz="2000" b="0" i="1" smtClean="0">
-                            <a:latin typeface="Cambria Math" panose="02040503050406030204" pitchFamily="18" charset="0"/>
+                            <a:latin typeface="Cambria Math" charset="0"/>
                             <a:cs typeface="Arial" pitchFamily="34" charset="0"/>
                           </a:rPr>
                         </m:ctrlPr>
@@ -7611,7 +7174,7 @@
                       <m:sSubPr>
                         <m:ctrlPr>
                           <a:rPr lang="en-US" sz="2000" b="0" i="1" smtClean="0">
-                            <a:latin typeface="Cambria Math" panose="02040503050406030204" pitchFamily="18" charset="0"/>
+                            <a:latin typeface="Cambria Math" charset="0"/>
                             <a:cs typeface="Arial" pitchFamily="34" charset="0"/>
                           </a:rPr>
                         </m:ctrlPr>
@@ -7691,7 +7254,7 @@
                         <m:endChr m:val="]"/>
                         <m:ctrlPr>
                           <a:rPr lang="en-US" sz="2000" b="0" i="1" dirty="0" smtClean="0">
-                            <a:latin typeface="Cambria Math" panose="02040503050406030204" pitchFamily="18" charset="0"/>
+                            <a:latin typeface="Cambria Math" charset="0"/>
                             <a:cs typeface="Arial" pitchFamily="34" charset="0"/>
                           </a:rPr>
                         </m:ctrlPr>
@@ -7711,17 +7274,21 @@
                         <a:latin typeface="Cambria Math" charset="0"/>
                         <a:cs typeface="Arial" pitchFamily="34" charset="0"/>
                       </a:rPr>
-                      <m:t>    (5)</m:t>
+                      <m:t>    </m:t>
                     </m:r>
                   </m:oMath>
                 </a14:m>
                 <a:r>
-                  <a:rPr lang="en-US" sz="2000" dirty="0">
+                  <a:rPr lang="en-US" sz="2000" dirty="0" smtClean="0">
                     <a:latin typeface="Titillium Web" panose="00000500000000000000" pitchFamily="2" charset="0"/>
                     <a:cs typeface="Arial" pitchFamily="34" charset="0"/>
                   </a:rPr>
                   <a:t>   </a:t>
                 </a:r>
+                <a:endParaRPr lang="en-US" sz="2000" dirty="0">
+                  <a:latin typeface="Titillium Web" panose="00000500000000000000" pitchFamily="2" charset="0"/>
+                  <a:cs typeface="Arial" pitchFamily="34" charset="0"/>
+                </a:endParaRPr>
               </a:p>
               <a:p>
                 <a:pPr marL="0" indent="0" algn="just">
@@ -7747,7 +7314,7 @@
                         <m:dPr>
                           <m:ctrlPr>
                             <a:rPr lang="en-US" sz="2000" b="0" i="1" smtClean="0">
-                              <a:latin typeface="Cambria Math" panose="02040503050406030204" pitchFamily="18" charset="0"/>
+                              <a:latin typeface="Cambria Math" charset="0"/>
                               <a:cs typeface="Arial" pitchFamily="34" charset="0"/>
                             </a:rPr>
                           </m:ctrlPr>
@@ -7780,7 +7347,7 @@
                         <m:funcPr>
                           <m:ctrlPr>
                             <a:rPr lang="en-US" sz="2000" b="0" i="1" smtClean="0">
-                              <a:latin typeface="Cambria Math" panose="02040503050406030204" pitchFamily="18" charset="0"/>
+                              <a:latin typeface="Cambria Math" charset="0"/>
                               <a:cs typeface="Arial" pitchFamily="34" charset="0"/>
                             </a:rPr>
                           </m:ctrlPr>
@@ -7802,7 +7369,7 @@
                             <m:dPr>
                               <m:ctrlPr>
                                 <a:rPr lang="en-US" sz="2000" b="0" i="1" smtClean="0">
-                                  <a:latin typeface="Cambria Math" panose="02040503050406030204" pitchFamily="18" charset="0"/>
+                                  <a:latin typeface="Cambria Math" charset="0"/>
                                   <a:cs typeface="Arial" pitchFamily="34" charset="0"/>
                                 </a:rPr>
                               </m:ctrlPr>
@@ -7829,7 +7396,7 @@
                               <a:latin typeface="Cambria Math" charset="0"/>
                               <a:cs typeface="Arial" pitchFamily="34" charset="0"/>
                             </a:rPr>
-                            <m:t>       (6)</m:t>
+                            <m:t>       </m:t>
                           </m:r>
                         </m:e>
                       </m:func>
@@ -7865,7 +7432,7 @@
                         <m:dPr>
                           <m:ctrlPr>
                             <a:rPr lang="en-US" sz="2000" b="0" i="1" smtClean="0">
-                              <a:latin typeface="Cambria Math" panose="02040503050406030204" pitchFamily="18" charset="0"/>
+                              <a:latin typeface="Cambria Math" charset="0"/>
                               <a:cs typeface="Arial" pitchFamily="34" charset="0"/>
                             </a:rPr>
                           </m:ctrlPr>
@@ -7905,7 +7472,7 @@
                         <m:dPr>
                           <m:ctrlPr>
                             <a:rPr lang="en-US" sz="2000" b="0" i="1" smtClean="0">
-                              <a:latin typeface="Cambria Math" panose="02040503050406030204" pitchFamily="18" charset="0"/>
+                              <a:latin typeface="Cambria Math" charset="0"/>
                               <a:cs typeface="Arial" pitchFamily="34" charset="0"/>
                             </a:rPr>
                           </m:ctrlPr>
@@ -7932,12 +7499,12 @@
                           <a:latin typeface="Cambria Math" charset="0"/>
                           <a:cs typeface="Arial" pitchFamily="34" charset="0"/>
                         </a:rPr>
-                        <m:t>=0       (7)</m:t>
+                        <m:t>=0      </m:t>
                       </m:r>
                     </m:oMath>
                   </m:oMathPara>
                 </a14:m>
-                <a:endParaRPr lang="en-US" sz="2000" dirty="0">
+                <a:endParaRPr lang="en-US" sz="2000" dirty="0" smtClean="0">
                   <a:latin typeface="Titillium Web" panose="00000500000000000000" pitchFamily="2" charset="0"/>
                   <a:cs typeface="Arial" pitchFamily="34" charset="0"/>
                 </a:endParaRPr>
@@ -7950,84 +7517,1474 @@
                   <a:buNone/>
                 </a:pPr>
                 <a:r>
-                  <a:rPr lang="en-US" sz="2000" dirty="0">
+                  <a:rPr lang="en-US" sz="2000" dirty="0" smtClean="0">
                     <a:latin typeface="Titillium Web" panose="00000500000000000000" pitchFamily="2" charset="0"/>
                     <a:cs typeface="Arial" pitchFamily="34" charset="0"/>
                   </a:rPr>
-                  <a:t>Where </a:t>
+                  <a:t> </a:t>
                 </a:r>
+                <a:endParaRPr lang="en-US" sz="2000" b="0" i="1" dirty="0" smtClean="0">
+                  <a:latin typeface="Cambria Math" charset="0"/>
+                </a:endParaRPr>
+              </a:p>
+              <a:p>
+                <a:pPr marL="0" indent="0">
+                  <a:buNone/>
+                </a:pPr>
                 <a14:m>
-                  <m:oMath xmlns:m="http://schemas.openxmlformats.org/officeDocument/2006/math">
-                    <m:r>
-                      <a:rPr lang="en-US" sz="2000" b="0" i="1" smtClean="0">
-                        <a:latin typeface="Cambria Math" charset="0"/>
-                        <a:cs typeface="Arial" pitchFamily="34" charset="0"/>
-                      </a:rPr>
-                      <m:t>𝑢</m:t>
-                    </m:r>
-                  </m:oMath>
+                  <m:oMathPara xmlns:m="http://schemas.openxmlformats.org/officeDocument/2006/math">
+                    <m:oMathParaPr>
+                      <m:jc m:val="centerGroup"/>
+                    </m:oMathParaPr>
+                    <m:oMath xmlns:m="http://schemas.openxmlformats.org/officeDocument/2006/math">
+                      <m:sSub>
+                        <m:sSubPr>
+                          <m:ctrlPr>
+                            <a:rPr lang="en-US" sz="2000" b="0" i="1" smtClean="0">
+                              <a:latin typeface="Cambria Math" charset="0"/>
+                            </a:rPr>
+                          </m:ctrlPr>
+                        </m:sSubPr>
+                        <m:e>
+                          <m:r>
+                            <a:rPr lang="en-US" sz="2000" b="0" i="1" smtClean="0">
+                              <a:latin typeface="Cambria Math" charset="0"/>
+                            </a:rPr>
+                            <m:t>ℒ</m:t>
+                          </m:r>
+                        </m:e>
+                        <m:sub>
+                          <m:r>
+                            <a:rPr lang="en-US" sz="2000" b="0" i="1" smtClean="0">
+                              <a:latin typeface="Cambria Math" charset="0"/>
+                            </a:rPr>
+                            <m:t>𝑃𝐷𝐸</m:t>
+                          </m:r>
+                        </m:sub>
+                      </m:sSub>
+                      <m:r>
+                        <a:rPr lang="en-US" sz="2000" b="0" i="1" smtClean="0">
+                          <a:latin typeface="Cambria Math" charset="0"/>
+                        </a:rPr>
+                        <m:t>=</m:t>
+                      </m:r>
+                      <m:r>
+                        <a:rPr lang="en-US" sz="2000" b="0" i="1" smtClean="0">
+                          <a:latin typeface="Cambria Math" charset="0"/>
+                        </a:rPr>
+                        <m:t>𝑀𝑆</m:t>
+                      </m:r>
+                      <m:sSub>
+                        <m:sSubPr>
+                          <m:ctrlPr>
+                            <a:rPr lang="en-US" sz="2000" b="0" i="1" smtClean="0">
+                              <a:latin typeface="Cambria Math" charset="0"/>
+                            </a:rPr>
+                          </m:ctrlPr>
+                        </m:sSubPr>
+                        <m:e>
+                          <m:r>
+                            <a:rPr lang="en-US" sz="2000" b="0" i="1" smtClean="0">
+                              <a:latin typeface="Cambria Math" charset="0"/>
+                            </a:rPr>
+                            <m:t>𝐸</m:t>
+                          </m:r>
+                        </m:e>
+                        <m:sub>
+                          <m:r>
+                            <a:rPr lang="en-US" sz="2000" b="0" i="1" smtClean="0">
+                              <a:latin typeface="Cambria Math" charset="0"/>
+                            </a:rPr>
+                            <m:t>𝑃𝐷𝐸</m:t>
+                          </m:r>
+                        </m:sub>
+                      </m:sSub>
+                      <m:r>
+                        <a:rPr lang="en-US" sz="2000" b="0" i="1" smtClean="0">
+                          <a:latin typeface="Cambria Math" charset="0"/>
+                        </a:rPr>
+                        <m:t>=</m:t>
+                      </m:r>
+                      <m:f>
+                        <m:fPr>
+                          <m:ctrlPr>
+                            <a:rPr lang="en-US" sz="2000" b="0" i="1" smtClean="0">
+                              <a:latin typeface="Cambria Math" charset="0"/>
+                            </a:rPr>
+                          </m:ctrlPr>
+                        </m:fPr>
+                        <m:num>
+                          <m:r>
+                            <a:rPr lang="en-US" sz="2000" b="0" i="1" smtClean="0">
+                              <a:latin typeface="Cambria Math" charset="0"/>
+                            </a:rPr>
+                            <m:t>1</m:t>
+                          </m:r>
+                        </m:num>
+                        <m:den>
+                          <m:sSub>
+                            <m:sSubPr>
+                              <m:ctrlPr>
+                                <a:rPr lang="en-US" sz="2000" b="0" i="1" smtClean="0">
+                                  <a:latin typeface="Cambria Math" charset="0"/>
+                                </a:rPr>
+                              </m:ctrlPr>
+                            </m:sSubPr>
+                            <m:e>
+                              <m:r>
+                                <a:rPr lang="en-US" sz="2000" b="0" i="1" smtClean="0">
+                                  <a:latin typeface="Cambria Math" charset="0"/>
+                                </a:rPr>
+                                <m:t>𝑁</m:t>
+                              </m:r>
+                            </m:e>
+                            <m:sub>
+                              <m:r>
+                                <a:rPr lang="en-US" sz="2000" b="0" i="1" smtClean="0">
+                                  <a:latin typeface="Cambria Math" charset="0"/>
+                                </a:rPr>
+                                <m:t>𝑥</m:t>
+                              </m:r>
+                            </m:sub>
+                          </m:sSub>
+                          <m:sSub>
+                            <m:sSubPr>
+                              <m:ctrlPr>
+                                <a:rPr lang="en-US" sz="2000" b="0" i="1" smtClean="0">
+                                  <a:latin typeface="Cambria Math" charset="0"/>
+                                </a:rPr>
+                              </m:ctrlPr>
+                            </m:sSubPr>
+                            <m:e>
+                              <m:r>
+                                <a:rPr lang="en-US" sz="2000" b="0" i="1" smtClean="0">
+                                  <a:latin typeface="Cambria Math" charset="0"/>
+                                </a:rPr>
+                                <m:t>𝑁</m:t>
+                              </m:r>
+                            </m:e>
+                            <m:sub>
+                              <m:r>
+                                <a:rPr lang="en-US" sz="2000" b="0" i="1" smtClean="0">
+                                  <a:latin typeface="Cambria Math" charset="0"/>
+                                </a:rPr>
+                                <m:t>𝑡</m:t>
+                              </m:r>
+                            </m:sub>
+                          </m:sSub>
+                        </m:den>
+                      </m:f>
+                      <m:nary>
+                        <m:naryPr>
+                          <m:chr m:val="∑"/>
+                          <m:ctrlPr>
+                            <a:rPr lang="is-IS" sz="2000" b="0" i="1" smtClean="0">
+                              <a:latin typeface="Cambria Math" charset="0"/>
+                            </a:rPr>
+                          </m:ctrlPr>
+                        </m:naryPr>
+                        <m:sub>
+                          <m:r>
+                            <m:rPr>
+                              <m:brk m:alnAt="23"/>
+                            </m:rPr>
+                            <a:rPr lang="en-US" sz="2000" b="0" i="1" smtClean="0">
+                              <a:latin typeface="Cambria Math" charset="0"/>
+                            </a:rPr>
+                            <m:t>𝑖</m:t>
+                          </m:r>
+                          <m:r>
+                            <a:rPr lang="en-US" sz="2000" b="0" i="1" smtClean="0">
+                              <a:latin typeface="Cambria Math" charset="0"/>
+                            </a:rPr>
+                            <m:t>=1</m:t>
+                          </m:r>
+                        </m:sub>
+                        <m:sup>
+                          <m:sSub>
+                            <m:sSubPr>
+                              <m:ctrlPr>
+                                <a:rPr lang="en-US" sz="2000" b="0" i="1" smtClean="0">
+                                  <a:latin typeface="Cambria Math" charset="0"/>
+                                </a:rPr>
+                              </m:ctrlPr>
+                            </m:sSubPr>
+                            <m:e>
+                              <m:r>
+                                <a:rPr lang="en-US" sz="2000" b="0" i="1" smtClean="0">
+                                  <a:latin typeface="Cambria Math" charset="0"/>
+                                </a:rPr>
+                                <m:t>𝑁</m:t>
+                              </m:r>
+                            </m:e>
+                            <m:sub>
+                              <m:r>
+                                <a:rPr lang="en-US" sz="2000" b="0" i="1" smtClean="0">
+                                  <a:latin typeface="Cambria Math" charset="0"/>
+                                </a:rPr>
+                                <m:t>𝑥</m:t>
+                              </m:r>
+                            </m:sub>
+                          </m:sSub>
+                        </m:sup>
+                        <m:e>
+                          <m:nary>
+                            <m:naryPr>
+                              <m:chr m:val="∑"/>
+                              <m:ctrlPr>
+                                <a:rPr lang="is-IS" sz="2000" b="0" i="1" smtClean="0">
+                                  <a:latin typeface="Cambria Math" charset="0"/>
+                                </a:rPr>
+                              </m:ctrlPr>
+                            </m:naryPr>
+                            <m:sub>
+                              <m:r>
+                                <a:rPr lang="en-US" sz="2000" b="0" i="1" smtClean="0">
+                                  <a:latin typeface="Cambria Math" charset="0"/>
+                                </a:rPr>
+                                <m:t>𝑗</m:t>
+                              </m:r>
+                              <m:r>
+                                <a:rPr lang="en-US" sz="2000" b="0" i="1" smtClean="0">
+                                  <a:latin typeface="Cambria Math" charset="0"/>
+                                </a:rPr>
+                                <m:t>=1</m:t>
+                              </m:r>
+                            </m:sub>
+                            <m:sup>
+                              <m:sSub>
+                                <m:sSubPr>
+                                  <m:ctrlPr>
+                                    <a:rPr lang="en-US" sz="2000" b="0" i="1" smtClean="0">
+                                      <a:latin typeface="Cambria Math" charset="0"/>
+                                    </a:rPr>
+                                  </m:ctrlPr>
+                                </m:sSubPr>
+                                <m:e>
+                                  <m:r>
+                                    <a:rPr lang="en-US" sz="2000" b="0" i="1" smtClean="0">
+                                      <a:latin typeface="Cambria Math" charset="0"/>
+                                    </a:rPr>
+                                    <m:t>𝑁</m:t>
+                                  </m:r>
+                                </m:e>
+                                <m:sub>
+                                  <m:r>
+                                    <a:rPr lang="en-US" sz="2000" b="0" i="1" smtClean="0">
+                                      <a:latin typeface="Cambria Math" charset="0"/>
+                                    </a:rPr>
+                                    <m:t>𝑡</m:t>
+                                  </m:r>
+                                </m:sub>
+                              </m:sSub>
+                            </m:sup>
+                            <m:e>
+                              <m:sSup>
+                                <m:sSupPr>
+                                  <m:ctrlPr>
+                                    <a:rPr lang="en-US" sz="2000" b="0" i="1" smtClean="0">
+                                      <a:latin typeface="Cambria Math" charset="0"/>
+                                    </a:rPr>
+                                  </m:ctrlPr>
+                                </m:sSupPr>
+                                <m:e>
+                                  <m:d>
+                                    <m:dPr>
+                                      <m:begChr m:val="|"/>
+                                      <m:endChr m:val="|"/>
+                                      <m:ctrlPr>
+                                        <a:rPr lang="hr-HR" sz="2000" b="0" i="1" smtClean="0">
+                                          <a:latin typeface="Cambria Math" charset="0"/>
+                                        </a:rPr>
+                                      </m:ctrlPr>
+                                    </m:dPr>
+                                    <m:e>
+                                      <m:sSub>
+                                        <m:sSubPr>
+                                          <m:ctrlPr>
+                                            <a:rPr lang="en-US" sz="2000" b="0" i="1" smtClean="0">
+                                              <a:latin typeface="Cambria Math" charset="0"/>
+                                            </a:rPr>
+                                          </m:ctrlPr>
+                                        </m:sSubPr>
+                                        <m:e>
+                                          <m:r>
+                                            <a:rPr lang="en-US" sz="2000" b="0" i="1" smtClean="0">
+                                              <a:latin typeface="Cambria Math" charset="0"/>
+                                            </a:rPr>
+                                            <m:t>𝑢</m:t>
+                                          </m:r>
+                                        </m:e>
+                                        <m:sub>
+                                          <m:r>
+                                            <a:rPr lang="en-US" sz="2000" b="0" i="1" smtClean="0">
+                                              <a:latin typeface="Cambria Math" charset="0"/>
+                                            </a:rPr>
+                                            <m:t>𝑡</m:t>
+                                          </m:r>
+                                        </m:sub>
+                                      </m:sSub>
+                                      <m:d>
+                                        <m:dPr>
+                                          <m:ctrlPr>
+                                            <a:rPr lang="en-US" sz="2000" b="0" i="1" smtClean="0">
+                                              <a:latin typeface="Cambria Math" charset="0"/>
+                                            </a:rPr>
+                                          </m:ctrlPr>
+                                        </m:dPr>
+                                        <m:e>
+                                          <m:sSub>
+                                            <m:sSubPr>
+                                              <m:ctrlPr>
+                                                <a:rPr lang="en-US" sz="2000" b="0" i="1" smtClean="0">
+                                                  <a:latin typeface="Cambria Math" charset="0"/>
+                                                </a:rPr>
+                                              </m:ctrlPr>
+                                            </m:sSubPr>
+                                            <m:e>
+                                              <m:r>
+                                                <a:rPr lang="en-US" sz="2000" b="0" i="1" smtClean="0">
+                                                  <a:latin typeface="Cambria Math" charset="0"/>
+                                                </a:rPr>
+                                                <m:t>𝑥</m:t>
+                                              </m:r>
+                                            </m:e>
+                                            <m:sub>
+                                              <m:r>
+                                                <a:rPr lang="en-US" sz="2000" b="0" i="1" smtClean="0">
+                                                  <a:latin typeface="Cambria Math" charset="0"/>
+                                                </a:rPr>
+                                                <m:t>𝑖</m:t>
+                                              </m:r>
+                                            </m:sub>
+                                          </m:sSub>
+                                          <m:r>
+                                            <a:rPr lang="en-US" sz="2000" b="0" i="1" smtClean="0">
+                                              <a:latin typeface="Cambria Math" charset="0"/>
+                                            </a:rPr>
+                                            <m:t>, </m:t>
+                                          </m:r>
+                                          <m:sSub>
+                                            <m:sSubPr>
+                                              <m:ctrlPr>
+                                                <a:rPr lang="en-US" sz="2000" b="0" i="1" smtClean="0">
+                                                  <a:latin typeface="Cambria Math" charset="0"/>
+                                                </a:rPr>
+                                              </m:ctrlPr>
+                                            </m:sSubPr>
+                                            <m:e>
+                                              <m:r>
+                                                <a:rPr lang="en-US" sz="2000" b="0" i="1" smtClean="0">
+                                                  <a:latin typeface="Cambria Math" charset="0"/>
+                                                </a:rPr>
+                                                <m:t>𝑡</m:t>
+                                              </m:r>
+                                            </m:e>
+                                            <m:sub>
+                                              <m:r>
+                                                <a:rPr lang="en-US" sz="2000" b="0" i="1" smtClean="0">
+                                                  <a:latin typeface="Cambria Math" charset="0"/>
+                                                </a:rPr>
+                                                <m:t>𝑗</m:t>
+                                              </m:r>
+                                            </m:sub>
+                                          </m:sSub>
+                                        </m:e>
+                                      </m:d>
+                                      <m:r>
+                                        <a:rPr lang="en-US" sz="2000" b="0" i="1" smtClean="0">
+                                          <a:latin typeface="Cambria Math" charset="0"/>
+                                        </a:rPr>
+                                        <m:t>+</m:t>
+                                      </m:r>
+                                      <m:r>
+                                        <a:rPr lang="en-US" sz="2000" b="0" i="1" smtClean="0">
+                                          <a:latin typeface="Cambria Math" charset="0"/>
+                                        </a:rPr>
+                                        <m:t>𝑢</m:t>
+                                      </m:r>
+                                      <m:d>
+                                        <m:dPr>
+                                          <m:ctrlPr>
+                                            <a:rPr lang="en-US" sz="2000" b="0" i="1" smtClean="0">
+                                              <a:latin typeface="Cambria Math" charset="0"/>
+                                            </a:rPr>
+                                          </m:ctrlPr>
+                                        </m:dPr>
+                                        <m:e>
+                                          <m:sSub>
+                                            <m:sSubPr>
+                                              <m:ctrlPr>
+                                                <a:rPr lang="en-US" sz="2000" b="0" i="1" smtClean="0">
+                                                  <a:latin typeface="Cambria Math" charset="0"/>
+                                                </a:rPr>
+                                              </m:ctrlPr>
+                                            </m:sSubPr>
+                                            <m:e>
+                                              <m:r>
+                                                <a:rPr lang="en-US" sz="2000" b="0" i="1" smtClean="0">
+                                                  <a:latin typeface="Cambria Math" charset="0"/>
+                                                </a:rPr>
+                                                <m:t>𝑥</m:t>
+                                              </m:r>
+                                            </m:e>
+                                            <m:sub>
+                                              <m:r>
+                                                <a:rPr lang="en-US" sz="2000" b="0" i="1" smtClean="0">
+                                                  <a:latin typeface="Cambria Math" charset="0"/>
+                                                </a:rPr>
+                                                <m:t>𝑖</m:t>
+                                              </m:r>
+                                            </m:sub>
+                                          </m:sSub>
+                                          <m:r>
+                                            <a:rPr lang="en-US" sz="2000" b="0" i="1" smtClean="0">
+                                              <a:latin typeface="Cambria Math" charset="0"/>
+                                            </a:rPr>
+                                            <m:t>, </m:t>
+                                          </m:r>
+                                          <m:sSub>
+                                            <m:sSubPr>
+                                              <m:ctrlPr>
+                                                <a:rPr lang="en-US" sz="2000" b="0" i="1" smtClean="0">
+                                                  <a:latin typeface="Cambria Math" charset="0"/>
+                                                </a:rPr>
+                                              </m:ctrlPr>
+                                            </m:sSubPr>
+                                            <m:e>
+                                              <m:r>
+                                                <a:rPr lang="en-US" sz="2000" b="0" i="1" smtClean="0">
+                                                  <a:latin typeface="Cambria Math" charset="0"/>
+                                                </a:rPr>
+                                                <m:t>𝑡</m:t>
+                                              </m:r>
+                                            </m:e>
+                                            <m:sub>
+                                              <m:r>
+                                                <a:rPr lang="en-US" sz="2000" b="0" i="1" smtClean="0">
+                                                  <a:latin typeface="Cambria Math" charset="0"/>
+                                                </a:rPr>
+                                                <m:t>𝑗</m:t>
+                                              </m:r>
+                                            </m:sub>
+                                          </m:sSub>
+                                        </m:e>
+                                      </m:d>
+                                      <m:sSub>
+                                        <m:sSubPr>
+                                          <m:ctrlPr>
+                                            <a:rPr lang="en-US" sz="2000" b="0" i="1" smtClean="0">
+                                              <a:latin typeface="Cambria Math" charset="0"/>
+                                            </a:rPr>
+                                          </m:ctrlPr>
+                                        </m:sSubPr>
+                                        <m:e>
+                                          <m:r>
+                                            <a:rPr lang="en-US" sz="2000" b="0" i="1" smtClean="0">
+                                              <a:latin typeface="Cambria Math" charset="0"/>
+                                            </a:rPr>
+                                            <m:t>𝑢</m:t>
+                                          </m:r>
+                                        </m:e>
+                                        <m:sub>
+                                          <m:r>
+                                            <a:rPr lang="en-US" sz="2000" b="0" i="1" smtClean="0">
+                                              <a:latin typeface="Cambria Math" charset="0"/>
+                                            </a:rPr>
+                                            <m:t>𝑥</m:t>
+                                          </m:r>
+                                        </m:sub>
+                                      </m:sSub>
+                                      <m:d>
+                                        <m:dPr>
+                                          <m:ctrlPr>
+                                            <a:rPr lang="en-US" sz="2000" b="0" i="1" smtClean="0">
+                                              <a:latin typeface="Cambria Math" charset="0"/>
+                                            </a:rPr>
+                                          </m:ctrlPr>
+                                        </m:dPr>
+                                        <m:e>
+                                          <m:sSub>
+                                            <m:sSubPr>
+                                              <m:ctrlPr>
+                                                <a:rPr lang="en-US" sz="2000" b="0" i="1" smtClean="0">
+                                                  <a:latin typeface="Cambria Math" charset="0"/>
+                                                </a:rPr>
+                                              </m:ctrlPr>
+                                            </m:sSubPr>
+                                            <m:e>
+                                              <m:r>
+                                                <a:rPr lang="en-US" sz="2000" b="0" i="1" smtClean="0">
+                                                  <a:latin typeface="Cambria Math" charset="0"/>
+                                                </a:rPr>
+                                                <m:t>𝑥</m:t>
+                                              </m:r>
+                                            </m:e>
+                                            <m:sub>
+                                              <m:r>
+                                                <a:rPr lang="en-US" sz="2000" b="0" i="1" smtClean="0">
+                                                  <a:latin typeface="Cambria Math" charset="0"/>
+                                                </a:rPr>
+                                                <m:t>𝑖</m:t>
+                                              </m:r>
+                                            </m:sub>
+                                          </m:sSub>
+                                          <m:r>
+                                            <a:rPr lang="en-US" sz="2000" b="0" i="1" smtClean="0">
+                                              <a:latin typeface="Cambria Math" charset="0"/>
+                                            </a:rPr>
+                                            <m:t>,</m:t>
+                                          </m:r>
+                                          <m:sSub>
+                                            <m:sSubPr>
+                                              <m:ctrlPr>
+                                                <a:rPr lang="en-US" sz="2000" b="0" i="1" smtClean="0">
+                                                  <a:latin typeface="Cambria Math" charset="0"/>
+                                                </a:rPr>
+                                              </m:ctrlPr>
+                                            </m:sSubPr>
+                                            <m:e>
+                                              <m:r>
+                                                <a:rPr lang="en-US" sz="2000" b="0" i="1" smtClean="0">
+                                                  <a:latin typeface="Cambria Math" charset="0"/>
+                                                </a:rPr>
+                                                <m:t>𝑡</m:t>
+                                              </m:r>
+                                            </m:e>
+                                            <m:sub>
+                                              <m:r>
+                                                <a:rPr lang="en-US" sz="2000" b="0" i="1" smtClean="0">
+                                                  <a:latin typeface="Cambria Math" charset="0"/>
+                                                </a:rPr>
+                                                <m:t>𝑗</m:t>
+                                              </m:r>
+                                            </m:sub>
+                                          </m:sSub>
+                                        </m:e>
+                                      </m:d>
+                                      <m:r>
+                                        <a:rPr lang="en-US" sz="2000" b="0" i="1" smtClean="0">
+                                          <a:latin typeface="Cambria Math" charset="0"/>
+                                        </a:rPr>
+                                        <m:t>−</m:t>
+                                      </m:r>
+                                      <m:sSub>
+                                        <m:sSubPr>
+                                          <m:ctrlPr>
+                                            <a:rPr lang="en-US" sz="2000" b="0" i="1" smtClean="0">
+                                              <a:latin typeface="Cambria Math" charset="0"/>
+                                            </a:rPr>
+                                          </m:ctrlPr>
+                                        </m:sSubPr>
+                                        <m:e>
+                                          <m:r>
+                                            <a:rPr lang="en-US" sz="2000" b="0" i="1" smtClean="0">
+                                              <a:latin typeface="Cambria Math" charset="0"/>
+                                            </a:rPr>
+                                            <m:t>𝑢</m:t>
+                                          </m:r>
+                                        </m:e>
+                                        <m:sub>
+                                          <m:r>
+                                            <a:rPr lang="en-US" sz="2000" b="0" i="1" smtClean="0">
+                                              <a:latin typeface="Cambria Math" charset="0"/>
+                                            </a:rPr>
+                                            <m:t>𝑥𝑥</m:t>
+                                          </m:r>
+                                        </m:sub>
+                                      </m:sSub>
+                                      <m:d>
+                                        <m:dPr>
+                                          <m:ctrlPr>
+                                            <a:rPr lang="en-US" sz="2000" b="0" i="1" smtClean="0">
+                                              <a:latin typeface="Cambria Math" charset="0"/>
+                                            </a:rPr>
+                                          </m:ctrlPr>
+                                        </m:dPr>
+                                        <m:e>
+                                          <m:sSub>
+                                            <m:sSubPr>
+                                              <m:ctrlPr>
+                                                <a:rPr lang="en-US" sz="2000" b="0" i="1" smtClean="0">
+                                                  <a:latin typeface="Cambria Math" charset="0"/>
+                                                </a:rPr>
+                                              </m:ctrlPr>
+                                            </m:sSubPr>
+                                            <m:e>
+                                              <m:r>
+                                                <a:rPr lang="en-US" sz="2000" b="0" i="1" smtClean="0">
+                                                  <a:latin typeface="Cambria Math" charset="0"/>
+                                                </a:rPr>
+                                                <m:t>𝑥</m:t>
+                                              </m:r>
+                                            </m:e>
+                                            <m:sub>
+                                              <m:r>
+                                                <a:rPr lang="en-US" sz="2000" b="0" i="1" smtClean="0">
+                                                  <a:latin typeface="Cambria Math" charset="0"/>
+                                                </a:rPr>
+                                                <m:t>𝑖</m:t>
+                                              </m:r>
+                                            </m:sub>
+                                          </m:sSub>
+                                          <m:r>
+                                            <a:rPr lang="en-US" sz="2000" b="0" i="1" smtClean="0">
+                                              <a:latin typeface="Cambria Math" charset="0"/>
+                                            </a:rPr>
+                                            <m:t>,</m:t>
+                                          </m:r>
+                                          <m:sSub>
+                                            <m:sSubPr>
+                                              <m:ctrlPr>
+                                                <a:rPr lang="en-US" sz="2000" b="0" i="1" smtClean="0">
+                                                  <a:latin typeface="Cambria Math" charset="0"/>
+                                                </a:rPr>
+                                              </m:ctrlPr>
+                                            </m:sSubPr>
+                                            <m:e>
+                                              <m:r>
+                                                <a:rPr lang="en-US" sz="2000" b="0" i="1" smtClean="0">
+                                                  <a:latin typeface="Cambria Math" charset="0"/>
+                                                </a:rPr>
+                                                <m:t>𝑡</m:t>
+                                              </m:r>
+                                            </m:e>
+                                            <m:sub>
+                                              <m:r>
+                                                <a:rPr lang="en-US" sz="2000" b="0" i="1" smtClean="0">
+                                                  <a:latin typeface="Cambria Math" charset="0"/>
+                                                </a:rPr>
+                                                <m:t>𝑗</m:t>
+                                              </m:r>
+                                            </m:sub>
+                                          </m:sSub>
+                                        </m:e>
+                                      </m:d>
+                                    </m:e>
+                                  </m:d>
+                                </m:e>
+                                <m:sup>
+                                  <m:r>
+                                    <a:rPr lang="en-US" sz="2000" b="0" i="1" smtClean="0">
+                                      <a:latin typeface="Cambria Math" charset="0"/>
+                                    </a:rPr>
+                                    <m:t>2</m:t>
+                                  </m:r>
+                                </m:sup>
+                              </m:sSup>
+                            </m:e>
+                          </m:nary>
+                        </m:e>
+                      </m:nary>
+                    </m:oMath>
+                  </m:oMathPara>
                 </a14:m>
-                <a:r>
-                  <a:rPr lang="en-US" sz="2000" dirty="0">
-                    <a:latin typeface="Titillium Web" panose="00000500000000000000" pitchFamily="2" charset="0"/>
-                    <a:cs typeface="Arial" pitchFamily="34" charset="0"/>
-                  </a:rPr>
-                  <a:t> is the unknown (velocity), </a:t>
-                </a:r>
+                <a:endParaRPr lang="en-US" sz="2000" dirty="0" smtClean="0"/>
+              </a:p>
+              <a:p>
+                <a:pPr marL="0" indent="0">
+                  <a:buNone/>
+                </a:pPr>
+                <a:endParaRPr lang="en-US" sz="2000" b="0" i="1" dirty="0" smtClean="0">
+                  <a:latin typeface="Cambria Math" charset="0"/>
+                </a:endParaRPr>
+              </a:p>
+              <a:p>
+                <a:pPr marL="0" indent="0">
+                  <a:buNone/>
+                </a:pPr>
                 <a14:m>
-                  <m:oMath xmlns:m="http://schemas.openxmlformats.org/officeDocument/2006/math">
-                    <m:r>
-                      <a:rPr lang="en-US" sz="2000" b="0" i="1" smtClean="0">
-                        <a:latin typeface="Cambria Math" charset="0"/>
-                        <a:cs typeface="Arial" pitchFamily="34" charset="0"/>
-                      </a:rPr>
-                      <m:t>𝑥</m:t>
-                    </m:r>
-                  </m:oMath>
+                  <m:oMathPara xmlns:m="http://schemas.openxmlformats.org/officeDocument/2006/math">
+                    <m:oMathParaPr>
+                      <m:jc m:val="centerGroup"/>
+                    </m:oMathParaPr>
+                    <m:oMath xmlns:m="http://schemas.openxmlformats.org/officeDocument/2006/math">
+                      <m:sSub>
+                        <m:sSubPr>
+                          <m:ctrlPr>
+                            <a:rPr lang="en-US" sz="2000" b="0" i="1" smtClean="0">
+                              <a:latin typeface="Cambria Math" charset="0"/>
+                            </a:rPr>
+                          </m:ctrlPr>
+                        </m:sSubPr>
+                        <m:e>
+                          <m:r>
+                            <a:rPr lang="en-US" sz="2000" b="0" i="1" smtClean="0">
+                              <a:latin typeface="Cambria Math" charset="0"/>
+                            </a:rPr>
+                            <m:t>ℒ</m:t>
+                          </m:r>
+                        </m:e>
+                        <m:sub>
+                          <m:r>
+                            <a:rPr lang="en-US" sz="2000" b="0" i="1" smtClean="0">
+                              <a:latin typeface="Cambria Math" charset="0"/>
+                            </a:rPr>
+                            <m:t>𝑜</m:t>
+                          </m:r>
+                        </m:sub>
+                      </m:sSub>
+                      <m:r>
+                        <a:rPr lang="en-US" sz="2000" b="0" i="1" smtClean="0">
+                          <a:latin typeface="Cambria Math" charset="0"/>
+                        </a:rPr>
+                        <m:t>=</m:t>
+                      </m:r>
+                      <m:r>
+                        <a:rPr lang="en-US" sz="2000" b="0" i="1" smtClean="0">
+                          <a:latin typeface="Cambria Math" charset="0"/>
+                        </a:rPr>
+                        <m:t>𝑀𝑆</m:t>
+                      </m:r>
+                      <m:sSub>
+                        <m:sSubPr>
+                          <m:ctrlPr>
+                            <a:rPr lang="en-US" sz="2000" b="0" i="1" smtClean="0">
+                              <a:latin typeface="Cambria Math" charset="0"/>
+                            </a:rPr>
+                          </m:ctrlPr>
+                        </m:sSubPr>
+                        <m:e>
+                          <m:r>
+                            <a:rPr lang="en-US" sz="2000" b="0" i="1" smtClean="0">
+                              <a:latin typeface="Cambria Math" charset="0"/>
+                            </a:rPr>
+                            <m:t>𝐸</m:t>
+                          </m:r>
+                        </m:e>
+                        <m:sub>
+                          <m:r>
+                            <a:rPr lang="en-US" sz="2000" b="0" i="1" smtClean="0">
+                              <a:latin typeface="Cambria Math" charset="0"/>
+                            </a:rPr>
+                            <m:t>0</m:t>
+                          </m:r>
+                        </m:sub>
+                      </m:sSub>
+                      <m:r>
+                        <a:rPr lang="en-US" sz="2000" b="0" i="1" smtClean="0">
+                          <a:latin typeface="Cambria Math" charset="0"/>
+                        </a:rPr>
+                        <m:t>=</m:t>
+                      </m:r>
+                      <m:f>
+                        <m:fPr>
+                          <m:ctrlPr>
+                            <a:rPr lang="en-US" sz="2000" b="0" i="1" smtClean="0">
+                              <a:latin typeface="Cambria Math" charset="0"/>
+                            </a:rPr>
+                          </m:ctrlPr>
+                        </m:fPr>
+                        <m:num>
+                          <m:r>
+                            <a:rPr lang="en-US" sz="2000" b="0" i="1" smtClean="0">
+                              <a:latin typeface="Cambria Math" charset="0"/>
+                            </a:rPr>
+                            <m:t>1</m:t>
+                          </m:r>
+                        </m:num>
+                        <m:den>
+                          <m:sSub>
+                            <m:sSubPr>
+                              <m:ctrlPr>
+                                <a:rPr lang="en-US" sz="2000" b="0" i="1" smtClean="0">
+                                  <a:latin typeface="Cambria Math" charset="0"/>
+                                </a:rPr>
+                              </m:ctrlPr>
+                            </m:sSubPr>
+                            <m:e>
+                              <m:r>
+                                <a:rPr lang="en-US" sz="2000" b="0" i="1" smtClean="0">
+                                  <a:latin typeface="Cambria Math" charset="0"/>
+                                </a:rPr>
+                                <m:t>𝑁</m:t>
+                              </m:r>
+                            </m:e>
+                            <m:sub>
+                              <m:r>
+                                <a:rPr lang="en-US" sz="2000" b="0" i="1" smtClean="0">
+                                  <a:latin typeface="Cambria Math" charset="0"/>
+                                </a:rPr>
+                                <m:t>0</m:t>
+                              </m:r>
+                            </m:sub>
+                          </m:sSub>
+                        </m:den>
+                      </m:f>
+                      <m:nary>
+                        <m:naryPr>
+                          <m:chr m:val="∑"/>
+                          <m:ctrlPr>
+                            <a:rPr lang="is-IS" sz="2000" b="0" i="1" smtClean="0">
+                              <a:latin typeface="Cambria Math" charset="0"/>
+                            </a:rPr>
+                          </m:ctrlPr>
+                        </m:naryPr>
+                        <m:sub>
+                          <m:r>
+                            <m:rPr>
+                              <m:brk m:alnAt="23"/>
+                            </m:rPr>
+                            <a:rPr lang="en-US" sz="2000" b="0" i="1" smtClean="0">
+                              <a:latin typeface="Cambria Math" charset="0"/>
+                            </a:rPr>
+                            <m:t>𝑖</m:t>
+                          </m:r>
+                          <m:r>
+                            <a:rPr lang="en-US" sz="2000" b="0" i="1" smtClean="0">
+                              <a:latin typeface="Cambria Math" charset="0"/>
+                            </a:rPr>
+                            <m:t>=0 </m:t>
+                          </m:r>
+                        </m:sub>
+                        <m:sup>
+                          <m:sSub>
+                            <m:sSubPr>
+                              <m:ctrlPr>
+                                <a:rPr lang="en-US" sz="2000" b="0" i="1" smtClean="0">
+                                  <a:latin typeface="Cambria Math" charset="0"/>
+                                </a:rPr>
+                              </m:ctrlPr>
+                            </m:sSubPr>
+                            <m:e>
+                              <m:r>
+                                <a:rPr lang="en-US" sz="2000" b="0" i="1" smtClean="0">
+                                  <a:latin typeface="Cambria Math" charset="0"/>
+                                </a:rPr>
+                                <m:t>𝑁</m:t>
+                              </m:r>
+                            </m:e>
+                            <m:sub>
+                              <m:r>
+                                <a:rPr lang="en-US" sz="2000" b="0" i="1" smtClean="0">
+                                  <a:latin typeface="Cambria Math" charset="0"/>
+                                </a:rPr>
+                                <m:t>0</m:t>
+                              </m:r>
+                            </m:sub>
+                          </m:sSub>
+                        </m:sup>
+                        <m:e>
+                          <m:sSup>
+                            <m:sSupPr>
+                              <m:ctrlPr>
+                                <a:rPr lang="en-US" sz="2000" b="0" i="1" smtClean="0">
+                                  <a:latin typeface="Cambria Math" charset="0"/>
+                                </a:rPr>
+                              </m:ctrlPr>
+                            </m:sSupPr>
+                            <m:e>
+                              <m:d>
+                                <m:dPr>
+                                  <m:begChr m:val="|"/>
+                                  <m:endChr m:val="|"/>
+                                  <m:ctrlPr>
+                                    <a:rPr lang="hr-HR" sz="2000" b="0" i="1" smtClean="0">
+                                      <a:latin typeface="Cambria Math" charset="0"/>
+                                    </a:rPr>
+                                  </m:ctrlPr>
+                                </m:dPr>
+                                <m:e>
+                                  <m:r>
+                                    <a:rPr lang="en-US" sz="2000" b="0" i="1" smtClean="0">
+                                      <a:latin typeface="Cambria Math" charset="0"/>
+                                    </a:rPr>
+                                    <m:t>𝑢</m:t>
+                                  </m:r>
+                                  <m:d>
+                                    <m:dPr>
+                                      <m:ctrlPr>
+                                        <a:rPr lang="en-US" sz="2000" b="0" i="1" smtClean="0">
+                                          <a:latin typeface="Cambria Math" charset="0"/>
+                                        </a:rPr>
+                                      </m:ctrlPr>
+                                    </m:dPr>
+                                    <m:e>
+                                      <m:sSub>
+                                        <m:sSubPr>
+                                          <m:ctrlPr>
+                                            <a:rPr lang="en-US" sz="2000" b="0" i="1" smtClean="0">
+                                              <a:latin typeface="Cambria Math" charset="0"/>
+                                            </a:rPr>
+                                          </m:ctrlPr>
+                                        </m:sSubPr>
+                                        <m:e>
+                                          <m:r>
+                                            <a:rPr lang="en-US" sz="2000" b="0" i="1" smtClean="0">
+                                              <a:latin typeface="Cambria Math" charset="0"/>
+                                            </a:rPr>
+                                            <m:t>𝑥</m:t>
+                                          </m:r>
+                                        </m:e>
+                                        <m:sub>
+                                          <m:r>
+                                            <a:rPr lang="en-US" sz="2000" b="0" i="1" smtClean="0">
+                                              <a:latin typeface="Cambria Math" charset="0"/>
+                                            </a:rPr>
+                                            <m:t>𝑖</m:t>
+                                          </m:r>
+                                        </m:sub>
+                                      </m:sSub>
+                                      <m:r>
+                                        <a:rPr lang="en-US" sz="2000" b="0" i="1" smtClean="0">
+                                          <a:latin typeface="Cambria Math" charset="0"/>
+                                        </a:rPr>
+                                        <m:t>, </m:t>
+                                      </m:r>
+                                      <m:r>
+                                        <a:rPr lang="en-US" sz="2000" b="0" i="1" smtClean="0">
+                                          <a:latin typeface="Cambria Math" charset="0"/>
+                                        </a:rPr>
+                                        <m:t>𝑡</m:t>
+                                      </m:r>
+                                      <m:r>
+                                        <a:rPr lang="en-US" sz="2000" b="0" i="1" smtClean="0">
+                                          <a:latin typeface="Cambria Math" charset="0"/>
+                                        </a:rPr>
+                                        <m:t>=0</m:t>
+                                      </m:r>
+                                    </m:e>
+                                  </m:d>
+                                  <m:r>
+                                    <a:rPr lang="en-US" sz="2000" b="0" i="1" smtClean="0">
+                                      <a:latin typeface="Cambria Math" charset="0"/>
+                                    </a:rPr>
+                                    <m:t>+</m:t>
+                                  </m:r>
+                                  <m:func>
+                                    <m:funcPr>
+                                      <m:ctrlPr>
+                                        <a:rPr lang="en-US" sz="2000" b="0" i="1" smtClean="0">
+                                          <a:latin typeface="Cambria Math" charset="0"/>
+                                        </a:rPr>
+                                      </m:ctrlPr>
+                                    </m:funcPr>
+                                    <m:fName>
+                                      <m:r>
+                                        <m:rPr>
+                                          <m:sty m:val="p"/>
+                                        </m:rPr>
+                                        <a:rPr lang="en-US" sz="2000" b="0" i="0" smtClean="0">
+                                          <a:latin typeface="Cambria Math" charset="0"/>
+                                        </a:rPr>
+                                        <m:t>sin</m:t>
+                                      </m:r>
+                                    </m:fName>
+                                    <m:e>
+                                      <m:d>
+                                        <m:dPr>
+                                          <m:ctrlPr>
+                                            <a:rPr lang="en-US" sz="2000" b="0" i="1" smtClean="0">
+                                              <a:latin typeface="Cambria Math" charset="0"/>
+                                            </a:rPr>
+                                          </m:ctrlPr>
+                                        </m:dPr>
+                                        <m:e>
+                                          <m:r>
+                                            <a:rPr lang="en-US" sz="2000" b="0" i="1" smtClean="0">
+                                              <a:latin typeface="Cambria Math" charset="0"/>
+                                            </a:rPr>
+                                            <m:t>𝜋</m:t>
+                                          </m:r>
+                                          <m:sSub>
+                                            <m:sSubPr>
+                                              <m:ctrlPr>
+                                                <a:rPr lang="en-US" sz="2000" b="0" i="1" smtClean="0">
+                                                  <a:latin typeface="Cambria Math" charset="0"/>
+                                                </a:rPr>
+                                              </m:ctrlPr>
+                                            </m:sSubPr>
+                                            <m:e>
+                                              <m:r>
+                                                <a:rPr lang="en-US" sz="2000" b="0" i="1" smtClean="0">
+                                                  <a:latin typeface="Cambria Math" charset="0"/>
+                                                </a:rPr>
+                                                <m:t>𝑥</m:t>
+                                              </m:r>
+                                            </m:e>
+                                            <m:sub>
+                                              <m:r>
+                                                <a:rPr lang="en-US" sz="2000" b="0" i="1" smtClean="0">
+                                                  <a:latin typeface="Cambria Math" charset="0"/>
+                                                </a:rPr>
+                                                <m:t>𝑖</m:t>
+                                              </m:r>
+                                            </m:sub>
+                                          </m:sSub>
+                                        </m:e>
+                                      </m:d>
+                                    </m:e>
+                                  </m:func>
+                                </m:e>
+                              </m:d>
+                            </m:e>
+                            <m:sup>
+                              <m:r>
+                                <a:rPr lang="en-US" sz="2000" b="0" i="1" smtClean="0">
+                                  <a:latin typeface="Cambria Math" charset="0"/>
+                                </a:rPr>
+                                <m:t>2</m:t>
+                              </m:r>
+                            </m:sup>
+                          </m:sSup>
+                        </m:e>
+                      </m:nary>
+                    </m:oMath>
+                  </m:oMathPara>
                 </a14:m>
-                <a:r>
-                  <a:rPr lang="en-US" sz="2000" dirty="0">
-                    <a:latin typeface="Titillium Web" panose="00000500000000000000" pitchFamily="2" charset="0"/>
-                    <a:cs typeface="Arial" pitchFamily="34" charset="0"/>
-                  </a:rPr>
-                  <a:t> is the position, </a:t>
-                </a:r>
+                <a:endParaRPr lang="en-US" sz="2000" b="0" dirty="0" smtClean="0"/>
+              </a:p>
+              <a:p>
+                <a:pPr marL="0" indent="0">
+                  <a:buNone/>
+                </a:pPr>
+                <a:endParaRPr lang="en-US" sz="2000" b="0" dirty="0" smtClean="0"/>
+              </a:p>
+              <a:p>
+                <a:pPr marL="0" indent="0">
+                  <a:buNone/>
+                </a:pPr>
                 <a14:m>
-                  <m:oMath xmlns:m="http://schemas.openxmlformats.org/officeDocument/2006/math">
-                    <m:r>
-                      <a:rPr lang="en-US" sz="2000" b="0" i="1" smtClean="0">
-                        <a:latin typeface="Cambria Math" charset="0"/>
-                        <a:cs typeface="Arial" pitchFamily="34" charset="0"/>
-                      </a:rPr>
-                      <m:t>𝑡</m:t>
-                    </m:r>
-                  </m:oMath>
+                  <m:oMathPara xmlns:m="http://schemas.openxmlformats.org/officeDocument/2006/math">
+                    <m:oMathParaPr>
+                      <m:jc m:val="centerGroup"/>
+                    </m:oMathParaPr>
+                    <m:oMath xmlns:m="http://schemas.openxmlformats.org/officeDocument/2006/math">
+                      <m:sSub>
+                        <m:sSubPr>
+                          <m:ctrlPr>
+                            <a:rPr lang="en-US" sz="2000" b="0" i="1" smtClean="0">
+                              <a:latin typeface="Cambria Math" charset="0"/>
+                            </a:rPr>
+                          </m:ctrlPr>
+                        </m:sSubPr>
+                        <m:e>
+                          <m:r>
+                            <a:rPr lang="en-US" sz="2000" b="0" i="1" smtClean="0">
+                              <a:latin typeface="Cambria Math" charset="0"/>
+                            </a:rPr>
+                            <m:t>ℒ</m:t>
+                          </m:r>
+                        </m:e>
+                        <m:sub>
+                          <m:r>
+                            <a:rPr lang="en-US" sz="2000" b="0" i="1" smtClean="0">
+                              <a:latin typeface="Cambria Math" charset="0"/>
+                            </a:rPr>
+                            <m:t>𝐵</m:t>
+                          </m:r>
+                        </m:sub>
+                      </m:sSub>
+                      <m:r>
+                        <a:rPr lang="en-US" sz="2000" b="0" i="1" smtClean="0">
+                          <a:latin typeface="Cambria Math" charset="0"/>
+                        </a:rPr>
+                        <m:t>=</m:t>
+                      </m:r>
+                      <m:r>
+                        <a:rPr lang="en-US" sz="2000" b="0" i="1" smtClean="0">
+                          <a:latin typeface="Cambria Math" charset="0"/>
+                        </a:rPr>
+                        <m:t>𝑀𝑆</m:t>
+                      </m:r>
+                      <m:sSub>
+                        <m:sSubPr>
+                          <m:ctrlPr>
+                            <a:rPr lang="en-US" sz="2000" b="0" i="1" smtClean="0">
+                              <a:latin typeface="Cambria Math" charset="0"/>
+                            </a:rPr>
+                          </m:ctrlPr>
+                        </m:sSubPr>
+                        <m:e>
+                          <m:r>
+                            <a:rPr lang="en-US" sz="2000" b="0" i="1" smtClean="0">
+                              <a:latin typeface="Cambria Math" charset="0"/>
+                            </a:rPr>
+                            <m:t>𝐸</m:t>
+                          </m:r>
+                        </m:e>
+                        <m:sub>
+                          <m:r>
+                            <a:rPr lang="en-US" sz="2000" b="0" i="1" smtClean="0">
+                              <a:latin typeface="Cambria Math" charset="0"/>
+                            </a:rPr>
+                            <m:t>𝐵</m:t>
+                          </m:r>
+                        </m:sub>
+                      </m:sSub>
+                      <m:r>
+                        <a:rPr lang="en-US" sz="2000" b="0" i="1" smtClean="0">
+                          <a:latin typeface="Cambria Math" charset="0"/>
+                        </a:rPr>
+                        <m:t>=</m:t>
+                      </m:r>
+                      <m:f>
+                        <m:fPr>
+                          <m:ctrlPr>
+                            <a:rPr lang="en-US" sz="2000" b="0" i="1" smtClean="0">
+                              <a:latin typeface="Cambria Math" charset="0"/>
+                            </a:rPr>
+                          </m:ctrlPr>
+                        </m:fPr>
+                        <m:num>
+                          <m:r>
+                            <a:rPr lang="en-US" sz="2000" b="0" i="1" smtClean="0">
+                              <a:latin typeface="Cambria Math" charset="0"/>
+                            </a:rPr>
+                            <m:t>1</m:t>
+                          </m:r>
+                        </m:num>
+                        <m:den>
+                          <m:sSub>
+                            <m:sSubPr>
+                              <m:ctrlPr>
+                                <a:rPr lang="en-US" sz="2000" b="0" i="1" smtClean="0">
+                                  <a:latin typeface="Cambria Math" charset="0"/>
+                                </a:rPr>
+                              </m:ctrlPr>
+                            </m:sSubPr>
+                            <m:e>
+                              <m:r>
+                                <a:rPr lang="en-US" sz="2000" b="0" i="1" smtClean="0">
+                                  <a:latin typeface="Cambria Math" charset="0"/>
+                                </a:rPr>
+                                <m:t>𝑁</m:t>
+                              </m:r>
+                            </m:e>
+                            <m:sub>
+                              <m:r>
+                                <a:rPr lang="en-US" sz="2000" b="0" i="1" smtClean="0">
+                                  <a:latin typeface="Cambria Math" charset="0"/>
+                                </a:rPr>
+                                <m:t>𝑙</m:t>
+                              </m:r>
+                            </m:sub>
+                          </m:sSub>
+                        </m:den>
+                      </m:f>
+                      <m:nary>
+                        <m:naryPr>
+                          <m:chr m:val="∑"/>
+                          <m:ctrlPr>
+                            <a:rPr lang="is-IS" sz="2000" b="0" i="1" smtClean="0">
+                              <a:latin typeface="Cambria Math" charset="0"/>
+                            </a:rPr>
+                          </m:ctrlPr>
+                        </m:naryPr>
+                        <m:sub>
+                          <m:r>
+                            <m:rPr>
+                              <m:brk m:alnAt="23"/>
+                            </m:rPr>
+                            <a:rPr lang="en-US" sz="2000" b="0" i="1" smtClean="0">
+                              <a:latin typeface="Cambria Math" charset="0"/>
+                            </a:rPr>
+                            <m:t>𝑖</m:t>
+                          </m:r>
+                          <m:r>
+                            <a:rPr lang="en-US" sz="2000" b="0" i="1" smtClean="0">
+                              <a:latin typeface="Cambria Math" charset="0"/>
+                            </a:rPr>
+                            <m:t>=0 </m:t>
+                          </m:r>
+                        </m:sub>
+                        <m:sup>
+                          <m:sSub>
+                            <m:sSubPr>
+                              <m:ctrlPr>
+                                <a:rPr lang="en-US" sz="2000" b="0" i="1" smtClean="0">
+                                  <a:latin typeface="Cambria Math" charset="0"/>
+                                </a:rPr>
+                              </m:ctrlPr>
+                            </m:sSubPr>
+                            <m:e>
+                              <m:r>
+                                <a:rPr lang="en-US" sz="2000" b="0" i="1" smtClean="0">
+                                  <a:latin typeface="Cambria Math" charset="0"/>
+                                </a:rPr>
+                                <m:t>𝑁</m:t>
+                              </m:r>
+                            </m:e>
+                            <m:sub>
+                              <m:r>
+                                <a:rPr lang="en-US" sz="2000" b="0" i="1" smtClean="0">
+                                  <a:latin typeface="Cambria Math" charset="0"/>
+                                </a:rPr>
+                                <m:t>𝑙</m:t>
+                              </m:r>
+                            </m:sub>
+                          </m:sSub>
+                        </m:sup>
+                        <m:e>
+                          <m:sSup>
+                            <m:sSupPr>
+                              <m:ctrlPr>
+                                <a:rPr lang="en-US" sz="2000" b="0" i="1" smtClean="0">
+                                  <a:latin typeface="Cambria Math" charset="0"/>
+                                </a:rPr>
+                              </m:ctrlPr>
+                            </m:sSupPr>
+                            <m:e>
+                              <m:d>
+                                <m:dPr>
+                                  <m:begChr m:val="|"/>
+                                  <m:endChr m:val="|"/>
+                                  <m:ctrlPr>
+                                    <a:rPr lang="hr-HR" sz="2000" b="0" i="1" smtClean="0">
+                                      <a:latin typeface="Cambria Math" charset="0"/>
+                                    </a:rPr>
+                                  </m:ctrlPr>
+                                </m:dPr>
+                                <m:e>
+                                  <m:r>
+                                    <a:rPr lang="en-US" sz="2000" b="0" i="1" smtClean="0">
+                                      <a:latin typeface="Cambria Math" charset="0"/>
+                                    </a:rPr>
+                                    <m:t>𝑢</m:t>
+                                  </m:r>
+                                  <m:d>
+                                    <m:dPr>
+                                      <m:ctrlPr>
+                                        <a:rPr lang="en-US" sz="2000" b="0" i="1" smtClean="0">
+                                          <a:latin typeface="Cambria Math" charset="0"/>
+                                        </a:rPr>
+                                      </m:ctrlPr>
+                                    </m:dPr>
+                                    <m:e>
+                                      <m:r>
+                                        <a:rPr lang="en-US" sz="2000" b="0" i="1" smtClean="0">
+                                          <a:latin typeface="Cambria Math" charset="0"/>
+                                        </a:rPr>
+                                        <m:t>−1,</m:t>
+                                      </m:r>
+                                      <m:sSub>
+                                        <m:sSubPr>
+                                          <m:ctrlPr>
+                                            <a:rPr lang="en-US" sz="2000" b="0" i="1" smtClean="0">
+                                              <a:latin typeface="Cambria Math" charset="0"/>
+                                            </a:rPr>
+                                          </m:ctrlPr>
+                                        </m:sSubPr>
+                                        <m:e>
+                                          <m:r>
+                                            <a:rPr lang="en-US" sz="2000" b="0" i="1" smtClean="0">
+                                              <a:latin typeface="Cambria Math" charset="0"/>
+                                            </a:rPr>
+                                            <m:t>𝑡</m:t>
+                                          </m:r>
+                                        </m:e>
+                                        <m:sub>
+                                          <m:r>
+                                            <a:rPr lang="en-US" sz="2000" b="0" i="1" smtClean="0">
+                                              <a:latin typeface="Cambria Math" charset="0"/>
+                                            </a:rPr>
+                                            <m:t>𝑖</m:t>
+                                          </m:r>
+                                        </m:sub>
+                                      </m:sSub>
+                                    </m:e>
+                                  </m:d>
+                                </m:e>
+                              </m:d>
+                            </m:e>
+                            <m:sup>
+                              <m:r>
+                                <a:rPr lang="en-US" sz="2000" b="0" i="1" smtClean="0">
+                                  <a:latin typeface="Cambria Math" charset="0"/>
+                                </a:rPr>
+                                <m:t>2</m:t>
+                              </m:r>
+                            </m:sup>
+                          </m:sSup>
+                        </m:e>
+                      </m:nary>
+                      <m:r>
+                        <a:rPr lang="en-US" sz="2000" b="0" i="1" smtClean="0">
+                          <a:latin typeface="Cambria Math" charset="0"/>
+                        </a:rPr>
+                        <m:t>+</m:t>
+                      </m:r>
+                      <m:f>
+                        <m:fPr>
+                          <m:ctrlPr>
+                            <a:rPr lang="en-US" sz="2000" b="0" i="1" smtClean="0">
+                              <a:latin typeface="Cambria Math" charset="0"/>
+                            </a:rPr>
+                          </m:ctrlPr>
+                        </m:fPr>
+                        <m:num>
+                          <m:r>
+                            <a:rPr lang="en-US" sz="2000" b="0" i="1" smtClean="0">
+                              <a:latin typeface="Cambria Math" charset="0"/>
+                            </a:rPr>
+                            <m:t>1</m:t>
+                          </m:r>
+                        </m:num>
+                        <m:den>
+                          <m:sSub>
+                            <m:sSubPr>
+                              <m:ctrlPr>
+                                <a:rPr lang="en-US" sz="2000" b="0" i="1" smtClean="0">
+                                  <a:latin typeface="Cambria Math" charset="0"/>
+                                </a:rPr>
+                              </m:ctrlPr>
+                            </m:sSubPr>
+                            <m:e>
+                              <m:r>
+                                <a:rPr lang="en-US" sz="2000" b="0" i="1" smtClean="0">
+                                  <a:latin typeface="Cambria Math" charset="0"/>
+                                </a:rPr>
+                                <m:t>𝑁</m:t>
+                              </m:r>
+                            </m:e>
+                            <m:sub>
+                              <m:r>
+                                <a:rPr lang="en-US" sz="2000" b="0" i="1" smtClean="0">
+                                  <a:latin typeface="Cambria Math" charset="0"/>
+                                </a:rPr>
+                                <m:t>𝑟</m:t>
+                              </m:r>
+                            </m:sub>
+                          </m:sSub>
+                        </m:den>
+                      </m:f>
+                      <m:nary>
+                        <m:naryPr>
+                          <m:chr m:val="∑"/>
+                          <m:ctrlPr>
+                            <a:rPr lang="is-IS" sz="2000" b="0" i="1" smtClean="0">
+                              <a:latin typeface="Cambria Math" charset="0"/>
+                            </a:rPr>
+                          </m:ctrlPr>
+                        </m:naryPr>
+                        <m:sub>
+                          <m:r>
+                            <a:rPr lang="en-US" sz="2000" b="0" i="1" smtClean="0">
+                              <a:latin typeface="Cambria Math" charset="0"/>
+                            </a:rPr>
+                            <m:t>𝑗</m:t>
+                          </m:r>
+                          <m:r>
+                            <a:rPr lang="en-US" sz="2000" b="0" i="1" smtClean="0">
+                              <a:latin typeface="Cambria Math" charset="0"/>
+                            </a:rPr>
+                            <m:t>=0 </m:t>
+                          </m:r>
+                        </m:sub>
+                        <m:sup>
+                          <m:sSub>
+                            <m:sSubPr>
+                              <m:ctrlPr>
+                                <a:rPr lang="en-US" sz="2000" b="0" i="1" smtClean="0">
+                                  <a:latin typeface="Cambria Math" charset="0"/>
+                                </a:rPr>
+                              </m:ctrlPr>
+                            </m:sSubPr>
+                            <m:e>
+                              <m:r>
+                                <a:rPr lang="en-US" sz="2000" b="0" i="1" smtClean="0">
+                                  <a:latin typeface="Cambria Math" charset="0"/>
+                                </a:rPr>
+                                <m:t>𝑁</m:t>
+                              </m:r>
+                            </m:e>
+                            <m:sub>
+                              <m:r>
+                                <a:rPr lang="en-US" sz="2000" b="0" i="1" smtClean="0">
+                                  <a:latin typeface="Cambria Math" charset="0"/>
+                                </a:rPr>
+                                <m:t>𝑟</m:t>
+                              </m:r>
+                            </m:sub>
+                          </m:sSub>
+                        </m:sup>
+                        <m:e>
+                          <m:sSup>
+                            <m:sSupPr>
+                              <m:ctrlPr>
+                                <a:rPr lang="en-US" sz="2000" b="0" i="1" smtClean="0">
+                                  <a:latin typeface="Cambria Math" charset="0"/>
+                                </a:rPr>
+                              </m:ctrlPr>
+                            </m:sSupPr>
+                            <m:e>
+                              <m:d>
+                                <m:dPr>
+                                  <m:begChr m:val="|"/>
+                                  <m:endChr m:val="|"/>
+                                  <m:ctrlPr>
+                                    <a:rPr lang="hr-HR" sz="2000" b="0" i="1" smtClean="0">
+                                      <a:latin typeface="Cambria Math" charset="0"/>
+                                    </a:rPr>
+                                  </m:ctrlPr>
+                                </m:dPr>
+                                <m:e>
+                                  <m:r>
+                                    <a:rPr lang="en-US" sz="2000" b="0" i="1" smtClean="0">
+                                      <a:latin typeface="Cambria Math" charset="0"/>
+                                    </a:rPr>
+                                    <m:t>𝑢</m:t>
+                                  </m:r>
+                                  <m:d>
+                                    <m:dPr>
+                                      <m:ctrlPr>
+                                        <a:rPr lang="en-US" sz="2000" b="0" i="1" smtClean="0">
+                                          <a:latin typeface="Cambria Math" charset="0"/>
+                                        </a:rPr>
+                                      </m:ctrlPr>
+                                    </m:dPr>
+                                    <m:e>
+                                      <m:r>
+                                        <a:rPr lang="en-US" sz="2000" b="0" i="1" smtClean="0">
+                                          <a:latin typeface="Cambria Math" charset="0"/>
+                                        </a:rPr>
+                                        <m:t>1,</m:t>
+                                      </m:r>
+                                      <m:sSub>
+                                        <m:sSubPr>
+                                          <m:ctrlPr>
+                                            <a:rPr lang="en-US" sz="2000" b="0" i="1" smtClean="0">
+                                              <a:latin typeface="Cambria Math" charset="0"/>
+                                            </a:rPr>
+                                          </m:ctrlPr>
+                                        </m:sSubPr>
+                                        <m:e>
+                                          <m:r>
+                                            <a:rPr lang="en-US" sz="2000" b="0" i="1" smtClean="0">
+                                              <a:latin typeface="Cambria Math" charset="0"/>
+                                            </a:rPr>
+                                            <m:t>𝑡</m:t>
+                                          </m:r>
+                                        </m:e>
+                                        <m:sub>
+                                          <m:r>
+                                            <a:rPr lang="en-US" sz="2000" b="0" i="1" smtClean="0">
+                                              <a:latin typeface="Cambria Math" charset="0"/>
+                                            </a:rPr>
+                                            <m:t>𝑗</m:t>
+                                          </m:r>
+                                        </m:sub>
+                                      </m:sSub>
+                                    </m:e>
+                                  </m:d>
+                                </m:e>
+                              </m:d>
+                            </m:e>
+                            <m:sup>
+                              <m:r>
+                                <a:rPr lang="en-US" sz="2000" b="0" i="1" smtClean="0">
+                                  <a:latin typeface="Cambria Math" charset="0"/>
+                                </a:rPr>
+                                <m:t>2</m:t>
+                              </m:r>
+                            </m:sup>
+                          </m:sSup>
+                        </m:e>
+                      </m:nary>
+                    </m:oMath>
+                  </m:oMathPara>
                 </a14:m>
-                <a:r>
-                  <a:rPr lang="en-US" sz="2000" dirty="0">
-                    <a:latin typeface="Titillium Web" panose="00000500000000000000" pitchFamily="2" charset="0"/>
-                    <a:cs typeface="Arial" pitchFamily="34" charset="0"/>
-                  </a:rPr>
-                  <a:t> is time, and </a:t>
-                </a:r>
-                <a14:m>
-                  <m:oMath xmlns:m="http://schemas.openxmlformats.org/officeDocument/2006/math">
-                    <m:r>
-                      <a:rPr lang="en-US" sz="2000" b="0" i="1" smtClean="0">
-                        <a:latin typeface="Cambria Math" charset="0"/>
-                        <a:cs typeface="Arial" pitchFamily="34" charset="0"/>
-                      </a:rPr>
-                      <m:t>𝜈</m:t>
-                    </m:r>
-                  </m:oMath>
-                </a14:m>
-                <a:r>
-                  <a:rPr lang="en-US" sz="2000" dirty="0">
-                    <a:latin typeface="Titillium Web" panose="00000500000000000000" pitchFamily="2" charset="0"/>
-                    <a:cs typeface="Arial" pitchFamily="34" charset="0"/>
-                  </a:rPr>
-                  <a:t> is the diffusion coefficient. </a:t>
-                </a:r>
+                <a:endParaRPr lang="en-US" sz="2000" b="0" dirty="0" smtClean="0"/>
               </a:p>
               <a:p>
                 <a:pPr marL="0" indent="0">
@@ -8044,7 +9001,7 @@
               <p:cNvPr id="3" name="Content Placeholder 2">
                 <a:extLst>
                   <a:ext uri="{FF2B5EF4-FFF2-40B4-BE49-F238E27FC236}">
-                    <a16:creationId xmlns:a16="http://schemas.microsoft.com/office/drawing/2014/main" id="{4620106C-EA50-E0FD-FB61-D3CF3E9F901A}"/>
+                    <a16:creationId xmlns:a16="http://schemas.microsoft.com/office/drawing/2014/main" xmlns:a14="http://schemas.microsoft.com/office/drawing/2010/main" xmlns="" id="{4620106C-EA50-E0FD-FB61-D3CF3E9F901A}"/>
                   </a:ext>
                 </a:extLst>
               </p:cNvPr>
@@ -8056,10 +9013,14 @@
               </p:nvPr>
             </p:nvSpPr>
             <p:spPr>
-              <a:blipFill>
+              <a:xfrm>
+                <a:off x="685800" y="1097491"/>
+                <a:ext cx="10515600" cy="6014509"/>
+              </a:xfrm>
+              <a:blipFill rotWithShape="0">
                 <a:blip r:embed="rId2"/>
                 <a:stretch>
-                  <a:fillRect l="-638" t="-280" r="-580"/>
+                  <a:fillRect l="-638" t="-405" r="-580"/>
                 </a:stretch>
               </a:blipFill>
             </p:spPr>
@@ -8088,6 +9049,319 @@
   <p:clrMapOvr>
     <a:masterClrMapping/>
   </p:clrMapOvr>
+  <p:timing>
+    <p:tnLst>
+      <p:par>
+        <p:cTn id="1" dur="indefinite" restart="never" nodeType="tmRoot"/>
+      </p:par>
+    </p:tnLst>
+  </p:timing>
+</p:sld>
+</file>
+
+<file path=ppt/slides/slide7.xml><?xml version="1.0" encoding="utf-8"?>
+<p:sld xmlns:a="http://schemas.openxmlformats.org/drawingml/2006/main" xmlns:r="http://schemas.openxmlformats.org/officeDocument/2006/relationships" xmlns:p="http://schemas.openxmlformats.org/presentationml/2006/main">
+  <p:cSld>
+    <p:spTree>
+      <p:nvGrpSpPr>
+        <p:cNvPr id="1" name=""/>
+        <p:cNvGrpSpPr/>
+        <p:nvPr/>
+      </p:nvGrpSpPr>
+      <p:grpSpPr>
+        <a:xfrm>
+          <a:off x="0" y="0"/>
+          <a:ext cx="0" cy="0"/>
+          <a:chOff x="0" y="0"/>
+          <a:chExt cx="0" cy="0"/>
+        </a:xfrm>
+      </p:grpSpPr>
+      <p:sp>
+        <p:nvSpPr>
+          <p:cNvPr id="2" name="Title 1">
+            <a:extLst>
+              <a:ext uri="{FF2B5EF4-FFF2-40B4-BE49-F238E27FC236}">
+                <a16:creationId xmlns:a16="http://schemas.microsoft.com/office/drawing/2014/main" xmlns="" id="{80487D18-0C2D-139A-CE9A-5846B55FC3E7}"/>
+              </a:ext>
+            </a:extLst>
+          </p:cNvPr>
+          <p:cNvSpPr>
+            <a:spLocks noGrp="1"/>
+          </p:cNvSpPr>
+          <p:nvPr>
+            <p:ph type="title"/>
+          </p:nvPr>
+        </p:nvSpPr>
+        <p:spPr>
+          <a:xfrm>
+            <a:off x="0" y="0"/>
+            <a:ext cx="2091267" cy="1325563"/>
+          </a:xfrm>
+        </p:spPr>
+        <p:txBody>
+          <a:bodyPr/>
+          <a:lstStyle/>
+          <a:p>
+            <a:r>
+              <a:rPr lang="en-US" dirty="0"/>
+              <a:t>Example</a:t>
+            </a:r>
+          </a:p>
+        </p:txBody>
+      </p:sp>
+      <p:pic>
+        <p:nvPicPr>
+          <p:cNvPr id="4" name="Picture 3"/>
+          <p:cNvPicPr>
+            <a:picLocks noChangeAspect="1"/>
+          </p:cNvPicPr>
+          <p:nvPr/>
+        </p:nvPicPr>
+        <p:blipFill>
+          <a:blip r:embed="rId2">
+            <a:extLst>
+              <a:ext uri="{28A0092B-C50C-407E-A947-70E740481C1C}">
+                <a14:useLocalDpi xmlns:a14="http://schemas.microsoft.com/office/drawing/2010/main" val="0"/>
+              </a:ext>
+            </a:extLst>
+          </a:blip>
+          <a:stretch>
+            <a:fillRect/>
+          </a:stretch>
+        </p:blipFill>
+        <p:spPr>
+          <a:xfrm>
+            <a:off x="2777067" y="123296"/>
+            <a:ext cx="9414933" cy="3386667"/>
+          </a:xfrm>
+          <a:prstGeom prst="rect">
+            <a:avLst/>
+          </a:prstGeom>
+        </p:spPr>
+      </p:pic>
+      <p:pic>
+        <p:nvPicPr>
+          <p:cNvPr id="5" name="Picture 4"/>
+          <p:cNvPicPr>
+            <a:picLocks noChangeAspect="1"/>
+          </p:cNvPicPr>
+          <p:nvPr/>
+        </p:nvPicPr>
+        <p:blipFill>
+          <a:blip r:embed="rId3">
+            <a:extLst>
+              <a:ext uri="{28A0092B-C50C-407E-A947-70E740481C1C}">
+                <a14:useLocalDpi xmlns:a14="http://schemas.microsoft.com/office/drawing/2010/main" val="0"/>
+              </a:ext>
+            </a:extLst>
+          </a:blip>
+          <a:stretch>
+            <a:fillRect/>
+          </a:stretch>
+        </p:blipFill>
+        <p:spPr>
+          <a:xfrm>
+            <a:off x="5039783" y="3200400"/>
+            <a:ext cx="4373034" cy="3657600"/>
+          </a:xfrm>
+          <a:prstGeom prst="rect">
+            <a:avLst/>
+          </a:prstGeom>
+        </p:spPr>
+      </p:pic>
+      <mc:AlternateContent xmlns:mc="http://schemas.openxmlformats.org/markup-compatibility/2006">
+        <mc:Choice xmlns:a14="http://schemas.microsoft.com/office/drawing/2010/main" Requires="a14">
+          <p:sp>
+            <p:nvSpPr>
+              <p:cNvPr id="6" name="TextBox 5"/>
+              <p:cNvSpPr txBox="1"/>
+              <p:nvPr/>
+            </p:nvSpPr>
+            <p:spPr>
+              <a:xfrm>
+                <a:off x="149225" y="4288896"/>
+                <a:ext cx="3759200" cy="2308324"/>
+              </a:xfrm>
+              <a:prstGeom prst="rect">
+                <a:avLst/>
+              </a:prstGeom>
+              <a:noFill/>
+            </p:spPr>
+            <p:txBody>
+              <a:bodyPr wrap="square" rtlCol="0">
+                <a:spAutoFit/>
+              </a:bodyPr>
+              <a:lstStyle/>
+              <a:p>
+                <a:r>
+                  <a:rPr lang="en-US" sz="2400" b="1" dirty="0" smtClean="0"/>
+                  <a:t>NN specifications:</a:t>
+                </a:r>
+                <a:endParaRPr lang="en-US" sz="2400" dirty="0" smtClean="0"/>
+              </a:p>
+              <a:p>
+                <a:r>
+                  <a:rPr lang="en-US" sz="2400" dirty="0" smtClean="0"/>
+                  <a:t>No of layers: 4 </a:t>
+                </a:r>
+              </a:p>
+              <a:p>
+                <a:r>
+                  <a:rPr lang="en-US" sz="2400" dirty="0" smtClean="0"/>
+                  <a:t>No of hidden units: 32</a:t>
+                </a:r>
+              </a:p>
+              <a:p>
+                <a:r>
+                  <a:rPr lang="en-US" sz="2400" dirty="0" smtClean="0"/>
+                  <a:t>Learning rate: </a:t>
+                </a:r>
+                <a14:m>
+                  <m:oMath xmlns:m="http://schemas.openxmlformats.org/officeDocument/2006/math">
+                    <m:sSup>
+                      <m:sSupPr>
+                        <m:ctrlPr>
+                          <a:rPr lang="en-US" sz="2400" b="0" i="1" smtClean="0">
+                            <a:latin typeface="Cambria Math" charset="0"/>
+                          </a:rPr>
+                        </m:ctrlPr>
+                      </m:sSupPr>
+                      <m:e>
+                        <m:r>
+                          <a:rPr lang="en-US" sz="2400" b="0" i="1" smtClean="0">
+                            <a:latin typeface="Cambria Math" charset="0"/>
+                          </a:rPr>
+                          <m:t>10</m:t>
+                        </m:r>
+                      </m:e>
+                      <m:sup>
+                        <m:r>
+                          <a:rPr lang="en-US" sz="2400" b="0" i="1" smtClean="0">
+                            <a:latin typeface="Cambria Math" charset="0"/>
+                          </a:rPr>
+                          <m:t>−4</m:t>
+                        </m:r>
+                      </m:sup>
+                    </m:sSup>
+                  </m:oMath>
+                </a14:m>
+                <a:endParaRPr lang="en-US" sz="2400" dirty="0" smtClean="0"/>
+              </a:p>
+              <a:p>
+                <a:r>
+                  <a:rPr lang="en-US" sz="2400" dirty="0" smtClean="0"/>
+                  <a:t>Optimizer: ADAM</a:t>
+                </a:r>
+              </a:p>
+              <a:p>
+                <a:r>
+                  <a:rPr lang="en-US" sz="2400" dirty="0" smtClean="0"/>
+                  <a:t>Activation Function: </a:t>
+                </a:r>
+                <a14:m>
+                  <m:oMath xmlns:m="http://schemas.openxmlformats.org/officeDocument/2006/math">
+                    <m:func>
+                      <m:funcPr>
+                        <m:ctrlPr>
+                          <a:rPr lang="en-US" sz="2400" b="0" i="1" smtClean="0">
+                            <a:latin typeface="Cambria Math" charset="0"/>
+                          </a:rPr>
+                        </m:ctrlPr>
+                      </m:funcPr>
+                      <m:fName>
+                        <m:r>
+                          <m:rPr>
+                            <m:sty m:val="p"/>
+                          </m:rPr>
+                          <a:rPr lang="en-US" sz="2400" b="0" i="0" smtClean="0">
+                            <a:latin typeface="Cambria Math" charset="0"/>
+                          </a:rPr>
+                          <m:t>tanh</m:t>
+                        </m:r>
+                      </m:fName>
+                      <m:e>
+                        <m:d>
+                          <m:dPr>
+                            <m:ctrlPr>
+                              <a:rPr lang="en-US" sz="2400" b="0" i="1" smtClean="0">
+                                <a:latin typeface="Cambria Math" charset="0"/>
+                              </a:rPr>
+                            </m:ctrlPr>
+                          </m:dPr>
+                          <m:e>
+                            <m:r>
+                              <a:rPr lang="en-US" sz="2400" b="0" i="1" smtClean="0">
+                                <a:latin typeface="Cambria Math" charset="0"/>
+                              </a:rPr>
+                              <m:t>⋅</m:t>
+                            </m:r>
+                          </m:e>
+                        </m:d>
+                      </m:e>
+                    </m:func>
+                  </m:oMath>
+                </a14:m>
+                <a:endParaRPr lang="en-US" sz="2400" b="0" dirty="0" smtClean="0"/>
+              </a:p>
+            </p:txBody>
+          </p:sp>
+        </mc:Choice>
+        <mc:Fallback>
+          <p:sp>
+            <p:nvSpPr>
+              <p:cNvPr id="6" name="TextBox 5"/>
+              <p:cNvSpPr txBox="1">
+                <a:spLocks noRot="1" noChangeAspect="1" noMove="1" noResize="1" noEditPoints="1" noAdjustHandles="1" noChangeArrowheads="1" noChangeShapeType="1" noTextEdit="1"/>
+              </p:cNvSpPr>
+              <p:nvPr/>
+            </p:nvSpPr>
+            <p:spPr>
+              <a:xfrm>
+                <a:off x="149225" y="4288896"/>
+                <a:ext cx="3759200" cy="2308324"/>
+              </a:xfrm>
+              <a:prstGeom prst="rect">
+                <a:avLst/>
+              </a:prstGeom>
+              <a:blipFill rotWithShape="0">
+                <a:blip r:embed="rId4"/>
+                <a:stretch>
+                  <a:fillRect l="-2431" t="-2116" b="-5291"/>
+                </a:stretch>
+              </a:blipFill>
+            </p:spPr>
+            <p:txBody>
+              <a:bodyPr/>
+              <a:lstStyle/>
+              <a:p>
+                <a:r>
+                  <a:rPr lang="en-US">
+                    <a:noFill/>
+                  </a:rPr>
+                  <a:t> </a:t>
+                </a:r>
+              </a:p>
+            </p:txBody>
+          </p:sp>
+        </mc:Fallback>
+      </mc:AlternateContent>
+    </p:spTree>
+    <p:extLst>
+      <p:ext uri="{BB962C8B-B14F-4D97-AF65-F5344CB8AC3E}">
+        <p14:creationId xmlns:p14="http://schemas.microsoft.com/office/powerpoint/2010/main" val="1198855099"/>
+      </p:ext>
+    </p:extLst>
+  </p:cSld>
+  <p:clrMapOvr>
+    <a:masterClrMapping/>
+  </p:clrMapOvr>
+  <p:timing>
+    <p:tnLst>
+      <p:par>
+        <p:cTn id="1" dur="indefinite" restart="never" nodeType="tmRoot"/>
+      </p:par>
+    </p:tnLst>
+  </p:timing>
 </p:sld>
 </file>
 
@@ -8113,7 +9387,7 @@
           <p:cNvPr id="2" name="Title 1">
             <a:extLst>
               <a:ext uri="{FF2B5EF4-FFF2-40B4-BE49-F238E27FC236}">
-                <a16:creationId xmlns:a16="http://schemas.microsoft.com/office/drawing/2014/main" id="{F649BAA4-99C6-1186-E62F-4C8F5240904B}"/>
+                <a16:creationId xmlns:a16="http://schemas.microsoft.com/office/drawing/2014/main" xmlns="" id="{80487D18-0C2D-139A-CE9A-5846B55FC3E7}"/>
               </a:ext>
             </a:extLst>
           </p:cNvPr>
@@ -8124,651 +9398,246 @@
             <p:ph type="title"/>
           </p:nvPr>
         </p:nvSpPr>
-        <p:spPr/>
+        <p:spPr>
+          <a:xfrm>
+            <a:off x="0" y="0"/>
+            <a:ext cx="2091267" cy="1325563"/>
+          </a:xfrm>
+        </p:spPr>
         <p:txBody>
           <a:bodyPr/>
           <a:lstStyle/>
           <a:p>
             <a:r>
               <a:rPr lang="en-US" dirty="0"/>
-              <a:t>Loss Function</a:t>
+              <a:t>Example</a:t>
             </a:r>
           </a:p>
         </p:txBody>
       </p:sp>
+      <p:pic>
+        <p:nvPicPr>
+          <p:cNvPr id="3" name="Picture 2"/>
+          <p:cNvPicPr>
+            <a:picLocks noChangeAspect="1"/>
+          </p:cNvPicPr>
+          <p:nvPr/>
+        </p:nvPicPr>
+        <p:blipFill>
+          <a:blip r:embed="rId2">
+            <a:extLst>
+              <a:ext uri="{28A0092B-C50C-407E-A947-70E740481C1C}">
+                <a14:useLocalDpi xmlns:a14="http://schemas.microsoft.com/office/drawing/2010/main" val="0"/>
+              </a:ext>
+            </a:extLst>
+          </a:blip>
+          <a:stretch>
+            <a:fillRect/>
+          </a:stretch>
+        </p:blipFill>
+        <p:spPr>
+          <a:xfrm>
+            <a:off x="3674533" y="142239"/>
+            <a:ext cx="4199467" cy="3346027"/>
+          </a:xfrm>
+          <a:prstGeom prst="rect">
+            <a:avLst/>
+          </a:prstGeom>
+        </p:spPr>
+      </p:pic>
+      <p:pic>
+        <p:nvPicPr>
+          <p:cNvPr id="6" name="Picture 5"/>
+          <p:cNvPicPr>
+            <a:picLocks noChangeAspect="1"/>
+          </p:cNvPicPr>
+          <p:nvPr/>
+        </p:nvPicPr>
+        <p:blipFill>
+          <a:blip r:embed="rId3">
+            <a:extLst>
+              <a:ext uri="{28A0092B-C50C-407E-A947-70E740481C1C}">
+                <a14:useLocalDpi xmlns:a14="http://schemas.microsoft.com/office/drawing/2010/main" val="0"/>
+              </a:ext>
+            </a:extLst>
+          </a:blip>
+          <a:stretch>
+            <a:fillRect/>
+          </a:stretch>
+        </p:blipFill>
+        <p:spPr>
+          <a:xfrm>
+            <a:off x="8176260" y="0"/>
+            <a:ext cx="3846407" cy="3346027"/>
+          </a:xfrm>
+          <a:prstGeom prst="rect">
+            <a:avLst/>
+          </a:prstGeom>
+        </p:spPr>
+      </p:pic>
+      <p:pic>
+        <p:nvPicPr>
+          <p:cNvPr id="7" name="Picture 6"/>
+          <p:cNvPicPr>
+            <a:picLocks noChangeAspect="1"/>
+          </p:cNvPicPr>
+          <p:nvPr/>
+        </p:nvPicPr>
+        <p:blipFill>
+          <a:blip r:embed="rId4">
+            <a:extLst>
+              <a:ext uri="{28A0092B-C50C-407E-A947-70E740481C1C}">
+                <a14:useLocalDpi xmlns:a14="http://schemas.microsoft.com/office/drawing/2010/main" val="0"/>
+              </a:ext>
+            </a:extLst>
+          </a:blip>
+          <a:stretch>
+            <a:fillRect/>
+          </a:stretch>
+        </p:blipFill>
+        <p:spPr>
+          <a:xfrm>
+            <a:off x="6020647" y="3372114"/>
+            <a:ext cx="4311226" cy="3485886"/>
+          </a:xfrm>
+          <a:prstGeom prst="rect">
+            <a:avLst/>
+          </a:prstGeom>
+        </p:spPr>
+      </p:pic>
       <mc:AlternateContent xmlns:mc="http://schemas.openxmlformats.org/markup-compatibility/2006">
         <mc:Choice xmlns:a14="http://schemas.microsoft.com/office/drawing/2010/main" Requires="a14">
           <p:sp>
             <p:nvSpPr>
-              <p:cNvPr id="3" name="Content Placeholder 2">
-                <a:extLst>
-                  <a:ext uri="{FF2B5EF4-FFF2-40B4-BE49-F238E27FC236}">
-                    <a16:creationId xmlns:a16="http://schemas.microsoft.com/office/drawing/2014/main" id="{3888BF3A-8B96-BFC7-F483-E9DB735E8580}"/>
-                  </a:ext>
-                </a:extLst>
-              </p:cNvPr>
-              <p:cNvSpPr>
-                <a:spLocks noGrp="1"/>
-              </p:cNvSpPr>
-              <p:nvPr>
-                <p:ph sz="half" idx="1"/>
-              </p:nvPr>
+              <p:cNvPr id="8" name="TextBox 7"/>
+              <p:cNvSpPr txBox="1"/>
+              <p:nvPr/>
             </p:nvSpPr>
             <p:spPr>
               <a:xfrm>
-                <a:off x="838199" y="1825625"/>
-                <a:ext cx="10737915" cy="4351338"/>
+                <a:off x="149225" y="4288896"/>
+                <a:ext cx="3759200" cy="2308324"/>
               </a:xfrm>
+              <a:prstGeom prst="rect">
+                <a:avLst/>
+              </a:prstGeom>
+              <a:noFill/>
             </p:spPr>
             <p:txBody>
-              <a:bodyPr>
-                <a:normAutofit/>
+              <a:bodyPr wrap="square" rtlCol="0">
+                <a:spAutoFit/>
               </a:bodyPr>
               <a:lstStyle/>
               <a:p>
-                <a:pPr marL="0" indent="0">
-                  <a:buNone/>
-                </a:pPr>
                 <a:r>
-                  <a:rPr lang="en-US" sz="2400" dirty="0"/>
-                  <a:t>We used the following loss function to minimize in order to approximate </a:t>
+                  <a:rPr lang="en-US" sz="2400" b="1" dirty="0" smtClean="0"/>
+                  <a:t>NN specifications:</a:t>
+                </a:r>
+                <a:endParaRPr lang="en-US" sz="2400" dirty="0" smtClean="0"/>
+              </a:p>
+              <a:p>
+                <a:r>
+                  <a:rPr lang="en-US" sz="2400" dirty="0" smtClean="0"/>
+                  <a:t>No of layers: 4 </a:t>
+                </a:r>
+              </a:p>
+              <a:p>
+                <a:r>
+                  <a:rPr lang="en-US" sz="2400" dirty="0" smtClean="0"/>
+                  <a:t>No of hidden units: 32</a:t>
+                </a:r>
+              </a:p>
+              <a:p>
+                <a:r>
+                  <a:rPr lang="en-US" sz="2400" dirty="0" smtClean="0"/>
+                  <a:t>Learning rate: </a:t>
                 </a:r>
                 <a14:m>
                   <m:oMath xmlns:m="http://schemas.openxmlformats.org/officeDocument/2006/math">
-                    <m:r>
-                      <a:rPr lang="en-US" sz="2400" b="0" i="1" smtClean="0">
-                        <a:latin typeface="Cambria Math" panose="02040503050406030204" pitchFamily="18" charset="0"/>
-                      </a:rPr>
-                      <m:t>𝑢</m:t>
-                    </m:r>
-                    <m:d>
-                      <m:dPr>
+                    <m:sSup>
+                      <m:sSupPr>
                         <m:ctrlPr>
                           <a:rPr lang="en-US" sz="2400" b="0" i="1" smtClean="0">
-                            <a:latin typeface="Cambria Math" panose="02040503050406030204" pitchFamily="18" charset="0"/>
+                            <a:latin typeface="Cambria Math" charset="0"/>
                           </a:rPr>
                         </m:ctrlPr>
-                      </m:dPr>
+                      </m:sSupPr>
                       <m:e>
                         <m:r>
                           <a:rPr lang="en-US" sz="2400" b="0" i="1" smtClean="0">
-                            <a:latin typeface="Cambria Math" panose="02040503050406030204" pitchFamily="18" charset="0"/>
+                            <a:latin typeface="Cambria Math" charset="0"/>
                           </a:rPr>
-                          <m:t>𝑥</m:t>
+                          <m:t>10</m:t>
                         </m:r>
+                      </m:e>
+                      <m:sup>
                         <m:r>
                           <a:rPr lang="en-US" sz="2400" b="0" i="1" smtClean="0">
-                            <a:latin typeface="Cambria Math" panose="02040503050406030204" pitchFamily="18" charset="0"/>
+                            <a:latin typeface="Cambria Math" charset="0"/>
                           </a:rPr>
-                          <m:t>,</m:t>
+                          <m:t>−4</m:t>
                         </m:r>
-                        <m:r>
-                          <a:rPr lang="en-US" sz="2400" b="0" i="1" smtClean="0">
-                            <a:latin typeface="Cambria Math" panose="02040503050406030204" pitchFamily="18" charset="0"/>
-                          </a:rPr>
-                          <m:t>𝑡</m:t>
-                        </m:r>
-                      </m:e>
-                    </m:d>
+                      </m:sup>
+                    </m:sSup>
                   </m:oMath>
                 </a14:m>
-                <a:endParaRPr lang="en-US" sz="2400" dirty="0"/>
+                <a:endParaRPr lang="en-US" sz="2400" dirty="0" smtClean="0"/>
               </a:p>
               <a:p>
-                <a:pPr marL="0" indent="0">
-                  <a:buNone/>
-                </a:pPr>
-                <a:endParaRPr lang="en-US" sz="2400" dirty="0"/>
+                <a:r>
+                  <a:rPr lang="en-US" sz="2400" dirty="0" smtClean="0"/>
+                  <a:t>Optimizer: ADAM</a:t>
+                </a:r>
               </a:p>
               <a:p>
-                <a:pPr marL="0" indent="0">
-                  <a:buNone/>
-                </a:pPr>
-                <a:endParaRPr lang="en-US" sz="2400" dirty="0"/>
-              </a:p>
-              <a:p>
-                <a:pPr marL="0" indent="0">
-                  <a:buNone/>
-                </a:pPr>
-                <a14:m>
-                  <m:oMathPara xmlns:m="http://schemas.openxmlformats.org/officeDocument/2006/math">
-                    <m:oMathParaPr>
-                      <m:jc m:val="centerGroup"/>
-                    </m:oMathParaPr>
-                    <m:oMath xmlns:m="http://schemas.openxmlformats.org/officeDocument/2006/math">
-                      <m:r>
-                        <a:rPr lang="en-US" sz="2000" b="0" i="1" smtClean="0">
-                          <a:latin typeface="Cambria Math" panose="02040503050406030204" pitchFamily="18" charset="0"/>
-                        </a:rPr>
-                        <m:t>𝐿𝑜𝑠𝑠</m:t>
-                      </m:r>
-                      <m:r>
-                        <a:rPr lang="en-US" sz="2000" b="0" i="1" smtClean="0">
-                          <a:latin typeface="Cambria Math" panose="02040503050406030204" pitchFamily="18" charset="0"/>
-                        </a:rPr>
-                        <m:t>=</m:t>
-                      </m:r>
-                      <m:sSub>
-                        <m:sSubPr>
-                          <m:ctrlPr>
-                            <a:rPr lang="en-US" sz="2000" b="0" i="1" smtClean="0">
-                              <a:latin typeface="Cambria Math" panose="02040503050406030204" pitchFamily="18" charset="0"/>
-                            </a:rPr>
-                          </m:ctrlPr>
-                        </m:sSubPr>
-                        <m:e>
-                          <m:r>
-                            <a:rPr lang="en-US" sz="2000" b="0" i="1" smtClean="0">
-                              <a:latin typeface="Cambria Math" panose="02040503050406030204" pitchFamily="18" charset="0"/>
-                            </a:rPr>
-                            <m:t>𝜆</m:t>
-                          </m:r>
-                        </m:e>
-                        <m:sub>
-                          <m:r>
-                            <a:rPr lang="en-US" sz="2000" b="0" i="1" smtClean="0">
-                              <a:latin typeface="Cambria Math" panose="02040503050406030204" pitchFamily="18" charset="0"/>
-                            </a:rPr>
-                            <m:t>1</m:t>
-                          </m:r>
-                        </m:sub>
-                      </m:sSub>
-                      <m:sSup>
-                        <m:sSupPr>
-                          <m:ctrlPr>
-                            <a:rPr lang="en-US" sz="2000" b="0" i="1" smtClean="0">
-                              <a:latin typeface="Cambria Math" panose="02040503050406030204" pitchFamily="18" charset="0"/>
-                            </a:rPr>
-                          </m:ctrlPr>
-                        </m:sSupPr>
-                        <m:e>
-                          <m:d>
-                            <m:dPr>
-                              <m:ctrlPr>
-                                <a:rPr lang="en-US" sz="2000" b="0" i="1" smtClean="0">
-                                  <a:latin typeface="Cambria Math" panose="02040503050406030204" pitchFamily="18" charset="0"/>
-                                </a:rPr>
-                              </m:ctrlPr>
-                            </m:dPr>
-                            <m:e>
-                              <m:sSub>
-                                <m:sSubPr>
-                                  <m:ctrlPr>
-                                    <a:rPr lang="en-US" sz="2000" b="0" i="1" smtClean="0">
-                                      <a:latin typeface="Cambria Math" panose="02040503050406030204" pitchFamily="18" charset="0"/>
-                                    </a:rPr>
-                                  </m:ctrlPr>
-                                </m:sSubPr>
-                                <m:e>
-                                  <m:r>
-                                    <a:rPr lang="en-US" sz="2000" b="0" i="1" smtClean="0">
-                                      <a:latin typeface="Cambria Math" panose="02040503050406030204" pitchFamily="18" charset="0"/>
-                                    </a:rPr>
-                                    <m:t>𝑢</m:t>
-                                  </m:r>
-                                </m:e>
-                                <m:sub>
-                                  <m:r>
-                                    <a:rPr lang="en-US" sz="2000" b="0" i="1" smtClean="0">
-                                      <a:latin typeface="Cambria Math" panose="02040503050406030204" pitchFamily="18" charset="0"/>
-                                    </a:rPr>
-                                    <m:t>𝑡</m:t>
-                                  </m:r>
-                                </m:sub>
-                              </m:sSub>
-                              <m:r>
-                                <a:rPr lang="en-US" sz="2000" b="0" i="1" smtClean="0">
-                                  <a:latin typeface="Cambria Math" panose="02040503050406030204" pitchFamily="18" charset="0"/>
-                                </a:rPr>
-                                <m:t>+</m:t>
-                              </m:r>
-                              <m:r>
-                                <a:rPr lang="en-US" sz="2000" b="0" i="1" smtClean="0">
-                                  <a:latin typeface="Cambria Math" panose="02040503050406030204" pitchFamily="18" charset="0"/>
-                                </a:rPr>
-                                <m:t>𝑢</m:t>
-                              </m:r>
-                              <m:sSub>
-                                <m:sSubPr>
-                                  <m:ctrlPr>
-                                    <a:rPr lang="en-US" sz="2000" b="0" i="1" smtClean="0">
-                                      <a:latin typeface="Cambria Math" panose="02040503050406030204" pitchFamily="18" charset="0"/>
-                                    </a:rPr>
-                                  </m:ctrlPr>
-                                </m:sSubPr>
-                                <m:e>
-                                  <m:r>
-                                    <a:rPr lang="en-US" sz="2000" b="0" i="1" smtClean="0">
-                                      <a:latin typeface="Cambria Math" panose="02040503050406030204" pitchFamily="18" charset="0"/>
-                                    </a:rPr>
-                                    <m:t>𝑢</m:t>
-                                  </m:r>
-                                </m:e>
-                                <m:sub>
-                                  <m:r>
-                                    <a:rPr lang="en-US" sz="2000" b="0" i="1" smtClean="0">
-                                      <a:latin typeface="Cambria Math" panose="02040503050406030204" pitchFamily="18" charset="0"/>
-                                    </a:rPr>
-                                    <m:t>𝑥</m:t>
-                                  </m:r>
-                                </m:sub>
-                              </m:sSub>
-                              <m:r>
-                                <a:rPr lang="en-US" sz="2000" b="0" i="1" smtClean="0">
-                                  <a:latin typeface="Cambria Math" panose="02040503050406030204" pitchFamily="18" charset="0"/>
-                                </a:rPr>
-                                <m:t>−</m:t>
-                              </m:r>
-                              <m:sSub>
-                                <m:sSubPr>
-                                  <m:ctrlPr>
-                                    <a:rPr lang="en-US" sz="2000" b="0" i="1" smtClean="0">
-                                      <a:latin typeface="Cambria Math" panose="02040503050406030204" pitchFamily="18" charset="0"/>
-                                    </a:rPr>
-                                  </m:ctrlPr>
-                                </m:sSubPr>
-                                <m:e>
-                                  <m:r>
-                                    <a:rPr lang="en-US" sz="2000" b="0" i="1" smtClean="0">
-                                      <a:latin typeface="Cambria Math" panose="02040503050406030204" pitchFamily="18" charset="0"/>
-                                    </a:rPr>
-                                    <m:t>𝑢</m:t>
-                                  </m:r>
-                                </m:e>
-                                <m:sub>
-                                  <m:r>
-                                    <a:rPr lang="en-US" sz="2000" b="0" i="1" smtClean="0">
-                                      <a:latin typeface="Cambria Math" panose="02040503050406030204" pitchFamily="18" charset="0"/>
-                                    </a:rPr>
-                                    <m:t>𝑡𝑡</m:t>
-                                  </m:r>
-                                </m:sub>
-                              </m:sSub>
-                            </m:e>
-                          </m:d>
-                        </m:e>
-                        <m:sup>
-                          <m:r>
-                            <a:rPr lang="en-US" sz="2000" b="0" i="1" smtClean="0">
-                              <a:latin typeface="Cambria Math" panose="02040503050406030204" pitchFamily="18" charset="0"/>
-                            </a:rPr>
-                            <m:t>2</m:t>
-                          </m:r>
-                        </m:sup>
-                      </m:sSup>
-                      <m:r>
-                        <a:rPr lang="en-US" sz="2000" b="0" i="1" smtClean="0">
-                          <a:latin typeface="Cambria Math" panose="02040503050406030204" pitchFamily="18" charset="0"/>
-                        </a:rPr>
-                        <m:t>+</m:t>
-                      </m:r>
-                      <m:sSub>
-                        <m:sSubPr>
-                          <m:ctrlPr>
-                            <a:rPr lang="en-US" sz="2000" b="0" i="1" smtClean="0">
-                              <a:latin typeface="Cambria Math" panose="02040503050406030204" pitchFamily="18" charset="0"/>
-                            </a:rPr>
-                          </m:ctrlPr>
-                        </m:sSubPr>
-                        <m:e>
-                          <m:r>
-                            <a:rPr lang="en-US" sz="2000" b="0" i="1" smtClean="0">
-                              <a:latin typeface="Cambria Math" panose="02040503050406030204" pitchFamily="18" charset="0"/>
-                            </a:rPr>
-                            <m:t>𝜆</m:t>
-                          </m:r>
-                        </m:e>
-                        <m:sub>
-                          <m:r>
-                            <a:rPr lang="en-US" sz="2000" b="0" i="1" smtClean="0">
-                              <a:latin typeface="Cambria Math" panose="02040503050406030204" pitchFamily="18" charset="0"/>
-                            </a:rPr>
-                            <m:t>2</m:t>
-                          </m:r>
-                        </m:sub>
-                      </m:sSub>
-                      <m:sSup>
-                        <m:sSupPr>
-                          <m:ctrlPr>
-                            <a:rPr lang="en-US" sz="2000" b="0" i="1" smtClean="0">
-                              <a:latin typeface="Cambria Math" panose="02040503050406030204" pitchFamily="18" charset="0"/>
-                            </a:rPr>
-                          </m:ctrlPr>
-                        </m:sSupPr>
-                        <m:e>
-                          <m:d>
-                            <m:dPr>
-                              <m:ctrlPr>
-                                <a:rPr lang="en-US" sz="2000" b="0" i="1" smtClean="0">
-                                  <a:latin typeface="Cambria Math" panose="02040503050406030204" pitchFamily="18" charset="0"/>
-                                </a:rPr>
-                              </m:ctrlPr>
-                            </m:dPr>
-                            <m:e>
-                              <m:r>
-                                <a:rPr lang="en-US" sz="2000" b="0" i="1" smtClean="0">
-                                  <a:latin typeface="Cambria Math" panose="02040503050406030204" pitchFamily="18" charset="0"/>
-                                </a:rPr>
-                                <m:t>𝑢</m:t>
-                              </m:r>
-                              <m:d>
-                                <m:dPr>
-                                  <m:ctrlPr>
-                                    <a:rPr lang="en-US" sz="2000" b="0" i="1" smtClean="0">
-                                      <a:latin typeface="Cambria Math" panose="02040503050406030204" pitchFamily="18" charset="0"/>
-                                    </a:rPr>
-                                  </m:ctrlPr>
-                                </m:dPr>
-                                <m:e>
-                                  <m:r>
-                                    <a:rPr lang="en-US" sz="2000" b="0" i="1" smtClean="0">
-                                      <a:latin typeface="Cambria Math" panose="02040503050406030204" pitchFamily="18" charset="0"/>
-                                    </a:rPr>
-                                    <m:t>𝑥</m:t>
-                                  </m:r>
-                                  <m:r>
-                                    <a:rPr lang="en-US" sz="2000" b="0" i="1" smtClean="0">
-                                      <a:latin typeface="Cambria Math" panose="02040503050406030204" pitchFamily="18" charset="0"/>
-                                    </a:rPr>
-                                    <m:t>,0</m:t>
-                                  </m:r>
-                                </m:e>
-                              </m:d>
-                              <m:r>
-                                <a:rPr lang="en-US" sz="2000" b="0" i="1" smtClean="0">
-                                  <a:latin typeface="Cambria Math" panose="02040503050406030204" pitchFamily="18" charset="0"/>
-                                </a:rPr>
-                                <m:t>+</m:t>
-                              </m:r>
-                              <m:r>
-                                <m:rPr>
-                                  <m:sty m:val="p"/>
-                                </m:rPr>
-                                <a:rPr lang="en-US" sz="2000" b="0" i="1" smtClean="0">
-                                  <a:latin typeface="Cambria Math" panose="02040503050406030204" pitchFamily="18" charset="0"/>
-                                </a:rPr>
-                                <m:t>sin</m:t>
-                              </m:r>
-                              <m:d>
-                                <m:dPr>
-                                  <m:ctrlPr>
-                                    <a:rPr lang="en-US" sz="2000" b="0" i="1" smtClean="0">
-                                      <a:latin typeface="Cambria Math" panose="02040503050406030204" pitchFamily="18" charset="0"/>
-                                    </a:rPr>
-                                  </m:ctrlPr>
-                                </m:dPr>
-                                <m:e>
-                                  <m:r>
-                                    <a:rPr lang="en-US" sz="2000" b="0" i="1" smtClean="0">
-                                      <a:latin typeface="Cambria Math" panose="02040503050406030204" pitchFamily="18" charset="0"/>
-                                    </a:rPr>
-                                    <m:t>𝜋</m:t>
-                                  </m:r>
-                                  <m:r>
-                                    <a:rPr lang="en-US" sz="2000" b="0" i="1" smtClean="0">
-                                      <a:latin typeface="Cambria Math" panose="02040503050406030204" pitchFamily="18" charset="0"/>
-                                    </a:rPr>
-                                    <m:t>𝑥</m:t>
-                                  </m:r>
-                                </m:e>
-                              </m:d>
-                            </m:e>
-                          </m:d>
-                        </m:e>
-                        <m:sup>
-                          <m:r>
-                            <a:rPr lang="en-US" sz="2000" b="0" i="1" smtClean="0">
-                              <a:latin typeface="Cambria Math" panose="02040503050406030204" pitchFamily="18" charset="0"/>
-                            </a:rPr>
-                            <m:t>2</m:t>
-                          </m:r>
-                        </m:sup>
-                      </m:sSup>
-                      <m:r>
-                        <a:rPr lang="en-US" sz="2000" b="0" i="1" smtClean="0">
-                          <a:latin typeface="Cambria Math" panose="02040503050406030204" pitchFamily="18" charset="0"/>
-                        </a:rPr>
-                        <m:t>+</m:t>
-                      </m:r>
-                      <m:sSub>
-                        <m:sSubPr>
-                          <m:ctrlPr>
-                            <a:rPr lang="en-US" sz="2000" b="0" i="1" smtClean="0">
-                              <a:latin typeface="Cambria Math" panose="02040503050406030204" pitchFamily="18" charset="0"/>
-                            </a:rPr>
-                          </m:ctrlPr>
-                        </m:sSubPr>
-                        <m:e>
-                          <m:r>
-                            <a:rPr lang="en-US" sz="2000" b="0" i="1" smtClean="0">
-                              <a:latin typeface="Cambria Math" panose="02040503050406030204" pitchFamily="18" charset="0"/>
-                            </a:rPr>
-                            <m:t>𝜆</m:t>
-                          </m:r>
-                        </m:e>
-                        <m:sub>
-                          <m:r>
-                            <a:rPr lang="en-US" sz="2000" b="0" i="1" smtClean="0">
-                              <a:latin typeface="Cambria Math" panose="02040503050406030204" pitchFamily="18" charset="0"/>
-                            </a:rPr>
-                            <m:t>3</m:t>
-                          </m:r>
-                        </m:sub>
-                      </m:sSub>
-                      <m:sSup>
-                        <m:sSupPr>
-                          <m:ctrlPr>
-                            <a:rPr lang="en-US" sz="2000" b="0" i="1" smtClean="0">
-                              <a:latin typeface="Cambria Math" panose="02040503050406030204" pitchFamily="18" charset="0"/>
-                            </a:rPr>
-                          </m:ctrlPr>
-                        </m:sSupPr>
-                        <m:e>
-                          <m:d>
-                            <m:dPr>
-                              <m:ctrlPr>
-                                <a:rPr lang="en-US" sz="2000" b="0" i="1" smtClean="0">
-                                  <a:latin typeface="Cambria Math" panose="02040503050406030204" pitchFamily="18" charset="0"/>
-                                </a:rPr>
-                              </m:ctrlPr>
-                            </m:dPr>
-                            <m:e>
-                              <m:r>
-                                <a:rPr lang="en-US" sz="2000" b="0" i="1" smtClean="0">
-                                  <a:latin typeface="Cambria Math" panose="02040503050406030204" pitchFamily="18" charset="0"/>
-                                </a:rPr>
-                                <m:t>𝑢</m:t>
-                              </m:r>
-                              <m:d>
-                                <m:dPr>
-                                  <m:ctrlPr>
-                                    <a:rPr lang="en-US" sz="2000" b="0" i="1" smtClean="0">
-                                      <a:latin typeface="Cambria Math" panose="02040503050406030204" pitchFamily="18" charset="0"/>
-                                    </a:rPr>
-                                  </m:ctrlPr>
-                                </m:dPr>
-                                <m:e>
-                                  <m:r>
-                                    <a:rPr lang="en-US" sz="2000" b="0" i="1" smtClean="0">
-                                      <a:latin typeface="Cambria Math" panose="02040503050406030204" pitchFamily="18" charset="0"/>
-                                    </a:rPr>
-                                    <m:t>−1,</m:t>
-                                  </m:r>
-                                  <m:r>
-                                    <a:rPr lang="en-US" sz="2000" b="0" i="1" smtClean="0">
-                                      <a:latin typeface="Cambria Math" panose="02040503050406030204" pitchFamily="18" charset="0"/>
-                                    </a:rPr>
-                                    <m:t>𝑡</m:t>
-                                  </m:r>
-                                </m:e>
-                              </m:d>
-                              <m:r>
-                                <a:rPr lang="en-US" sz="2000" b="0" i="1" smtClean="0">
-                                  <a:latin typeface="Cambria Math" panose="02040503050406030204" pitchFamily="18" charset="0"/>
-                                </a:rPr>
-                                <m:t>+</m:t>
-                              </m:r>
-                              <m:r>
-                                <a:rPr lang="en-US" sz="2000" b="0" i="1" smtClean="0">
-                                  <a:latin typeface="Cambria Math" panose="02040503050406030204" pitchFamily="18" charset="0"/>
-                                </a:rPr>
-                                <m:t>𝑢</m:t>
-                              </m:r>
-                              <m:d>
-                                <m:dPr>
-                                  <m:ctrlPr>
-                                    <a:rPr lang="en-US" sz="2000" b="0" i="1" smtClean="0">
-                                      <a:latin typeface="Cambria Math" panose="02040503050406030204" pitchFamily="18" charset="0"/>
-                                    </a:rPr>
-                                  </m:ctrlPr>
-                                </m:dPr>
-                                <m:e>
-                                  <m:r>
-                                    <a:rPr lang="en-US" sz="2000" b="0" i="1" smtClean="0">
-                                      <a:latin typeface="Cambria Math" panose="02040503050406030204" pitchFamily="18" charset="0"/>
-                                    </a:rPr>
-                                    <m:t>1,</m:t>
-                                  </m:r>
-                                  <m:r>
-                                    <a:rPr lang="en-US" sz="2000" b="0" i="1" smtClean="0">
-                                      <a:latin typeface="Cambria Math" panose="02040503050406030204" pitchFamily="18" charset="0"/>
-                                    </a:rPr>
-                                    <m:t>𝑡</m:t>
-                                  </m:r>
-                                </m:e>
-                              </m:d>
-                            </m:e>
-                          </m:d>
-                        </m:e>
-                        <m:sup>
-                          <m:r>
-                            <a:rPr lang="en-US" sz="2000" b="0" i="1" smtClean="0">
-                              <a:latin typeface="Cambria Math" panose="02040503050406030204" pitchFamily="18" charset="0"/>
-                            </a:rPr>
-                            <m:t>2</m:t>
-                          </m:r>
-                        </m:sup>
-                      </m:sSup>
-                    </m:oMath>
-                  </m:oMathPara>
-                </a14:m>
-                <a:endParaRPr lang="en-US" sz="2000" dirty="0"/>
-              </a:p>
-              <a:p>
-                <a:pPr marL="0" indent="0">
-                  <a:buNone/>
-                </a:pPr>
-                <a:endParaRPr lang="en-US" sz="2000" dirty="0"/>
-              </a:p>
-              <a:p>
-                <a:pPr marL="0" indent="0">
-                  <a:buNone/>
-                </a:pPr>
                 <a:r>
-                  <a:rPr lang="en-US" sz="2000" dirty="0"/>
-                  <a:t>Where </a:t>
+                  <a:rPr lang="en-US" sz="2400" dirty="0" smtClean="0"/>
+                  <a:t>Activation Function: </a:t>
                 </a:r>
                 <a14:m>
                   <m:oMath xmlns:m="http://schemas.openxmlformats.org/officeDocument/2006/math">
-                    <m:sSub>
-                      <m:sSubPr>
+                    <m:func>
+                      <m:funcPr>
                         <m:ctrlPr>
-                          <a:rPr lang="en-US" sz="2000" b="0" i="1" smtClean="0">
-                            <a:latin typeface="Cambria Math" panose="02040503050406030204" pitchFamily="18" charset="0"/>
+                          <a:rPr lang="en-US" sz="2400" b="0" i="1" smtClean="0">
+                            <a:latin typeface="Cambria Math" charset="0"/>
                           </a:rPr>
                         </m:ctrlPr>
-                      </m:sSubPr>
+                      </m:funcPr>
+                      <m:fName>
+                        <m:r>
+                          <m:rPr>
+                            <m:sty m:val="p"/>
+                          </m:rPr>
+                          <a:rPr lang="en-US" sz="2400" b="0" i="0" smtClean="0">
+                            <a:latin typeface="Cambria Math" charset="0"/>
+                          </a:rPr>
+                          <m:t>tanh</m:t>
+                        </m:r>
+                      </m:fName>
                       <m:e>
-                        <m:r>
-                          <a:rPr lang="en-US" sz="2000" b="0" i="1" smtClean="0">
-                            <a:latin typeface="Cambria Math" panose="02040503050406030204" pitchFamily="18" charset="0"/>
-                          </a:rPr>
-                          <m:t>𝜆</m:t>
-                        </m:r>
+                        <m:d>
+                          <m:dPr>
+                            <m:ctrlPr>
+                              <a:rPr lang="en-US" sz="2400" b="0" i="1" smtClean="0">
+                                <a:latin typeface="Cambria Math" charset="0"/>
+                              </a:rPr>
+                            </m:ctrlPr>
+                          </m:dPr>
+                          <m:e>
+                            <m:r>
+                              <a:rPr lang="en-US" sz="2400" b="0" i="1" smtClean="0">
+                                <a:latin typeface="Cambria Math" charset="0"/>
+                              </a:rPr>
+                              <m:t>⋅</m:t>
+                            </m:r>
+                          </m:e>
+                        </m:d>
                       </m:e>
-                      <m:sub>
-                        <m:r>
-                          <a:rPr lang="en-US" sz="2000" b="0" i="1" smtClean="0">
-                            <a:latin typeface="Cambria Math" panose="02040503050406030204" pitchFamily="18" charset="0"/>
-                          </a:rPr>
-                          <m:t>1</m:t>
-                        </m:r>
-                      </m:sub>
-                    </m:sSub>
-                    <m:r>
-                      <a:rPr lang="en-US" sz="2000" b="0" i="1" smtClean="0">
-                        <a:latin typeface="Cambria Math" panose="02040503050406030204" pitchFamily="18" charset="0"/>
-                      </a:rPr>
-                      <m:t>,</m:t>
-                    </m:r>
-                    <m:sSub>
-                      <m:sSubPr>
-                        <m:ctrlPr>
-                          <a:rPr lang="en-US" sz="2000" b="0" i="1" smtClean="0">
-                            <a:latin typeface="Cambria Math" panose="02040503050406030204" pitchFamily="18" charset="0"/>
-                          </a:rPr>
-                        </m:ctrlPr>
-                      </m:sSubPr>
-                      <m:e>
-                        <m:r>
-                          <a:rPr lang="en-US" sz="2000" b="0" i="1" smtClean="0">
-                            <a:latin typeface="Cambria Math" panose="02040503050406030204" pitchFamily="18" charset="0"/>
-                          </a:rPr>
-                          <m:t>𝜆</m:t>
-                        </m:r>
-                      </m:e>
-                      <m:sub>
-                        <m:r>
-                          <a:rPr lang="en-US" sz="2000" b="0" i="1" smtClean="0">
-                            <a:latin typeface="Cambria Math" panose="02040503050406030204" pitchFamily="18" charset="0"/>
-                          </a:rPr>
-                          <m:t>2</m:t>
-                        </m:r>
-                      </m:sub>
-                    </m:sSub>
-                    <m:r>
-                      <a:rPr lang="en-US" sz="2000" b="0" i="1" smtClean="0">
-                        <a:latin typeface="Cambria Math" panose="02040503050406030204" pitchFamily="18" charset="0"/>
-                      </a:rPr>
-                      <m:t>𝑎𝑛𝑑</m:t>
-                    </m:r>
-                    <m:r>
-                      <a:rPr lang="en-US" sz="2000" b="0" i="1" smtClean="0">
-                        <a:latin typeface="Cambria Math" panose="02040503050406030204" pitchFamily="18" charset="0"/>
-                      </a:rPr>
-                      <m:t> </m:t>
-                    </m:r>
-                    <m:sSub>
-                      <m:sSubPr>
-                        <m:ctrlPr>
-                          <a:rPr lang="en-US" sz="2000" b="0" i="1" smtClean="0">
-                            <a:latin typeface="Cambria Math" panose="02040503050406030204" pitchFamily="18" charset="0"/>
-                          </a:rPr>
-                        </m:ctrlPr>
-                      </m:sSubPr>
-                      <m:e>
-                        <m:r>
-                          <a:rPr lang="en-US" sz="2000" b="0" i="1" smtClean="0">
-                            <a:latin typeface="Cambria Math" panose="02040503050406030204" pitchFamily="18" charset="0"/>
-                          </a:rPr>
-                          <m:t>𝜆</m:t>
-                        </m:r>
-                      </m:e>
-                      <m:sub>
-                        <m:r>
-                          <a:rPr lang="en-US" sz="2000" b="0" i="1" smtClean="0">
-                            <a:latin typeface="Cambria Math" panose="02040503050406030204" pitchFamily="18" charset="0"/>
-                          </a:rPr>
-                          <m:t>3</m:t>
-                        </m:r>
-                      </m:sub>
-                    </m:sSub>
+                    </m:func>
                   </m:oMath>
                 </a14:m>
-                <a:r>
-                  <a:rPr lang="en-US" sz="2000" dirty="0"/>
-                  <a:t> are hyper parameters set to prioritize each loss term.</a:t>
-                </a:r>
+                <a:endParaRPr lang="en-US" sz="2400" b="0" dirty="0" smtClean="0"/>
               </a:p>
             </p:txBody>
           </p:sp>
@@ -8776,29 +9645,24 @@
         <mc:Fallback>
           <p:sp>
             <p:nvSpPr>
-              <p:cNvPr id="3" name="Content Placeholder 2">
-                <a:extLst>
-                  <a:ext uri="{FF2B5EF4-FFF2-40B4-BE49-F238E27FC236}">
-                    <a16:creationId xmlns:a16="http://schemas.microsoft.com/office/drawing/2014/main" id="{3888BF3A-8B96-BFC7-F483-E9DB735E8580}"/>
-                  </a:ext>
-                </a:extLst>
-              </p:cNvPr>
-              <p:cNvSpPr>
-                <a:spLocks noGrp="1" noRot="1" noChangeAspect="1" noMove="1" noResize="1" noEditPoints="1" noAdjustHandles="1" noChangeArrowheads="1" noChangeShapeType="1" noTextEdit="1"/>
+              <p:cNvPr id="8" name="TextBox 7"/>
+              <p:cNvSpPr txBox="1">
+                <a:spLocks noRot="1" noChangeAspect="1" noMove="1" noResize="1" noEditPoints="1" noAdjustHandles="1" noChangeArrowheads="1" noChangeShapeType="1" noTextEdit="1"/>
               </p:cNvSpPr>
-              <p:nvPr>
-                <p:ph sz="half" idx="1"/>
-              </p:nvPr>
+              <p:nvPr/>
             </p:nvSpPr>
             <p:spPr>
               <a:xfrm>
-                <a:off x="838199" y="1825625"/>
-                <a:ext cx="10737915" cy="4351338"/>
+                <a:off x="149225" y="4288896"/>
+                <a:ext cx="3759200" cy="2308324"/>
               </a:xfrm>
-              <a:blipFill>
-                <a:blip r:embed="rId2"/>
+              <a:prstGeom prst="rect">
+                <a:avLst/>
+              </a:prstGeom>
+              <a:blipFill rotWithShape="0">
+                <a:blip r:embed="rId5"/>
                 <a:stretch>
-                  <a:fillRect l="-851" t="-1821"/>
+                  <a:fillRect l="-2431" t="-2116" b="-5291"/>
                 </a:stretch>
               </a:blipFill>
             </p:spPr>
@@ -8820,27 +9684,26 @@
     </p:spTree>
     <p:extLst>
       <p:ext uri="{BB962C8B-B14F-4D97-AF65-F5344CB8AC3E}">
-        <p14:creationId xmlns:p14="http://schemas.microsoft.com/office/powerpoint/2010/main" val="3328984879"/>
+        <p14:creationId xmlns:p14="http://schemas.microsoft.com/office/powerpoint/2010/main" val="389422834"/>
       </p:ext>
     </p:extLst>
   </p:cSld>
   <p:clrMapOvr>
     <a:masterClrMapping/>
   </p:clrMapOvr>
+  <p:timing>
+    <p:tnLst>
+      <p:par>
+        <p:cTn id="1" dur="indefinite" restart="never" nodeType="tmRoot"/>
+      </p:par>
+    </p:tnLst>
+  </p:timing>
 </p:sld>
 </file>
 
 <file path=ppt/slides/slide9.xml><?xml version="1.0" encoding="utf-8"?>
 <p:sld xmlns:a="http://schemas.openxmlformats.org/drawingml/2006/main" xmlns:r="http://schemas.openxmlformats.org/officeDocument/2006/relationships" xmlns:p="http://schemas.openxmlformats.org/presentationml/2006/main">
   <p:cSld>
-    <p:bg>
-      <p:bgPr>
-        <a:solidFill>
-          <a:schemeClr val="bg1"/>
-        </a:solidFill>
-        <a:effectLst/>
-      </p:bgPr>
-    </p:bg>
     <p:spTree>
       <p:nvGrpSpPr>
         <p:cNvPr id="1" name=""/>
@@ -8855,72 +9718,12 @@
           <a:chExt cx="0" cy="0"/>
         </a:xfrm>
       </p:grpSpPr>
-      <p:sp useBgFill="1">
-        <p:nvSpPr>
-          <p:cNvPr id="32" name="Rectangle 31">
-            <a:extLst>
-              <a:ext uri="{FF2B5EF4-FFF2-40B4-BE49-F238E27FC236}">
-                <a16:creationId xmlns:a16="http://schemas.microsoft.com/office/drawing/2014/main" id="{99ED5833-B85B-4103-8A3B-CAB0308E6C15}"/>
-              </a:ext>
-              <a:ext uri="{C183D7F6-B498-43B3-948B-1728B52AA6E4}">
-                <adec:decorative xmlns:adec="http://schemas.microsoft.com/office/drawing/2017/decorative" val="1"/>
-              </a:ext>
-            </a:extLst>
-          </p:cNvPr>
-          <p:cNvSpPr>
-            <a:spLocks noGrp="1" noRot="1" noChangeAspect="1" noMove="1" noResize="1" noEditPoints="1" noAdjustHandles="1" noChangeArrowheads="1" noChangeShapeType="1" noTextEdit="1"/>
-          </p:cNvSpPr>
-          <p:nvPr>
-            <p:extLst>
-              <p:ext uri="{386F3935-93C4-4BCD-93E2-E3B085C9AB24}">
-                <p16:designElem xmlns:p16="http://schemas.microsoft.com/office/powerpoint/2015/main" val="1"/>
-              </p:ext>
-            </p:extLst>
-          </p:nvPr>
-        </p:nvSpPr>
-        <p:spPr>
-          <a:xfrm>
-            <a:off x="-1" y="0"/>
-            <a:ext cx="12188952" cy="6858000"/>
-          </a:xfrm>
-          <a:prstGeom prst="rect">
-            <a:avLst/>
-          </a:prstGeom>
-          <a:ln>
-            <a:noFill/>
-          </a:ln>
-        </p:spPr>
-        <p:style>
-          <a:lnRef idx="2">
-            <a:schemeClr val="accent1">
-              <a:shade val="50000"/>
-            </a:schemeClr>
-          </a:lnRef>
-          <a:fillRef idx="1">
-            <a:schemeClr val="accent1"/>
-          </a:fillRef>
-          <a:effectRef idx="0">
-            <a:schemeClr val="accent1"/>
-          </a:effectRef>
-          <a:fontRef idx="minor">
-            <a:schemeClr val="lt1"/>
-          </a:fontRef>
-        </p:style>
-        <p:txBody>
-          <a:bodyPr rtlCol="0" anchor="ctr"/>
-          <a:lstStyle/>
-          <a:p>
-            <a:pPr algn="ctr"/>
-            <a:endParaRPr lang="en-US"/>
-          </a:p>
-        </p:txBody>
-      </p:sp>
       <p:sp>
         <p:nvSpPr>
           <p:cNvPr id="2" name="Title 1">
             <a:extLst>
               <a:ext uri="{FF2B5EF4-FFF2-40B4-BE49-F238E27FC236}">
-                <a16:creationId xmlns:a16="http://schemas.microsoft.com/office/drawing/2014/main" id="{515EB476-5C94-D774-33E7-06D7B897EA8F}"/>
+                <a16:creationId xmlns:a16="http://schemas.microsoft.com/office/drawing/2014/main" xmlns="" id="{80487D18-0C2D-139A-CE9A-5846B55FC3E7}"/>
               </a:ext>
             </a:extLst>
           </p:cNvPr>
@@ -8933,94 +9736,187 @@
         </p:nvSpPr>
         <p:spPr>
           <a:xfrm>
-            <a:off x="1198181" y="560881"/>
-            <a:ext cx="9795638" cy="1114380"/>
+            <a:off x="250825" y="152400"/>
+            <a:ext cx="7315200" cy="1325563"/>
           </a:xfrm>
         </p:spPr>
         <p:txBody>
-          <a:bodyPr vert="horz" lIns="91440" tIns="45720" rIns="91440" bIns="45720" rtlCol="0" anchor="b">
+          <a:bodyPr>
             <a:normAutofit/>
           </a:bodyPr>
           <a:lstStyle/>
           <a:p>
-            <a:pPr algn="ctr"/>
-            <a:r>
-              <a:rPr lang="en-US" sz="5200"/>
-              <a:t>Results</a:t>
-            </a:r>
+            <a:r>
+              <a:rPr lang="en-US" dirty="0" smtClean="0"/>
+              <a:t>Physics-informed </a:t>
+            </a:r>
+            <a:r>
+              <a:rPr lang="en-US" dirty="0" err="1" smtClean="0"/>
+              <a:t>DeepOnet</a:t>
+            </a:r>
+            <a:r>
+              <a:rPr lang="en-US" dirty="0" smtClean="0"/>
+              <a:t>  </a:t>
+            </a:r>
+            <a:endParaRPr lang="en-US" dirty="0"/>
           </a:p>
         </p:txBody>
       </p:sp>
-      <p:pic>
-        <p:nvPicPr>
-          <p:cNvPr id="26" name="Picture 25">
-            <a:extLst>
-              <a:ext uri="{FF2B5EF4-FFF2-40B4-BE49-F238E27FC236}">
-                <a16:creationId xmlns:a16="http://schemas.microsoft.com/office/drawing/2014/main" id="{A6BF15D4-41DC-A204-21D8-63957B125A44}"/>
-              </a:ext>
-            </a:extLst>
-          </p:cNvPr>
-          <p:cNvPicPr>
-            <a:picLocks noChangeAspect="1"/>
-          </p:cNvPicPr>
+      <p:sp>
+        <p:nvSpPr>
+          <p:cNvPr id="5" name="TextBox 4"/>
+          <p:cNvSpPr txBox="1"/>
           <p:nvPr/>
-        </p:nvPicPr>
-        <p:blipFill>
-          <a:blip r:embed="rId2"/>
-          <a:stretch>
-            <a:fillRect/>
-          </a:stretch>
-        </p:blipFill>
+        </p:nvSpPr>
         <p:spPr>
           <a:xfrm>
-            <a:off x="372392" y="3254091"/>
-            <a:ext cx="4057368" cy="3043028"/>
+            <a:off x="524933" y="1477963"/>
+            <a:ext cx="10227734" cy="5509200"/>
           </a:xfrm>
           <a:prstGeom prst="rect">
             <a:avLst/>
           </a:prstGeom>
+          <a:noFill/>
         </p:spPr>
-      </p:pic>
-      <p:pic>
-        <p:nvPicPr>
-          <p:cNvPr id="22" name="Picture 21">
-            <a:extLst>
-              <a:ext uri="{FF2B5EF4-FFF2-40B4-BE49-F238E27FC236}">
-                <a16:creationId xmlns:a16="http://schemas.microsoft.com/office/drawing/2014/main" id="{793F2D4F-C8C3-9064-2C26-E94F31EA50FF}"/>
-              </a:ext>
-            </a:extLst>
-          </p:cNvPr>
-          <p:cNvPicPr>
-            <a:picLocks noChangeAspect="1"/>
-          </p:cNvPicPr>
-          <p:nvPr/>
-        </p:nvPicPr>
-        <p:blipFill>
-          <a:blip r:embed="rId3"/>
-          <a:stretch>
-            <a:fillRect/>
-          </a:stretch>
-        </p:blipFill>
-        <p:spPr>
-          <a:xfrm>
-            <a:off x="4347781" y="3383778"/>
-            <a:ext cx="7841170" cy="2842425"/>
-          </a:xfrm>
-          <a:prstGeom prst="rect">
-            <a:avLst/>
-          </a:prstGeom>
-        </p:spPr>
-      </p:pic>
+        <p:txBody>
+          <a:bodyPr wrap="square" rtlCol="0">
+            <a:spAutoFit/>
+          </a:bodyPr>
+          <a:lstStyle/>
+          <a:p>
+            <a:pPr marL="342900" indent="-342900">
+              <a:lnSpc>
+                <a:spcPct val="150000"/>
+              </a:lnSpc>
+              <a:buFont typeface="Arial" charset="0"/>
+              <a:buChar char="•"/>
+            </a:pPr>
+            <a:r>
+              <a:rPr lang="en-US" sz="2200" dirty="0" smtClean="0"/>
+              <a:t>Unlike PINNs, where we approximate the mapping between finite spaces, PI-</a:t>
+            </a:r>
+            <a:r>
+              <a:rPr lang="en-US" sz="2200" dirty="0" err="1" smtClean="0"/>
+              <a:t>DeepOnet</a:t>
+            </a:r>
+            <a:r>
+              <a:rPr lang="en-US" sz="2200" dirty="0" smtClean="0"/>
+              <a:t> approximates a mapping between two infinite spaces. In other words, PI-</a:t>
+            </a:r>
+            <a:r>
+              <a:rPr lang="en-US" sz="2200" dirty="0" err="1" smtClean="0"/>
+              <a:t>DeepOnet</a:t>
+            </a:r>
+            <a:r>
+              <a:rPr lang="en-US" sz="2200" dirty="0" smtClean="0"/>
+              <a:t> approximates an operator.[4]</a:t>
+            </a:r>
+          </a:p>
+          <a:p>
+            <a:pPr marL="342900" indent="-342900">
+              <a:lnSpc>
+                <a:spcPct val="150000"/>
+              </a:lnSpc>
+              <a:buFont typeface="Arial" charset="0"/>
+              <a:buChar char="•"/>
+            </a:pPr>
+            <a:endParaRPr lang="en-US" sz="2200" dirty="0"/>
+          </a:p>
+          <a:p>
+            <a:pPr marL="342900" indent="-342900">
+              <a:lnSpc>
+                <a:spcPct val="150000"/>
+              </a:lnSpc>
+              <a:buFont typeface="Arial" charset="0"/>
+              <a:buChar char="•"/>
+            </a:pPr>
+            <a:r>
+              <a:rPr lang="en-US" sz="2200" dirty="0" smtClean="0"/>
+              <a:t>  This is based on the theorem of the universal operator </a:t>
+            </a:r>
+            <a:r>
+              <a:rPr lang="en-US" sz="2200" dirty="0" err="1" smtClean="0"/>
+              <a:t>approximator</a:t>
+            </a:r>
+            <a:r>
+              <a:rPr lang="en-US" sz="2200" dirty="0" smtClean="0"/>
+              <a:t> (</a:t>
+            </a:r>
+            <a:r>
+              <a:rPr lang="en-US" sz="2200" dirty="0" err="1" smtClean="0"/>
+              <a:t>chen</a:t>
+            </a:r>
+            <a:r>
+              <a:rPr lang="en-US" sz="2200" dirty="0" smtClean="0"/>
+              <a:t> &amp; </a:t>
+            </a:r>
+            <a:r>
+              <a:rPr lang="en-US" sz="2200" dirty="0" err="1" smtClean="0"/>
+              <a:t>chen</a:t>
+            </a:r>
+            <a:r>
+              <a:rPr lang="en-US" sz="2200" dirty="0" smtClean="0"/>
+              <a:t>, 1995), which states that NNs are capable of approximating a nonlinear </a:t>
+            </a:r>
+            <a:r>
+              <a:rPr lang="en-US" sz="2200" dirty="0" err="1" smtClean="0"/>
+              <a:t>functionals</a:t>
+            </a:r>
+            <a:r>
+              <a:rPr lang="en-US" sz="2200" dirty="0" smtClean="0"/>
+              <a:t> using an arbitrary activation function.[5]</a:t>
+            </a:r>
+          </a:p>
+          <a:p>
+            <a:pPr marL="342900" indent="-342900">
+              <a:lnSpc>
+                <a:spcPct val="150000"/>
+              </a:lnSpc>
+              <a:buFont typeface="Arial" charset="0"/>
+              <a:buChar char="•"/>
+            </a:pPr>
+            <a:endParaRPr lang="en-US" sz="2200" dirty="0" smtClean="0"/>
+          </a:p>
+          <a:p>
+            <a:pPr marL="342900" indent="-342900">
+              <a:lnSpc>
+                <a:spcPct val="150000"/>
+              </a:lnSpc>
+              <a:buFont typeface="Arial" charset="0"/>
+              <a:buChar char="•"/>
+            </a:pPr>
+            <a:r>
+              <a:rPr lang="en-US" sz="2200" dirty="0" smtClean="0"/>
+              <a:t>This implies that NNs can approximate the solution of parametric PDEs, where a NN learns a family of solutions.</a:t>
+            </a:r>
+            <a:endParaRPr lang="en-US" sz="2200" dirty="0"/>
+          </a:p>
+          <a:p>
+            <a:pPr marL="342900" indent="-342900">
+              <a:buFont typeface="Arial" charset="0"/>
+              <a:buChar char="•"/>
+            </a:pPr>
+            <a:endParaRPr lang="en-US" sz="2200" dirty="0"/>
+          </a:p>
+        </p:txBody>
+      </p:sp>
     </p:spTree>
     <p:extLst>
       <p:ext uri="{BB962C8B-B14F-4D97-AF65-F5344CB8AC3E}">
-        <p14:creationId xmlns:p14="http://schemas.microsoft.com/office/powerpoint/2010/main" val="2524044678"/>
+        <p14:creationId xmlns:p14="http://schemas.microsoft.com/office/powerpoint/2010/main" val="1829385619"/>
       </p:ext>
     </p:extLst>
   </p:cSld>
   <p:clrMapOvr>
     <a:masterClrMapping/>
   </p:clrMapOvr>
+  <p:timing>
+    <p:tnLst>
+      <p:par>
+        <p:cTn id="1" dur="indefinite" restart="never" nodeType="tmRoot"/>
+      </p:par>
+    </p:tnLst>
+  </p:timing>
 </p:sld>
 </file>
 
@@ -9035,44 +9931,44 @@
         <a:sysClr val="window" lastClr="FFFFFF"/>
       </a:lt1>
       <a:dk2>
-        <a:srgbClr val="0E2841"/>
+        <a:srgbClr val="44546A"/>
       </a:dk2>
       <a:lt2>
-        <a:srgbClr val="E8E8E8"/>
+        <a:srgbClr val="E7E6E6"/>
       </a:lt2>
       <a:accent1>
-        <a:srgbClr val="156082"/>
+        <a:srgbClr val="4472C4"/>
       </a:accent1>
       <a:accent2>
-        <a:srgbClr val="E97132"/>
+        <a:srgbClr val="ED7D31"/>
       </a:accent2>
       <a:accent3>
-        <a:srgbClr val="196B24"/>
+        <a:srgbClr val="A5A5A5"/>
       </a:accent3>
       <a:accent4>
-        <a:srgbClr val="0F9ED5"/>
+        <a:srgbClr val="FFC000"/>
       </a:accent4>
       <a:accent5>
-        <a:srgbClr val="A02B93"/>
+        <a:srgbClr val="5B9BD5"/>
       </a:accent5>
       <a:accent6>
-        <a:srgbClr val="4EA72E"/>
+        <a:srgbClr val="70AD47"/>
       </a:accent6>
       <a:hlink>
-        <a:srgbClr val="467886"/>
+        <a:srgbClr val="0563C1"/>
       </a:hlink>
       <a:folHlink>
-        <a:srgbClr val="96607D"/>
+        <a:srgbClr val="954F72"/>
       </a:folHlink>
     </a:clrScheme>
     <a:fontScheme name="Office">
       <a:majorFont>
-        <a:latin typeface="Aptos Display" panose="02110004020202020204"/>
+        <a:latin typeface="Calibri Light" panose="020F0302020204030204"/>
         <a:ea typeface=""/>
         <a:cs typeface=""/>
-        <a:font script="Jpan" typeface="游ゴシック Light"/>
+        <a:font script="Jpan" typeface="Yu Gothic Light"/>
         <a:font script="Hang" typeface="맑은 고딕"/>
-        <a:font script="Hans" typeface="等线 Light"/>
+        <a:font script="Hans" typeface="DengXian Light"/>
         <a:font script="Hant" typeface="新細明體"/>
         <a:font script="Arab" typeface="Times New Roman"/>
         <a:font script="Hebr" typeface="Times New Roman"/>
@@ -9100,31 +9996,14 @@
         <a:font script="Viet" typeface="Times New Roman"/>
         <a:font script="Uigh" typeface="Microsoft Uighur"/>
         <a:font script="Geor" typeface="Sylfaen"/>
-        <a:font script="Armn" typeface="Arial"/>
-        <a:font script="Bugi" typeface="Leelawadee UI"/>
-        <a:font script="Bopo" typeface="Microsoft JhengHei"/>
-        <a:font script="Java" typeface="Javanese Text"/>
-        <a:font script="Lisu" typeface="Segoe UI"/>
-        <a:font script="Mymr" typeface="Myanmar Text"/>
-        <a:font script="Nkoo" typeface="Ebrima"/>
-        <a:font script="Olck" typeface="Nirmala UI"/>
-        <a:font script="Osma" typeface="Ebrima"/>
-        <a:font script="Phag" typeface="Phagspa"/>
-        <a:font script="Syrn" typeface="Estrangelo Edessa"/>
-        <a:font script="Syrj" typeface="Estrangelo Edessa"/>
-        <a:font script="Syre" typeface="Estrangelo Edessa"/>
-        <a:font script="Sora" typeface="Nirmala UI"/>
-        <a:font script="Tale" typeface="Microsoft Tai Le"/>
-        <a:font script="Talu" typeface="Microsoft New Tai Lue"/>
-        <a:font script="Tfng" typeface="Ebrima"/>
       </a:majorFont>
       <a:minorFont>
-        <a:latin typeface="Aptos" panose="02110004020202020204"/>
+        <a:latin typeface="Calibri" panose="020F0502020204030204"/>
         <a:ea typeface=""/>
         <a:cs typeface=""/>
-        <a:font script="Jpan" typeface="游ゴシック"/>
+        <a:font script="Jpan" typeface="Yu Gothic"/>
         <a:font script="Hang" typeface="맑은 고딕"/>
-        <a:font script="Hans" typeface="等线"/>
+        <a:font script="Hans" typeface="DengXian"/>
         <a:font script="Hant" typeface="新細明體"/>
         <a:font script="Arab" typeface="Arial"/>
         <a:font script="Hebr" typeface="Arial"/>
@@ -9152,23 +10031,6 @@
         <a:font script="Viet" typeface="Arial"/>
         <a:font script="Uigh" typeface="Microsoft Uighur"/>
         <a:font script="Geor" typeface="Sylfaen"/>
-        <a:font script="Armn" typeface="Arial"/>
-        <a:font script="Bugi" typeface="Leelawadee UI"/>
-        <a:font script="Bopo" typeface="Microsoft JhengHei"/>
-        <a:font script="Java" typeface="Javanese Text"/>
-        <a:font script="Lisu" typeface="Segoe UI"/>
-        <a:font script="Mymr" typeface="Myanmar Text"/>
-        <a:font script="Nkoo" typeface="Ebrima"/>
-        <a:font script="Olck" typeface="Nirmala UI"/>
-        <a:font script="Osma" typeface="Ebrima"/>
-        <a:font script="Phag" typeface="Phagspa"/>
-        <a:font script="Syrn" typeface="Estrangelo Edessa"/>
-        <a:font script="Syrj" typeface="Estrangelo Edessa"/>
-        <a:font script="Syre" typeface="Estrangelo Edessa"/>
-        <a:font script="Sora" typeface="Nirmala UI"/>
-        <a:font script="Tale" typeface="Microsoft Tai Le"/>
-        <a:font script="Talu" typeface="Microsoft New Tai Lue"/>
-        <a:font script="Tfng" typeface="Ebrima"/>
       </a:minorFont>
     </a:fontScheme>
     <a:fmtScheme name="Office">
@@ -9230,6 +10092,13 @@
         </a:gradFill>
       </a:fillStyleLst>
       <a:lnStyleLst>
+        <a:ln w="6350" cap="flat" cmpd="sng" algn="ctr">
+          <a:solidFill>
+            <a:schemeClr val="phClr"/>
+          </a:solidFill>
+          <a:prstDash val="solid"/>
+          <a:miter lim="800000"/>
+        </a:ln>
         <a:ln w="12700" cap="flat" cmpd="sng" algn="ctr">
           <a:solidFill>
             <a:schemeClr val="phClr"/>
@@ -9238,13 +10107,6 @@
           <a:miter lim="800000"/>
         </a:ln>
         <a:ln w="19050" cap="flat" cmpd="sng" algn="ctr">
-          <a:solidFill>
-            <a:schemeClr val="phClr"/>
-          </a:solidFill>
-          <a:prstDash val="solid"/>
-          <a:miter lim="800000"/>
-        </a:ln>
-        <a:ln w="25400" cap="flat" cmpd="sng" algn="ctr">
           <a:solidFill>
             <a:schemeClr val="phClr"/>
           </a:solidFill>
@@ -9309,31 +10171,272 @@
       </a:bgFillStyleLst>
     </a:fmtScheme>
   </a:themeElements>
-  <a:objectDefaults>
-    <a:lnDef>
-      <a:spPr/>
-      <a:bodyPr/>
-      <a:lstStyle/>
-      <a:style>
-        <a:lnRef idx="2">
-          <a:schemeClr val="accent1"/>
-        </a:lnRef>
-        <a:fillRef idx="0">
-          <a:schemeClr val="accent1"/>
-        </a:fillRef>
-        <a:effectRef idx="1">
-          <a:schemeClr val="accent1"/>
-        </a:effectRef>
-        <a:fontRef idx="minor">
-          <a:schemeClr val="tx1"/>
-        </a:fontRef>
-      </a:style>
-    </a:lnDef>
-  </a:objectDefaults>
+  <a:objectDefaults/>
   <a:extraClrSchemeLst/>
   <a:extLst>
     <a:ext uri="{05A4C25C-085E-4340-85A3-A5531E510DB2}">
-      <thm15:themeFamily xmlns:thm15="http://schemas.microsoft.com/office/thememl/2012/main" name="Office Theme" id="{2E142A2C-CD16-42D6-873A-C26D2A0506FA}" vid="{1BDDFF52-6CD6-40A5-AB3C-68EB2F1E4D0A}"/>
+      <thm15:themeFamily xmlns:thm15="http://schemas.microsoft.com/office/thememl/2012/main" name="Office Theme" id="{62F939B6-93AF-4DB8-9C6B-D6C7DFDC589F}" vid="{4A3C46E8-61CC-4603-A589-7422A47A8E4A}"/>
+    </a:ext>
+  </a:extLst>
+</a:theme>
+</file>
+
+<file path=ppt/theme/theme2.xml><?xml version="1.0" encoding="utf-8"?>
+<a:theme xmlns:a="http://schemas.openxmlformats.org/drawingml/2006/main" name="Office Theme">
+  <a:themeElements>
+    <a:clrScheme name="Office">
+      <a:dk1>
+        <a:sysClr val="windowText" lastClr="000000"/>
+      </a:dk1>
+      <a:lt1>
+        <a:sysClr val="window" lastClr="FFFFFF"/>
+      </a:lt1>
+      <a:dk2>
+        <a:srgbClr val="44546A"/>
+      </a:dk2>
+      <a:lt2>
+        <a:srgbClr val="E7E6E6"/>
+      </a:lt2>
+      <a:accent1>
+        <a:srgbClr val="4472C4"/>
+      </a:accent1>
+      <a:accent2>
+        <a:srgbClr val="ED7D31"/>
+      </a:accent2>
+      <a:accent3>
+        <a:srgbClr val="A5A5A5"/>
+      </a:accent3>
+      <a:accent4>
+        <a:srgbClr val="FFC000"/>
+      </a:accent4>
+      <a:accent5>
+        <a:srgbClr val="5B9BD5"/>
+      </a:accent5>
+      <a:accent6>
+        <a:srgbClr val="70AD47"/>
+      </a:accent6>
+      <a:hlink>
+        <a:srgbClr val="0563C1"/>
+      </a:hlink>
+      <a:folHlink>
+        <a:srgbClr val="954F72"/>
+      </a:folHlink>
+    </a:clrScheme>
+    <a:fontScheme name="Office">
+      <a:majorFont>
+        <a:latin typeface="Calibri Light" panose="020F0302020204030204"/>
+        <a:ea typeface=""/>
+        <a:cs typeface=""/>
+        <a:font script="Jpan" typeface="Yu Gothic Light"/>
+        <a:font script="Hang" typeface="맑은 고딕"/>
+        <a:font script="Hans" typeface="DengXian Light"/>
+        <a:font script="Hant" typeface="新細明體"/>
+        <a:font script="Arab" typeface="Times New Roman"/>
+        <a:font script="Hebr" typeface="Times New Roman"/>
+        <a:font script="Thai" typeface="Angsana New"/>
+        <a:font script="Ethi" typeface="Nyala"/>
+        <a:font script="Beng" typeface="Vrinda"/>
+        <a:font script="Gujr" typeface="Shruti"/>
+        <a:font script="Khmr" typeface="MoolBoran"/>
+        <a:font script="Knda" typeface="Tunga"/>
+        <a:font script="Guru" typeface="Raavi"/>
+        <a:font script="Cans" typeface="Euphemia"/>
+        <a:font script="Cher" typeface="Plantagenet Cherokee"/>
+        <a:font script="Yiii" typeface="Microsoft Yi Baiti"/>
+        <a:font script="Tibt" typeface="Microsoft Himalaya"/>
+        <a:font script="Thaa" typeface="MV Boli"/>
+        <a:font script="Deva" typeface="Mangal"/>
+        <a:font script="Telu" typeface="Gautami"/>
+        <a:font script="Taml" typeface="Latha"/>
+        <a:font script="Syrc" typeface="Estrangelo Edessa"/>
+        <a:font script="Orya" typeface="Kalinga"/>
+        <a:font script="Mlym" typeface="Kartika"/>
+        <a:font script="Laoo" typeface="DokChampa"/>
+        <a:font script="Sinh" typeface="Iskoola Pota"/>
+        <a:font script="Mong" typeface="Mongolian Baiti"/>
+        <a:font script="Viet" typeface="Times New Roman"/>
+        <a:font script="Uigh" typeface="Microsoft Uighur"/>
+        <a:font script="Geor" typeface="Sylfaen"/>
+      </a:majorFont>
+      <a:minorFont>
+        <a:latin typeface="Calibri" panose="020F0502020204030204"/>
+        <a:ea typeface=""/>
+        <a:cs typeface=""/>
+        <a:font script="Jpan" typeface="Yu Gothic"/>
+        <a:font script="Hang" typeface="맑은 고딕"/>
+        <a:font script="Hans" typeface="DengXian"/>
+        <a:font script="Hant" typeface="新細明體"/>
+        <a:font script="Arab" typeface="Arial"/>
+        <a:font script="Hebr" typeface="Arial"/>
+        <a:font script="Thai" typeface="Cordia New"/>
+        <a:font script="Ethi" typeface="Nyala"/>
+        <a:font script="Beng" typeface="Vrinda"/>
+        <a:font script="Gujr" typeface="Shruti"/>
+        <a:font script="Khmr" typeface="DaunPenh"/>
+        <a:font script="Knda" typeface="Tunga"/>
+        <a:font script="Guru" typeface="Raavi"/>
+        <a:font script="Cans" typeface="Euphemia"/>
+        <a:font script="Cher" typeface="Plantagenet Cherokee"/>
+        <a:font script="Yiii" typeface="Microsoft Yi Baiti"/>
+        <a:font script="Tibt" typeface="Microsoft Himalaya"/>
+        <a:font script="Thaa" typeface="MV Boli"/>
+        <a:font script="Deva" typeface="Mangal"/>
+        <a:font script="Telu" typeface="Gautami"/>
+        <a:font script="Taml" typeface="Latha"/>
+        <a:font script="Syrc" typeface="Estrangelo Edessa"/>
+        <a:font script="Orya" typeface="Kalinga"/>
+        <a:font script="Mlym" typeface="Kartika"/>
+        <a:font script="Laoo" typeface="DokChampa"/>
+        <a:font script="Sinh" typeface="Iskoola Pota"/>
+        <a:font script="Mong" typeface="Mongolian Baiti"/>
+        <a:font script="Viet" typeface="Arial"/>
+        <a:font script="Uigh" typeface="Microsoft Uighur"/>
+        <a:font script="Geor" typeface="Sylfaen"/>
+      </a:minorFont>
+    </a:fontScheme>
+    <a:fmtScheme name="Office">
+      <a:fillStyleLst>
+        <a:solidFill>
+          <a:schemeClr val="phClr"/>
+        </a:solidFill>
+        <a:gradFill rotWithShape="1">
+          <a:gsLst>
+            <a:gs pos="0">
+              <a:schemeClr val="phClr">
+                <a:lumMod val="110000"/>
+                <a:satMod val="105000"/>
+                <a:tint val="67000"/>
+              </a:schemeClr>
+            </a:gs>
+            <a:gs pos="50000">
+              <a:schemeClr val="phClr">
+                <a:lumMod val="105000"/>
+                <a:satMod val="103000"/>
+                <a:tint val="73000"/>
+              </a:schemeClr>
+            </a:gs>
+            <a:gs pos="100000">
+              <a:schemeClr val="phClr">
+                <a:lumMod val="105000"/>
+                <a:satMod val="109000"/>
+                <a:tint val="81000"/>
+              </a:schemeClr>
+            </a:gs>
+          </a:gsLst>
+          <a:lin ang="5400000" scaled="0"/>
+        </a:gradFill>
+        <a:gradFill rotWithShape="1">
+          <a:gsLst>
+            <a:gs pos="0">
+              <a:schemeClr val="phClr">
+                <a:satMod val="103000"/>
+                <a:lumMod val="102000"/>
+                <a:tint val="94000"/>
+              </a:schemeClr>
+            </a:gs>
+            <a:gs pos="50000">
+              <a:schemeClr val="phClr">
+                <a:satMod val="110000"/>
+                <a:lumMod val="100000"/>
+                <a:shade val="100000"/>
+              </a:schemeClr>
+            </a:gs>
+            <a:gs pos="100000">
+              <a:schemeClr val="phClr">
+                <a:lumMod val="99000"/>
+                <a:satMod val="120000"/>
+                <a:shade val="78000"/>
+              </a:schemeClr>
+            </a:gs>
+          </a:gsLst>
+          <a:lin ang="5400000" scaled="0"/>
+        </a:gradFill>
+      </a:fillStyleLst>
+      <a:lnStyleLst>
+        <a:ln w="6350" cap="flat" cmpd="sng" algn="ctr">
+          <a:solidFill>
+            <a:schemeClr val="phClr"/>
+          </a:solidFill>
+          <a:prstDash val="solid"/>
+          <a:miter lim="800000"/>
+        </a:ln>
+        <a:ln w="12700" cap="flat" cmpd="sng" algn="ctr">
+          <a:solidFill>
+            <a:schemeClr val="phClr"/>
+          </a:solidFill>
+          <a:prstDash val="solid"/>
+          <a:miter lim="800000"/>
+        </a:ln>
+        <a:ln w="19050" cap="flat" cmpd="sng" algn="ctr">
+          <a:solidFill>
+            <a:schemeClr val="phClr"/>
+          </a:solidFill>
+          <a:prstDash val="solid"/>
+          <a:miter lim="800000"/>
+        </a:ln>
+      </a:lnStyleLst>
+      <a:effectStyleLst>
+        <a:effectStyle>
+          <a:effectLst/>
+        </a:effectStyle>
+        <a:effectStyle>
+          <a:effectLst/>
+        </a:effectStyle>
+        <a:effectStyle>
+          <a:effectLst>
+            <a:outerShdw blurRad="57150" dist="19050" dir="5400000" algn="ctr" rotWithShape="0">
+              <a:srgbClr val="000000">
+                <a:alpha val="63000"/>
+              </a:srgbClr>
+            </a:outerShdw>
+          </a:effectLst>
+        </a:effectStyle>
+      </a:effectStyleLst>
+      <a:bgFillStyleLst>
+        <a:solidFill>
+          <a:schemeClr val="phClr"/>
+        </a:solidFill>
+        <a:solidFill>
+          <a:schemeClr val="phClr">
+            <a:tint val="95000"/>
+            <a:satMod val="170000"/>
+          </a:schemeClr>
+        </a:solidFill>
+        <a:gradFill rotWithShape="1">
+          <a:gsLst>
+            <a:gs pos="0">
+              <a:schemeClr val="phClr">
+                <a:tint val="93000"/>
+                <a:satMod val="150000"/>
+                <a:shade val="98000"/>
+                <a:lumMod val="102000"/>
+              </a:schemeClr>
+            </a:gs>
+            <a:gs pos="50000">
+              <a:schemeClr val="phClr">
+                <a:tint val="98000"/>
+                <a:satMod val="130000"/>
+                <a:shade val="90000"/>
+                <a:lumMod val="103000"/>
+              </a:schemeClr>
+            </a:gs>
+            <a:gs pos="100000">
+              <a:schemeClr val="phClr">
+                <a:shade val="63000"/>
+                <a:satMod val="120000"/>
+              </a:schemeClr>
+            </a:gs>
+          </a:gsLst>
+          <a:lin ang="5400000" scaled="0"/>
+        </a:gradFill>
+      </a:bgFillStyleLst>
+    </a:fmtScheme>
+  </a:themeElements>
+  <a:objectDefaults/>
+  <a:extraClrSchemeLst/>
+  <a:extLst>
+    <a:ext uri="{05A4C25C-085E-4340-85A3-A5531E510DB2}">
+      <thm15:themeFamily xmlns:thm15="http://schemas.microsoft.com/office/thememl/2012/main" name="Office Theme" id="{62F939B6-93AF-4DB8-9C6B-D6C7DFDC589F}" vid="{4A3C46E8-61CC-4603-A589-7422A47A8E4A}"/>
     </a:ext>
   </a:extLst>
 </a:theme>

--- a/ppt/Deep Learning Methods for Solving PDEs - MX CA Project.pptx
+++ b/ppt/Deep Learning Methods for Solving PDEs - MX CA Project.pptx
@@ -5,7 +5,7 @@
     <p:sldMasterId id="2147483702" r:id="rId1"/>
   </p:sldMasterIdLst>
   <p:notesMasterIdLst>
-    <p:notesMasterId r:id="rId14"/>
+    <p:notesMasterId r:id="rId21"/>
   </p:notesMasterIdLst>
   <p:sldIdLst>
     <p:sldId id="256" r:id="rId2"/>
@@ -18,8 +18,15 @@
     <p:sldId id="268" r:id="rId9"/>
     <p:sldId id="269" r:id="rId10"/>
     <p:sldId id="270" r:id="rId11"/>
-    <p:sldId id="265" r:id="rId12"/>
-    <p:sldId id="266" r:id="rId13"/>
+    <p:sldId id="271" r:id="rId12"/>
+    <p:sldId id="272" r:id="rId13"/>
+    <p:sldId id="273" r:id="rId14"/>
+    <p:sldId id="274" r:id="rId15"/>
+    <p:sldId id="275" r:id="rId16"/>
+    <p:sldId id="276" r:id="rId17"/>
+    <p:sldId id="278" r:id="rId18"/>
+    <p:sldId id="266" r:id="rId19"/>
+    <p:sldId id="277" r:id="rId20"/>
   </p:sldIdLst>
   <p:sldSz cx="12192000" cy="6858000"/>
   <p:notesSz cx="6858000" cy="9144000"/>
@@ -3749,8 +3756,8 @@
         </p:blipFill>
         <p:spPr>
           <a:xfrm>
-            <a:off x="6214532" y="1477963"/>
-            <a:ext cx="5774268" cy="4119034"/>
+            <a:off x="6062133" y="1477963"/>
+            <a:ext cx="5926667" cy="4119034"/>
           </a:xfrm>
           <a:prstGeom prst="rect">
             <a:avLst/>
@@ -3766,7 +3773,7 @@
         <p:spPr>
           <a:xfrm>
             <a:off x="643467" y="1642533"/>
-            <a:ext cx="5418666" cy="3600986"/>
+            <a:ext cx="5418666" cy="5447645"/>
           </a:xfrm>
           <a:prstGeom prst="rect">
             <a:avLst/>
@@ -3835,13 +3842,25 @@
             </a:pPr>
             <a:r>
               <a:rPr lang="en-US" sz="2400" dirty="0" smtClean="0"/>
-              <a:t>Trunk net takes points from the domain as input </a:t>
-            </a:r>
-            <a:r>
-              <a:rPr lang="en-US" sz="2400" smtClean="0"/>
-              <a:t>and maps it to higher dim</a:t>
-            </a:r>
-            <a:endParaRPr lang="en-US" sz="2400" dirty="0" smtClean="0"/>
+              <a:t>Trunk net takes points from the domain as input and maps it to a higher dimension.</a:t>
+            </a:r>
+          </a:p>
+          <a:p>
+            <a:pPr marL="285750" indent="-285750">
+              <a:buFont typeface="Arial" charset="0"/>
+              <a:buChar char="•"/>
+            </a:pPr>
+            <a:endParaRPr lang="en-US" sz="2400" dirty="0"/>
+          </a:p>
+          <a:p>
+            <a:pPr marL="285750" indent="-285750">
+              <a:buFont typeface="Arial" charset="0"/>
+              <a:buChar char="•"/>
+            </a:pPr>
+            <a:r>
+              <a:rPr lang="en-US" sz="2400" dirty="0" smtClean="0"/>
+              <a:t>The dot product between the two nets is the output function evaluated at specific point.</a:t>
+            </a:r>
           </a:p>
           <a:p>
             <a:endParaRPr lang="en-US" dirty="0"/>
@@ -3888,10 +3907,470 @@
           <a:chExt cx="0" cy="0"/>
         </a:xfrm>
       </p:grpSpPr>
+      <p:sp>
+        <p:nvSpPr>
+          <p:cNvPr id="2" name="Title 1">
+            <a:extLst>
+              <a:ext uri="{FF2B5EF4-FFF2-40B4-BE49-F238E27FC236}">
+                <a16:creationId xmlns:a16="http://schemas.microsoft.com/office/drawing/2014/main" xmlns="" id="{80487D18-0C2D-139A-CE9A-5846B55FC3E7}"/>
+              </a:ext>
+            </a:extLst>
+          </p:cNvPr>
+          <p:cNvSpPr>
+            <a:spLocks noGrp="1"/>
+          </p:cNvSpPr>
+          <p:nvPr>
+            <p:ph type="title"/>
+          </p:nvPr>
+        </p:nvSpPr>
+        <p:spPr>
+          <a:xfrm>
+            <a:off x="250824" y="152400"/>
+            <a:ext cx="9604376" cy="1325563"/>
+          </a:xfrm>
+        </p:spPr>
+        <p:txBody>
+          <a:bodyPr>
+            <a:normAutofit/>
+          </a:bodyPr>
+          <a:lstStyle/>
+          <a:p>
+            <a:r>
+              <a:rPr lang="en-US" dirty="0" smtClean="0"/>
+              <a:t>Physics-informed </a:t>
+            </a:r>
+            <a:r>
+              <a:rPr lang="en-US" dirty="0" err="1" smtClean="0"/>
+              <a:t>DeepOnet</a:t>
+            </a:r>
+            <a:r>
+              <a:rPr lang="en-US" dirty="0" smtClean="0"/>
+              <a:t> (</a:t>
+            </a:r>
+            <a:r>
+              <a:rPr lang="en-US" dirty="0" err="1" smtClean="0"/>
+              <a:t>exmaple</a:t>
+            </a:r>
+            <a:r>
+              <a:rPr lang="en-US" dirty="0" smtClean="0"/>
+              <a:t>)  </a:t>
+            </a:r>
+            <a:endParaRPr lang="en-US" dirty="0"/>
+          </a:p>
+        </p:txBody>
+      </p:sp>
+      <mc:AlternateContent xmlns:mc="http://schemas.openxmlformats.org/markup-compatibility/2006">
+        <mc:Choice xmlns:a14="http://schemas.microsoft.com/office/drawing/2010/main" Requires="a14">
+          <p:sp>
+            <p:nvSpPr>
+              <p:cNvPr id="6" name="TextBox 5"/>
+              <p:cNvSpPr txBox="1"/>
+              <p:nvPr/>
+            </p:nvSpPr>
+            <p:spPr>
+              <a:xfrm>
+                <a:off x="643466" y="1642533"/>
+                <a:ext cx="8906933" cy="4708981"/>
+              </a:xfrm>
+              <a:prstGeom prst="rect">
+                <a:avLst/>
+              </a:prstGeom>
+              <a:noFill/>
+            </p:spPr>
+            <p:txBody>
+              <a:bodyPr wrap="square" rtlCol="0">
+                <a:spAutoFit/>
+              </a:bodyPr>
+              <a:lstStyle/>
+              <a:p>
+                <a:r>
+                  <a:rPr lang="en-US" sz="2400" dirty="0" smtClean="0"/>
+                  <a:t>Consider the one dimensional (time-independent) Poisson equation.</a:t>
+                </a:r>
+              </a:p>
+              <a:p>
+                <a:pPr algn="ctr">
+                  <a:lnSpc>
+                    <a:spcPct val="150000"/>
+                  </a:lnSpc>
+                </a:pPr>
+                <a14:m>
+                  <m:oMathPara xmlns:m="http://schemas.openxmlformats.org/officeDocument/2006/math">
+                    <m:oMathParaPr>
+                      <m:jc m:val="centerGroup"/>
+                    </m:oMathParaPr>
+                    <m:oMath xmlns:m="http://schemas.openxmlformats.org/officeDocument/2006/math">
+                      <m:r>
+                        <a:rPr lang="en-US" sz="2400" b="0" i="1" smtClean="0">
+                          <a:latin typeface="Cambria Math" charset="0"/>
+                        </a:rPr>
+                        <m:t>−</m:t>
+                      </m:r>
+                      <m:sSub>
+                        <m:sSubPr>
+                          <m:ctrlPr>
+                            <a:rPr lang="en-US" sz="2400" b="0" i="1" smtClean="0">
+                              <a:latin typeface="Cambria Math" charset="0"/>
+                            </a:rPr>
+                          </m:ctrlPr>
+                        </m:sSubPr>
+                        <m:e>
+                          <m:r>
+                            <a:rPr lang="en-US" sz="2400" b="0" i="1" smtClean="0">
+                              <a:latin typeface="Cambria Math" charset="0"/>
+                            </a:rPr>
+                            <m:t>𝑢</m:t>
+                          </m:r>
+                        </m:e>
+                        <m:sub>
+                          <m:r>
+                            <a:rPr lang="en-US" sz="2400" b="0" i="1" smtClean="0">
+                              <a:latin typeface="Cambria Math" charset="0"/>
+                            </a:rPr>
+                            <m:t>𝑥𝑥</m:t>
+                          </m:r>
+                        </m:sub>
+                      </m:sSub>
+                      <m:r>
+                        <a:rPr lang="en-US" sz="2400" b="0" i="1" smtClean="0">
+                          <a:latin typeface="Cambria Math" charset="0"/>
+                        </a:rPr>
+                        <m:t>=</m:t>
+                      </m:r>
+                      <m:r>
+                        <a:rPr lang="en-US" sz="2400" b="0" i="1" smtClean="0">
+                          <a:latin typeface="Cambria Math" charset="0"/>
+                        </a:rPr>
+                        <m:t>𝑓</m:t>
+                      </m:r>
+                      <m:d>
+                        <m:dPr>
+                          <m:ctrlPr>
+                            <a:rPr lang="en-US" sz="2400" b="0" i="1" smtClean="0">
+                              <a:latin typeface="Cambria Math" charset="0"/>
+                            </a:rPr>
+                          </m:ctrlPr>
+                        </m:dPr>
+                        <m:e>
+                          <m:r>
+                            <a:rPr lang="en-US" sz="2400" b="0" i="1" smtClean="0">
+                              <a:latin typeface="Cambria Math" charset="0"/>
+                            </a:rPr>
+                            <m:t>𝑥</m:t>
+                          </m:r>
+                        </m:e>
+                      </m:d>
+                      <m:r>
+                        <a:rPr lang="en-US" sz="2400" b="0" i="1" smtClean="0">
+                          <a:latin typeface="Cambria Math" charset="0"/>
+                        </a:rPr>
+                        <m:t>,  </m:t>
+                      </m:r>
+                      <m:r>
+                        <a:rPr lang="en-US" sz="2400" b="0" i="1" smtClean="0">
+                          <a:latin typeface="Cambria Math" charset="0"/>
+                        </a:rPr>
+                        <m:t>𝑥</m:t>
+                      </m:r>
+                      <m:r>
+                        <a:rPr lang="en-US" sz="2400" b="0" i="1" smtClean="0">
+                          <a:latin typeface="Cambria Math" charset="0"/>
+                        </a:rPr>
+                        <m:t>∈</m:t>
+                      </m:r>
+                      <m:d>
+                        <m:dPr>
+                          <m:begChr m:val="["/>
+                          <m:endChr m:val="]"/>
+                          <m:ctrlPr>
+                            <a:rPr lang="en-US" sz="2400" b="0" i="1" smtClean="0">
+                              <a:latin typeface="Cambria Math" charset="0"/>
+                            </a:rPr>
+                          </m:ctrlPr>
+                        </m:dPr>
+                        <m:e>
+                          <m:r>
+                            <a:rPr lang="en-US" sz="2400" b="0" i="1" smtClean="0">
+                              <a:latin typeface="Cambria Math" charset="0"/>
+                            </a:rPr>
+                            <m:t>0, 1</m:t>
+                          </m:r>
+                        </m:e>
+                      </m:d>
+                    </m:oMath>
+                  </m:oMathPara>
+                </a14:m>
+                <a:endParaRPr lang="en-US" sz="2400" b="0" dirty="0" smtClean="0"/>
+              </a:p>
+              <a:p>
+                <a:pPr algn="ctr">
+                  <a:lnSpc>
+                    <a:spcPct val="150000"/>
+                  </a:lnSpc>
+                </a:pPr>
+                <a14:m>
+                  <m:oMathPara xmlns:m="http://schemas.openxmlformats.org/officeDocument/2006/math">
+                    <m:oMathParaPr>
+                      <m:jc m:val="centerGroup"/>
+                    </m:oMathParaPr>
+                    <m:oMath xmlns:m="http://schemas.openxmlformats.org/officeDocument/2006/math">
+                      <m:r>
+                        <a:rPr lang="en-US" sz="2400" b="0" i="1" smtClean="0">
+                          <a:latin typeface="Cambria Math" charset="0"/>
+                        </a:rPr>
+                        <m:t>𝑢</m:t>
+                      </m:r>
+                      <m:d>
+                        <m:dPr>
+                          <m:ctrlPr>
+                            <a:rPr lang="en-US" sz="2400" b="0" i="1" smtClean="0">
+                              <a:latin typeface="Cambria Math" charset="0"/>
+                            </a:rPr>
+                          </m:ctrlPr>
+                        </m:dPr>
+                        <m:e>
+                          <m:r>
+                            <a:rPr lang="en-US" sz="2400" b="0" i="1" smtClean="0">
+                              <a:latin typeface="Cambria Math" charset="0"/>
+                            </a:rPr>
+                            <m:t>0</m:t>
+                          </m:r>
+                        </m:e>
+                      </m:d>
+                      <m:r>
+                        <a:rPr lang="en-US" sz="2400" b="0" i="1" smtClean="0">
+                          <a:latin typeface="Cambria Math" charset="0"/>
+                        </a:rPr>
+                        <m:t>=</m:t>
+                      </m:r>
+                      <m:r>
+                        <a:rPr lang="en-US" sz="2400" b="0" i="1" smtClean="0">
+                          <a:latin typeface="Cambria Math" charset="0"/>
+                        </a:rPr>
+                        <m:t>𝑢</m:t>
+                      </m:r>
+                      <m:d>
+                        <m:dPr>
+                          <m:ctrlPr>
+                            <a:rPr lang="en-US" sz="2400" b="0" i="1" smtClean="0">
+                              <a:latin typeface="Cambria Math" charset="0"/>
+                            </a:rPr>
+                          </m:ctrlPr>
+                        </m:dPr>
+                        <m:e>
+                          <m:r>
+                            <a:rPr lang="en-US" sz="2400" b="0" i="1" smtClean="0">
+                              <a:latin typeface="Cambria Math" charset="0"/>
+                            </a:rPr>
+                            <m:t>1</m:t>
+                          </m:r>
+                        </m:e>
+                      </m:d>
+                      <m:r>
+                        <a:rPr lang="en-US" sz="2400" b="0" i="1" smtClean="0">
+                          <a:latin typeface="Cambria Math" charset="0"/>
+                        </a:rPr>
+                        <m:t>=0</m:t>
+                      </m:r>
+                    </m:oMath>
+                  </m:oMathPara>
+                </a14:m>
+                <a:endParaRPr lang="en-US" sz="2400" b="0" dirty="0" smtClean="0"/>
+              </a:p>
+              <a:p>
+                <a:pPr>
+                  <a:lnSpc>
+                    <a:spcPct val="150000"/>
+                  </a:lnSpc>
+                </a:pPr>
+                <a:r>
+                  <a:rPr lang="en-US" sz="2400" dirty="0" smtClean="0"/>
+                  <a:t>Our aim is learn an operator </a:t>
+                </a:r>
+                <a14:m>
+                  <m:oMath xmlns:m="http://schemas.openxmlformats.org/officeDocument/2006/math">
+                    <m:r>
+                      <a:rPr lang="en-US" sz="2400" b="0" i="1" smtClean="0">
+                        <a:latin typeface="Cambria Math" charset="0"/>
+                      </a:rPr>
+                      <m:t>𝐺</m:t>
+                    </m:r>
+                    <m:r>
+                      <a:rPr lang="en-US" sz="2400" b="0" i="1" smtClean="0">
+                        <a:latin typeface="Cambria Math" charset="0"/>
+                      </a:rPr>
+                      <m:t>:</m:t>
+                    </m:r>
+                    <m:r>
+                      <a:rPr lang="en-US" sz="2400" b="0" i="1" smtClean="0">
+                        <a:latin typeface="Cambria Math" charset="0"/>
+                      </a:rPr>
+                      <m:t>𝑓</m:t>
+                    </m:r>
+                    <m:r>
+                      <a:rPr lang="en-US" sz="2400" b="0" i="1" smtClean="0">
+                        <a:latin typeface="Cambria Math" charset="0"/>
+                      </a:rPr>
+                      <m:t>↦</m:t>
+                    </m:r>
+                    <m:r>
+                      <a:rPr lang="en-US" sz="2400" b="0" i="1" smtClean="0">
+                        <a:latin typeface="Cambria Math" charset="0"/>
+                      </a:rPr>
+                      <m:t>𝑢</m:t>
+                    </m:r>
+                  </m:oMath>
+                </a14:m>
+                <a:r>
+                  <a:rPr lang="en-US" sz="2400" b="0" dirty="0" smtClean="0"/>
+                  <a:t>.</a:t>
+                </a:r>
+              </a:p>
+              <a:p>
+                <a:pPr>
+                  <a:lnSpc>
+                    <a:spcPct val="150000"/>
+                  </a:lnSpc>
+                </a:pPr>
+                <a:r>
+                  <a:rPr lang="en-US" sz="2400" dirty="0" smtClean="0"/>
+                  <a:t>In other word, given any forcing or source term </a:t>
+                </a:r>
+                <a14:m>
+                  <m:oMath xmlns:m="http://schemas.openxmlformats.org/officeDocument/2006/math">
+                    <m:r>
+                      <a:rPr lang="en-US" sz="2400" b="0" i="1" smtClean="0">
+                        <a:latin typeface="Cambria Math" charset="0"/>
+                      </a:rPr>
+                      <m:t>𝑓</m:t>
+                    </m:r>
+                    <m:d>
+                      <m:dPr>
+                        <m:ctrlPr>
+                          <a:rPr lang="en-US" sz="2400" b="0" i="1" smtClean="0">
+                            <a:latin typeface="Cambria Math" charset="0"/>
+                          </a:rPr>
+                        </m:ctrlPr>
+                      </m:dPr>
+                      <m:e>
+                        <m:r>
+                          <a:rPr lang="en-US" sz="2400" b="0" i="1" smtClean="0">
+                            <a:latin typeface="Cambria Math" charset="0"/>
+                          </a:rPr>
+                          <m:t>𝑥</m:t>
+                        </m:r>
+                      </m:e>
+                    </m:d>
+                  </m:oMath>
+                </a14:m>
+                <a:r>
+                  <a:rPr lang="en-US" sz="2400" dirty="0" smtClean="0"/>
+                  <a:t>, we would like to approximate the solution </a:t>
+                </a:r>
+                <a14:m>
+                  <m:oMath xmlns:m="http://schemas.openxmlformats.org/officeDocument/2006/math">
+                    <m:r>
+                      <a:rPr lang="en-US" sz="2400" b="0" i="1" smtClean="0">
+                        <a:latin typeface="Cambria Math" charset="0"/>
+                      </a:rPr>
+                      <m:t>𝑢</m:t>
+                    </m:r>
+                    <m:r>
+                      <a:rPr lang="en-US" sz="2400" b="0" i="1" smtClean="0">
+                        <a:latin typeface="Cambria Math" charset="0"/>
+                      </a:rPr>
+                      <m:t>(</m:t>
+                    </m:r>
+                    <m:r>
+                      <a:rPr lang="en-US" sz="2400" b="0" i="1" smtClean="0">
+                        <a:latin typeface="Cambria Math" charset="0"/>
+                      </a:rPr>
+                      <m:t>𝑥</m:t>
+                    </m:r>
+                    <m:r>
+                      <a:rPr lang="en-US" sz="2400" b="0" i="1" smtClean="0">
+                        <a:latin typeface="Cambria Math" charset="0"/>
+                      </a:rPr>
+                      <m:t>)</m:t>
+                    </m:r>
+                  </m:oMath>
+                </a14:m>
+                <a:endParaRPr lang="en-US" sz="2400" dirty="0" smtClean="0"/>
+              </a:p>
+              <a:p>
+                <a:pPr>
+                  <a:lnSpc>
+                    <a:spcPct val="150000"/>
+                  </a:lnSpc>
+                </a:pPr>
+                <a:r>
+                  <a:rPr lang="en-US" sz="2400" dirty="0" smtClean="0">
+                    <a:solidFill>
+                      <a:srgbClr val="FF0000"/>
+                    </a:solidFill>
+                  </a:rPr>
+                  <a:t>Note: We have used random polynomials of degree 3 to generate our input functions to the Trunk net. </a:t>
+                </a:r>
+                <a:r>
+                  <a:rPr lang="en-US" sz="2400" dirty="0" smtClean="0"/>
+                  <a:t> </a:t>
+                </a:r>
+                <a:endParaRPr lang="en-US" sz="2400" b="0" dirty="0" smtClean="0"/>
+              </a:p>
+              <a:p>
+                <a:pPr algn="ctr"/>
+                <a:r>
+                  <a:rPr lang="en-US" sz="2400" dirty="0" smtClean="0"/>
+                  <a:t> </a:t>
+                </a:r>
+                <a:endParaRPr lang="en-US" sz="2400" dirty="0"/>
+              </a:p>
+            </p:txBody>
+          </p:sp>
+        </mc:Choice>
+        <mc:Fallback>
+          <p:sp>
+            <p:nvSpPr>
+              <p:cNvPr id="6" name="TextBox 5"/>
+              <p:cNvSpPr txBox="1">
+                <a:spLocks noRot="1" noChangeAspect="1" noMove="1" noResize="1" noEditPoints="1" noAdjustHandles="1" noChangeArrowheads="1" noChangeShapeType="1" noTextEdit="1"/>
+              </p:cNvSpPr>
+              <p:nvPr/>
+            </p:nvSpPr>
+            <p:spPr>
+              <a:xfrm>
+                <a:off x="643466" y="1642533"/>
+                <a:ext cx="8906933" cy="4708981"/>
+              </a:xfrm>
+              <a:prstGeom prst="rect">
+                <a:avLst/>
+              </a:prstGeom>
+              <a:blipFill rotWithShape="0">
+                <a:blip r:embed="rId2"/>
+                <a:stretch>
+                  <a:fillRect l="-1095" t="-1035" r="-1027"/>
+                </a:stretch>
+              </a:blipFill>
+            </p:spPr>
+            <p:txBody>
+              <a:bodyPr/>
+              <a:lstStyle/>
+              <a:p>
+                <a:r>
+                  <a:rPr lang="en-US">
+                    <a:noFill/>
+                  </a:rPr>
+                  <a:t> </a:t>
+                </a:r>
+              </a:p>
+            </p:txBody>
+          </p:sp>
+        </mc:Fallback>
+      </mc:AlternateContent>
     </p:spTree>
     <p:extLst>
       <p:ext uri="{BB962C8B-B14F-4D97-AF65-F5344CB8AC3E}">
-        <p14:creationId xmlns:p14="http://schemas.microsoft.com/office/powerpoint/2010/main" val="2049528065"/>
+        <p14:creationId xmlns:p14="http://schemas.microsoft.com/office/powerpoint/2010/main" val="793600242"/>
       </p:ext>
     </p:extLst>
   </p:cSld>
@@ -3930,6 +4409,2142 @@
           <p:cNvPr id="2" name="Title 1">
             <a:extLst>
               <a:ext uri="{FF2B5EF4-FFF2-40B4-BE49-F238E27FC236}">
+                <a16:creationId xmlns:a16="http://schemas.microsoft.com/office/drawing/2014/main" xmlns="" id="{80487D18-0C2D-139A-CE9A-5846B55FC3E7}"/>
+              </a:ext>
+            </a:extLst>
+          </p:cNvPr>
+          <p:cNvSpPr>
+            <a:spLocks noGrp="1"/>
+          </p:cNvSpPr>
+          <p:nvPr>
+            <p:ph type="title"/>
+          </p:nvPr>
+        </p:nvSpPr>
+        <p:spPr>
+          <a:xfrm>
+            <a:off x="250824" y="152400"/>
+            <a:ext cx="9604376" cy="1325563"/>
+          </a:xfrm>
+        </p:spPr>
+        <p:txBody>
+          <a:bodyPr>
+            <a:normAutofit/>
+          </a:bodyPr>
+          <a:lstStyle/>
+          <a:p>
+            <a:r>
+              <a:rPr lang="en-US" dirty="0" smtClean="0"/>
+              <a:t>Physics-informed </a:t>
+            </a:r>
+            <a:r>
+              <a:rPr lang="en-US" dirty="0" err="1" smtClean="0"/>
+              <a:t>DeepOnet</a:t>
+            </a:r>
+            <a:r>
+              <a:rPr lang="en-US" dirty="0" smtClean="0"/>
+              <a:t> (</a:t>
+            </a:r>
+            <a:r>
+              <a:rPr lang="en-US" dirty="0" err="1" smtClean="0"/>
+              <a:t>exmaple</a:t>
+            </a:r>
+            <a:r>
+              <a:rPr lang="en-US" dirty="0" smtClean="0"/>
+              <a:t>)  </a:t>
+            </a:r>
+            <a:endParaRPr lang="en-US" dirty="0"/>
+          </a:p>
+        </p:txBody>
+      </p:sp>
+      <mc:AlternateContent xmlns:mc="http://schemas.openxmlformats.org/markup-compatibility/2006">
+        <mc:Choice xmlns:a14="http://schemas.microsoft.com/office/drawing/2010/main" Requires="a14">
+          <p:sp>
+            <p:nvSpPr>
+              <p:cNvPr id="6" name="TextBox 5"/>
+              <p:cNvSpPr txBox="1"/>
+              <p:nvPr/>
+            </p:nvSpPr>
+            <p:spPr>
+              <a:xfrm>
+                <a:off x="643466" y="1642533"/>
+                <a:ext cx="8906933" cy="613886"/>
+              </a:xfrm>
+              <a:prstGeom prst="rect">
+                <a:avLst/>
+              </a:prstGeom>
+              <a:noFill/>
+            </p:spPr>
+            <p:txBody>
+              <a:bodyPr wrap="square" rtlCol="0">
+                <a:spAutoFit/>
+              </a:bodyPr>
+              <a:lstStyle/>
+              <a:p>
+                <a:r>
+                  <a:rPr lang="en-US" sz="2400" dirty="0" smtClean="0"/>
+                  <a:t>For </a:t>
+                </a:r>
+                <a14:m>
+                  <m:oMath xmlns:m="http://schemas.openxmlformats.org/officeDocument/2006/math">
+                    <m:r>
+                      <a:rPr lang="en-US" sz="2400" b="0" i="1" smtClean="0">
+                        <a:latin typeface="Cambria Math" charset="0"/>
+                      </a:rPr>
+                      <m:t>𝑓</m:t>
+                    </m:r>
+                    <m:d>
+                      <m:dPr>
+                        <m:ctrlPr>
+                          <a:rPr lang="en-US" sz="2400" b="0" i="1" smtClean="0">
+                            <a:latin typeface="Cambria Math" charset="0"/>
+                          </a:rPr>
+                        </m:ctrlPr>
+                      </m:dPr>
+                      <m:e>
+                        <m:r>
+                          <a:rPr lang="en-US" sz="2400" b="0" i="1" smtClean="0">
+                            <a:latin typeface="Cambria Math" charset="0"/>
+                          </a:rPr>
+                          <m:t>𝑥</m:t>
+                        </m:r>
+                      </m:e>
+                    </m:d>
+                    <m:r>
+                      <a:rPr lang="en-US" sz="2400" b="0" i="1" smtClean="0">
+                        <a:latin typeface="Cambria Math" charset="0"/>
+                      </a:rPr>
+                      <m:t>=−1</m:t>
+                    </m:r>
+                  </m:oMath>
+                </a14:m>
+                <a:r>
+                  <a:rPr lang="en-US" sz="2400" dirty="0" smtClean="0"/>
+                  <a:t> the exact solution is </a:t>
+                </a:r>
+                <a14:m>
+                  <m:oMath xmlns:m="http://schemas.openxmlformats.org/officeDocument/2006/math">
+                    <m:r>
+                      <a:rPr lang="en-US" sz="2400" b="0" i="1" smtClean="0">
+                        <a:latin typeface="Cambria Math" charset="0"/>
+                      </a:rPr>
+                      <m:t>𝑢</m:t>
+                    </m:r>
+                    <m:d>
+                      <m:dPr>
+                        <m:ctrlPr>
+                          <a:rPr lang="en-US" sz="2400" b="0" i="1" smtClean="0">
+                            <a:latin typeface="Cambria Math" charset="0"/>
+                          </a:rPr>
+                        </m:ctrlPr>
+                      </m:dPr>
+                      <m:e>
+                        <m:r>
+                          <a:rPr lang="en-US" sz="2400" b="0" i="1" smtClean="0">
+                            <a:latin typeface="Cambria Math" charset="0"/>
+                          </a:rPr>
+                          <m:t>𝑥</m:t>
+                        </m:r>
+                      </m:e>
+                    </m:d>
+                    <m:r>
+                      <a:rPr lang="en-US" sz="2400" b="0" i="1" smtClean="0">
+                        <a:latin typeface="Cambria Math" charset="0"/>
+                      </a:rPr>
+                      <m:t>=</m:t>
+                    </m:r>
+                    <m:f>
+                      <m:fPr>
+                        <m:ctrlPr>
+                          <a:rPr lang="en-US" sz="2400" b="0" i="1" smtClean="0">
+                            <a:latin typeface="Cambria Math" charset="0"/>
+                          </a:rPr>
+                        </m:ctrlPr>
+                      </m:fPr>
+                      <m:num>
+                        <m:r>
+                          <a:rPr lang="en-US" sz="2400" b="0" i="1" smtClean="0">
+                            <a:latin typeface="Cambria Math" charset="0"/>
+                          </a:rPr>
+                          <m:t>1</m:t>
+                        </m:r>
+                      </m:num>
+                      <m:den>
+                        <m:r>
+                          <a:rPr lang="en-US" sz="2400" b="0" i="1" smtClean="0">
+                            <a:latin typeface="Cambria Math" charset="0"/>
+                          </a:rPr>
+                          <m:t>2</m:t>
+                        </m:r>
+                      </m:den>
+                    </m:f>
+                    <m:r>
+                      <a:rPr lang="en-US" sz="2400" b="0" i="1" smtClean="0">
+                        <a:latin typeface="Cambria Math" charset="0"/>
+                      </a:rPr>
+                      <m:t>(</m:t>
+                    </m:r>
+                    <m:sSup>
+                      <m:sSupPr>
+                        <m:ctrlPr>
+                          <a:rPr lang="en-US" sz="2400" b="0" i="1" smtClean="0">
+                            <a:latin typeface="Cambria Math" charset="0"/>
+                          </a:rPr>
+                        </m:ctrlPr>
+                      </m:sSupPr>
+                      <m:e>
+                        <m:r>
+                          <a:rPr lang="en-US" sz="2400" b="0" i="1" smtClean="0">
+                            <a:latin typeface="Cambria Math" charset="0"/>
+                          </a:rPr>
+                          <m:t>𝑥</m:t>
+                        </m:r>
+                      </m:e>
+                      <m:sup>
+                        <m:r>
+                          <a:rPr lang="en-US" sz="2400" b="0" i="1" smtClean="0">
+                            <a:latin typeface="Cambria Math" charset="0"/>
+                          </a:rPr>
+                          <m:t>2</m:t>
+                        </m:r>
+                      </m:sup>
+                    </m:sSup>
+                    <m:r>
+                      <a:rPr lang="en-US" sz="2400" b="0" i="1" smtClean="0">
+                        <a:latin typeface="Cambria Math" charset="0"/>
+                      </a:rPr>
+                      <m:t>−</m:t>
+                    </m:r>
+                    <m:r>
+                      <a:rPr lang="en-US" sz="2400" b="0" i="1" smtClean="0">
+                        <a:latin typeface="Cambria Math" charset="0"/>
+                      </a:rPr>
+                      <m:t>𝑥</m:t>
+                    </m:r>
+                    <m:r>
+                      <a:rPr lang="en-US" sz="2400" b="0" i="1" smtClean="0">
+                        <a:latin typeface="Cambria Math" charset="0"/>
+                      </a:rPr>
+                      <m:t>)</m:t>
+                    </m:r>
+                  </m:oMath>
+                </a14:m>
+                <a:r>
+                  <a:rPr lang="en-US" sz="2400" dirty="0" smtClean="0"/>
+                  <a:t> </a:t>
+                </a:r>
+                <a:endParaRPr lang="en-US" sz="2400" dirty="0"/>
+              </a:p>
+            </p:txBody>
+          </p:sp>
+        </mc:Choice>
+        <mc:Fallback>
+          <p:sp>
+            <p:nvSpPr>
+              <p:cNvPr id="6" name="TextBox 5"/>
+              <p:cNvSpPr txBox="1">
+                <a:spLocks noRot="1" noChangeAspect="1" noMove="1" noResize="1" noEditPoints="1" noAdjustHandles="1" noChangeArrowheads="1" noChangeShapeType="1" noTextEdit="1"/>
+              </p:cNvSpPr>
+              <p:nvPr/>
+            </p:nvSpPr>
+            <p:spPr>
+              <a:xfrm>
+                <a:off x="643466" y="1642533"/>
+                <a:ext cx="8906933" cy="613886"/>
+              </a:xfrm>
+              <a:prstGeom prst="rect">
+                <a:avLst/>
+              </a:prstGeom>
+              <a:blipFill rotWithShape="0">
+                <a:blip r:embed="rId2"/>
+                <a:stretch>
+                  <a:fillRect l="-1095" b="-9901"/>
+                </a:stretch>
+              </a:blipFill>
+            </p:spPr>
+            <p:txBody>
+              <a:bodyPr/>
+              <a:lstStyle/>
+              <a:p>
+                <a:r>
+                  <a:rPr lang="en-US">
+                    <a:noFill/>
+                  </a:rPr>
+                  <a:t> </a:t>
+                </a:r>
+              </a:p>
+            </p:txBody>
+          </p:sp>
+        </mc:Fallback>
+      </mc:AlternateContent>
+      <p:pic>
+        <p:nvPicPr>
+          <p:cNvPr id="3" name="Picture 2"/>
+          <p:cNvPicPr>
+            <a:picLocks noChangeAspect="1"/>
+          </p:cNvPicPr>
+          <p:nvPr/>
+        </p:nvPicPr>
+        <p:blipFill>
+          <a:blip r:embed="rId3">
+            <a:extLst>
+              <a:ext uri="{28A0092B-C50C-407E-A947-70E740481C1C}">
+                <a14:useLocalDpi xmlns:a14="http://schemas.microsoft.com/office/drawing/2010/main" val="0"/>
+              </a:ext>
+            </a:extLst>
+          </a:blip>
+          <a:stretch>
+            <a:fillRect/>
+          </a:stretch>
+        </p:blipFill>
+        <p:spPr>
+          <a:xfrm>
+            <a:off x="1743117" y="2556455"/>
+            <a:ext cx="8535416" cy="3901216"/>
+          </a:xfrm>
+          <a:prstGeom prst="rect">
+            <a:avLst/>
+          </a:prstGeom>
+        </p:spPr>
+      </p:pic>
+    </p:spTree>
+    <p:extLst>
+      <p:ext uri="{BB962C8B-B14F-4D97-AF65-F5344CB8AC3E}">
+        <p14:creationId xmlns:p14="http://schemas.microsoft.com/office/powerpoint/2010/main" val="163735360"/>
+      </p:ext>
+    </p:extLst>
+  </p:cSld>
+  <p:clrMapOvr>
+    <a:masterClrMapping/>
+  </p:clrMapOvr>
+  <p:timing>
+    <p:tnLst>
+      <p:par>
+        <p:cTn id="1" dur="indefinite" restart="never" nodeType="tmRoot"/>
+      </p:par>
+    </p:tnLst>
+  </p:timing>
+</p:sld>
+</file>
+
+<file path=ppt/slides/slide13.xml><?xml version="1.0" encoding="utf-8"?>
+<p:sld xmlns:a="http://schemas.openxmlformats.org/drawingml/2006/main" xmlns:r="http://schemas.openxmlformats.org/officeDocument/2006/relationships" xmlns:p="http://schemas.openxmlformats.org/presentationml/2006/main">
+  <p:cSld>
+    <p:spTree>
+      <p:nvGrpSpPr>
+        <p:cNvPr id="1" name=""/>
+        <p:cNvGrpSpPr/>
+        <p:nvPr/>
+      </p:nvGrpSpPr>
+      <p:grpSpPr>
+        <a:xfrm>
+          <a:off x="0" y="0"/>
+          <a:ext cx="0" cy="0"/>
+          <a:chOff x="0" y="0"/>
+          <a:chExt cx="0" cy="0"/>
+        </a:xfrm>
+      </p:grpSpPr>
+      <p:sp>
+        <p:nvSpPr>
+          <p:cNvPr id="2" name="Title 1">
+            <a:extLst>
+              <a:ext uri="{FF2B5EF4-FFF2-40B4-BE49-F238E27FC236}">
+                <a16:creationId xmlns:a16="http://schemas.microsoft.com/office/drawing/2014/main" xmlns="" id="{80487D18-0C2D-139A-CE9A-5846B55FC3E7}"/>
+              </a:ext>
+            </a:extLst>
+          </p:cNvPr>
+          <p:cNvSpPr>
+            <a:spLocks noGrp="1"/>
+          </p:cNvSpPr>
+          <p:nvPr>
+            <p:ph type="title"/>
+          </p:nvPr>
+        </p:nvSpPr>
+        <p:spPr>
+          <a:xfrm>
+            <a:off x="250824" y="152400"/>
+            <a:ext cx="9604376" cy="1325563"/>
+          </a:xfrm>
+        </p:spPr>
+        <p:txBody>
+          <a:bodyPr>
+            <a:normAutofit/>
+          </a:bodyPr>
+          <a:lstStyle/>
+          <a:p>
+            <a:r>
+              <a:rPr lang="en-US" dirty="0" smtClean="0"/>
+              <a:t>Physics-informed </a:t>
+            </a:r>
+            <a:r>
+              <a:rPr lang="en-US" dirty="0" err="1" smtClean="0"/>
+              <a:t>DeepOnet</a:t>
+            </a:r>
+            <a:r>
+              <a:rPr lang="en-US" dirty="0" smtClean="0"/>
+              <a:t> (</a:t>
+            </a:r>
+            <a:r>
+              <a:rPr lang="en-US" dirty="0" err="1" smtClean="0"/>
+              <a:t>exmaple</a:t>
+            </a:r>
+            <a:r>
+              <a:rPr lang="en-US" dirty="0" smtClean="0"/>
+              <a:t>)  </a:t>
+            </a:r>
+            <a:endParaRPr lang="en-US" dirty="0"/>
+          </a:p>
+        </p:txBody>
+      </p:sp>
+      <mc:AlternateContent xmlns:mc="http://schemas.openxmlformats.org/markup-compatibility/2006">
+        <mc:Choice xmlns:a14="http://schemas.microsoft.com/office/drawing/2010/main" Requires="a14">
+          <p:sp>
+            <p:nvSpPr>
+              <p:cNvPr id="6" name="TextBox 5"/>
+              <p:cNvSpPr txBox="1"/>
+              <p:nvPr/>
+            </p:nvSpPr>
+            <p:spPr>
+              <a:xfrm>
+                <a:off x="643466" y="1642533"/>
+                <a:ext cx="8906933" cy="616964"/>
+              </a:xfrm>
+              <a:prstGeom prst="rect">
+                <a:avLst/>
+              </a:prstGeom>
+              <a:noFill/>
+            </p:spPr>
+            <p:txBody>
+              <a:bodyPr wrap="square" rtlCol="0">
+                <a:spAutoFit/>
+              </a:bodyPr>
+              <a:lstStyle/>
+              <a:p>
+                <a:r>
+                  <a:rPr lang="en-US" sz="2400" dirty="0" smtClean="0"/>
+                  <a:t>For </a:t>
+                </a:r>
+                <a14:m>
+                  <m:oMath xmlns:m="http://schemas.openxmlformats.org/officeDocument/2006/math">
+                    <m:r>
+                      <a:rPr lang="en-US" sz="2400" b="0" i="1" smtClean="0">
+                        <a:latin typeface="Cambria Math" charset="0"/>
+                      </a:rPr>
+                      <m:t>𝑓</m:t>
+                    </m:r>
+                    <m:d>
+                      <m:dPr>
+                        <m:ctrlPr>
+                          <a:rPr lang="en-US" sz="2400" b="0" i="1" smtClean="0">
+                            <a:latin typeface="Cambria Math" charset="0"/>
+                          </a:rPr>
+                        </m:ctrlPr>
+                      </m:dPr>
+                      <m:e>
+                        <m:r>
+                          <a:rPr lang="en-US" sz="2400" b="0" i="1" smtClean="0">
+                            <a:latin typeface="Cambria Math" charset="0"/>
+                          </a:rPr>
+                          <m:t>𝑥</m:t>
+                        </m:r>
+                      </m:e>
+                    </m:d>
+                    <m:r>
+                      <a:rPr lang="en-US" sz="2400" b="0" i="1" smtClean="0">
+                        <a:latin typeface="Cambria Math" charset="0"/>
+                      </a:rPr>
+                      <m:t>=</m:t>
+                    </m:r>
+                    <m:r>
+                      <a:rPr lang="en-US" sz="2400" b="0" i="1" smtClean="0">
+                        <a:latin typeface="Cambria Math" charset="0"/>
+                      </a:rPr>
+                      <m:t>𝑥</m:t>
+                    </m:r>
+                    <m:r>
+                      <a:rPr lang="en-US" sz="2400" b="0" i="1" smtClean="0">
+                        <a:latin typeface="Cambria Math" charset="0"/>
+                      </a:rPr>
+                      <m:t>+3</m:t>
+                    </m:r>
+                    <m:sSup>
+                      <m:sSupPr>
+                        <m:ctrlPr>
+                          <a:rPr lang="en-US" sz="2400" b="0" i="1" smtClean="0">
+                            <a:latin typeface="Cambria Math" charset="0"/>
+                          </a:rPr>
+                        </m:ctrlPr>
+                      </m:sSupPr>
+                      <m:e>
+                        <m:r>
+                          <a:rPr lang="en-US" sz="2400" b="0" i="1" smtClean="0">
+                            <a:latin typeface="Cambria Math" charset="0"/>
+                          </a:rPr>
+                          <m:t>𝑥</m:t>
+                        </m:r>
+                      </m:e>
+                      <m:sup>
+                        <m:r>
+                          <a:rPr lang="en-US" sz="2400" b="0" i="1" smtClean="0">
+                            <a:latin typeface="Cambria Math" charset="0"/>
+                          </a:rPr>
+                          <m:t>2</m:t>
+                        </m:r>
+                      </m:sup>
+                    </m:sSup>
+                  </m:oMath>
+                </a14:m>
+                <a:r>
+                  <a:rPr lang="en-US" sz="2400" dirty="0" smtClean="0"/>
+                  <a:t> the exact solution is </a:t>
+                </a:r>
+                <a14:m>
+                  <m:oMath xmlns:m="http://schemas.openxmlformats.org/officeDocument/2006/math">
+                    <m:r>
+                      <a:rPr lang="en-US" sz="2400" b="0" i="1" smtClean="0">
+                        <a:latin typeface="Cambria Math" charset="0"/>
+                      </a:rPr>
+                      <m:t>𝑢</m:t>
+                    </m:r>
+                    <m:d>
+                      <m:dPr>
+                        <m:ctrlPr>
+                          <a:rPr lang="en-US" sz="2400" b="0" i="1" smtClean="0">
+                            <a:latin typeface="Cambria Math" charset="0"/>
+                          </a:rPr>
+                        </m:ctrlPr>
+                      </m:dPr>
+                      <m:e>
+                        <m:r>
+                          <a:rPr lang="en-US" sz="2400" b="0" i="1" smtClean="0">
+                            <a:latin typeface="Cambria Math" charset="0"/>
+                          </a:rPr>
+                          <m:t>𝑥</m:t>
+                        </m:r>
+                      </m:e>
+                    </m:d>
+                    <m:r>
+                      <a:rPr lang="en-US" sz="2400" b="0" i="1" smtClean="0">
+                        <a:latin typeface="Cambria Math" charset="0"/>
+                      </a:rPr>
+                      <m:t>=−</m:t>
+                    </m:r>
+                    <m:f>
+                      <m:fPr>
+                        <m:ctrlPr>
+                          <a:rPr lang="en-US" sz="2400" b="0" i="1" smtClean="0">
+                            <a:latin typeface="Cambria Math" charset="0"/>
+                          </a:rPr>
+                        </m:ctrlPr>
+                      </m:fPr>
+                      <m:num>
+                        <m:r>
+                          <a:rPr lang="en-US" sz="2400" b="0" i="1" smtClean="0">
+                            <a:latin typeface="Cambria Math" charset="0"/>
+                          </a:rPr>
+                          <m:t>1</m:t>
+                        </m:r>
+                      </m:num>
+                      <m:den>
+                        <m:r>
+                          <a:rPr lang="en-US" sz="2400" b="0" i="1" smtClean="0">
+                            <a:latin typeface="Cambria Math" charset="0"/>
+                          </a:rPr>
+                          <m:t>6</m:t>
+                        </m:r>
+                      </m:den>
+                    </m:f>
+                    <m:sSup>
+                      <m:sSupPr>
+                        <m:ctrlPr>
+                          <a:rPr lang="en-US" sz="2400" b="0" i="1" smtClean="0">
+                            <a:latin typeface="Cambria Math" charset="0"/>
+                          </a:rPr>
+                        </m:ctrlPr>
+                      </m:sSupPr>
+                      <m:e>
+                        <m:r>
+                          <a:rPr lang="en-US" sz="2400" b="0" i="1" smtClean="0">
+                            <a:latin typeface="Cambria Math" charset="0"/>
+                          </a:rPr>
+                          <m:t>𝑥</m:t>
+                        </m:r>
+                      </m:e>
+                      <m:sup>
+                        <m:r>
+                          <a:rPr lang="en-US" sz="2400" b="0" i="1" smtClean="0">
+                            <a:latin typeface="Cambria Math" charset="0"/>
+                          </a:rPr>
+                          <m:t>3</m:t>
+                        </m:r>
+                      </m:sup>
+                    </m:sSup>
+                    <m:r>
+                      <a:rPr lang="en-US" sz="2400" b="0" i="1" smtClean="0">
+                        <a:latin typeface="Cambria Math" charset="0"/>
+                      </a:rPr>
+                      <m:t>−</m:t>
+                    </m:r>
+                    <m:f>
+                      <m:fPr>
+                        <m:ctrlPr>
+                          <a:rPr lang="en-US" sz="2400" b="0" i="1" smtClean="0">
+                            <a:latin typeface="Cambria Math" charset="0"/>
+                          </a:rPr>
+                        </m:ctrlPr>
+                      </m:fPr>
+                      <m:num>
+                        <m:r>
+                          <a:rPr lang="en-US" sz="2400" b="0" i="1" smtClean="0">
+                            <a:latin typeface="Cambria Math" charset="0"/>
+                          </a:rPr>
+                          <m:t>1</m:t>
+                        </m:r>
+                      </m:num>
+                      <m:den>
+                        <m:r>
+                          <a:rPr lang="en-US" sz="2400" b="0" i="1" smtClean="0">
+                            <a:latin typeface="Cambria Math" charset="0"/>
+                          </a:rPr>
+                          <m:t>4</m:t>
+                        </m:r>
+                      </m:den>
+                    </m:f>
+                    <m:sSup>
+                      <m:sSupPr>
+                        <m:ctrlPr>
+                          <a:rPr lang="en-US" sz="2400" b="0" i="1" smtClean="0">
+                            <a:latin typeface="Cambria Math" charset="0"/>
+                          </a:rPr>
+                        </m:ctrlPr>
+                      </m:sSupPr>
+                      <m:e>
+                        <m:r>
+                          <a:rPr lang="en-US" sz="2400" b="0" i="1" smtClean="0">
+                            <a:latin typeface="Cambria Math" charset="0"/>
+                          </a:rPr>
+                          <m:t>𝑥</m:t>
+                        </m:r>
+                      </m:e>
+                      <m:sup>
+                        <m:r>
+                          <a:rPr lang="en-US" sz="2400" b="0" i="1" smtClean="0">
+                            <a:latin typeface="Cambria Math" charset="0"/>
+                          </a:rPr>
+                          <m:t>4</m:t>
+                        </m:r>
+                      </m:sup>
+                    </m:sSup>
+                    <m:r>
+                      <a:rPr lang="en-US" sz="2400" b="0" i="1" smtClean="0">
+                        <a:latin typeface="Cambria Math" charset="0"/>
+                      </a:rPr>
+                      <m:t>+</m:t>
+                    </m:r>
+                    <m:f>
+                      <m:fPr>
+                        <m:ctrlPr>
+                          <a:rPr lang="en-US" sz="2400" b="0" i="1" smtClean="0">
+                            <a:latin typeface="Cambria Math" charset="0"/>
+                          </a:rPr>
+                        </m:ctrlPr>
+                      </m:fPr>
+                      <m:num>
+                        <m:r>
+                          <a:rPr lang="en-US" sz="2400" b="0" i="1" smtClean="0">
+                            <a:latin typeface="Cambria Math" charset="0"/>
+                          </a:rPr>
+                          <m:t>10</m:t>
+                        </m:r>
+                      </m:num>
+                      <m:den>
+                        <m:r>
+                          <a:rPr lang="en-US" sz="2400" b="0" i="1" smtClean="0">
+                            <a:latin typeface="Cambria Math" charset="0"/>
+                          </a:rPr>
+                          <m:t>24</m:t>
+                        </m:r>
+                      </m:den>
+                    </m:f>
+                    <m:r>
+                      <a:rPr lang="en-US" sz="2400" b="0" i="1" smtClean="0">
+                        <a:latin typeface="Cambria Math" charset="0"/>
+                      </a:rPr>
+                      <m:t>𝑥</m:t>
+                    </m:r>
+                  </m:oMath>
+                </a14:m>
+                <a:r>
+                  <a:rPr lang="en-US" sz="2400" dirty="0" smtClean="0"/>
+                  <a:t> </a:t>
+                </a:r>
+                <a:endParaRPr lang="en-US" sz="2400" dirty="0"/>
+              </a:p>
+            </p:txBody>
+          </p:sp>
+        </mc:Choice>
+        <mc:Fallback>
+          <p:sp>
+            <p:nvSpPr>
+              <p:cNvPr id="6" name="TextBox 5"/>
+              <p:cNvSpPr txBox="1">
+                <a:spLocks noRot="1" noChangeAspect="1" noMove="1" noResize="1" noEditPoints="1" noAdjustHandles="1" noChangeArrowheads="1" noChangeShapeType="1" noTextEdit="1"/>
+              </p:cNvSpPr>
+              <p:nvPr/>
+            </p:nvSpPr>
+            <p:spPr>
+              <a:xfrm>
+                <a:off x="643466" y="1642533"/>
+                <a:ext cx="8906933" cy="616964"/>
+              </a:xfrm>
+              <a:prstGeom prst="rect">
+                <a:avLst/>
+              </a:prstGeom>
+              <a:blipFill rotWithShape="0">
+                <a:blip r:embed="rId2"/>
+                <a:stretch>
+                  <a:fillRect l="-1095" b="-8824"/>
+                </a:stretch>
+              </a:blipFill>
+            </p:spPr>
+            <p:txBody>
+              <a:bodyPr/>
+              <a:lstStyle/>
+              <a:p>
+                <a:r>
+                  <a:rPr lang="en-US">
+                    <a:noFill/>
+                  </a:rPr>
+                  <a:t> </a:t>
+                </a:r>
+              </a:p>
+            </p:txBody>
+          </p:sp>
+        </mc:Fallback>
+      </mc:AlternateContent>
+      <p:pic>
+        <p:nvPicPr>
+          <p:cNvPr id="4" name="Picture 3"/>
+          <p:cNvPicPr>
+            <a:picLocks noChangeAspect="1"/>
+          </p:cNvPicPr>
+          <p:nvPr/>
+        </p:nvPicPr>
+        <p:blipFill>
+          <a:blip r:embed="rId3">
+            <a:extLst>
+              <a:ext uri="{28A0092B-C50C-407E-A947-70E740481C1C}">
+                <a14:useLocalDpi xmlns:a14="http://schemas.microsoft.com/office/drawing/2010/main" val="0"/>
+              </a:ext>
+            </a:extLst>
+          </a:blip>
+          <a:stretch>
+            <a:fillRect/>
+          </a:stretch>
+        </p:blipFill>
+        <p:spPr>
+          <a:xfrm>
+            <a:off x="1845733" y="2624667"/>
+            <a:ext cx="8297334" cy="3798993"/>
+          </a:xfrm>
+          <a:prstGeom prst="rect">
+            <a:avLst/>
+          </a:prstGeom>
+        </p:spPr>
+      </p:pic>
+    </p:spTree>
+    <p:extLst>
+      <p:ext uri="{BB962C8B-B14F-4D97-AF65-F5344CB8AC3E}">
+        <p14:creationId xmlns:p14="http://schemas.microsoft.com/office/powerpoint/2010/main" val="1806639401"/>
+      </p:ext>
+    </p:extLst>
+  </p:cSld>
+  <p:clrMapOvr>
+    <a:masterClrMapping/>
+  </p:clrMapOvr>
+  <p:timing>
+    <p:tnLst>
+      <p:par>
+        <p:cTn id="1" dur="indefinite" restart="never" nodeType="tmRoot"/>
+      </p:par>
+    </p:tnLst>
+  </p:timing>
+</p:sld>
+</file>
+
+<file path=ppt/slides/slide14.xml><?xml version="1.0" encoding="utf-8"?>
+<p:sld xmlns:a="http://schemas.openxmlformats.org/drawingml/2006/main" xmlns:r="http://schemas.openxmlformats.org/officeDocument/2006/relationships" xmlns:p="http://schemas.openxmlformats.org/presentationml/2006/main">
+  <p:cSld>
+    <p:spTree>
+      <p:nvGrpSpPr>
+        <p:cNvPr id="1" name=""/>
+        <p:cNvGrpSpPr/>
+        <p:nvPr/>
+      </p:nvGrpSpPr>
+      <p:grpSpPr>
+        <a:xfrm>
+          <a:off x="0" y="0"/>
+          <a:ext cx="0" cy="0"/>
+          <a:chOff x="0" y="0"/>
+          <a:chExt cx="0" cy="0"/>
+        </a:xfrm>
+      </p:grpSpPr>
+      <p:sp>
+        <p:nvSpPr>
+          <p:cNvPr id="2" name="Title 1">
+            <a:extLst>
+              <a:ext uri="{FF2B5EF4-FFF2-40B4-BE49-F238E27FC236}">
+                <a16:creationId xmlns:a16="http://schemas.microsoft.com/office/drawing/2014/main" xmlns="" id="{80487D18-0C2D-139A-CE9A-5846B55FC3E7}"/>
+              </a:ext>
+            </a:extLst>
+          </p:cNvPr>
+          <p:cNvSpPr>
+            <a:spLocks noGrp="1"/>
+          </p:cNvSpPr>
+          <p:nvPr>
+            <p:ph type="title"/>
+          </p:nvPr>
+        </p:nvSpPr>
+        <p:spPr>
+          <a:xfrm>
+            <a:off x="250824" y="152400"/>
+            <a:ext cx="9604376" cy="1325563"/>
+          </a:xfrm>
+        </p:spPr>
+        <p:txBody>
+          <a:bodyPr>
+            <a:normAutofit/>
+          </a:bodyPr>
+          <a:lstStyle/>
+          <a:p>
+            <a:r>
+              <a:rPr lang="en-US" dirty="0" smtClean="0"/>
+              <a:t>Physics-informed </a:t>
+            </a:r>
+            <a:r>
+              <a:rPr lang="en-US" dirty="0" err="1" smtClean="0"/>
+              <a:t>DeepOnet</a:t>
+            </a:r>
+            <a:r>
+              <a:rPr lang="en-US" dirty="0" smtClean="0"/>
+              <a:t> (</a:t>
+            </a:r>
+            <a:r>
+              <a:rPr lang="en-US" dirty="0" err="1" smtClean="0"/>
+              <a:t>exmaple</a:t>
+            </a:r>
+            <a:r>
+              <a:rPr lang="en-US" dirty="0" smtClean="0"/>
+              <a:t>)  </a:t>
+            </a:r>
+            <a:endParaRPr lang="en-US" dirty="0"/>
+          </a:p>
+        </p:txBody>
+      </p:sp>
+      <mc:AlternateContent xmlns:mc="http://schemas.openxmlformats.org/markup-compatibility/2006">
+        <mc:Choice xmlns:a14="http://schemas.microsoft.com/office/drawing/2010/main" Requires="a14">
+          <p:sp>
+            <p:nvSpPr>
+              <p:cNvPr id="6" name="TextBox 5"/>
+              <p:cNvSpPr txBox="1"/>
+              <p:nvPr/>
+            </p:nvSpPr>
+            <p:spPr>
+              <a:xfrm>
+                <a:off x="643466" y="1642533"/>
+                <a:ext cx="8906933" cy="461665"/>
+              </a:xfrm>
+              <a:prstGeom prst="rect">
+                <a:avLst/>
+              </a:prstGeom>
+              <a:noFill/>
+            </p:spPr>
+            <p:txBody>
+              <a:bodyPr wrap="square" rtlCol="0">
+                <a:spAutoFit/>
+              </a:bodyPr>
+              <a:lstStyle/>
+              <a:p>
+                <a:r>
+                  <a:rPr lang="en-US" sz="2400" dirty="0" smtClean="0"/>
+                  <a:t>For </a:t>
+                </a:r>
+                <a14:m>
+                  <m:oMath xmlns:m="http://schemas.openxmlformats.org/officeDocument/2006/math">
+                    <m:r>
+                      <a:rPr lang="en-US" sz="2400" b="0" i="1" smtClean="0">
+                        <a:latin typeface="Cambria Math" charset="0"/>
+                      </a:rPr>
+                      <m:t>𝑓</m:t>
+                    </m:r>
+                    <m:d>
+                      <m:dPr>
+                        <m:ctrlPr>
+                          <a:rPr lang="en-US" sz="2400" b="0" i="1" smtClean="0">
+                            <a:latin typeface="Cambria Math" charset="0"/>
+                          </a:rPr>
+                        </m:ctrlPr>
+                      </m:dPr>
+                      <m:e>
+                        <m:r>
+                          <a:rPr lang="en-US" sz="2400" b="0" i="1" smtClean="0">
+                            <a:latin typeface="Cambria Math" charset="0"/>
+                          </a:rPr>
+                          <m:t>𝑥</m:t>
+                        </m:r>
+                      </m:e>
+                    </m:d>
+                    <m:r>
+                      <a:rPr lang="en-US" sz="2400" b="0" i="1" smtClean="0">
+                        <a:latin typeface="Cambria Math" charset="0"/>
+                      </a:rPr>
+                      <m:t>=</m:t>
+                    </m:r>
+                    <m:sSup>
+                      <m:sSupPr>
+                        <m:ctrlPr>
+                          <a:rPr lang="en-US" sz="2400" b="0" i="1" smtClean="0">
+                            <a:latin typeface="Cambria Math" charset="0"/>
+                          </a:rPr>
+                        </m:ctrlPr>
+                      </m:sSupPr>
+                      <m:e>
+                        <m:r>
+                          <a:rPr lang="en-US" sz="2400" b="0" i="1" smtClean="0">
+                            <a:latin typeface="Cambria Math" charset="0"/>
+                          </a:rPr>
+                          <m:t>𝑒</m:t>
+                        </m:r>
+                      </m:e>
+                      <m:sup>
+                        <m:r>
+                          <a:rPr lang="en-US" sz="2400" b="0" i="1" smtClean="0">
+                            <a:latin typeface="Cambria Math" charset="0"/>
+                          </a:rPr>
+                          <m:t>𝑥</m:t>
+                        </m:r>
+                      </m:sup>
+                    </m:sSup>
+                  </m:oMath>
+                </a14:m>
+                <a:r>
+                  <a:rPr lang="en-US" sz="2400" dirty="0" smtClean="0"/>
+                  <a:t> the exact solution is </a:t>
+                </a:r>
+                <a14:m>
+                  <m:oMath xmlns:m="http://schemas.openxmlformats.org/officeDocument/2006/math">
+                    <m:r>
+                      <a:rPr lang="en-US" sz="2400" b="0" i="1" smtClean="0">
+                        <a:latin typeface="Cambria Math" charset="0"/>
+                      </a:rPr>
+                      <m:t>𝑢</m:t>
+                    </m:r>
+                    <m:d>
+                      <m:dPr>
+                        <m:ctrlPr>
+                          <a:rPr lang="en-US" sz="2400" b="0" i="1" smtClean="0">
+                            <a:latin typeface="Cambria Math" charset="0"/>
+                          </a:rPr>
+                        </m:ctrlPr>
+                      </m:dPr>
+                      <m:e>
+                        <m:r>
+                          <a:rPr lang="en-US" sz="2400" b="0" i="1" smtClean="0">
+                            <a:latin typeface="Cambria Math" charset="0"/>
+                          </a:rPr>
+                          <m:t>𝑥</m:t>
+                        </m:r>
+                      </m:e>
+                    </m:d>
+                    <m:r>
+                      <a:rPr lang="en-US" sz="2400" b="0" i="1" smtClean="0">
+                        <a:latin typeface="Cambria Math" charset="0"/>
+                      </a:rPr>
+                      <m:t>=−</m:t>
+                    </m:r>
+                    <m:sSup>
+                      <m:sSupPr>
+                        <m:ctrlPr>
+                          <a:rPr lang="en-US" sz="2400" b="0" i="1" smtClean="0">
+                            <a:latin typeface="Cambria Math" charset="0"/>
+                          </a:rPr>
+                        </m:ctrlPr>
+                      </m:sSupPr>
+                      <m:e>
+                        <m:r>
+                          <a:rPr lang="en-US" sz="2400" b="0" i="1" smtClean="0">
+                            <a:latin typeface="Cambria Math" charset="0"/>
+                          </a:rPr>
+                          <m:t>𝑒</m:t>
+                        </m:r>
+                      </m:e>
+                      <m:sup>
+                        <m:r>
+                          <a:rPr lang="en-US" sz="2400" b="0" i="1" smtClean="0">
+                            <a:latin typeface="Cambria Math" charset="0"/>
+                          </a:rPr>
+                          <m:t>𝑥</m:t>
+                        </m:r>
+                      </m:sup>
+                    </m:sSup>
+                    <m:r>
+                      <a:rPr lang="en-US" sz="2400" b="0" i="1" smtClean="0">
+                        <a:latin typeface="Cambria Math" charset="0"/>
+                      </a:rPr>
+                      <m:t>+</m:t>
+                    </m:r>
+                    <m:r>
+                      <a:rPr lang="en-US" sz="2400" b="0" i="1" smtClean="0">
+                        <a:latin typeface="Cambria Math" charset="0"/>
+                      </a:rPr>
+                      <m:t>𝑥𝑒</m:t>
+                    </m:r>
+                    <m:r>
+                      <a:rPr lang="en-US" sz="2400" b="0" i="1" smtClean="0">
+                        <a:latin typeface="Cambria Math" charset="0"/>
+                      </a:rPr>
+                      <m:t>−</m:t>
+                    </m:r>
+                    <m:r>
+                      <a:rPr lang="en-US" sz="2400" b="0" i="1" smtClean="0">
+                        <a:latin typeface="Cambria Math" charset="0"/>
+                      </a:rPr>
+                      <m:t>𝑥</m:t>
+                    </m:r>
+                    <m:r>
+                      <a:rPr lang="en-US" sz="2400" b="0" i="1" smtClean="0">
+                        <a:latin typeface="Cambria Math" charset="0"/>
+                      </a:rPr>
+                      <m:t>+1</m:t>
+                    </m:r>
+                  </m:oMath>
+                </a14:m>
+                <a:endParaRPr lang="en-US" sz="2400" dirty="0"/>
+              </a:p>
+            </p:txBody>
+          </p:sp>
+        </mc:Choice>
+        <mc:Fallback>
+          <p:sp>
+            <p:nvSpPr>
+              <p:cNvPr id="6" name="TextBox 5"/>
+              <p:cNvSpPr txBox="1">
+                <a:spLocks noRot="1" noChangeAspect="1" noMove="1" noResize="1" noEditPoints="1" noAdjustHandles="1" noChangeArrowheads="1" noChangeShapeType="1" noTextEdit="1"/>
+              </p:cNvSpPr>
+              <p:nvPr/>
+            </p:nvSpPr>
+            <p:spPr>
+              <a:xfrm>
+                <a:off x="643466" y="1642533"/>
+                <a:ext cx="8906933" cy="461665"/>
+              </a:xfrm>
+              <a:prstGeom prst="rect">
+                <a:avLst/>
+              </a:prstGeom>
+              <a:blipFill rotWithShape="0">
+                <a:blip r:embed="rId2"/>
+                <a:stretch>
+                  <a:fillRect l="-1095" t="-10526" b="-28947"/>
+                </a:stretch>
+              </a:blipFill>
+            </p:spPr>
+            <p:txBody>
+              <a:bodyPr/>
+              <a:lstStyle/>
+              <a:p>
+                <a:r>
+                  <a:rPr lang="en-US">
+                    <a:noFill/>
+                  </a:rPr>
+                  <a:t> </a:t>
+                </a:r>
+              </a:p>
+            </p:txBody>
+          </p:sp>
+        </mc:Fallback>
+      </mc:AlternateContent>
+      <p:pic>
+        <p:nvPicPr>
+          <p:cNvPr id="3" name="Picture 2"/>
+          <p:cNvPicPr>
+            <a:picLocks noChangeAspect="1"/>
+          </p:cNvPicPr>
+          <p:nvPr/>
+        </p:nvPicPr>
+        <p:blipFill>
+          <a:blip r:embed="rId3">
+            <a:extLst>
+              <a:ext uri="{28A0092B-C50C-407E-A947-70E740481C1C}">
+                <a14:useLocalDpi xmlns:a14="http://schemas.microsoft.com/office/drawing/2010/main" val="0"/>
+              </a:ext>
+            </a:extLst>
+          </a:blip>
+          <a:stretch>
+            <a:fillRect/>
+          </a:stretch>
+        </p:blipFill>
+        <p:spPr>
+          <a:xfrm>
+            <a:off x="1743117" y="2268767"/>
+            <a:ext cx="8687816" cy="4250565"/>
+          </a:xfrm>
+          <a:prstGeom prst="rect">
+            <a:avLst/>
+          </a:prstGeom>
+        </p:spPr>
+      </p:pic>
+    </p:spTree>
+    <p:extLst>
+      <p:ext uri="{BB962C8B-B14F-4D97-AF65-F5344CB8AC3E}">
+        <p14:creationId xmlns:p14="http://schemas.microsoft.com/office/powerpoint/2010/main" val="1744138755"/>
+      </p:ext>
+    </p:extLst>
+  </p:cSld>
+  <p:clrMapOvr>
+    <a:masterClrMapping/>
+  </p:clrMapOvr>
+  <p:timing>
+    <p:tnLst>
+      <p:par>
+        <p:cTn id="1" dur="indefinite" restart="never" nodeType="tmRoot"/>
+      </p:par>
+    </p:tnLst>
+  </p:timing>
+</p:sld>
+</file>
+
+<file path=ppt/slides/slide15.xml><?xml version="1.0" encoding="utf-8"?>
+<p:sld xmlns:a="http://schemas.openxmlformats.org/drawingml/2006/main" xmlns:r="http://schemas.openxmlformats.org/officeDocument/2006/relationships" xmlns:p="http://schemas.openxmlformats.org/presentationml/2006/main">
+  <p:cSld>
+    <p:spTree>
+      <p:nvGrpSpPr>
+        <p:cNvPr id="1" name=""/>
+        <p:cNvGrpSpPr/>
+        <p:nvPr/>
+      </p:nvGrpSpPr>
+      <p:grpSpPr>
+        <a:xfrm>
+          <a:off x="0" y="0"/>
+          <a:ext cx="0" cy="0"/>
+          <a:chOff x="0" y="0"/>
+          <a:chExt cx="0" cy="0"/>
+        </a:xfrm>
+      </p:grpSpPr>
+      <p:sp>
+        <p:nvSpPr>
+          <p:cNvPr id="2" name="Title 1">
+            <a:extLst>
+              <a:ext uri="{FF2B5EF4-FFF2-40B4-BE49-F238E27FC236}">
+                <a16:creationId xmlns:a16="http://schemas.microsoft.com/office/drawing/2014/main" xmlns="" id="{80487D18-0C2D-139A-CE9A-5846B55FC3E7}"/>
+              </a:ext>
+            </a:extLst>
+          </p:cNvPr>
+          <p:cNvSpPr>
+            <a:spLocks noGrp="1"/>
+          </p:cNvSpPr>
+          <p:nvPr>
+            <p:ph type="title"/>
+          </p:nvPr>
+        </p:nvSpPr>
+        <p:spPr>
+          <a:xfrm>
+            <a:off x="250824" y="152400"/>
+            <a:ext cx="9604376" cy="1325563"/>
+          </a:xfrm>
+        </p:spPr>
+        <p:txBody>
+          <a:bodyPr>
+            <a:normAutofit/>
+          </a:bodyPr>
+          <a:lstStyle/>
+          <a:p>
+            <a:r>
+              <a:rPr lang="en-US" dirty="0" smtClean="0"/>
+              <a:t>Physics-informed </a:t>
+            </a:r>
+            <a:r>
+              <a:rPr lang="en-US" dirty="0" err="1" smtClean="0"/>
+              <a:t>DeepOnet</a:t>
+            </a:r>
+            <a:r>
+              <a:rPr lang="en-US" dirty="0" smtClean="0"/>
+              <a:t> (</a:t>
+            </a:r>
+            <a:r>
+              <a:rPr lang="en-US" dirty="0" err="1" smtClean="0"/>
+              <a:t>exmaple</a:t>
+            </a:r>
+            <a:r>
+              <a:rPr lang="en-US" dirty="0" smtClean="0"/>
+              <a:t>)  </a:t>
+            </a:r>
+            <a:endParaRPr lang="en-US" dirty="0"/>
+          </a:p>
+        </p:txBody>
+      </p:sp>
+      <mc:AlternateContent xmlns:mc="http://schemas.openxmlformats.org/markup-compatibility/2006">
+        <mc:Choice xmlns:a14="http://schemas.microsoft.com/office/drawing/2010/main" Requires="a14">
+          <p:sp>
+            <p:nvSpPr>
+              <p:cNvPr id="6" name="TextBox 5"/>
+              <p:cNvSpPr txBox="1"/>
+              <p:nvPr/>
+            </p:nvSpPr>
+            <p:spPr>
+              <a:xfrm>
+                <a:off x="592666" y="1528763"/>
+                <a:ext cx="8636001" cy="1155509"/>
+              </a:xfrm>
+              <a:prstGeom prst="rect">
+                <a:avLst/>
+              </a:prstGeom>
+              <a:noFill/>
+            </p:spPr>
+            <p:txBody>
+              <a:bodyPr wrap="square" rtlCol="0">
+                <a:spAutoFit/>
+              </a:bodyPr>
+              <a:lstStyle/>
+              <a:p>
+                <a:r>
+                  <a:rPr lang="en-US" sz="2400" dirty="0" smtClean="0"/>
+                  <a:t>For </a:t>
+                </a:r>
+                <a14:m>
+                  <m:oMath xmlns:m="http://schemas.openxmlformats.org/officeDocument/2006/math">
+                    <m:r>
+                      <a:rPr lang="en-US" sz="2400" b="0" i="1" smtClean="0">
+                        <a:latin typeface="Cambria Math" charset="0"/>
+                      </a:rPr>
+                      <m:t>𝑓</m:t>
+                    </m:r>
+                    <m:d>
+                      <m:dPr>
+                        <m:ctrlPr>
+                          <a:rPr lang="en-US" sz="2400" b="0" i="1" smtClean="0">
+                            <a:latin typeface="Cambria Math" charset="0"/>
+                          </a:rPr>
+                        </m:ctrlPr>
+                      </m:dPr>
+                      <m:e>
+                        <m:r>
+                          <a:rPr lang="en-US" sz="2400" b="0" i="1" smtClean="0">
+                            <a:latin typeface="Cambria Math" charset="0"/>
+                          </a:rPr>
+                          <m:t>𝑥</m:t>
+                        </m:r>
+                      </m:e>
+                    </m:d>
+                    <m:r>
+                      <a:rPr lang="en-US" sz="2400" b="0" i="1" smtClean="0">
+                        <a:latin typeface="Cambria Math" charset="0"/>
+                      </a:rPr>
+                      <m:t>=</m:t>
+                    </m:r>
+                    <m:func>
+                      <m:funcPr>
+                        <m:ctrlPr>
+                          <a:rPr lang="en-US" sz="2400" b="0" i="1" smtClean="0">
+                            <a:latin typeface="Cambria Math" charset="0"/>
+                          </a:rPr>
+                        </m:ctrlPr>
+                      </m:funcPr>
+                      <m:fName>
+                        <m:r>
+                          <m:rPr>
+                            <m:sty m:val="p"/>
+                          </m:rPr>
+                          <a:rPr lang="en-US" sz="2400" b="0" i="0" smtClean="0">
+                            <a:latin typeface="Cambria Math" charset="0"/>
+                          </a:rPr>
+                          <m:t>sin</m:t>
+                        </m:r>
+                      </m:fName>
+                      <m:e>
+                        <m:d>
+                          <m:dPr>
+                            <m:ctrlPr>
+                              <a:rPr lang="en-US" sz="2400" b="0" i="1" smtClean="0">
+                                <a:latin typeface="Cambria Math" charset="0"/>
+                              </a:rPr>
+                            </m:ctrlPr>
+                          </m:dPr>
+                          <m:e>
+                            <m:r>
+                              <a:rPr lang="en-US" sz="2400" b="0" i="1" smtClean="0">
+                                <a:latin typeface="Cambria Math" charset="0"/>
+                              </a:rPr>
+                              <m:t>𝜋</m:t>
+                            </m:r>
+                            <m:r>
+                              <a:rPr lang="en-US" sz="2400" b="0" i="1" smtClean="0">
+                                <a:latin typeface="Cambria Math" charset="0"/>
+                              </a:rPr>
+                              <m:t>𝑥</m:t>
+                            </m:r>
+                          </m:e>
+                        </m:d>
+                      </m:e>
+                    </m:func>
+                    <m:r>
+                      <a:rPr lang="en-US" sz="2400" b="0" i="1" smtClean="0">
+                        <a:latin typeface="Cambria Math" charset="0"/>
+                      </a:rPr>
+                      <m:t>−</m:t>
+                    </m:r>
+                    <m:r>
+                      <m:rPr>
+                        <m:sty m:val="p"/>
+                      </m:rPr>
+                      <a:rPr lang="en-US" sz="2400" b="0" i="0" smtClean="0">
+                        <a:latin typeface="Cambria Math" charset="0"/>
+                      </a:rPr>
+                      <m:t>cos</m:t>
+                    </m:r>
+                    <m:r>
+                      <a:rPr lang="en-US" sz="2400" b="0" i="1" smtClean="0">
+                        <a:latin typeface="Cambria Math" charset="0"/>
+                      </a:rPr>
+                      <m:t>⁡(</m:t>
+                    </m:r>
+                    <m:r>
+                      <a:rPr lang="en-US" sz="2400" b="0" i="1" smtClean="0">
+                        <a:latin typeface="Cambria Math" charset="0"/>
+                      </a:rPr>
+                      <m:t>𝜋</m:t>
+                    </m:r>
+                    <m:r>
+                      <a:rPr lang="en-US" sz="2400" b="0" i="1" smtClean="0">
+                        <a:latin typeface="Cambria Math" charset="0"/>
+                      </a:rPr>
+                      <m:t>𝑥</m:t>
+                    </m:r>
+                    <m:r>
+                      <a:rPr lang="en-US" sz="2400" b="0" i="1" smtClean="0">
+                        <a:latin typeface="Cambria Math" charset="0"/>
+                      </a:rPr>
+                      <m:t>)</m:t>
+                    </m:r>
+                  </m:oMath>
+                </a14:m>
+                <a:r>
+                  <a:rPr lang="en-US" sz="2400" dirty="0" smtClean="0"/>
+                  <a:t> the exact solution is </a:t>
+                </a:r>
+                <a:endParaRPr lang="en-US" sz="2400" b="0" i="1" dirty="0" smtClean="0">
+                  <a:latin typeface="Cambria Math" charset="0"/>
+                </a:endParaRPr>
+              </a:p>
+              <a:p>
+                <a14:m>
+                  <m:oMathPara xmlns:m="http://schemas.openxmlformats.org/officeDocument/2006/math">
+                    <m:oMathParaPr>
+                      <m:jc m:val="centerGroup"/>
+                    </m:oMathParaPr>
+                    <m:oMath xmlns:m="http://schemas.openxmlformats.org/officeDocument/2006/math">
+                      <m:r>
+                        <a:rPr lang="en-US" sz="2400" b="0" i="1" smtClean="0">
+                          <a:latin typeface="Cambria Math" charset="0"/>
+                        </a:rPr>
+                        <m:t>𝑢</m:t>
+                      </m:r>
+                      <m:d>
+                        <m:dPr>
+                          <m:ctrlPr>
+                            <a:rPr lang="en-US" sz="2400" b="0" i="1" smtClean="0">
+                              <a:latin typeface="Cambria Math" charset="0"/>
+                            </a:rPr>
+                          </m:ctrlPr>
+                        </m:dPr>
+                        <m:e>
+                          <m:r>
+                            <a:rPr lang="en-US" sz="2400" b="0" i="1" smtClean="0">
+                              <a:latin typeface="Cambria Math" charset="0"/>
+                            </a:rPr>
+                            <m:t>𝑥</m:t>
+                          </m:r>
+                        </m:e>
+                      </m:d>
+                      <m:r>
+                        <a:rPr lang="en-US" sz="2400" b="0" i="1" smtClean="0">
+                          <a:latin typeface="Cambria Math" charset="0"/>
+                        </a:rPr>
+                        <m:t>=</m:t>
+                      </m:r>
+                      <m:f>
+                        <m:fPr>
+                          <m:ctrlPr>
+                            <a:rPr lang="en-US" sz="2400" b="0" i="1" smtClean="0">
+                              <a:latin typeface="Cambria Math" charset="0"/>
+                            </a:rPr>
+                          </m:ctrlPr>
+                        </m:fPr>
+                        <m:num>
+                          <m:r>
+                            <a:rPr lang="en-US" sz="2400" b="0" i="1" smtClean="0">
+                              <a:latin typeface="Cambria Math" charset="0"/>
+                            </a:rPr>
+                            <m:t>1</m:t>
+                          </m:r>
+                        </m:num>
+                        <m:den>
+                          <m:sSup>
+                            <m:sSupPr>
+                              <m:ctrlPr>
+                                <a:rPr lang="en-US" sz="2400" b="0" i="1" smtClean="0">
+                                  <a:latin typeface="Cambria Math" charset="0"/>
+                                </a:rPr>
+                              </m:ctrlPr>
+                            </m:sSupPr>
+                            <m:e>
+                              <m:r>
+                                <a:rPr lang="en-US" sz="2400" b="0" i="1" smtClean="0">
+                                  <a:latin typeface="Cambria Math" charset="0"/>
+                                </a:rPr>
+                                <m:t>𝜋</m:t>
+                              </m:r>
+                            </m:e>
+                            <m:sup>
+                              <m:r>
+                                <a:rPr lang="en-US" sz="2400" b="0" i="1" smtClean="0">
+                                  <a:latin typeface="Cambria Math" charset="0"/>
+                                </a:rPr>
+                                <m:t>2</m:t>
+                              </m:r>
+                            </m:sup>
+                          </m:sSup>
+                        </m:den>
+                      </m:f>
+                      <m:d>
+                        <m:dPr>
+                          <m:begChr m:val="["/>
+                          <m:endChr m:val="]"/>
+                          <m:ctrlPr>
+                            <a:rPr lang="pt-BR" sz="2400" b="0" i="1" smtClean="0">
+                              <a:latin typeface="Cambria Math" charset="0"/>
+                            </a:rPr>
+                          </m:ctrlPr>
+                        </m:dPr>
+                        <m:e>
+                          <m:func>
+                            <m:funcPr>
+                              <m:ctrlPr>
+                                <a:rPr lang="en-US" sz="2400" b="0" i="1" smtClean="0">
+                                  <a:latin typeface="Cambria Math" charset="0"/>
+                                </a:rPr>
+                              </m:ctrlPr>
+                            </m:funcPr>
+                            <m:fName>
+                              <m:r>
+                                <m:rPr>
+                                  <m:sty m:val="p"/>
+                                </m:rPr>
+                                <a:rPr lang="en-US" sz="2400" b="0" i="0" smtClean="0">
+                                  <a:latin typeface="Cambria Math" charset="0"/>
+                                </a:rPr>
+                                <m:t>sin</m:t>
+                              </m:r>
+                            </m:fName>
+                            <m:e>
+                              <m:d>
+                                <m:dPr>
+                                  <m:ctrlPr>
+                                    <a:rPr lang="en-US" sz="2400" b="0" i="1" smtClean="0">
+                                      <a:latin typeface="Cambria Math" charset="0"/>
+                                    </a:rPr>
+                                  </m:ctrlPr>
+                                </m:dPr>
+                                <m:e>
+                                  <m:r>
+                                    <a:rPr lang="en-US" sz="2400" b="0" i="1" smtClean="0">
+                                      <a:latin typeface="Cambria Math" charset="0"/>
+                                    </a:rPr>
+                                    <m:t>𝜋</m:t>
+                                  </m:r>
+                                  <m:r>
+                                    <a:rPr lang="en-US" sz="2400" b="0" i="1" smtClean="0">
+                                      <a:latin typeface="Cambria Math" charset="0"/>
+                                    </a:rPr>
+                                    <m:t>𝑥</m:t>
+                                  </m:r>
+                                </m:e>
+                              </m:d>
+                            </m:e>
+                          </m:func>
+                          <m:r>
+                            <a:rPr lang="en-US" sz="2400" b="0" i="1" smtClean="0">
+                              <a:latin typeface="Cambria Math" charset="0"/>
+                            </a:rPr>
+                            <m:t>−</m:t>
+                          </m:r>
+                          <m:func>
+                            <m:funcPr>
+                              <m:ctrlPr>
+                                <a:rPr lang="en-US" sz="2400" b="0" i="1" smtClean="0">
+                                  <a:latin typeface="Cambria Math" charset="0"/>
+                                </a:rPr>
+                              </m:ctrlPr>
+                            </m:funcPr>
+                            <m:fName>
+                              <m:r>
+                                <m:rPr>
+                                  <m:sty m:val="p"/>
+                                </m:rPr>
+                                <a:rPr lang="en-US" sz="2400" b="0" i="0" smtClean="0">
+                                  <a:latin typeface="Cambria Math" charset="0"/>
+                                </a:rPr>
+                                <m:t>cos</m:t>
+                              </m:r>
+                            </m:fName>
+                            <m:e>
+                              <m:d>
+                                <m:dPr>
+                                  <m:ctrlPr>
+                                    <a:rPr lang="en-US" sz="2400" b="0" i="1" smtClean="0">
+                                      <a:latin typeface="Cambria Math" charset="0"/>
+                                    </a:rPr>
+                                  </m:ctrlPr>
+                                </m:dPr>
+                                <m:e>
+                                  <m:r>
+                                    <a:rPr lang="en-US" sz="2400" b="0" i="1" smtClean="0">
+                                      <a:latin typeface="Cambria Math" charset="0"/>
+                                    </a:rPr>
+                                    <m:t>𝜋</m:t>
+                                  </m:r>
+                                  <m:r>
+                                    <a:rPr lang="en-US" sz="2400" b="0" i="1" smtClean="0">
+                                      <a:latin typeface="Cambria Math" charset="0"/>
+                                    </a:rPr>
+                                    <m:t>𝑥</m:t>
+                                  </m:r>
+                                </m:e>
+                              </m:d>
+                            </m:e>
+                          </m:func>
+                          <m:r>
+                            <a:rPr lang="en-US" sz="2400" b="0" i="1" smtClean="0">
+                              <a:latin typeface="Cambria Math" charset="0"/>
+                            </a:rPr>
+                            <m:t>−2</m:t>
+                          </m:r>
+                          <m:r>
+                            <a:rPr lang="en-US" sz="2400" b="0" i="1" smtClean="0">
+                              <a:latin typeface="Cambria Math" charset="0"/>
+                            </a:rPr>
+                            <m:t>𝑥</m:t>
+                          </m:r>
+                          <m:r>
+                            <a:rPr lang="en-US" sz="2400" b="0" i="1" smtClean="0">
+                              <a:latin typeface="Cambria Math" charset="0"/>
+                            </a:rPr>
+                            <m:t>+1</m:t>
+                          </m:r>
+                        </m:e>
+                      </m:d>
+                    </m:oMath>
+                  </m:oMathPara>
+                </a14:m>
+                <a:endParaRPr lang="en-US" sz="2400" dirty="0"/>
+              </a:p>
+            </p:txBody>
+          </p:sp>
+        </mc:Choice>
+        <mc:Fallback>
+          <p:sp>
+            <p:nvSpPr>
+              <p:cNvPr id="6" name="TextBox 5"/>
+              <p:cNvSpPr txBox="1">
+                <a:spLocks noRot="1" noChangeAspect="1" noMove="1" noResize="1" noEditPoints="1" noAdjustHandles="1" noChangeArrowheads="1" noChangeShapeType="1" noTextEdit="1"/>
+              </p:cNvSpPr>
+              <p:nvPr/>
+            </p:nvSpPr>
+            <p:spPr>
+              <a:xfrm>
+                <a:off x="592666" y="1528763"/>
+                <a:ext cx="8636001" cy="1155509"/>
+              </a:xfrm>
+              <a:prstGeom prst="rect">
+                <a:avLst/>
+              </a:prstGeom>
+              <a:blipFill rotWithShape="0">
+                <a:blip r:embed="rId2"/>
+                <a:stretch>
+                  <a:fillRect l="-1059" t="-41799"/>
+                </a:stretch>
+              </a:blipFill>
+            </p:spPr>
+            <p:txBody>
+              <a:bodyPr/>
+              <a:lstStyle/>
+              <a:p>
+                <a:r>
+                  <a:rPr lang="en-US">
+                    <a:noFill/>
+                  </a:rPr>
+                  <a:t> </a:t>
+                </a:r>
+              </a:p>
+            </p:txBody>
+          </p:sp>
+        </mc:Fallback>
+      </mc:AlternateContent>
+      <p:pic>
+        <p:nvPicPr>
+          <p:cNvPr id="3" name="Picture 2"/>
+          <p:cNvPicPr>
+            <a:picLocks noChangeAspect="1"/>
+          </p:cNvPicPr>
+          <p:nvPr/>
+        </p:nvPicPr>
+        <p:blipFill>
+          <a:blip r:embed="rId3">
+            <a:extLst>
+              <a:ext uri="{28A0092B-C50C-407E-A947-70E740481C1C}">
+                <a14:useLocalDpi xmlns:a14="http://schemas.microsoft.com/office/drawing/2010/main" val="0"/>
+              </a:ext>
+            </a:extLst>
+          </a:blip>
+          <a:stretch>
+            <a:fillRect/>
+          </a:stretch>
+        </p:blipFill>
+        <p:spPr>
+          <a:xfrm>
+            <a:off x="1980183" y="2888255"/>
+            <a:ext cx="8535416" cy="3742340"/>
+          </a:xfrm>
+          <a:prstGeom prst="rect">
+            <a:avLst/>
+          </a:prstGeom>
+        </p:spPr>
+      </p:pic>
+    </p:spTree>
+    <p:extLst>
+      <p:ext uri="{BB962C8B-B14F-4D97-AF65-F5344CB8AC3E}">
+        <p14:creationId xmlns:p14="http://schemas.microsoft.com/office/powerpoint/2010/main" val="1340056721"/>
+      </p:ext>
+    </p:extLst>
+  </p:cSld>
+  <p:clrMapOvr>
+    <a:masterClrMapping/>
+  </p:clrMapOvr>
+  <p:timing>
+    <p:tnLst>
+      <p:par>
+        <p:cTn id="1" dur="indefinite" restart="never" nodeType="tmRoot"/>
+      </p:par>
+    </p:tnLst>
+  </p:timing>
+</p:sld>
+</file>
+
+<file path=ppt/slides/slide16.xml><?xml version="1.0" encoding="utf-8"?>
+<p:sld xmlns:a="http://schemas.openxmlformats.org/drawingml/2006/main" xmlns:r="http://schemas.openxmlformats.org/officeDocument/2006/relationships" xmlns:p="http://schemas.openxmlformats.org/presentationml/2006/main">
+  <p:cSld>
+    <p:spTree>
+      <p:nvGrpSpPr>
+        <p:cNvPr id="1" name=""/>
+        <p:cNvGrpSpPr/>
+        <p:nvPr/>
+      </p:nvGrpSpPr>
+      <p:grpSpPr>
+        <a:xfrm>
+          <a:off x="0" y="0"/>
+          <a:ext cx="0" cy="0"/>
+          <a:chOff x="0" y="0"/>
+          <a:chExt cx="0" cy="0"/>
+        </a:xfrm>
+      </p:grpSpPr>
+      <p:sp>
+        <p:nvSpPr>
+          <p:cNvPr id="2" name="Title 1">
+            <a:extLst>
+              <a:ext uri="{FF2B5EF4-FFF2-40B4-BE49-F238E27FC236}">
+                <a16:creationId xmlns:a16="http://schemas.microsoft.com/office/drawing/2014/main" xmlns="" id="{80487D18-0C2D-139A-CE9A-5846B55FC3E7}"/>
+              </a:ext>
+            </a:extLst>
+          </p:cNvPr>
+          <p:cNvSpPr>
+            <a:spLocks noGrp="1"/>
+          </p:cNvSpPr>
+          <p:nvPr>
+            <p:ph type="title"/>
+          </p:nvPr>
+        </p:nvSpPr>
+        <p:spPr>
+          <a:xfrm>
+            <a:off x="250824" y="152400"/>
+            <a:ext cx="9604376" cy="1325563"/>
+          </a:xfrm>
+        </p:spPr>
+        <p:txBody>
+          <a:bodyPr>
+            <a:normAutofit/>
+          </a:bodyPr>
+          <a:lstStyle/>
+          <a:p>
+            <a:r>
+              <a:rPr lang="en-US" dirty="0" smtClean="0"/>
+              <a:t>Applications</a:t>
+            </a:r>
+            <a:endParaRPr lang="en-US" dirty="0"/>
+          </a:p>
+        </p:txBody>
+      </p:sp>
+      <p:sp>
+        <p:nvSpPr>
+          <p:cNvPr id="6" name="TextBox 5"/>
+          <p:cNvSpPr txBox="1"/>
+          <p:nvPr/>
+        </p:nvSpPr>
+        <p:spPr>
+          <a:xfrm>
+            <a:off x="592666" y="1528763"/>
+            <a:ext cx="10092267" cy="4524315"/>
+          </a:xfrm>
+          <a:prstGeom prst="rect">
+            <a:avLst/>
+          </a:prstGeom>
+          <a:noFill/>
+        </p:spPr>
+        <p:txBody>
+          <a:bodyPr wrap="square" rtlCol="0">
+            <a:spAutoFit/>
+          </a:bodyPr>
+          <a:lstStyle/>
+          <a:p>
+            <a:r>
+              <a:rPr lang="en-US" sz="2400" dirty="0">
+                <a:ea typeface="Cambria" charset="0"/>
+                <a:cs typeface="Cambria" charset="0"/>
+              </a:rPr>
+              <a:t>Theses physics informed models can be employed in various areas such </a:t>
+            </a:r>
+            <a:r>
+              <a:rPr lang="en-US" sz="2400" dirty="0" smtClean="0">
+                <a:ea typeface="Cambria" charset="0"/>
+                <a:cs typeface="Cambria" charset="0"/>
+              </a:rPr>
+              <a:t>as</a:t>
+            </a:r>
+          </a:p>
+          <a:p>
+            <a:endParaRPr lang="en-US" sz="2400" b="0" dirty="0">
+              <a:ea typeface="Cambria" charset="0"/>
+              <a:cs typeface="Cambria" charset="0"/>
+            </a:endParaRPr>
+          </a:p>
+          <a:p>
+            <a:pPr marL="342900" indent="-342900">
+              <a:buFont typeface="Arial" charset="0"/>
+              <a:buChar char="•"/>
+            </a:pPr>
+            <a:r>
+              <a:rPr lang="en-US" sz="2400" dirty="0" smtClean="0">
+                <a:ea typeface="Cambria" charset="0"/>
+                <a:cs typeface="Cambria" charset="0"/>
+              </a:rPr>
+              <a:t>Hemodynamics </a:t>
+            </a:r>
+            <a:r>
+              <a:rPr lang="en-US" sz="2400" dirty="0">
+                <a:ea typeface="Cambria" charset="0"/>
+                <a:cs typeface="Cambria" charset="0"/>
+              </a:rPr>
+              <a:t>to study the cardiovascular flows, particularly they can </a:t>
+            </a:r>
+            <a:r>
+              <a:rPr lang="en-US" sz="2400" dirty="0" smtClean="0">
+                <a:ea typeface="Cambria" charset="0"/>
+                <a:cs typeface="Cambria" charset="0"/>
+              </a:rPr>
+              <a:t>be used </a:t>
+            </a:r>
+            <a:r>
+              <a:rPr lang="en-US" sz="2400" dirty="0">
+                <a:ea typeface="Cambria" charset="0"/>
+                <a:cs typeface="Cambria" charset="0"/>
+              </a:rPr>
+              <a:t>to predict the blood’s velocity, its pressure, and wall displacement </a:t>
+            </a:r>
+            <a:r>
+              <a:rPr lang="en-US" sz="2400" dirty="0" err="1">
+                <a:ea typeface="Cambria" charset="0"/>
+                <a:cs typeface="Cambria" charset="0"/>
+              </a:rPr>
+              <a:t>pulsewave</a:t>
+            </a:r>
+            <a:r>
+              <a:rPr lang="en-US" sz="2400" dirty="0">
+                <a:ea typeface="Cambria" charset="0"/>
+                <a:cs typeface="Cambria" charset="0"/>
+              </a:rPr>
+              <a:t> </a:t>
+            </a:r>
+            <a:r>
+              <a:rPr lang="en-US" sz="2400" dirty="0" smtClean="0">
+                <a:ea typeface="Cambria" charset="0"/>
+                <a:cs typeface="Cambria" charset="0"/>
+              </a:rPr>
+              <a:t>propagation.[6]</a:t>
+            </a:r>
+          </a:p>
+          <a:p>
+            <a:pPr marL="342900" indent="-342900">
+              <a:buFont typeface="Arial" charset="0"/>
+              <a:buChar char="•"/>
+            </a:pPr>
+            <a:endParaRPr lang="en-US" sz="2400" b="0" dirty="0">
+              <a:ea typeface="Cambria" charset="0"/>
+              <a:cs typeface="Cambria" charset="0"/>
+            </a:endParaRPr>
+          </a:p>
+          <a:p>
+            <a:pPr marL="342900" indent="-342900">
+              <a:buFont typeface="Arial" charset="0"/>
+              <a:buChar char="•"/>
+            </a:pPr>
+            <a:r>
+              <a:rPr lang="en-US" sz="2400" dirty="0">
+                <a:ea typeface="Cambria" charset="0"/>
+                <a:cs typeface="Cambria" charset="0"/>
+              </a:rPr>
+              <a:t>geosciences to study earthquakes and </a:t>
+            </a:r>
+            <a:r>
+              <a:rPr lang="en-US" sz="2400" dirty="0" smtClean="0">
+                <a:ea typeface="Cambria" charset="0"/>
+                <a:cs typeface="Cambria" charset="0"/>
+              </a:rPr>
+              <a:t>to determine </a:t>
+            </a:r>
+            <a:r>
+              <a:rPr lang="en-US" sz="2400" dirty="0">
+                <a:ea typeface="Cambria" charset="0"/>
+                <a:cs typeface="Cambria" charset="0"/>
+              </a:rPr>
+              <a:t>the location of the hypocenter where this problem requires </a:t>
+            </a:r>
+            <a:r>
+              <a:rPr lang="en-US" sz="2400" dirty="0" smtClean="0">
+                <a:ea typeface="Cambria" charset="0"/>
+                <a:cs typeface="Cambria" charset="0"/>
+              </a:rPr>
+              <a:t>solving </a:t>
+            </a:r>
+            <a:r>
+              <a:rPr lang="en-US" sz="2400" dirty="0" err="1" smtClean="0">
+                <a:ea typeface="Cambria" charset="0"/>
+                <a:cs typeface="Cambria" charset="0"/>
+              </a:rPr>
+              <a:t>Eikonal</a:t>
+            </a:r>
+            <a:r>
+              <a:rPr lang="en-US" sz="2400" dirty="0" smtClean="0">
+                <a:ea typeface="Cambria" charset="0"/>
+                <a:cs typeface="Cambria" charset="0"/>
+              </a:rPr>
+              <a:t> equation.</a:t>
+            </a:r>
+          </a:p>
+          <a:p>
+            <a:pPr marL="342900" indent="-342900">
+              <a:buFont typeface="Arial" charset="0"/>
+              <a:buChar char="•"/>
+            </a:pPr>
+            <a:endParaRPr lang="en-US" sz="2400" b="0" dirty="0" smtClean="0">
+              <a:ea typeface="Cambria" charset="0"/>
+              <a:cs typeface="Cambria" charset="0"/>
+            </a:endParaRPr>
+          </a:p>
+          <a:p>
+            <a:pPr marL="342900" indent="-342900">
+              <a:buFont typeface="Arial" charset="0"/>
+              <a:buChar char="•"/>
+            </a:pPr>
+            <a:r>
+              <a:rPr lang="en-US" sz="2400" dirty="0">
+                <a:ea typeface="Cambria" charset="0"/>
+                <a:cs typeface="Cambria" charset="0"/>
+              </a:rPr>
+              <a:t>Applications in electrical engineering can involve solving the </a:t>
+            </a:r>
+            <a:r>
+              <a:rPr lang="en-US" sz="2400" dirty="0" smtClean="0">
+                <a:ea typeface="Cambria" charset="0"/>
+                <a:cs typeface="Cambria" charset="0"/>
+              </a:rPr>
+              <a:t>transmission line </a:t>
+            </a:r>
+            <a:r>
+              <a:rPr lang="en-US" sz="2400" dirty="0">
+                <a:ea typeface="Cambria" charset="0"/>
+                <a:cs typeface="Cambria" charset="0"/>
+              </a:rPr>
+              <a:t>equations or the swing </a:t>
+            </a:r>
+            <a:r>
+              <a:rPr lang="en-US" sz="2400" dirty="0" smtClean="0">
+                <a:ea typeface="Cambria" charset="0"/>
+                <a:cs typeface="Cambria" charset="0"/>
+              </a:rPr>
+              <a:t>equation.</a:t>
+            </a:r>
+            <a:endParaRPr lang="en-US" sz="2400" b="0" dirty="0">
+              <a:ea typeface="Cambria" charset="0"/>
+              <a:cs typeface="Cambria" charset="0"/>
+            </a:endParaRPr>
+          </a:p>
+          <a:p>
+            <a:pPr marL="342900" indent="-342900">
+              <a:buFont typeface="Arial" charset="0"/>
+              <a:buChar char="•"/>
+            </a:pPr>
+            <a:endParaRPr lang="en-US" sz="2400" b="0" dirty="0" smtClean="0">
+              <a:ea typeface="Cambria" charset="0"/>
+              <a:cs typeface="Cambria" charset="0"/>
+            </a:endParaRPr>
+          </a:p>
+        </p:txBody>
+      </p:sp>
+    </p:spTree>
+    <p:extLst>
+      <p:ext uri="{BB962C8B-B14F-4D97-AF65-F5344CB8AC3E}">
+        <p14:creationId xmlns:p14="http://schemas.microsoft.com/office/powerpoint/2010/main" val="869116327"/>
+      </p:ext>
+    </p:extLst>
+  </p:cSld>
+  <p:clrMapOvr>
+    <a:masterClrMapping/>
+  </p:clrMapOvr>
+  <p:timing>
+    <p:tnLst>
+      <p:par>
+        <p:cTn id="1" dur="indefinite" restart="never" nodeType="tmRoot"/>
+      </p:par>
+    </p:tnLst>
+  </p:timing>
+</p:sld>
+</file>
+
+<file path=ppt/slides/slide17.xml><?xml version="1.0" encoding="utf-8"?>
+<p:sld xmlns:a="http://schemas.openxmlformats.org/drawingml/2006/main" xmlns:r="http://schemas.openxmlformats.org/officeDocument/2006/relationships" xmlns:p="http://schemas.openxmlformats.org/presentationml/2006/main">
+  <p:cSld>
+    <p:spTree>
+      <p:nvGrpSpPr>
+        <p:cNvPr id="1" name=""/>
+        <p:cNvGrpSpPr/>
+        <p:nvPr/>
+      </p:nvGrpSpPr>
+      <p:grpSpPr>
+        <a:xfrm>
+          <a:off x="0" y="0"/>
+          <a:ext cx="0" cy="0"/>
+          <a:chOff x="0" y="0"/>
+          <a:chExt cx="0" cy="0"/>
+        </a:xfrm>
+      </p:grpSpPr>
+      <p:sp>
+        <p:nvSpPr>
+          <p:cNvPr id="2" name="Title 1">
+            <a:extLst>
+              <a:ext uri="{FF2B5EF4-FFF2-40B4-BE49-F238E27FC236}">
+                <a16:creationId xmlns:a16="http://schemas.microsoft.com/office/drawing/2014/main" xmlns="" id="{80487D18-0C2D-139A-CE9A-5846B55FC3E7}"/>
+              </a:ext>
+            </a:extLst>
+          </p:cNvPr>
+          <p:cNvSpPr>
+            <a:spLocks noGrp="1"/>
+          </p:cNvSpPr>
+          <p:nvPr>
+            <p:ph type="title"/>
+          </p:nvPr>
+        </p:nvSpPr>
+        <p:spPr>
+          <a:xfrm>
+            <a:off x="250824" y="152400"/>
+            <a:ext cx="9604376" cy="1325563"/>
+          </a:xfrm>
+        </p:spPr>
+        <p:txBody>
+          <a:bodyPr>
+            <a:normAutofit/>
+          </a:bodyPr>
+          <a:lstStyle/>
+          <a:p>
+            <a:r>
+              <a:rPr lang="en-US" dirty="0" smtClean="0"/>
+              <a:t>Conclusion</a:t>
+            </a:r>
+            <a:endParaRPr lang="en-US" dirty="0"/>
+          </a:p>
+        </p:txBody>
+      </p:sp>
+      <p:sp>
+        <p:nvSpPr>
+          <p:cNvPr id="6" name="TextBox 5"/>
+          <p:cNvSpPr txBox="1"/>
+          <p:nvPr/>
+        </p:nvSpPr>
+        <p:spPr>
+          <a:xfrm>
+            <a:off x="592666" y="1528763"/>
+            <a:ext cx="10092267" cy="3785652"/>
+          </a:xfrm>
+          <a:prstGeom prst="rect">
+            <a:avLst/>
+          </a:prstGeom>
+          <a:noFill/>
+        </p:spPr>
+        <p:txBody>
+          <a:bodyPr wrap="square" rtlCol="0">
+            <a:spAutoFit/>
+          </a:bodyPr>
+          <a:lstStyle/>
+          <a:p>
+            <a:pPr marL="342900" indent="-342900">
+              <a:buFont typeface="Arial" charset="0"/>
+              <a:buChar char="•"/>
+            </a:pPr>
+            <a:r>
+              <a:rPr lang="en-US" sz="2400" b="0" dirty="0" smtClean="0">
+                <a:ea typeface="Cambria" charset="0"/>
+                <a:cs typeface="Cambria" charset="0"/>
+              </a:rPr>
+              <a:t>PINN and </a:t>
+            </a:r>
+            <a:r>
+              <a:rPr lang="en-US" sz="2400" b="0" dirty="0" err="1" smtClean="0">
+                <a:ea typeface="Cambria" charset="0"/>
+                <a:cs typeface="Cambria" charset="0"/>
+              </a:rPr>
+              <a:t>DeepOnet</a:t>
+            </a:r>
+            <a:r>
+              <a:rPr lang="en-US" sz="2400" dirty="0" err="1" smtClean="0">
+                <a:ea typeface="Cambria" charset="0"/>
+                <a:cs typeface="Cambria" charset="0"/>
+              </a:rPr>
+              <a:t>s</a:t>
+            </a:r>
+            <a:r>
+              <a:rPr lang="en-US" sz="2400" dirty="0" smtClean="0">
+                <a:ea typeface="Cambria" charset="0"/>
+                <a:cs typeface="Cambria" charset="0"/>
+              </a:rPr>
+              <a:t> demonstrated their ability to approximate the solution of differential equations.</a:t>
+            </a:r>
+          </a:p>
+          <a:p>
+            <a:pPr marL="342900" indent="-342900">
+              <a:buFont typeface="Arial" charset="0"/>
+              <a:buChar char="•"/>
+            </a:pPr>
+            <a:endParaRPr lang="en-US" sz="2400" dirty="0">
+              <a:ea typeface="Cambria" charset="0"/>
+              <a:cs typeface="Cambria" charset="0"/>
+            </a:endParaRPr>
+          </a:p>
+          <a:p>
+            <a:pPr marL="342900" indent="-342900">
+              <a:buFont typeface="Arial" charset="0"/>
+              <a:buChar char="•"/>
+            </a:pPr>
+            <a:r>
+              <a:rPr lang="en-US" sz="2400" dirty="0" smtClean="0">
+                <a:ea typeface="Cambria" charset="0"/>
+                <a:cs typeface="Cambria" charset="0"/>
+              </a:rPr>
+              <a:t>The advantage of using deep learning methods is that they mesh-free, which means they can be used for large domains and high dimensional problems.</a:t>
+            </a:r>
+          </a:p>
+          <a:p>
+            <a:pPr marL="342900" indent="-342900">
+              <a:buFont typeface="Arial" charset="0"/>
+              <a:buChar char="•"/>
+            </a:pPr>
+            <a:endParaRPr lang="en-US" sz="2400" dirty="0">
+              <a:ea typeface="Cambria" charset="0"/>
+              <a:cs typeface="Cambria" charset="0"/>
+            </a:endParaRPr>
+          </a:p>
+          <a:p>
+            <a:pPr marL="342900" indent="-342900">
+              <a:buFont typeface="Arial" charset="0"/>
+              <a:buChar char="•"/>
+            </a:pPr>
+            <a:r>
+              <a:rPr lang="en-US" sz="2400" dirty="0" smtClean="0">
+                <a:ea typeface="Cambria" charset="0"/>
+                <a:cs typeface="Cambria" charset="0"/>
+              </a:rPr>
+              <a:t>The limitations include the accuracy of the approximated solutions, the need for large amount of training data, and the training duration.</a:t>
+            </a:r>
+          </a:p>
+          <a:p>
+            <a:pPr marL="342900" indent="-342900">
+              <a:buFont typeface="Arial" charset="0"/>
+              <a:buChar char="•"/>
+            </a:pPr>
+            <a:endParaRPr lang="en-US" sz="2400" b="0" dirty="0">
+              <a:ea typeface="Cambria" charset="0"/>
+              <a:cs typeface="Cambria" charset="0"/>
+            </a:endParaRPr>
+          </a:p>
+          <a:p>
+            <a:pPr marL="342900" indent="-342900">
+              <a:buFont typeface="Arial" charset="0"/>
+              <a:buChar char="•"/>
+            </a:pPr>
+            <a:endParaRPr lang="en-US" sz="2400" b="0" dirty="0" smtClean="0">
+              <a:ea typeface="Cambria" charset="0"/>
+              <a:cs typeface="Cambria" charset="0"/>
+            </a:endParaRPr>
+          </a:p>
+        </p:txBody>
+      </p:sp>
+    </p:spTree>
+    <p:extLst>
+      <p:ext uri="{BB962C8B-B14F-4D97-AF65-F5344CB8AC3E}">
+        <p14:creationId xmlns:p14="http://schemas.microsoft.com/office/powerpoint/2010/main" val="349742766"/>
+      </p:ext>
+    </p:extLst>
+  </p:cSld>
+  <p:clrMapOvr>
+    <a:masterClrMapping/>
+  </p:clrMapOvr>
+  <p:timing>
+    <p:tnLst>
+      <p:par>
+        <p:cTn id="1" dur="indefinite" restart="never" nodeType="tmRoot"/>
+      </p:par>
+    </p:tnLst>
+  </p:timing>
+</p:sld>
+</file>
+
+<file path=ppt/slides/slide18.xml><?xml version="1.0" encoding="utf-8"?>
+<p:sld xmlns:a="http://schemas.openxmlformats.org/drawingml/2006/main" xmlns:r="http://schemas.openxmlformats.org/officeDocument/2006/relationships" xmlns:p="http://schemas.openxmlformats.org/presentationml/2006/main">
+  <p:cSld>
+    <p:spTree>
+      <p:nvGrpSpPr>
+        <p:cNvPr id="1" name=""/>
+        <p:cNvGrpSpPr/>
+        <p:nvPr/>
+      </p:nvGrpSpPr>
+      <p:grpSpPr>
+        <a:xfrm>
+          <a:off x="0" y="0"/>
+          <a:ext cx="0" cy="0"/>
+          <a:chOff x="0" y="0"/>
+          <a:chExt cx="0" cy="0"/>
+        </a:xfrm>
+      </p:grpSpPr>
+      <p:sp>
+        <p:nvSpPr>
+          <p:cNvPr id="2" name="Title 1">
+            <a:extLst>
+              <a:ext uri="{FF2B5EF4-FFF2-40B4-BE49-F238E27FC236}">
                 <a16:creationId xmlns:a16="http://schemas.microsoft.com/office/drawing/2014/main" xmlns="" id="{F649BAA4-99C6-1186-E62F-4C8F5240904B}"/>
               </a:ext>
             </a:extLst>
@@ -3941,7 +6556,12 @@
             <p:ph type="title"/>
           </p:nvPr>
         </p:nvSpPr>
-        <p:spPr/>
+        <p:spPr>
+          <a:xfrm>
+            <a:off x="727042" y="161925"/>
+            <a:ext cx="10515600" cy="1325563"/>
+          </a:xfrm>
+        </p:spPr>
         <p:txBody>
           <a:bodyPr/>
           <a:lstStyle/>
@@ -3972,13 +6592,13 @@
         </p:nvSpPr>
         <p:spPr>
           <a:xfrm>
-            <a:off x="838199" y="1825625"/>
-            <a:ext cx="10737915" cy="4351338"/>
+            <a:off x="727042" y="1317624"/>
+            <a:ext cx="10737915" cy="5184775"/>
           </a:xfrm>
         </p:spPr>
         <p:txBody>
           <a:bodyPr>
-            <a:normAutofit fontScale="85000" lnSpcReduction="20000"/>
+            <a:noAutofit/>
           </a:bodyPr>
           <a:lstStyle/>
           <a:p>
@@ -3986,78 +6606,78 @@
               <a:buNone/>
             </a:pPr>
             <a:r>
-              <a:rPr lang="en-US" sz="2000" dirty="0" smtClean="0"/>
+              <a:rPr lang="en-US" sz="1800" dirty="0" smtClean="0"/>
               <a:t>[1] </a:t>
             </a:r>
             <a:r>
-              <a:rPr lang="en-US" sz="2000" dirty="0" err="1" smtClean="0">
+              <a:rPr lang="en-US" sz="1800" dirty="0" err="1" smtClean="0">
                 <a:effectLst/>
               </a:rPr>
               <a:t>Hornik</a:t>
             </a:r>
             <a:r>
-              <a:rPr lang="en-US" sz="2000" dirty="0" smtClean="0">
+              <a:rPr lang="en-US" sz="1800" dirty="0" smtClean="0">
                 <a:effectLst/>
               </a:rPr>
               <a:t>, K., </a:t>
             </a:r>
             <a:r>
-              <a:rPr lang="en-US" sz="2000" dirty="0" err="1" smtClean="0">
+              <a:rPr lang="en-US" sz="1800" dirty="0" err="1" smtClean="0">
                 <a:effectLst/>
               </a:rPr>
               <a:t>Stinchcombe</a:t>
             </a:r>
             <a:r>
-              <a:rPr lang="en-US" sz="2000" dirty="0" smtClean="0">
+              <a:rPr lang="en-US" sz="1800" dirty="0" smtClean="0">
                 <a:effectLst/>
               </a:rPr>
               <a:t>, M., &amp; White, H. (1989). Multilayer feedforward networks are universal </a:t>
             </a:r>
             <a:r>
-              <a:rPr lang="en-US" sz="2000" dirty="0" err="1" smtClean="0">
+              <a:rPr lang="en-US" sz="1800" dirty="0" err="1" smtClean="0">
                 <a:effectLst/>
               </a:rPr>
               <a:t>approximators</a:t>
             </a:r>
             <a:r>
-              <a:rPr lang="en-US" sz="2000" dirty="0" smtClean="0">
+              <a:rPr lang="en-US" sz="1800" dirty="0" smtClean="0">
                 <a:effectLst/>
               </a:rPr>
               <a:t>. </a:t>
             </a:r>
             <a:r>
-              <a:rPr lang="en-US" sz="2000" i="1" dirty="0" smtClean="0">
+              <a:rPr lang="en-US" sz="1800" i="1" dirty="0" smtClean="0">
                 <a:effectLst/>
               </a:rPr>
               <a:t>Neural Networks</a:t>
             </a:r>
             <a:r>
-              <a:rPr lang="en-US" sz="2000" dirty="0" smtClean="0">
+              <a:rPr lang="en-US" sz="1800" dirty="0" smtClean="0">
                 <a:effectLst/>
               </a:rPr>
               <a:t>, </a:t>
             </a:r>
             <a:r>
-              <a:rPr lang="en-US" sz="2000" i="1" dirty="0" smtClean="0">
+              <a:rPr lang="en-US" sz="1800" i="1" dirty="0" smtClean="0">
                 <a:effectLst/>
               </a:rPr>
               <a:t>2</a:t>
             </a:r>
             <a:r>
-              <a:rPr lang="en-US" sz="2000" dirty="0" smtClean="0">
+              <a:rPr lang="en-US" sz="1800" dirty="0" smtClean="0">
                 <a:effectLst/>
               </a:rPr>
               <a:t>(5), 359–366. </a:t>
             </a:r>
             <a:r>
-              <a:rPr lang="en-US" sz="2000" dirty="0" smtClean="0">
+              <a:rPr lang="en-US" sz="1800" dirty="0" smtClean="0">
                 <a:effectLst/>
                 <a:hlinkClick r:id="rId2"/>
               </a:rPr>
               <a:t>https://doi.org/10.1016/0893-6080(89)90020-8</a:t>
             </a:r>
             <a:r>
-              <a:rPr lang="en-US" sz="2000" dirty="0" smtClean="0">
+              <a:rPr lang="en-US" sz="1800" dirty="0" smtClean="0">
                 <a:effectLst/>
               </a:rPr>
               <a:t>.</a:t>
@@ -4067,85 +6687,85 @@
             <a:pPr marL="0" indent="0">
               <a:buNone/>
             </a:pPr>
-            <a:endParaRPr lang="en-US" sz="2000" dirty="0"/>
+            <a:endParaRPr lang="en-US" sz="1800" dirty="0"/>
           </a:p>
           <a:p>
             <a:pPr marL="0" indent="0">
               <a:buNone/>
             </a:pPr>
             <a:r>
-              <a:rPr lang="en-US" sz="2000" dirty="0" smtClean="0"/>
+              <a:rPr lang="en-US" sz="1800" dirty="0" smtClean="0"/>
               <a:t>[2] </a:t>
             </a:r>
             <a:r>
-              <a:rPr lang="en-US" sz="2000" dirty="0" err="1" smtClean="0">
+              <a:rPr lang="en-US" sz="1800" dirty="0" err="1" smtClean="0">
                 <a:effectLst/>
               </a:rPr>
               <a:t>Hornik</a:t>
             </a:r>
             <a:r>
-              <a:rPr lang="en-US" sz="2000" dirty="0" smtClean="0">
+              <a:rPr lang="en-US" sz="1800" dirty="0" smtClean="0">
                 <a:effectLst/>
               </a:rPr>
               <a:t>, K., </a:t>
             </a:r>
             <a:r>
-              <a:rPr lang="en-US" sz="2000" dirty="0" err="1" smtClean="0">
+              <a:rPr lang="en-US" sz="1800" dirty="0" err="1" smtClean="0">
                 <a:effectLst/>
               </a:rPr>
               <a:t>Stinchcombe</a:t>
             </a:r>
             <a:r>
-              <a:rPr lang="en-US" sz="2000" dirty="0" smtClean="0">
+              <a:rPr lang="en-US" sz="1800" dirty="0" smtClean="0">
                 <a:effectLst/>
               </a:rPr>
               <a:t>, M., &amp; White, H. (1989). Multilayer feedforward networks are universal </a:t>
             </a:r>
             <a:r>
-              <a:rPr lang="en-US" sz="2000" dirty="0" err="1" smtClean="0">
+              <a:rPr lang="en-US" sz="1800" dirty="0" err="1" smtClean="0">
                 <a:effectLst/>
               </a:rPr>
               <a:t>approximators</a:t>
             </a:r>
             <a:r>
-              <a:rPr lang="en-US" sz="2000" dirty="0" smtClean="0">
+              <a:rPr lang="en-US" sz="1800" dirty="0" smtClean="0">
                 <a:effectLst/>
               </a:rPr>
               <a:t>. </a:t>
             </a:r>
             <a:r>
-              <a:rPr lang="en-US" sz="2000" i="1" dirty="0" smtClean="0">
+              <a:rPr lang="en-US" sz="1800" i="1" dirty="0" smtClean="0">
                 <a:effectLst/>
               </a:rPr>
               <a:t>Neural Networks</a:t>
             </a:r>
             <a:r>
-              <a:rPr lang="en-US" sz="2000" dirty="0" smtClean="0">
+              <a:rPr lang="en-US" sz="1800" dirty="0" smtClean="0">
                 <a:effectLst/>
               </a:rPr>
               <a:t>, </a:t>
             </a:r>
             <a:r>
-              <a:rPr lang="en-US" sz="2000" i="1" dirty="0" smtClean="0">
+              <a:rPr lang="en-US" sz="1800" i="1" dirty="0" smtClean="0">
                 <a:effectLst/>
               </a:rPr>
               <a:t>2</a:t>
             </a:r>
             <a:r>
-              <a:rPr lang="en-US" sz="2000" dirty="0" smtClean="0">
+              <a:rPr lang="en-US" sz="1800" dirty="0" smtClean="0">
                 <a:effectLst/>
               </a:rPr>
               <a:t>(5), 359–366. </a:t>
             </a:r>
             <a:r>
-              <a:rPr lang="en-US" sz="2000" dirty="0" smtClean="0">
+              <a:rPr lang="en-US" sz="1800" dirty="0" smtClean="0">
                 <a:effectLst/>
                 <a:hlinkClick r:id="rId2"/>
               </a:rPr>
               <a:t>https://doi.org/10.1016/0893-6080(89)90020-8</a:t>
             </a:r>
             <a:r>
-              <a:rPr lang="en-US" sz="2000" dirty="0" smtClean="0">
+              <a:rPr lang="en-US" sz="1800" dirty="0" smtClean="0">
                 <a:effectLst/>
               </a:rPr>
               <a:t>.</a:t>
@@ -4155,50 +6775,50 @@
             <a:pPr marL="0" indent="0">
               <a:buNone/>
             </a:pPr>
-            <a:endParaRPr lang="en-US" sz="2000" dirty="0"/>
+            <a:endParaRPr lang="en-US" sz="1800" dirty="0"/>
           </a:p>
           <a:p>
             <a:pPr marL="0" indent="0">
               <a:buNone/>
             </a:pPr>
             <a:r>
-              <a:rPr lang="en-US" sz="2000" dirty="0" smtClean="0">
+              <a:rPr lang="en-US" sz="1800" dirty="0" smtClean="0">
                 <a:effectLst/>
               </a:rPr>
               <a:t>[3] Bartholomew-Biggs, M., Brown, S., Christianson, B., &amp; Dixon, L. (2000). Automatic differentiation of algorithms. </a:t>
             </a:r>
             <a:r>
-              <a:rPr lang="en-US" sz="2000" i="1" dirty="0" smtClean="0">
+              <a:rPr lang="en-US" sz="1800" i="1" dirty="0" smtClean="0">
                 <a:effectLst/>
               </a:rPr>
               <a:t>Journal of Computational and Applied Mathematics</a:t>
             </a:r>
             <a:r>
-              <a:rPr lang="en-US" sz="2000" dirty="0" smtClean="0">
+              <a:rPr lang="en-US" sz="1800" dirty="0" smtClean="0">
                 <a:effectLst/>
               </a:rPr>
               <a:t>, </a:t>
             </a:r>
             <a:r>
-              <a:rPr lang="en-US" sz="2000" i="1" dirty="0" smtClean="0">
+              <a:rPr lang="en-US" sz="1800" i="1" dirty="0" smtClean="0">
                 <a:effectLst/>
               </a:rPr>
               <a:t>124</a:t>
             </a:r>
             <a:r>
-              <a:rPr lang="en-US" sz="2000" dirty="0" smtClean="0">
+              <a:rPr lang="en-US" sz="1800" dirty="0" smtClean="0">
                 <a:effectLst/>
               </a:rPr>
               <a:t>(1–2), 171–190. https://</a:t>
             </a:r>
             <a:r>
-              <a:rPr lang="en-US" sz="2000" dirty="0" err="1" smtClean="0">
+              <a:rPr lang="en-US" sz="1800" dirty="0" err="1" smtClean="0">
                 <a:effectLst/>
               </a:rPr>
               <a:t>doi.org</a:t>
             </a:r>
             <a:r>
-              <a:rPr lang="en-US" sz="2000" dirty="0" smtClean="0">
+              <a:rPr lang="en-US" sz="1800" dirty="0" smtClean="0">
                 <a:effectLst/>
               </a:rPr>
               <a:t>/10.1016/s0377-0427(00)00422-2 </a:t>
@@ -4208,7 +6828,7 @@
             <a:pPr marL="0" indent="0">
               <a:buNone/>
             </a:pPr>
-            <a:endParaRPr lang="en-US" sz="2000" dirty="0" smtClean="0">
+            <a:endParaRPr lang="en-US" sz="1800" dirty="0" smtClean="0">
               <a:effectLst/>
             </a:endParaRPr>
           </a:p>
@@ -4217,71 +6837,71 @@
               <a:buNone/>
             </a:pPr>
             <a:r>
-              <a:rPr lang="en-US" sz="2000" dirty="0" smtClean="0"/>
+              <a:rPr lang="en-US" sz="1800" dirty="0" smtClean="0"/>
               <a:t>[4]</a:t>
             </a:r>
             <a:r>
-              <a:rPr lang="en-US" sz="2000" dirty="0" smtClean="0">
+              <a:rPr lang="en-US" sz="1800" dirty="0" smtClean="0">
                 <a:effectLst/>
               </a:rPr>
               <a:t> Wang, S., Wang, H., &amp; </a:t>
             </a:r>
             <a:r>
-              <a:rPr lang="en-US" sz="2000" dirty="0" err="1" smtClean="0">
+              <a:rPr lang="en-US" sz="1800" dirty="0" err="1" smtClean="0">
                 <a:effectLst/>
               </a:rPr>
               <a:t>Perdikaris</a:t>
             </a:r>
             <a:r>
-              <a:rPr lang="en-US" sz="2000" dirty="0" smtClean="0">
+              <a:rPr lang="en-US" sz="1800" dirty="0" smtClean="0">
                 <a:effectLst/>
               </a:rPr>
               <a:t>, P. (2021). Learning the solution operator of parametric partial differential equations with physics-informed </a:t>
             </a:r>
             <a:r>
-              <a:rPr lang="en-US" sz="2000" dirty="0" err="1" smtClean="0">
+              <a:rPr lang="en-US" sz="1800" dirty="0" err="1" smtClean="0">
                 <a:effectLst/>
               </a:rPr>
               <a:t>deeponets</a:t>
             </a:r>
             <a:r>
-              <a:rPr lang="en-US" sz="2000" dirty="0" smtClean="0">
+              <a:rPr lang="en-US" sz="1800" dirty="0" smtClean="0">
                 <a:effectLst/>
               </a:rPr>
               <a:t>. </a:t>
             </a:r>
             <a:r>
-              <a:rPr lang="en-US" sz="2000" i="1" dirty="0" smtClean="0">
+              <a:rPr lang="en-US" sz="1800" i="1" dirty="0" smtClean="0">
                 <a:effectLst/>
               </a:rPr>
               <a:t>Science Advances</a:t>
             </a:r>
             <a:r>
-              <a:rPr lang="en-US" sz="2000" dirty="0" smtClean="0">
+              <a:rPr lang="en-US" sz="1800" dirty="0" smtClean="0">
                 <a:effectLst/>
               </a:rPr>
               <a:t>, </a:t>
             </a:r>
             <a:r>
-              <a:rPr lang="en-US" sz="2000" i="1" dirty="0" smtClean="0">
+              <a:rPr lang="en-US" sz="1800" i="1" dirty="0" smtClean="0">
                 <a:effectLst/>
               </a:rPr>
               <a:t>7</a:t>
             </a:r>
             <a:r>
-              <a:rPr lang="en-US" sz="2000" dirty="0" smtClean="0">
+              <a:rPr lang="en-US" sz="1800" dirty="0" smtClean="0">
                 <a:effectLst/>
               </a:rPr>
               <a:t>(40). https://</a:t>
             </a:r>
             <a:r>
-              <a:rPr lang="en-US" sz="2000" dirty="0" err="1" smtClean="0">
+              <a:rPr lang="en-US" sz="1800" dirty="0" err="1" smtClean="0">
                 <a:effectLst/>
               </a:rPr>
               <a:t>doi.org</a:t>
             </a:r>
             <a:r>
-              <a:rPr lang="en-US" sz="2000" dirty="0" smtClean="0">
+              <a:rPr lang="en-US" sz="1800" dirty="0" smtClean="0">
                 <a:effectLst/>
               </a:rPr>
               <a:t>/10.1126/sciadv.abi8605 </a:t>
@@ -4291,62 +6911,62 @@
             <a:pPr marL="0" indent="0">
               <a:buNone/>
             </a:pPr>
-            <a:endParaRPr lang="en-US" sz="2000" dirty="0"/>
+            <a:endParaRPr lang="en-US" sz="1800" dirty="0"/>
           </a:p>
           <a:p>
             <a:pPr marL="0" indent="0">
               <a:buNone/>
             </a:pPr>
             <a:r>
-              <a:rPr lang="en-US" sz="2000" dirty="0" smtClean="0">
+              <a:rPr lang="en-US" sz="1800" dirty="0" smtClean="0">
                 <a:effectLst/>
               </a:rPr>
               <a:t>[5] </a:t>
             </a:r>
             <a:r>
-              <a:rPr lang="en-US" sz="2000" dirty="0" err="1" smtClean="0">
+              <a:rPr lang="en-US" sz="1800" dirty="0" err="1" smtClean="0">
                 <a:effectLst/>
               </a:rPr>
               <a:t>Tianping</a:t>
             </a:r>
             <a:r>
-              <a:rPr lang="en-US" sz="2000" dirty="0" smtClean="0">
+              <a:rPr lang="en-US" sz="1800" dirty="0" smtClean="0">
                 <a:effectLst/>
               </a:rPr>
               <a:t> Chen, &amp; Hong Chen. (1995). Universal approximation to nonlinear operators by neural networks with arbitrary activation functions and its application to dynamical systems. </a:t>
             </a:r>
             <a:r>
-              <a:rPr lang="en-US" sz="2000" i="1" dirty="0" smtClean="0">
+              <a:rPr lang="en-US" sz="1800" i="1" dirty="0" smtClean="0">
                 <a:effectLst/>
               </a:rPr>
               <a:t>IEEE Transactions on Neural Networks</a:t>
             </a:r>
             <a:r>
-              <a:rPr lang="en-US" sz="2000" dirty="0" smtClean="0">
+              <a:rPr lang="en-US" sz="1800" dirty="0" smtClean="0">
                 <a:effectLst/>
               </a:rPr>
               <a:t>, </a:t>
             </a:r>
             <a:r>
-              <a:rPr lang="en-US" sz="2000" i="1" dirty="0" smtClean="0">
+              <a:rPr lang="en-US" sz="1800" i="1" dirty="0" smtClean="0">
                 <a:effectLst/>
               </a:rPr>
               <a:t>6</a:t>
             </a:r>
             <a:r>
-              <a:rPr lang="en-US" sz="2000" dirty="0" smtClean="0">
+              <a:rPr lang="en-US" sz="1800" dirty="0" smtClean="0">
                 <a:effectLst/>
               </a:rPr>
               <a:t>(4), 911–917. https://</a:t>
             </a:r>
             <a:r>
-              <a:rPr lang="en-US" sz="2000" dirty="0" err="1" smtClean="0">
+              <a:rPr lang="en-US" sz="1800" dirty="0" err="1" smtClean="0">
                 <a:effectLst/>
               </a:rPr>
               <a:t>doi.org</a:t>
             </a:r>
             <a:r>
-              <a:rPr lang="en-US" sz="2000" dirty="0" smtClean="0">
+              <a:rPr lang="en-US" sz="1800" dirty="0" smtClean="0">
                 <a:effectLst/>
               </a:rPr>
               <a:t>/10.1109/72.392253 </a:t>
@@ -4356,7 +6976,7 @@
             <a:pPr marL="0" indent="0">
               <a:buNone/>
             </a:pPr>
-            <a:endParaRPr lang="en-US" sz="2000" dirty="0" smtClean="0">
+            <a:endParaRPr lang="en-US" sz="1800" dirty="0" smtClean="0">
               <a:effectLst/>
             </a:endParaRPr>
           </a:p>
@@ -4364,7 +6984,7 @@
             <a:pPr marL="0" indent="0">
               <a:buNone/>
             </a:pPr>
-            <a:endParaRPr lang="en-US" sz="2000" dirty="0" smtClean="0">
+            <a:endParaRPr lang="en-US" sz="1800" dirty="0" smtClean="0">
               <a:effectLst/>
             </a:endParaRPr>
           </a:p>
@@ -4372,7 +6992,7 @@
             <a:pPr marL="0" indent="0">
               <a:buNone/>
             </a:pPr>
-            <a:endParaRPr lang="en-US" sz="2000" dirty="0" smtClean="0"/>
+            <a:endParaRPr lang="en-US" sz="1800" dirty="0" smtClean="0"/>
           </a:p>
         </p:txBody>
       </p:sp>
@@ -4380,6 +7000,457 @@
     <p:extLst>
       <p:ext uri="{BB962C8B-B14F-4D97-AF65-F5344CB8AC3E}">
         <p14:creationId xmlns:p14="http://schemas.microsoft.com/office/powerpoint/2010/main" val="2091122868"/>
+      </p:ext>
+    </p:extLst>
+  </p:cSld>
+  <p:clrMapOvr>
+    <a:masterClrMapping/>
+  </p:clrMapOvr>
+  <p:timing>
+    <p:tnLst>
+      <p:par>
+        <p:cTn id="1" dur="indefinite" restart="never" nodeType="tmRoot"/>
+      </p:par>
+    </p:tnLst>
+  </p:timing>
+</p:sld>
+</file>
+
+<file path=ppt/slides/slide19.xml><?xml version="1.0" encoding="utf-8"?>
+<p:sld xmlns:a="http://schemas.openxmlformats.org/drawingml/2006/main" xmlns:r="http://schemas.openxmlformats.org/officeDocument/2006/relationships" xmlns:p="http://schemas.openxmlformats.org/presentationml/2006/main">
+  <p:cSld>
+    <p:spTree>
+      <p:nvGrpSpPr>
+        <p:cNvPr id="1" name=""/>
+        <p:cNvGrpSpPr/>
+        <p:nvPr/>
+      </p:nvGrpSpPr>
+      <p:grpSpPr>
+        <a:xfrm>
+          <a:off x="0" y="0"/>
+          <a:ext cx="0" cy="0"/>
+          <a:chOff x="0" y="0"/>
+          <a:chExt cx="0" cy="0"/>
+        </a:xfrm>
+      </p:grpSpPr>
+      <p:sp>
+        <p:nvSpPr>
+          <p:cNvPr id="2" name="Title 1">
+            <a:extLst>
+              <a:ext uri="{FF2B5EF4-FFF2-40B4-BE49-F238E27FC236}">
+                <a16:creationId xmlns:a16="http://schemas.microsoft.com/office/drawing/2014/main" xmlns="" id="{F649BAA4-99C6-1186-E62F-4C8F5240904B}"/>
+              </a:ext>
+            </a:extLst>
+          </p:cNvPr>
+          <p:cNvSpPr>
+            <a:spLocks noGrp="1"/>
+          </p:cNvSpPr>
+          <p:nvPr>
+            <p:ph type="title"/>
+          </p:nvPr>
+        </p:nvSpPr>
+        <p:spPr>
+          <a:xfrm>
+            <a:off x="727042" y="161925"/>
+            <a:ext cx="10515600" cy="1325563"/>
+          </a:xfrm>
+        </p:spPr>
+        <p:txBody>
+          <a:bodyPr/>
+          <a:lstStyle/>
+          <a:p>
+            <a:r>
+              <a:rPr lang="en-US" dirty="0" smtClean="0"/>
+              <a:t>References </a:t>
+            </a:r>
+            <a:endParaRPr lang="en-US" dirty="0"/>
+          </a:p>
+        </p:txBody>
+      </p:sp>
+      <p:sp>
+        <p:nvSpPr>
+          <p:cNvPr id="3" name="Content Placeholder 2">
+            <a:extLst>
+              <a:ext uri="{FF2B5EF4-FFF2-40B4-BE49-F238E27FC236}">
+                <a16:creationId xmlns:a16="http://schemas.microsoft.com/office/drawing/2014/main" xmlns:a14="http://schemas.microsoft.com/office/drawing/2010/main" xmlns:mc="http://schemas.openxmlformats.org/markup-compatibility/2006" xmlns="" id="{3888BF3A-8B96-BFC7-F483-E9DB735E8580}"/>
+              </a:ext>
+            </a:extLst>
+          </p:cNvPr>
+          <p:cNvSpPr>
+            <a:spLocks noGrp="1"/>
+          </p:cNvSpPr>
+          <p:nvPr>
+            <p:ph sz="half" idx="1"/>
+          </p:nvPr>
+        </p:nvSpPr>
+        <p:spPr>
+          <a:xfrm>
+            <a:off x="727042" y="1317624"/>
+            <a:ext cx="10737915" cy="5184775"/>
+          </a:xfrm>
+        </p:spPr>
+        <p:txBody>
+          <a:bodyPr>
+            <a:noAutofit/>
+          </a:bodyPr>
+          <a:lstStyle/>
+          <a:p>
+            <a:pPr marL="0" indent="0">
+              <a:buNone/>
+            </a:pPr>
+            <a:r>
+              <a:rPr lang="en-US" sz="1800" dirty="0" smtClean="0"/>
+              <a:t>[6] </a:t>
+            </a:r>
+            <a:r>
+              <a:rPr lang="en-US" sz="1800" dirty="0" err="1" smtClean="0">
+                <a:effectLst/>
+              </a:rPr>
+              <a:t>Kissas</a:t>
+            </a:r>
+            <a:r>
+              <a:rPr lang="en-US" sz="1800" dirty="0" smtClean="0">
+                <a:effectLst/>
+              </a:rPr>
+              <a:t>, G., Yang, Y., </a:t>
+            </a:r>
+            <a:r>
+              <a:rPr lang="en-US" sz="1800" dirty="0" err="1" smtClean="0">
+                <a:effectLst/>
+              </a:rPr>
+              <a:t>Hwuang</a:t>
+            </a:r>
+            <a:r>
+              <a:rPr lang="en-US" sz="1800" dirty="0" smtClean="0">
+                <a:effectLst/>
+              </a:rPr>
+              <a:t>, E., </a:t>
+            </a:r>
+            <a:r>
+              <a:rPr lang="en-US" sz="1800" dirty="0" err="1" smtClean="0">
+                <a:effectLst/>
+              </a:rPr>
+              <a:t>Witschey</a:t>
+            </a:r>
+            <a:r>
+              <a:rPr lang="en-US" sz="1800" dirty="0" smtClean="0">
+                <a:effectLst/>
+              </a:rPr>
+              <a:t>, W. R., </a:t>
+            </a:r>
+            <a:r>
+              <a:rPr lang="en-US" sz="1800" dirty="0" err="1" smtClean="0">
+                <a:effectLst/>
+              </a:rPr>
+              <a:t>Detre</a:t>
+            </a:r>
+            <a:r>
+              <a:rPr lang="en-US" sz="1800" dirty="0" smtClean="0">
+                <a:effectLst/>
+              </a:rPr>
+              <a:t>, J. A., &amp; </a:t>
+            </a:r>
+            <a:r>
+              <a:rPr lang="en-US" sz="1800" dirty="0" err="1" smtClean="0">
+                <a:effectLst/>
+              </a:rPr>
+              <a:t>Perdikaris</a:t>
+            </a:r>
+            <a:r>
+              <a:rPr lang="en-US" sz="1800" dirty="0" smtClean="0">
+                <a:effectLst/>
+              </a:rPr>
+              <a:t>, P. (2020). Machine learning in Cardiovascular flows modeling: Predicting arterial blood pressure from non-invasive 4D flow MRI data using physics-informed Neural Networks. </a:t>
+            </a:r>
+            <a:r>
+              <a:rPr lang="en-US" sz="1800" i="1" dirty="0" smtClean="0">
+                <a:effectLst/>
+              </a:rPr>
+              <a:t>Computer Methods in Applied Mechanics and Engineering</a:t>
+            </a:r>
+            <a:r>
+              <a:rPr lang="en-US" sz="1800" dirty="0" smtClean="0">
+                <a:effectLst/>
+              </a:rPr>
+              <a:t>, </a:t>
+            </a:r>
+            <a:r>
+              <a:rPr lang="en-US" sz="1800" i="1" dirty="0" smtClean="0">
+                <a:effectLst/>
+              </a:rPr>
+              <a:t>358</a:t>
+            </a:r>
+            <a:r>
+              <a:rPr lang="en-US" sz="1800" dirty="0" smtClean="0">
+                <a:effectLst/>
+              </a:rPr>
+              <a:t>, 112623. </a:t>
+            </a:r>
+            <a:r>
+              <a:rPr lang="en-US" sz="1800" dirty="0" smtClean="0">
+                <a:effectLst/>
+                <a:hlinkClick r:id="rId2"/>
+              </a:rPr>
+              <a:t>https://doi.org/10.1016/j.cma.2019.112623</a:t>
+            </a:r>
+            <a:r>
+              <a:rPr lang="en-US" sz="1800" dirty="0" smtClean="0">
+                <a:effectLst/>
+              </a:rPr>
+              <a:t>. </a:t>
+            </a:r>
+          </a:p>
+          <a:p>
+            <a:pPr marL="0" indent="0">
+              <a:buNone/>
+            </a:pPr>
+            <a:endParaRPr lang="en-US" sz="1800" dirty="0"/>
+          </a:p>
+          <a:p>
+            <a:pPr marL="0" indent="0">
+              <a:buNone/>
+            </a:pPr>
+            <a:r>
+              <a:rPr lang="en-US" sz="1800" dirty="0" smtClean="0">
+                <a:effectLst/>
+              </a:rPr>
+              <a:t>[7] Smith, J. D., Ross, Z. E., </a:t>
+            </a:r>
+            <a:r>
+              <a:rPr lang="en-US" sz="1800" dirty="0" err="1" smtClean="0">
+                <a:effectLst/>
+              </a:rPr>
+              <a:t>Azizzadenesheli</a:t>
+            </a:r>
+            <a:r>
+              <a:rPr lang="en-US" sz="1800" dirty="0" smtClean="0">
+                <a:effectLst/>
+              </a:rPr>
+              <a:t>, K., &amp; Muir, J. B. (2021). </a:t>
+            </a:r>
+            <a:r>
+              <a:rPr lang="en-US" sz="1800" dirty="0" err="1" smtClean="0">
+                <a:effectLst/>
+              </a:rPr>
+              <a:t>Hyposvi</a:t>
+            </a:r>
+            <a:r>
+              <a:rPr lang="en-US" sz="1800" dirty="0" smtClean="0">
+                <a:effectLst/>
+              </a:rPr>
+              <a:t>: </a:t>
+            </a:r>
+            <a:r>
+              <a:rPr lang="en-US" sz="1800" dirty="0" err="1" smtClean="0">
+                <a:effectLst/>
+              </a:rPr>
+              <a:t>Hypocentre</a:t>
+            </a:r>
+            <a:r>
+              <a:rPr lang="en-US" sz="1800" dirty="0" smtClean="0">
+                <a:effectLst/>
+              </a:rPr>
+              <a:t> inversion with Stein </a:t>
+            </a:r>
+            <a:r>
+              <a:rPr lang="en-US" sz="1800" dirty="0" err="1" smtClean="0">
+                <a:effectLst/>
+              </a:rPr>
+              <a:t>variational</a:t>
+            </a:r>
+            <a:r>
+              <a:rPr lang="en-US" sz="1800" dirty="0" smtClean="0">
+                <a:effectLst/>
+              </a:rPr>
+              <a:t> inference and physics informed Neural Networks. </a:t>
+            </a:r>
+            <a:r>
+              <a:rPr lang="en-US" sz="1800" i="1" dirty="0" smtClean="0">
+                <a:effectLst/>
+              </a:rPr>
+              <a:t>Geophysical Journal International</a:t>
+            </a:r>
+            <a:r>
+              <a:rPr lang="en-US" sz="1800" dirty="0" smtClean="0">
+                <a:effectLst/>
+              </a:rPr>
+              <a:t>, </a:t>
+            </a:r>
+            <a:r>
+              <a:rPr lang="en-US" sz="1800" i="1" dirty="0" smtClean="0">
+                <a:effectLst/>
+              </a:rPr>
+              <a:t>228</a:t>
+            </a:r>
+            <a:r>
+              <a:rPr lang="en-US" sz="1800" dirty="0" smtClean="0">
+                <a:effectLst/>
+              </a:rPr>
+              <a:t>(1), 698–710. </a:t>
+            </a:r>
+            <a:r>
+              <a:rPr lang="en-US" sz="1800" dirty="0" smtClean="0">
+                <a:effectLst/>
+                <a:hlinkClick r:id="rId3"/>
+              </a:rPr>
+              <a:t>https://doi.org/10.1093/gji/ggab309</a:t>
+            </a:r>
+            <a:r>
+              <a:rPr lang="en-US" sz="1800" dirty="0" smtClean="0">
+                <a:effectLst/>
+              </a:rPr>
+              <a:t>. </a:t>
+            </a:r>
+          </a:p>
+          <a:p>
+            <a:pPr marL="0" indent="0">
+              <a:buNone/>
+            </a:pPr>
+            <a:endParaRPr lang="en-US" sz="1800" dirty="0"/>
+          </a:p>
+          <a:p>
+            <a:pPr marL="0" indent="0">
+              <a:buNone/>
+            </a:pPr>
+            <a:r>
+              <a:rPr lang="en-US" sz="1800" dirty="0" smtClean="0">
+                <a:effectLst/>
+              </a:rPr>
+              <a:t>[8] </a:t>
+            </a:r>
+            <a:r>
+              <a:rPr lang="en-US" sz="1800" dirty="0" err="1" smtClean="0">
+                <a:effectLst/>
+              </a:rPr>
+              <a:t>Misyris</a:t>
+            </a:r>
+            <a:r>
+              <a:rPr lang="en-US" sz="1800" dirty="0" smtClean="0">
+                <a:effectLst/>
+              </a:rPr>
+              <a:t>, G.S., </a:t>
+            </a:r>
+            <a:r>
+              <a:rPr lang="en-US" sz="1800" dirty="0" err="1" smtClean="0">
+                <a:effectLst/>
+              </a:rPr>
+              <a:t>Venzke</a:t>
+            </a:r>
+            <a:r>
+              <a:rPr lang="en-US" sz="1800" dirty="0" smtClean="0">
+                <a:effectLst/>
+              </a:rPr>
+              <a:t>, A., </a:t>
+            </a:r>
+            <a:r>
+              <a:rPr lang="en-US" sz="1800" dirty="0" err="1" smtClean="0">
+                <a:effectLst/>
+              </a:rPr>
+              <a:t>Chatzivasileiadis</a:t>
+            </a:r>
+            <a:r>
+              <a:rPr lang="en-US" sz="1800" dirty="0" smtClean="0">
+                <a:effectLst/>
+              </a:rPr>
+              <a:t>, S.: Physics-informed neural networks for power systems.2020 IEEE Power &amp; Energy Society General Meeting (PESGM) pp. 1–5 (2020)</a:t>
+            </a:r>
+          </a:p>
+          <a:p>
+            <a:pPr marL="0" indent="0">
+              <a:buNone/>
+            </a:pPr>
+            <a:endParaRPr lang="en-US" sz="1800" dirty="0"/>
+          </a:p>
+          <a:p>
+            <a:pPr marL="0" indent="0">
+              <a:buNone/>
+            </a:pPr>
+            <a:r>
+              <a:rPr lang="en-US" sz="1800" dirty="0" smtClean="0">
+                <a:effectLst/>
+              </a:rPr>
+              <a:t>[9] </a:t>
+            </a:r>
+            <a:r>
+              <a:rPr lang="en-US" sz="1800" dirty="0" err="1" smtClean="0">
+                <a:effectLst/>
+              </a:rPr>
+              <a:t>Stiasny</a:t>
+            </a:r>
+            <a:r>
+              <a:rPr lang="en-US" sz="1800" dirty="0" smtClean="0">
+                <a:effectLst/>
+              </a:rPr>
+              <a:t> J, </a:t>
+            </a:r>
+            <a:r>
+              <a:rPr lang="en-US" sz="1800" dirty="0" err="1" smtClean="0">
+                <a:effectLst/>
+              </a:rPr>
+              <a:t>Misyris</a:t>
+            </a:r>
+            <a:r>
+              <a:rPr lang="en-US" sz="1800" dirty="0" smtClean="0">
+                <a:effectLst/>
+              </a:rPr>
+              <a:t> GS, </a:t>
+            </a:r>
+            <a:r>
+              <a:rPr lang="en-US" sz="1800" dirty="0" err="1" smtClean="0">
+                <a:effectLst/>
+              </a:rPr>
+              <a:t>Chatzivasileiadis</a:t>
+            </a:r>
+            <a:r>
+              <a:rPr lang="en-US" sz="1800" dirty="0" smtClean="0">
+                <a:effectLst/>
+              </a:rPr>
+              <a:t> S (2021) Physics-Informed Neural Networks for Non-</a:t>
+            </a:r>
+            <a:r>
+              <a:rPr lang="en-US" sz="1800" dirty="0" err="1" smtClean="0">
+                <a:effectLst/>
+              </a:rPr>
+              <a:t>linearSystem</a:t>
+            </a:r>
+            <a:r>
+              <a:rPr lang="en-US" sz="1800" dirty="0" smtClean="0">
+                <a:effectLst/>
+              </a:rPr>
+              <a:t> Identification for Power System Dynamics. In: 2021 IEEE Madrid </a:t>
+            </a:r>
+            <a:r>
+              <a:rPr lang="en-US" sz="1800" dirty="0" err="1" smtClean="0">
+                <a:effectLst/>
+              </a:rPr>
+              <a:t>PowerTech</a:t>
+            </a:r>
+            <a:r>
+              <a:rPr lang="en-US" sz="1800" dirty="0" smtClean="0">
+                <a:effectLst/>
+              </a:rPr>
+              <a:t>, pp 1–6, </a:t>
+            </a:r>
+            <a:r>
+              <a:rPr lang="en-US" sz="1800" dirty="0" smtClean="0">
+                <a:effectLst/>
+                <a:hlinkClick r:id="rId4"/>
+              </a:rPr>
+              <a:t>https://doi.org/10.1109/PowerTech46648.2021.9495063</a:t>
+            </a:r>
+            <a:r>
+              <a:rPr lang="en-US" sz="1800" dirty="0" smtClean="0">
+                <a:effectLst/>
+              </a:rPr>
+              <a:t>. </a:t>
+            </a:r>
+          </a:p>
+        </p:txBody>
+      </p:sp>
+    </p:spTree>
+    <p:extLst>
+      <p:ext uri="{BB962C8B-B14F-4D97-AF65-F5344CB8AC3E}">
+        <p14:creationId xmlns:p14="http://schemas.microsoft.com/office/powerpoint/2010/main" val="1901597727"/>
       </p:ext>
     </p:extLst>
   </p:cSld>
